--- a/slides/Introduction to KeyStone Software Ecosystem.pptx
+++ b/slides/Introduction to KeyStone Software Ecosystem.pptx
@@ -10,7 +10,7 @@
     <p:sldMasterId id="2147483673" r:id="rId6"/>
   </p:sldMasterIdLst>
   <p:notesMasterIdLst>
-    <p:notesMasterId r:id="rId26"/>
+    <p:notesMasterId r:id="rId27"/>
   </p:notesMasterIdLst>
   <p:sldIdLst>
     <p:sldId id="293" r:id="rId7"/>
@@ -20,23 +20,24 @@
     <p:sldId id="260" r:id="rId11"/>
     <p:sldId id="286" r:id="rId12"/>
     <p:sldId id="262" r:id="rId13"/>
-    <p:sldId id="266" r:id="rId14"/>
-    <p:sldId id="268" r:id="rId15"/>
-    <p:sldId id="269" r:id="rId16"/>
-    <p:sldId id="290" r:id="rId17"/>
+    <p:sldId id="294" r:id="rId14"/>
+    <p:sldId id="290" r:id="rId15"/>
+    <p:sldId id="266" r:id="rId16"/>
+    <p:sldId id="268" r:id="rId17"/>
     <p:sldId id="284" r:id="rId18"/>
-    <p:sldId id="283" r:id="rId19"/>
-    <p:sldId id="280" r:id="rId20"/>
-    <p:sldId id="285" r:id="rId21"/>
-    <p:sldId id="291" r:id="rId22"/>
-    <p:sldId id="287" r:id="rId23"/>
-    <p:sldId id="273" r:id="rId24"/>
-    <p:sldId id="279" r:id="rId25"/>
+    <p:sldId id="269" r:id="rId19"/>
+    <p:sldId id="283" r:id="rId20"/>
+    <p:sldId id="280" r:id="rId21"/>
+    <p:sldId id="285" r:id="rId22"/>
+    <p:sldId id="291" r:id="rId23"/>
+    <p:sldId id="287" r:id="rId24"/>
+    <p:sldId id="273" r:id="rId25"/>
+    <p:sldId id="279" r:id="rId26"/>
   </p:sldIdLst>
   <p:sldSz cx="9144000" cy="6858000" type="screen4x3"/>
   <p:notesSz cx="7010400" cy="9296400"/>
   <p:custDataLst>
-    <p:tags r:id="rId27"/>
+    <p:tags r:id="rId28"/>
   </p:custDataLst>
   <p:defaultTextStyle>
     <a:defPPr>
@@ -219,7 +220,7 @@
             <a:fld id="{69317A74-A311-45B3-846C-A32F769EEF76}" type="datetimeFigureOut">
               <a:rPr lang="en-US" smtClean="0"/>
               <a:pPr/>
-              <a:t>5/10/2012</a:t>
+              <a:t>6/13/2012</a:t>
             </a:fld>
             <a:endParaRPr lang="en-US" dirty="0"/>
           </a:p>
@@ -593,6 +594,67 @@
 </p:notes>
 </file>
 
+<file path=ppt/notesSlides/notesSlide10.xml><?xml version="1.0" encoding="utf-8"?>
+<p:notes xmlns:a="http://schemas.openxmlformats.org/drawingml/2006/main" xmlns:r="http://schemas.openxmlformats.org/officeDocument/2006/relationships" xmlns:p="http://schemas.openxmlformats.org/presentationml/2006/main">
+  <p:cSld>
+    <p:spTree>
+      <p:nvGrpSpPr>
+        <p:cNvPr id="1" name=""/>
+        <p:cNvGrpSpPr/>
+        <p:nvPr/>
+      </p:nvGrpSpPr>
+      <p:grpSpPr>
+        <a:xfrm>
+          <a:off x="0" y="0"/>
+          <a:ext cx="0" cy="0"/>
+          <a:chOff x="0" y="0"/>
+          <a:chExt cx="0" cy="0"/>
+        </a:xfrm>
+      </p:grpSpPr>
+      <p:sp>
+        <p:nvSpPr>
+          <p:cNvPr id="92162" name="Rectangle 2"/>
+          <p:cNvSpPr>
+            <a:spLocks noGrp="1" noRot="1" noChangeAspect="1" noChangeArrowheads="1" noTextEdit="1"/>
+          </p:cNvSpPr>
+          <p:nvPr>
+            <p:ph type="sldImg"/>
+          </p:nvPr>
+        </p:nvSpPr>
+        <p:spPr>
+          <a:ln/>
+        </p:spPr>
+      </p:sp>
+      <p:sp>
+        <p:nvSpPr>
+          <p:cNvPr id="92163" name="Rectangle 3"/>
+          <p:cNvSpPr>
+            <a:spLocks noGrp="1" noChangeArrowheads="1"/>
+          </p:cNvSpPr>
+          <p:nvPr>
+            <p:ph type="body" idx="1"/>
+          </p:nvPr>
+        </p:nvSpPr>
+        <p:spPr>
+          <a:noFill/>
+          <a:ln/>
+        </p:spPr>
+        <p:txBody>
+          <a:bodyPr/>
+          <a:lstStyle/>
+          <a:p>
+            <a:endParaRPr lang="en-US" dirty="0" smtClean="0"/>
+          </a:p>
+        </p:txBody>
+      </p:sp>
+    </p:spTree>
+  </p:cSld>
+  <p:clrMapOvr>
+    <a:masterClrMapping/>
+  </p:clrMapOvr>
+</p:notes>
+</file>
+
 <file path=ppt/notesSlides/notesSlide2.xml><?xml version="1.0" encoding="utf-8"?>
 <p:notes xmlns:a="http://schemas.openxmlformats.org/drawingml/2006/main" xmlns:r="http://schemas.openxmlformats.org/officeDocument/2006/relationships" xmlns:p="http://schemas.openxmlformats.org/presentationml/2006/main">
   <p:cSld>
@@ -612,9 +674,9 @@
       </p:grpSpPr>
       <p:sp>
         <p:nvSpPr>
-          <p:cNvPr id="45058" name="Rectangle 2"/>
+          <p:cNvPr id="17409" name="Slide Image Placeholder 1"/>
           <p:cNvSpPr>
-            <a:spLocks noGrp="1" noRot="1" noChangeAspect="1" noTextEdit="1"/>
+            <a:spLocks noGrp="1" noRot="1" noChangeAspect="1"/>
           </p:cNvSpPr>
           <p:nvPr>
             <p:ph type="sldImg"/>
@@ -634,7 +696,7 @@
       </p:sp>
       <p:sp>
         <p:nvSpPr>
-          <p:cNvPr id="45059" name="Rectangle 3"/>
+          <p:cNvPr id="17410" name="Notes Placeholder 2"/>
           <p:cNvSpPr>
             <a:spLocks noGrp="1"/>
           </p:cNvSpPr>
@@ -650,7 +712,46 @@
           <a:bodyPr/>
           <a:lstStyle/>
           <a:p>
-            <a:endParaRPr lang="en-US" dirty="0" smtClean="0"/>
+            <a:pPr eaLnBrk="1" hangingPunct="1">
+              <a:spcBef>
+                <a:spcPct val="0"/>
+              </a:spcBef>
+            </a:pPr>
+            <a:endParaRPr lang="en-US" smtClean="0"/>
+          </a:p>
+        </p:txBody>
+      </p:sp>
+      <p:sp>
+        <p:nvSpPr>
+          <p:cNvPr id="17411" name="Slide Number Placeholder 3"/>
+          <p:cNvSpPr>
+            <a:spLocks noGrp="1"/>
+          </p:cNvSpPr>
+          <p:nvPr>
+            <p:ph type="sldNum" sz="quarter" idx="5"/>
+          </p:nvPr>
+        </p:nvSpPr>
+        <p:spPr>
+          <a:noFill/>
+        </p:spPr>
+        <p:txBody>
+          <a:bodyPr/>
+          <a:lstStyle/>
+          <a:p>
+            <a:fld id="{30A51E4B-8619-46DB-B119-9BD26BB2F536}" type="slidenum">
+              <a:rPr lang="en-US" smtClean="0">
+                <a:solidFill>
+                  <a:srgbClr val="000000"/>
+                </a:solidFill>
+              </a:rPr>
+              <a:pPr/>
+              <a:t>8</a:t>
+            </a:fld>
+            <a:endParaRPr lang="en-US" smtClean="0">
+              <a:solidFill>
+                <a:srgbClr val="000000"/>
+              </a:solidFill>
+            </a:endParaRPr>
           </a:p>
         </p:txBody>
       </p:sp>
@@ -752,7 +853,7 @@
                 </a:solidFill>
               </a:rPr>
               <a:pPr/>
-              <a:t>11</a:t>
+              <a:t>9</a:t>
             </a:fld>
             <a:endParaRPr lang="en-US" smtClean="0">
               <a:solidFill>
@@ -771,6 +872,75 @@
 </file>
 
 <file path=ppt/notesSlides/notesSlide4.xml><?xml version="1.0" encoding="utf-8"?>
+<p:notes xmlns:a="http://schemas.openxmlformats.org/drawingml/2006/main" xmlns:r="http://schemas.openxmlformats.org/officeDocument/2006/relationships" xmlns:p="http://schemas.openxmlformats.org/presentationml/2006/main">
+  <p:cSld>
+    <p:spTree>
+      <p:nvGrpSpPr>
+        <p:cNvPr id="1" name=""/>
+        <p:cNvGrpSpPr/>
+        <p:nvPr/>
+      </p:nvGrpSpPr>
+      <p:grpSpPr>
+        <a:xfrm>
+          <a:off x="0" y="0"/>
+          <a:ext cx="0" cy="0"/>
+          <a:chOff x="0" y="0"/>
+          <a:chExt cx="0" cy="0"/>
+        </a:xfrm>
+      </p:grpSpPr>
+      <p:sp>
+        <p:nvSpPr>
+          <p:cNvPr id="45058" name="Rectangle 2"/>
+          <p:cNvSpPr>
+            <a:spLocks noGrp="1" noRot="1" noChangeAspect="1" noTextEdit="1"/>
+          </p:cNvSpPr>
+          <p:nvPr>
+            <p:ph type="sldImg"/>
+          </p:nvPr>
+        </p:nvSpPr>
+        <p:spPr bwMode="auto">
+          <a:noFill/>
+          <a:ln>
+            <a:solidFill>
+              <a:srgbClr val="000000"/>
+            </a:solidFill>
+            <a:miter lim="800000"/>
+            <a:headEnd/>
+            <a:tailEnd/>
+          </a:ln>
+        </p:spPr>
+      </p:sp>
+      <p:sp>
+        <p:nvSpPr>
+          <p:cNvPr id="45059" name="Rectangle 3"/>
+          <p:cNvSpPr>
+            <a:spLocks noGrp="1"/>
+          </p:cNvSpPr>
+          <p:nvPr>
+            <p:ph type="body" idx="1"/>
+          </p:nvPr>
+        </p:nvSpPr>
+        <p:spPr>
+          <a:noFill/>
+          <a:ln/>
+        </p:spPr>
+        <p:txBody>
+          <a:bodyPr/>
+          <a:lstStyle/>
+          <a:p>
+            <a:endParaRPr lang="en-US" dirty="0" smtClean="0"/>
+          </a:p>
+        </p:txBody>
+      </p:sp>
+    </p:spTree>
+  </p:cSld>
+  <p:clrMapOvr>
+    <a:masterClrMapping/>
+  </p:clrMapOvr>
+</p:notes>
+</file>
+
+<file path=ppt/notesSlides/notesSlide5.xml><?xml version="1.0" encoding="utf-8"?>
 <p:notes xmlns:a="http://schemas.openxmlformats.org/drawingml/2006/main" xmlns:r="http://schemas.openxmlformats.org/officeDocument/2006/relationships" xmlns:p="http://schemas.openxmlformats.org/presentationml/2006/main">
   <p:cSld>
     <p:spTree>
@@ -878,7 +1048,7 @@
 </p:notes>
 </file>
 
-<file path=ppt/notesSlides/notesSlide5.xml><?xml version="1.0" encoding="utf-8"?>
+<file path=ppt/notesSlides/notesSlide6.xml><?xml version="1.0" encoding="utf-8"?>
 <p:notes xmlns:a="http://schemas.openxmlformats.org/drawingml/2006/main" xmlns:r="http://schemas.openxmlformats.org/officeDocument/2006/relationships" xmlns:p="http://schemas.openxmlformats.org/presentationml/2006/main">
   <p:cSld>
     <p:spTree>
@@ -947,7 +1117,7 @@
 </p:notes>
 </file>
 
-<file path=ppt/notesSlides/notesSlide6.xml><?xml version="1.0" encoding="utf-8"?>
+<file path=ppt/notesSlides/notesSlide7.xml><?xml version="1.0" encoding="utf-8"?>
 <p:notes xmlns:a="http://schemas.openxmlformats.org/drawingml/2006/main" xmlns:r="http://schemas.openxmlformats.org/officeDocument/2006/relationships" xmlns:p="http://schemas.openxmlformats.org/presentationml/2006/main">
   <p:cSld>
     <p:spTree>
@@ -988,7 +1158,7 @@
                 </a:solidFill>
               </a:rPr>
               <a:pPr/>
-              <a:t>15</a:t>
+              <a:t>16</a:t>
             </a:fld>
             <a:endParaRPr lang="en-US" smtClean="0">
               <a:solidFill>
@@ -1055,7 +1225,7 @@
 </p:notes>
 </file>
 
-<file path=ppt/notesSlides/notesSlide7.xml><?xml version="1.0" encoding="utf-8"?>
+<file path=ppt/notesSlides/notesSlide8.xml><?xml version="1.0" encoding="utf-8"?>
 <p:notes xmlns:a="http://schemas.openxmlformats.org/drawingml/2006/main" xmlns:r="http://schemas.openxmlformats.org/officeDocument/2006/relationships" xmlns:p="http://schemas.openxmlformats.org/presentationml/2006/main">
   <p:cSld>
     <p:spTree>
@@ -1145,7 +1315,7 @@
                 </a:solidFill>
               </a:rPr>
               <a:pPr/>
-              <a:t>16</a:t>
+              <a:t>17</a:t>
             </a:fld>
             <a:endParaRPr lang="en-US" smtClean="0">
               <a:solidFill>
@@ -1163,7 +1333,7 @@
 </p:notes>
 </file>
 
-<file path=ppt/notesSlides/notesSlide8.xml><?xml version="1.0" encoding="utf-8"?>
+<file path=ppt/notesSlides/notesSlide9.xml><?xml version="1.0" encoding="utf-8"?>
 <p:notes xmlns:a="http://schemas.openxmlformats.org/drawingml/2006/main" xmlns:r="http://schemas.openxmlformats.org/officeDocument/2006/relationships" xmlns:p="http://schemas.openxmlformats.org/presentationml/2006/main">
   <p:cSld>
     <p:spTree>
@@ -1200,7 +1370,7 @@
             <a:fld id="{10859D0C-0EEB-4EDE-A8B8-7A1A456A6F20}" type="slidenum">
               <a:rPr lang="en-US" smtClean="0"/>
               <a:pPr/>
-              <a:t>18</a:t>
+              <a:t>19</a:t>
             </a:fld>
             <a:endParaRPr lang="en-US" smtClean="0"/>
           </a:p>
@@ -1252,67 +1422,6 @@
               </a:spcBef>
             </a:pPr>
             <a:endParaRPr lang="en-US" smtClean="0"/>
-          </a:p>
-        </p:txBody>
-      </p:sp>
-    </p:spTree>
-  </p:cSld>
-  <p:clrMapOvr>
-    <a:masterClrMapping/>
-  </p:clrMapOvr>
-</p:notes>
-</file>
-
-<file path=ppt/notesSlides/notesSlide9.xml><?xml version="1.0" encoding="utf-8"?>
-<p:notes xmlns:a="http://schemas.openxmlformats.org/drawingml/2006/main" xmlns:r="http://schemas.openxmlformats.org/officeDocument/2006/relationships" xmlns:p="http://schemas.openxmlformats.org/presentationml/2006/main">
-  <p:cSld>
-    <p:spTree>
-      <p:nvGrpSpPr>
-        <p:cNvPr id="1" name=""/>
-        <p:cNvGrpSpPr/>
-        <p:nvPr/>
-      </p:nvGrpSpPr>
-      <p:grpSpPr>
-        <a:xfrm>
-          <a:off x="0" y="0"/>
-          <a:ext cx="0" cy="0"/>
-          <a:chOff x="0" y="0"/>
-          <a:chExt cx="0" cy="0"/>
-        </a:xfrm>
-      </p:grpSpPr>
-      <p:sp>
-        <p:nvSpPr>
-          <p:cNvPr id="92162" name="Rectangle 2"/>
-          <p:cNvSpPr>
-            <a:spLocks noGrp="1" noRot="1" noChangeAspect="1" noChangeArrowheads="1" noTextEdit="1"/>
-          </p:cNvSpPr>
-          <p:nvPr>
-            <p:ph type="sldImg"/>
-          </p:nvPr>
-        </p:nvSpPr>
-        <p:spPr>
-          <a:ln/>
-        </p:spPr>
-      </p:sp>
-      <p:sp>
-        <p:nvSpPr>
-          <p:cNvPr id="92163" name="Rectangle 3"/>
-          <p:cNvSpPr>
-            <a:spLocks noGrp="1" noChangeArrowheads="1"/>
-          </p:cNvSpPr>
-          <p:nvPr>
-            <p:ph type="body" idx="1"/>
-          </p:nvPr>
-        </p:nvSpPr>
-        <p:spPr>
-          <a:noFill/>
-          <a:ln/>
-        </p:spPr>
-        <p:txBody>
-          <a:bodyPr/>
-          <a:lstStyle/>
-          <a:p>
-            <a:endParaRPr lang="en-US" dirty="0" smtClean="0"/>
           </a:p>
         </p:txBody>
       </p:sp>
@@ -6388,14 +6497,7 @@
                 <a:latin typeface="Calibri" pitchFamily="34" charset="0"/>
                 <a:cs typeface="Calibri" pitchFamily="34" charset="0"/>
               </a:rPr>
-              <a:t>Software </a:t>
-            </a:r>
-            <a:r>
-              <a:rPr lang="en-US" sz="3200" b="0" dirty="0" smtClean="0">
-                <a:latin typeface="Calibri" pitchFamily="34" charset="0"/>
-                <a:cs typeface="Calibri" pitchFamily="34" charset="0"/>
-              </a:rPr>
-              <a:t>Development Ecosystem</a:t>
+              <a:t>Software Development Ecosystem</a:t>
             </a:r>
             <a:endParaRPr lang="en-US" sz="3200" b="0" dirty="0">
               <a:latin typeface="Calibri" pitchFamily="34" charset="0"/>
@@ -6438,7 +6540,7 @@
       </p:grpSpPr>
       <p:sp>
         <p:nvSpPr>
-          <p:cNvPr id="2" name="Title 1"/>
+          <p:cNvPr id="4" name="Title 3"/>
           <p:cNvSpPr>
             <a:spLocks noGrp="1"/>
           </p:cNvSpPr>
@@ -6448,8 +6550,8 @@
         </p:nvSpPr>
         <p:spPr>
           <a:xfrm>
-            <a:off x="0" y="152400"/>
-            <a:ext cx="9144000" cy="639762"/>
+            <a:off x="457200" y="274638"/>
+            <a:ext cx="8229600" cy="563562"/>
           </a:xfrm>
         </p:spPr>
         <p:txBody>
@@ -6459,415 +6561,103 @@
           <a:lstStyle/>
           <a:p>
             <a:r>
-              <a:rPr lang="en-US" dirty="0" smtClean="0"/>
-              <a:t>Developer</a:t>
+              <a:rPr lang="en-US" sz="3600" smtClean="0"/>
+              <a:t>Multicore Development </a:t>
             </a:r>
             <a:r>
               <a:rPr lang="en-US" sz="3600" dirty="0" smtClean="0"/>
-              <a:t> Challenges &gt; MCSDK </a:t>
-            </a:r>
-            <a:r>
-              <a:rPr lang="en-US" sz="3600" dirty="0" smtClean="0"/>
-              <a:t>Solutions</a:t>
+              <a:t>Requirements</a:t>
             </a:r>
             <a:endParaRPr lang="en-US" sz="3600" dirty="0"/>
           </a:p>
         </p:txBody>
       </p:sp>
-      <p:graphicFrame>
-        <p:nvGraphicFramePr>
-          <p:cNvPr id="4" name="Content Placeholder 3"/>
-          <p:cNvGraphicFramePr>
-            <a:graphicFrameLocks noGrp="1"/>
-          </p:cNvGraphicFramePr>
+      <p:sp>
+        <p:nvSpPr>
+          <p:cNvPr id="5" name="Content Placeholder 4"/>
+          <p:cNvSpPr>
+            <a:spLocks noGrp="1"/>
+          </p:cNvSpPr>
           <p:nvPr>
             <p:ph idx="1"/>
           </p:nvPr>
-        </p:nvGraphicFramePr>
-        <p:xfrm>
-          <a:off x="381000" y="914400"/>
-          <a:ext cx="8382000" cy="5257800"/>
-        </p:xfrm>
-        <a:graphic>
-          <a:graphicData uri="http://schemas.openxmlformats.org/drawingml/2006/table">
-            <a:tbl>
-              <a:tblPr firstRow="1" bandRow="1">
-                <a:tableStyleId>{5C22544A-7EE6-4342-B048-85BDC9FD1C3A}</a:tableStyleId>
-              </a:tblPr>
-              <a:tblGrid>
-                <a:gridCol w="4114800"/>
-                <a:gridCol w="4267200"/>
-              </a:tblGrid>
-              <a:tr h="381000">
-                <a:tc>
-                  <a:txBody>
-                    <a:bodyPr/>
-                    <a:lstStyle/>
-                    <a:p>
-                      <a:r>
-                        <a:rPr lang="en-US" sz="2000" dirty="0" smtClean="0"/>
-                        <a:t>Development Requirement</a:t>
-                      </a:r>
-                      <a:endParaRPr lang="en-US" sz="2000" dirty="0"/>
-                    </a:p>
-                  </a:txBody>
-                  <a:tcPr>
-                    <a:solidFill>
-                      <a:srgbClr val="0070C0"/>
-                    </a:solidFill>
-                  </a:tcPr>
-                </a:tc>
-                <a:tc>
-                  <a:txBody>
-                    <a:bodyPr/>
-                    <a:lstStyle/>
-                    <a:p>
-                      <a:r>
-                        <a:rPr lang="en-US" sz="2000" dirty="0" smtClean="0"/>
-                        <a:t>MCSDK</a:t>
-                      </a:r>
-                      <a:r>
-                        <a:rPr lang="en-US" sz="2000" baseline="0" dirty="0" smtClean="0"/>
-                        <a:t> </a:t>
-                      </a:r>
-                      <a:r>
-                        <a:rPr lang="en-US" sz="2000" dirty="0" smtClean="0"/>
-                        <a:t>Solution</a:t>
-                      </a:r>
-                      <a:endParaRPr lang="en-US" sz="2000" dirty="0"/>
-                    </a:p>
-                  </a:txBody>
-                  <a:tcPr>
-                    <a:solidFill>
-                      <a:srgbClr val="0070C0"/>
-                    </a:solidFill>
-                  </a:tcPr>
-                </a:tc>
-              </a:tr>
-              <a:tr h="670560">
-                <a:tc>
-                  <a:txBody>
-                    <a:bodyPr/>
-                    <a:lstStyle/>
-                    <a:p>
-                      <a:r>
-                        <a:rPr lang="en-US" sz="1200" dirty="0" smtClean="0"/>
-                        <a:t>Hide hardware details from the user to simplify process of porting to new hardware.</a:t>
-                      </a:r>
-                      <a:endParaRPr lang="en-US" sz="1200" dirty="0"/>
-                    </a:p>
-                  </a:txBody>
-                  <a:tcPr/>
-                </a:tc>
-                <a:tc>
-                  <a:txBody>
-                    <a:bodyPr/>
-                    <a:lstStyle/>
-                    <a:p>
-                      <a:r>
-                        <a:rPr lang="en-US" sz="1200" dirty="0" smtClean="0"/>
-                        <a:t>Chip Support</a:t>
-                      </a:r>
-                      <a:r>
-                        <a:rPr lang="en-US" sz="1200" baseline="0" dirty="0" smtClean="0"/>
-                        <a:t> Library (</a:t>
-                      </a:r>
-                      <a:r>
-                        <a:rPr lang="en-US" sz="1200" dirty="0" smtClean="0"/>
-                        <a:t>CSL) is the only MCSDK layer that depends on the hardware. This layer is completely transparent to the user/application.</a:t>
-                      </a:r>
-                      <a:endParaRPr lang="en-US" sz="1200" dirty="0"/>
-                    </a:p>
-                  </a:txBody>
-                  <a:tcPr/>
-                </a:tc>
-              </a:tr>
-              <a:tr h="762000">
-                <a:tc>
-                  <a:txBody>
-                    <a:bodyPr/>
-                    <a:lstStyle/>
-                    <a:p>
-                      <a:r>
-                        <a:rPr lang="en-US" sz="1200" dirty="0" smtClean="0"/>
-                        <a:t>Standard</a:t>
-                      </a:r>
-                      <a:r>
-                        <a:rPr lang="en-US" sz="1200" baseline="0" dirty="0" smtClean="0"/>
-                        <a:t> API to talk to peripherals, accelerators, and other resources</a:t>
-                      </a:r>
-                      <a:endParaRPr lang="en-US" sz="1200" dirty="0"/>
-                    </a:p>
-                  </a:txBody>
-                  <a:tcPr/>
-                </a:tc>
-                <a:tc>
-                  <a:txBody>
-                    <a:bodyPr/>
-                    <a:lstStyle/>
-                    <a:p>
-                      <a:r>
-                        <a:rPr lang="en-US" sz="1200" dirty="0" smtClean="0"/>
-                        <a:t>Low Level Drivers (LLD) provide standard API to initialize,</a:t>
-                      </a:r>
-                      <a:r>
-                        <a:rPr lang="en-US" sz="1200" baseline="0" dirty="0" smtClean="0"/>
-                        <a:t> configure, and utilize peripherals and other resources. LLD blocks include SRIO, PCIe, PA, CPPI, QMSS, FFTC, and many more.</a:t>
-                      </a:r>
-                      <a:endParaRPr lang="en-US" sz="1200" dirty="0"/>
-                    </a:p>
-                  </a:txBody>
-                  <a:tcPr/>
-                </a:tc>
-              </a:tr>
-              <a:tr h="624840">
-                <a:tc>
-                  <a:txBody>
-                    <a:bodyPr/>
-                    <a:lstStyle/>
-                    <a:p>
-                      <a:r>
-                        <a:rPr lang="en-US" sz="1200" dirty="0" smtClean="0"/>
-                        <a:t>Utilities</a:t>
-                      </a:r>
-                      <a:r>
-                        <a:rPr lang="en-US" sz="1200" baseline="0" dirty="0" smtClean="0"/>
-                        <a:t> to facilitate system operations</a:t>
-                      </a:r>
-                      <a:endParaRPr lang="en-US" sz="1200" dirty="0"/>
-                    </a:p>
-                  </a:txBody>
-                  <a:tcPr/>
-                </a:tc>
-                <a:tc>
-                  <a:txBody>
-                    <a:bodyPr/>
-                    <a:lstStyle/>
-                    <a:p>
-                      <a:r>
-                        <a:rPr lang="en-US" sz="1200" dirty="0" smtClean="0"/>
-                        <a:t>Platform/EVM Software provides platform-level</a:t>
-                      </a:r>
-                      <a:r>
-                        <a:rPr lang="en-US" sz="1200" baseline="0" dirty="0" smtClean="0"/>
-                        <a:t> </a:t>
-                      </a:r>
-                      <a:r>
-                        <a:rPr lang="en-US" sz="1200" dirty="0" smtClean="0"/>
-                        <a:t>utilities such as </a:t>
-                      </a:r>
-                      <a:r>
-                        <a:rPr lang="en-US" sz="1200" dirty="0" err="1" smtClean="0"/>
-                        <a:t>bootloader</a:t>
-                      </a:r>
-                      <a:r>
-                        <a:rPr lang="en-US" sz="1200" dirty="0" smtClean="0"/>
-                        <a:t>, Power</a:t>
-                      </a:r>
-                      <a:r>
-                        <a:rPr lang="en-US" sz="1200" baseline="0" dirty="0" smtClean="0"/>
-                        <a:t> On Self Test (POST), resource manager, and platform utilities.</a:t>
-                      </a:r>
-                      <a:endParaRPr lang="en-US" sz="1200" dirty="0"/>
-                    </a:p>
-                  </a:txBody>
-                  <a:tcPr/>
-                </a:tc>
-              </a:tr>
-              <a:tr h="441960">
-                <a:tc>
-                  <a:txBody>
-                    <a:bodyPr/>
-                    <a:lstStyle/>
-                    <a:p>
-                      <a:r>
-                        <a:rPr lang="en-US" sz="1200" dirty="0" smtClean="0"/>
-                        <a:t>Efficient real-time individual core operating system</a:t>
-                      </a:r>
-                      <a:endParaRPr lang="en-US" sz="1200" dirty="0"/>
-                    </a:p>
-                  </a:txBody>
-                  <a:tcPr/>
-                </a:tc>
-                <a:tc>
-                  <a:txBody>
-                    <a:bodyPr/>
-                    <a:lstStyle/>
-                    <a:p>
-                      <a:r>
-                        <a:rPr lang="en-US" sz="1200" dirty="0" smtClean="0"/>
-                        <a:t>SYS/BIOS provides an</a:t>
-                      </a:r>
-                      <a:r>
-                        <a:rPr lang="en-US" sz="1200" baseline="0" dirty="0" smtClean="0"/>
-                        <a:t> </a:t>
-                      </a:r>
-                      <a:r>
-                        <a:rPr lang="en-US" sz="1200" dirty="0" smtClean="0"/>
-                        <a:t>efficient, mature,</a:t>
-                      </a:r>
-                      <a:r>
-                        <a:rPr lang="en-US" sz="1200" baseline="0" dirty="0" smtClean="0"/>
-                        <a:t> real-time </a:t>
-                      </a:r>
-                      <a:r>
-                        <a:rPr lang="en-US" sz="1200" dirty="0" smtClean="0"/>
-                        <a:t>operating</a:t>
-                      </a:r>
-                      <a:r>
-                        <a:rPr lang="en-US" sz="1200" baseline="0" dirty="0" smtClean="0"/>
-                        <a:t> system with a </a:t>
-                      </a:r>
-                      <a:r>
-                        <a:rPr lang="en-US" sz="1200" dirty="0" smtClean="0"/>
-                        <a:t>low memory footprint.</a:t>
-                      </a:r>
-                      <a:endParaRPr lang="en-US" sz="1200" dirty="0"/>
-                    </a:p>
-                  </a:txBody>
-                  <a:tcPr/>
-                </a:tc>
-              </a:tr>
-              <a:tr h="817819">
-                <a:tc>
-                  <a:txBody>
-                    <a:bodyPr/>
-                    <a:lstStyle/>
-                    <a:p>
-                      <a:r>
-                        <a:rPr lang="en-US" sz="1200" dirty="0" smtClean="0"/>
-                        <a:t>Reliable interface to external networks</a:t>
-                      </a:r>
-                      <a:endParaRPr lang="en-US" sz="1200" dirty="0"/>
-                    </a:p>
-                  </a:txBody>
-                  <a:tcPr/>
-                </a:tc>
-                <a:tc>
-                  <a:txBody>
-                    <a:bodyPr/>
-                    <a:lstStyle/>
-                    <a:p>
-                      <a:r>
-                        <a:rPr lang="en-US" sz="1200" baseline="0" dirty="0" smtClean="0"/>
-                        <a:t>Network Development Kit (NDK) provides a standardized interface for common packet- and network-based communication protocols (e.g., IPV4 and IPV6-compliant TCP/IP).</a:t>
-                      </a:r>
-                      <a:endParaRPr lang="en-US" sz="1200" dirty="0"/>
-                    </a:p>
-                  </a:txBody>
-                  <a:tcPr/>
-                </a:tc>
-              </a:tr>
-              <a:tr h="609600">
-                <a:tc>
-                  <a:txBody>
-                    <a:bodyPr/>
-                    <a:lstStyle/>
-                    <a:p>
-                      <a:r>
-                        <a:rPr lang="en-US" sz="1200" dirty="0" smtClean="0"/>
-                        <a:t>Coordination of tasks/process across multiple</a:t>
-                      </a:r>
-                      <a:r>
-                        <a:rPr lang="en-US" sz="1200" baseline="0" dirty="0" smtClean="0"/>
-                        <a:t> cores</a:t>
-                      </a:r>
-                      <a:endParaRPr lang="en-US" sz="1200" dirty="0"/>
-                    </a:p>
-                  </a:txBody>
-                  <a:tcPr/>
-                </a:tc>
-                <a:tc>
-                  <a:txBody>
-                    <a:bodyPr/>
-                    <a:lstStyle/>
-                    <a:p>
-                      <a:r>
-                        <a:rPr lang="en-US" sz="1200" dirty="0" smtClean="0"/>
-                        <a:t>Inter-Processor Communication (IPC) </a:t>
-                      </a:r>
-                      <a:r>
-                        <a:rPr lang="en-US" sz="1200" baseline="0" dirty="0" smtClean="0"/>
-                        <a:t> provides several-high level utilities and libraries to communicate between cores and enable multiple cores to work together.</a:t>
-                      </a:r>
-                      <a:endParaRPr lang="en-US" sz="1200" dirty="0"/>
-                    </a:p>
-                  </a:txBody>
-                  <a:tcPr/>
-                </a:tc>
-              </a:tr>
-              <a:tr h="350520">
-                <a:tc>
-                  <a:txBody>
-                    <a:bodyPr/>
-                    <a:lstStyle/>
-                    <a:p>
-                      <a:r>
-                        <a:rPr lang="en-US" sz="1200" dirty="0" smtClean="0"/>
-                        <a:t>Facilitate application development</a:t>
-                      </a:r>
-                      <a:endParaRPr lang="en-US" sz="1200" dirty="0"/>
-                    </a:p>
-                  </a:txBody>
-                  <a:tcPr/>
-                </a:tc>
-                <a:tc>
-                  <a:txBody>
-                    <a:bodyPr/>
-                    <a:lstStyle/>
-                    <a:p>
-                      <a:r>
-                        <a:rPr lang="en-US" sz="1200" dirty="0" smtClean="0"/>
-                        <a:t>Optimized algorithm libraries with standard APIs.</a:t>
-                      </a:r>
-                      <a:endParaRPr lang="en-US" sz="1200" dirty="0"/>
-                    </a:p>
-                  </a:txBody>
-                  <a:tcPr/>
-                </a:tc>
-              </a:tr>
-              <a:tr h="457200">
-                <a:tc>
-                  <a:txBody>
-                    <a:bodyPr/>
-                    <a:lstStyle/>
-                    <a:p>
-                      <a:r>
-                        <a:rPr lang="en-US" sz="1200" dirty="0" smtClean="0"/>
-                        <a:t>A </a:t>
-                      </a:r>
-                      <a:r>
-                        <a:rPr lang="en-US" sz="1200" baseline="0" dirty="0" smtClean="0"/>
-                        <a:t>starting point for multicore application development</a:t>
-                      </a:r>
-                      <a:endParaRPr lang="en-US" sz="1200" dirty="0"/>
-                    </a:p>
-                  </a:txBody>
-                  <a:tcPr/>
-                </a:tc>
-                <a:tc>
-                  <a:txBody>
-                    <a:bodyPr/>
-                    <a:lstStyle/>
-                    <a:p>
-                      <a:r>
-                        <a:rPr lang="en-US" sz="1200" dirty="0" smtClean="0"/>
-                        <a:t>Demonstration</a:t>
-                      </a:r>
-                      <a:r>
-                        <a:rPr lang="en-US" sz="1200" baseline="0" dirty="0" smtClean="0"/>
-                        <a:t> applications (e.g., Image Processing) show how to build and run a complete multicore application. </a:t>
-                      </a:r>
-                      <a:endParaRPr lang="en-US" sz="1200" dirty="0"/>
-                    </a:p>
-                  </a:txBody>
-                  <a:tcPr/>
-                </a:tc>
-              </a:tr>
-            </a:tbl>
-          </a:graphicData>
-        </a:graphic>
-      </p:graphicFrame>
+        </p:nvSpPr>
+        <p:spPr>
+          <a:xfrm>
+            <a:off x="457200" y="990600"/>
+            <a:ext cx="8229600" cy="5334000"/>
+          </a:xfrm>
+        </p:spPr>
+        <p:txBody>
+          <a:bodyPr>
+            <a:normAutofit lnSpcReduction="10000"/>
+          </a:bodyPr>
+          <a:lstStyle/>
+          <a:p>
+            <a:r>
+              <a:rPr lang="en-US" sz="2400" dirty="0" smtClean="0"/>
+              <a:t>Standard set of APIs to configure and utilize peripherals, accelerators and other hardware resources</a:t>
+            </a:r>
+          </a:p>
+          <a:p>
+            <a:r>
+              <a:rPr lang="en-US" sz="2400" dirty="0" smtClean="0"/>
+              <a:t>Compliant implementation of packet- and network-based protocols </a:t>
+            </a:r>
+          </a:p>
+          <a:p>
+            <a:r>
+              <a:rPr lang="en-US" sz="2400" dirty="0" smtClean="0"/>
+              <a:t>Utilities to boot, test, debug, and monitor execution</a:t>
+            </a:r>
+          </a:p>
+          <a:p>
+            <a:r>
+              <a:rPr lang="en-US" sz="2400" dirty="0" smtClean="0"/>
+              <a:t>Individual core-based real-time operating system</a:t>
+            </a:r>
+          </a:p>
+          <a:p>
+            <a:r>
+              <a:rPr lang="en-US" sz="2400" dirty="0" smtClean="0"/>
+              <a:t>Communication and facilitated cooperation between processes, cores, and devices, as well as between peripherals and cores</a:t>
+            </a:r>
+          </a:p>
+          <a:p>
+            <a:r>
+              <a:rPr lang="en-US" sz="2400" dirty="0" smtClean="0"/>
+              <a:t>Optimized, ready-to-use algorithm libraries, example code, and demonstration applications</a:t>
+            </a:r>
+          </a:p>
+          <a:p>
+            <a:pPr algn="ctr">
+              <a:buNone/>
+            </a:pPr>
+            <a:r>
+              <a:rPr lang="en-US" sz="2800" b="1" dirty="0" smtClean="0">
+                <a:solidFill>
+                  <a:srgbClr val="FF0000"/>
+                </a:solidFill>
+              </a:rPr>
+              <a:t>TI’s solution: </a:t>
+            </a:r>
+          </a:p>
+          <a:p>
+            <a:pPr algn="ctr">
+              <a:buNone/>
+            </a:pPr>
+            <a:r>
+              <a:rPr lang="en-US" sz="2800" b="1" dirty="0" smtClean="0">
+                <a:solidFill>
+                  <a:srgbClr val="FF0000"/>
+                </a:solidFill>
+              </a:rPr>
+              <a:t>The multi-layered software system known as MCSDK.</a:t>
+            </a:r>
+            <a:endParaRPr lang="en-US" sz="2400" dirty="0"/>
+          </a:p>
+        </p:txBody>
+      </p:sp>
     </p:spTree>
   </p:cSld>
   <p:clrMapOvr>
@@ -6902,1802 +6692,7 @@
       </p:grpSpPr>
       <p:sp>
         <p:nvSpPr>
-          <p:cNvPr id="228358" name="AutoShape 6"/>
-          <p:cNvSpPr>
-            <a:spLocks noChangeArrowheads="1"/>
-          </p:cNvSpPr>
-          <p:nvPr/>
-        </p:nvSpPr>
-        <p:spPr bwMode="auto">
-          <a:xfrm>
-            <a:off x="497307" y="1051426"/>
-            <a:ext cx="3214736" cy="4241800"/>
-          </a:xfrm>
-          <a:prstGeom prst="roundRect">
-            <a:avLst>
-              <a:gd name="adj" fmla="val 16667"/>
-            </a:avLst>
-          </a:prstGeom>
-          <a:solidFill>
-            <a:srgbClr val="AAAAAA"/>
-          </a:solidFill>
-          <a:ln w="12700" algn="ctr">
-            <a:noFill/>
-            <a:round/>
-            <a:headEnd/>
-            <a:tailEnd/>
-          </a:ln>
-          <a:effectLst>
-            <a:prstShdw prst="shdw17" dist="17961" dir="2700000">
-              <a:srgbClr val="000000"/>
-            </a:prstShdw>
-          </a:effectLst>
-        </p:spPr>
-        <p:txBody>
-          <a:bodyPr lIns="0" tIns="0" rIns="0" bIns="0"/>
-          <a:lstStyle/>
-          <a:p>
-            <a:pPr algn="ctr" fontAlgn="base">
-              <a:spcBef>
-                <a:spcPct val="0"/>
-              </a:spcBef>
-              <a:spcAft>
-                <a:spcPct val="0"/>
-              </a:spcAft>
-              <a:defRPr/>
-            </a:pPr>
-            <a:endParaRPr lang="en-US" sz="2800" b="1" dirty="0">
-              <a:solidFill>
-                <a:srgbClr val="000000"/>
-              </a:solidFill>
-              <a:latin typeface="Arial" charset="0"/>
-              <a:ea typeface="MS PGothic" pitchFamily="34" charset="-128"/>
-              <a:cs typeface="Arial" charset="0"/>
-            </a:endParaRPr>
-          </a:p>
-        </p:txBody>
-      </p:sp>
-      <p:sp>
-        <p:nvSpPr>
-          <p:cNvPr id="39" name="Rounded Rectangle 38"/>
-          <p:cNvSpPr/>
-          <p:nvPr/>
-        </p:nvSpPr>
-        <p:spPr>
-          <a:xfrm>
-            <a:off x="625475" y="1250950"/>
-            <a:ext cx="2935288" cy="3930650"/>
-          </a:xfrm>
-          <a:prstGeom prst="roundRect">
-            <a:avLst/>
-          </a:prstGeom>
-          <a:solidFill>
-            <a:schemeClr val="bg1"/>
-          </a:solidFill>
-          <a:effectLst/>
-        </p:spPr>
-        <p:style>
-          <a:lnRef idx="2">
-            <a:schemeClr val="accent1">
-              <a:shade val="50000"/>
-            </a:schemeClr>
-          </a:lnRef>
-          <a:fillRef idx="1">
-            <a:schemeClr val="accent1"/>
-          </a:fillRef>
-          <a:effectRef idx="0">
-            <a:schemeClr val="accent1"/>
-          </a:effectRef>
-          <a:fontRef idx="minor">
-            <a:schemeClr val="lt1"/>
-          </a:fontRef>
-        </p:style>
-        <p:txBody>
-          <a:bodyPr anchor="ctr"/>
-          <a:lstStyle/>
-          <a:p>
-            <a:pPr algn="ctr" fontAlgn="base">
-              <a:spcBef>
-                <a:spcPct val="0"/>
-              </a:spcBef>
-              <a:spcAft>
-                <a:spcPct val="0"/>
-              </a:spcAft>
-              <a:defRPr/>
-            </a:pPr>
-            <a:endParaRPr lang="en-US" sz="2800" b="1" dirty="0">
-              <a:solidFill>
-                <a:srgbClr val="FFFFFF"/>
-              </a:solidFill>
-            </a:endParaRPr>
-          </a:p>
-        </p:txBody>
-      </p:sp>
-      <p:sp>
-        <p:nvSpPr>
-          <p:cNvPr id="228365" name="AutoShape 13"/>
-          <p:cNvSpPr>
-            <a:spLocks noChangeArrowheads="1"/>
-          </p:cNvSpPr>
-          <p:nvPr/>
-        </p:nvSpPr>
-        <p:spPr bwMode="auto">
-          <a:xfrm>
-            <a:off x="801688" y="1749425"/>
-            <a:ext cx="1468437" cy="3200400"/>
-          </a:xfrm>
-          <a:prstGeom prst="roundRect">
-            <a:avLst>
-              <a:gd name="adj" fmla="val 16667"/>
-            </a:avLst>
-          </a:prstGeom>
-          <a:solidFill>
-            <a:schemeClr val="tx1">
-              <a:lumMod val="65000"/>
-              <a:lumOff val="35000"/>
-            </a:schemeClr>
-          </a:solidFill>
-          <a:ln w="28575" algn="ctr">
-            <a:solidFill>
-              <a:schemeClr val="tx1"/>
-            </a:solidFill>
-            <a:round/>
-            <a:headEnd/>
-            <a:tailEnd/>
-          </a:ln>
-          <a:effectLst/>
-        </p:spPr>
-        <p:txBody>
-          <a:bodyPr wrap="none"/>
-          <a:lstStyle/>
-          <a:p>
-            <a:pPr algn="ctr" fontAlgn="base">
-              <a:lnSpc>
-                <a:spcPct val="85000"/>
-              </a:lnSpc>
-              <a:spcBef>
-                <a:spcPct val="0"/>
-              </a:spcBef>
-              <a:spcAft>
-                <a:spcPct val="0"/>
-              </a:spcAft>
-              <a:defRPr/>
-            </a:pPr>
-            <a:endParaRPr lang="en-US" sz="1200" b="1" baseline="30000" dirty="0">
-              <a:solidFill>
-                <a:srgbClr val="FFFFFF"/>
-              </a:solidFill>
-              <a:latin typeface="Arial" charset="0"/>
-              <a:ea typeface="MS PGothic" pitchFamily="34" charset="-128"/>
-              <a:cs typeface="Arial" charset="0"/>
-            </a:endParaRPr>
-          </a:p>
-        </p:txBody>
-      </p:sp>
-      <p:sp>
-        <p:nvSpPr>
-          <p:cNvPr id="41" name="Rounded Rectangle 40"/>
-          <p:cNvSpPr/>
-          <p:nvPr/>
-        </p:nvSpPr>
-        <p:spPr>
-          <a:xfrm>
-            <a:off x="914400" y="2371725"/>
-            <a:ext cx="1223963" cy="257175"/>
-          </a:xfrm>
-          <a:prstGeom prst="roundRect">
-            <a:avLst/>
-          </a:prstGeom>
-          <a:solidFill>
-            <a:schemeClr val="bg1"/>
-          </a:solidFill>
-          <a:ln w="19050">
-            <a:solidFill>
-              <a:schemeClr val="tx2"/>
-            </a:solidFill>
-          </a:ln>
-        </p:spPr>
-        <p:style>
-          <a:lnRef idx="2">
-            <a:schemeClr val="accent1">
-              <a:shade val="50000"/>
-            </a:schemeClr>
-          </a:lnRef>
-          <a:fillRef idx="1">
-            <a:schemeClr val="accent1"/>
-          </a:fillRef>
-          <a:effectRef idx="0">
-            <a:schemeClr val="accent1"/>
-          </a:effectRef>
-          <a:fontRef idx="minor">
-            <a:schemeClr val="lt1"/>
-          </a:fontRef>
-        </p:style>
-        <p:txBody>
-          <a:bodyPr anchor="ctr"/>
-          <a:lstStyle/>
-          <a:p>
-            <a:pPr algn="ctr" fontAlgn="base">
-              <a:spcBef>
-                <a:spcPct val="0"/>
-              </a:spcBef>
-              <a:spcAft>
-                <a:spcPct val="0"/>
-              </a:spcAft>
-              <a:defRPr/>
-            </a:pPr>
-            <a:r>
-              <a:rPr lang="en-US" sz="900" b="1" dirty="0" smtClean="0">
-                <a:solidFill>
-                  <a:prstClr val="black"/>
-                </a:solidFill>
-                <a:latin typeface="Arial" pitchFamily="34" charset="0"/>
-                <a:cs typeface="Arial" pitchFamily="34" charset="0"/>
-              </a:rPr>
-              <a:t>Editor</a:t>
-            </a:r>
-            <a:endParaRPr lang="en-US" sz="900" b="1" dirty="0">
-              <a:solidFill>
-                <a:prstClr val="black"/>
-              </a:solidFill>
-              <a:latin typeface="Arial" pitchFamily="34" charset="0"/>
-              <a:cs typeface="Arial" pitchFamily="34" charset="0"/>
-            </a:endParaRPr>
-          </a:p>
-        </p:txBody>
-      </p:sp>
-      <p:sp>
-        <p:nvSpPr>
-          <p:cNvPr id="42" name="Rounded Rectangle 41"/>
-          <p:cNvSpPr/>
-          <p:nvPr/>
-        </p:nvSpPr>
-        <p:spPr>
-          <a:xfrm>
-            <a:off x="919163" y="2724150"/>
-            <a:ext cx="1223963" cy="257175"/>
-          </a:xfrm>
-          <a:prstGeom prst="roundRect">
-            <a:avLst/>
-          </a:prstGeom>
-          <a:solidFill>
-            <a:schemeClr val="bg1"/>
-          </a:solidFill>
-          <a:ln w="19050">
-            <a:solidFill>
-              <a:schemeClr val="tx2"/>
-            </a:solidFill>
-          </a:ln>
-        </p:spPr>
-        <p:style>
-          <a:lnRef idx="2">
-            <a:schemeClr val="accent1">
-              <a:shade val="50000"/>
-            </a:schemeClr>
-          </a:lnRef>
-          <a:fillRef idx="1">
-            <a:schemeClr val="accent1"/>
-          </a:fillRef>
-          <a:effectRef idx="0">
-            <a:schemeClr val="accent1"/>
-          </a:effectRef>
-          <a:fontRef idx="minor">
-            <a:schemeClr val="lt1"/>
-          </a:fontRef>
-        </p:style>
-        <p:txBody>
-          <a:bodyPr anchor="ctr"/>
-          <a:lstStyle/>
-          <a:p>
-            <a:pPr algn="ctr" fontAlgn="base">
-              <a:lnSpc>
-                <a:spcPct val="85000"/>
-              </a:lnSpc>
-              <a:spcBef>
-                <a:spcPct val="0"/>
-              </a:spcBef>
-              <a:spcAft>
-                <a:spcPct val="0"/>
-              </a:spcAft>
-              <a:defRPr/>
-            </a:pPr>
-            <a:r>
-              <a:rPr lang="en-US" sz="900" b="1" dirty="0" err="1" smtClean="0">
-                <a:solidFill>
-                  <a:srgbClr val="000000"/>
-                </a:solidFill>
-                <a:latin typeface="Arial" pitchFamily="34" charset="0"/>
-                <a:ea typeface="ＭＳ Ｐゴシック" pitchFamily="34" charset="-128"/>
-              </a:rPr>
-              <a:t>CodeGen</a:t>
-            </a:r>
-            <a:endParaRPr lang="en-US" sz="900" b="1" dirty="0" smtClean="0">
-              <a:solidFill>
-                <a:srgbClr val="000000"/>
-              </a:solidFill>
-              <a:latin typeface="Arial" pitchFamily="34" charset="0"/>
-              <a:ea typeface="ＭＳ Ｐゴシック" pitchFamily="34" charset="-128"/>
-            </a:endParaRPr>
-          </a:p>
-          <a:p>
-            <a:pPr algn="ctr" fontAlgn="base">
-              <a:lnSpc>
-                <a:spcPct val="85000"/>
-              </a:lnSpc>
-              <a:spcBef>
-                <a:spcPct val="0"/>
-              </a:spcBef>
-              <a:spcAft>
-                <a:spcPct val="0"/>
-              </a:spcAft>
-              <a:defRPr/>
-            </a:pPr>
-            <a:r>
-              <a:rPr lang="en-US" sz="900" b="1" dirty="0" err="1" smtClean="0">
-                <a:solidFill>
-                  <a:srgbClr val="000000"/>
-                </a:solidFill>
-                <a:latin typeface="Arial" pitchFamily="34" charset="0"/>
-                <a:ea typeface="ＭＳ Ｐゴシック" pitchFamily="34" charset="-128"/>
-              </a:rPr>
-              <a:t>OpenMP</a:t>
-            </a:r>
-            <a:endParaRPr lang="en-US" sz="900" b="1" dirty="0">
-              <a:solidFill>
-                <a:srgbClr val="000000"/>
-              </a:solidFill>
-              <a:latin typeface="Arial" pitchFamily="34" charset="0"/>
-              <a:ea typeface="ＭＳ Ｐゴシック" pitchFamily="34" charset="-128"/>
-            </a:endParaRPr>
-          </a:p>
-        </p:txBody>
-      </p:sp>
-      <p:sp>
-        <p:nvSpPr>
-          <p:cNvPr id="43" name="Rounded Rectangle 42"/>
-          <p:cNvSpPr/>
-          <p:nvPr/>
-        </p:nvSpPr>
-        <p:spPr>
-          <a:xfrm>
-            <a:off x="914399" y="3086098"/>
-            <a:ext cx="1223963" cy="257175"/>
-          </a:xfrm>
-          <a:prstGeom prst="roundRect">
-            <a:avLst/>
-          </a:prstGeom>
-          <a:solidFill>
-            <a:schemeClr val="bg1"/>
-          </a:solidFill>
-          <a:ln w="19050">
-            <a:solidFill>
-              <a:schemeClr val="tx2"/>
-            </a:solidFill>
-          </a:ln>
-        </p:spPr>
-        <p:style>
-          <a:lnRef idx="2">
-            <a:schemeClr val="accent1">
-              <a:shade val="50000"/>
-            </a:schemeClr>
-          </a:lnRef>
-          <a:fillRef idx="1">
-            <a:schemeClr val="accent1"/>
-          </a:fillRef>
-          <a:effectRef idx="0">
-            <a:schemeClr val="accent1"/>
-          </a:effectRef>
-          <a:fontRef idx="minor">
-            <a:schemeClr val="lt1"/>
-          </a:fontRef>
-        </p:style>
-        <p:txBody>
-          <a:bodyPr anchor="ctr"/>
-          <a:lstStyle/>
-          <a:p>
-            <a:pPr algn="ctr" fontAlgn="base">
-              <a:lnSpc>
-                <a:spcPct val="85000"/>
-              </a:lnSpc>
-              <a:spcBef>
-                <a:spcPct val="0"/>
-              </a:spcBef>
-              <a:spcAft>
-                <a:spcPct val="0"/>
-              </a:spcAft>
-              <a:defRPr/>
-            </a:pPr>
-            <a:r>
-              <a:rPr lang="en-US" sz="900" b="1" dirty="0" smtClean="0">
-                <a:solidFill>
-                  <a:srgbClr val="000000"/>
-                </a:solidFill>
-                <a:latin typeface="Arial" pitchFamily="34" charset="0"/>
-                <a:ea typeface="ＭＳ Ｐゴシック" pitchFamily="34" charset="-128"/>
-              </a:rPr>
-              <a:t>Profiler</a:t>
-            </a:r>
-            <a:endParaRPr lang="en-US" sz="900" b="1" dirty="0">
-              <a:solidFill>
-                <a:srgbClr val="000000"/>
-              </a:solidFill>
-              <a:latin typeface="Arial" pitchFamily="34" charset="0"/>
-              <a:ea typeface="ＭＳ Ｐゴシック" pitchFamily="34" charset="-128"/>
-            </a:endParaRPr>
-          </a:p>
-        </p:txBody>
-      </p:sp>
-      <p:sp>
-        <p:nvSpPr>
-          <p:cNvPr id="44" name="Rounded Rectangle 43"/>
-          <p:cNvSpPr/>
-          <p:nvPr/>
-        </p:nvSpPr>
-        <p:spPr>
-          <a:xfrm>
-            <a:off x="919162" y="3438523"/>
-            <a:ext cx="1223963" cy="257175"/>
-          </a:xfrm>
-          <a:prstGeom prst="roundRect">
-            <a:avLst/>
-          </a:prstGeom>
-          <a:solidFill>
-            <a:schemeClr val="bg1"/>
-          </a:solidFill>
-          <a:ln w="19050">
-            <a:solidFill>
-              <a:schemeClr val="tx2"/>
-            </a:solidFill>
-          </a:ln>
-        </p:spPr>
-        <p:style>
-          <a:lnRef idx="2">
-            <a:schemeClr val="accent1">
-              <a:shade val="50000"/>
-            </a:schemeClr>
-          </a:lnRef>
-          <a:fillRef idx="1">
-            <a:schemeClr val="accent1"/>
-          </a:fillRef>
-          <a:effectRef idx="0">
-            <a:schemeClr val="accent1"/>
-          </a:effectRef>
-          <a:fontRef idx="minor">
-            <a:schemeClr val="lt1"/>
-          </a:fontRef>
-        </p:style>
-        <p:txBody>
-          <a:bodyPr anchor="ctr"/>
-          <a:lstStyle/>
-          <a:p>
-            <a:pPr algn="ctr" fontAlgn="base">
-              <a:lnSpc>
-                <a:spcPct val="85000"/>
-              </a:lnSpc>
-              <a:spcBef>
-                <a:spcPct val="0"/>
-              </a:spcBef>
-              <a:spcAft>
-                <a:spcPct val="0"/>
-              </a:spcAft>
-              <a:defRPr/>
-            </a:pPr>
-            <a:r>
-              <a:rPr lang="en-US" sz="900" b="1" dirty="0" smtClean="0">
-                <a:solidFill>
-                  <a:srgbClr val="000000"/>
-                </a:solidFill>
-                <a:latin typeface="Arial" pitchFamily="34" charset="0"/>
-                <a:ea typeface="ＭＳ Ｐゴシック" pitchFamily="34" charset="-128"/>
-              </a:rPr>
-              <a:t>Debugger</a:t>
-            </a:r>
-            <a:endParaRPr lang="en-US" sz="900" b="1" dirty="0">
-              <a:solidFill>
-                <a:srgbClr val="000000"/>
-              </a:solidFill>
-              <a:latin typeface="Arial" pitchFamily="34" charset="0"/>
-              <a:ea typeface="ＭＳ Ｐゴシック" pitchFamily="34" charset="-128"/>
-            </a:endParaRPr>
-          </a:p>
-        </p:txBody>
-      </p:sp>
-      <p:sp>
-        <p:nvSpPr>
-          <p:cNvPr id="45" name="Rounded Rectangle 44"/>
-          <p:cNvSpPr/>
-          <p:nvPr/>
-        </p:nvSpPr>
-        <p:spPr>
-          <a:xfrm>
-            <a:off x="914400" y="3786188"/>
-            <a:ext cx="1223963" cy="257175"/>
-          </a:xfrm>
-          <a:prstGeom prst="roundRect">
-            <a:avLst/>
-          </a:prstGeom>
-          <a:solidFill>
-            <a:schemeClr val="bg1"/>
-          </a:solidFill>
-          <a:ln w="19050">
-            <a:solidFill>
-              <a:schemeClr val="tx2"/>
-            </a:solidFill>
-          </a:ln>
-        </p:spPr>
-        <p:style>
-          <a:lnRef idx="2">
-            <a:schemeClr val="accent1">
-              <a:shade val="50000"/>
-            </a:schemeClr>
-          </a:lnRef>
-          <a:fillRef idx="1">
-            <a:schemeClr val="accent1"/>
-          </a:fillRef>
-          <a:effectRef idx="0">
-            <a:schemeClr val="accent1"/>
-          </a:effectRef>
-          <a:fontRef idx="minor">
-            <a:schemeClr val="lt1"/>
-          </a:fontRef>
-        </p:style>
-        <p:txBody>
-          <a:bodyPr anchor="ctr"/>
-          <a:lstStyle/>
-          <a:p>
-            <a:pPr algn="ctr" fontAlgn="base">
-              <a:lnSpc>
-                <a:spcPct val="85000"/>
-              </a:lnSpc>
-              <a:spcBef>
-                <a:spcPct val="0"/>
-              </a:spcBef>
-              <a:spcAft>
-                <a:spcPct val="0"/>
-              </a:spcAft>
-              <a:defRPr/>
-            </a:pPr>
-            <a:r>
-              <a:rPr lang="en-US" sz="900" b="1" dirty="0" smtClean="0">
-                <a:solidFill>
-                  <a:srgbClr val="000000"/>
-                </a:solidFill>
-                <a:latin typeface="Arial" pitchFamily="34" charset="0"/>
-                <a:ea typeface="ＭＳ Ｐゴシック" pitchFamily="34" charset="-128"/>
-              </a:rPr>
-              <a:t>Remote</a:t>
-            </a:r>
-          </a:p>
-          <a:p>
-            <a:pPr algn="ctr" fontAlgn="base">
-              <a:lnSpc>
-                <a:spcPct val="85000"/>
-              </a:lnSpc>
-              <a:spcBef>
-                <a:spcPct val="0"/>
-              </a:spcBef>
-              <a:spcAft>
-                <a:spcPct val="0"/>
-              </a:spcAft>
-              <a:defRPr/>
-            </a:pPr>
-            <a:r>
-              <a:rPr lang="en-US" sz="900" b="1" dirty="0" smtClean="0">
-                <a:solidFill>
-                  <a:srgbClr val="000000"/>
-                </a:solidFill>
-                <a:latin typeface="Arial" pitchFamily="34" charset="0"/>
-                <a:ea typeface="ＭＳ Ｐゴシック" pitchFamily="34" charset="-128"/>
-              </a:rPr>
-              <a:t>Debug</a:t>
-            </a:r>
-            <a:endParaRPr lang="en-US" sz="900" b="1" dirty="0">
-              <a:solidFill>
-                <a:srgbClr val="000000"/>
-              </a:solidFill>
-              <a:latin typeface="Arial" pitchFamily="34" charset="0"/>
-              <a:ea typeface="ＭＳ Ｐゴシック" pitchFamily="34" charset="-128"/>
-            </a:endParaRPr>
-          </a:p>
-        </p:txBody>
-      </p:sp>
-      <p:sp>
-        <p:nvSpPr>
-          <p:cNvPr id="46" name="Rounded Rectangle 45"/>
-          <p:cNvSpPr/>
-          <p:nvPr/>
-        </p:nvSpPr>
-        <p:spPr>
-          <a:xfrm>
-            <a:off x="919163" y="4138613"/>
-            <a:ext cx="1223963" cy="257175"/>
-          </a:xfrm>
-          <a:prstGeom prst="roundRect">
-            <a:avLst/>
-          </a:prstGeom>
-          <a:solidFill>
-            <a:schemeClr val="bg1"/>
-          </a:solidFill>
-          <a:ln w="19050">
-            <a:solidFill>
-              <a:schemeClr val="tx2"/>
-            </a:solidFill>
-          </a:ln>
-        </p:spPr>
-        <p:style>
-          <a:lnRef idx="2">
-            <a:schemeClr val="accent1">
-              <a:shade val="50000"/>
-            </a:schemeClr>
-          </a:lnRef>
-          <a:fillRef idx="1">
-            <a:schemeClr val="accent1"/>
-          </a:fillRef>
-          <a:effectRef idx="0">
-            <a:schemeClr val="accent1"/>
-          </a:effectRef>
-          <a:fontRef idx="minor">
-            <a:schemeClr val="lt1"/>
-          </a:fontRef>
-        </p:style>
-        <p:txBody>
-          <a:bodyPr anchor="ctr"/>
-          <a:lstStyle/>
-          <a:p>
-            <a:pPr algn="ctr" fontAlgn="base">
-              <a:lnSpc>
-                <a:spcPct val="85000"/>
-              </a:lnSpc>
-              <a:spcBef>
-                <a:spcPct val="0"/>
-              </a:spcBef>
-              <a:spcAft>
-                <a:spcPct val="0"/>
-              </a:spcAft>
-              <a:defRPr/>
-            </a:pPr>
-            <a:r>
-              <a:rPr lang="en-US" sz="900" b="1" dirty="0" smtClean="0">
-                <a:solidFill>
-                  <a:srgbClr val="000000"/>
-                </a:solidFill>
-                <a:latin typeface="Arial" pitchFamily="34" charset="0"/>
-                <a:ea typeface="ＭＳ Ｐゴシック" pitchFamily="34" charset="-128"/>
-              </a:rPr>
-              <a:t>Multicore System </a:t>
-            </a:r>
-          </a:p>
-          <a:p>
-            <a:pPr algn="ctr" fontAlgn="base">
-              <a:lnSpc>
-                <a:spcPct val="85000"/>
-              </a:lnSpc>
-              <a:spcBef>
-                <a:spcPct val="0"/>
-              </a:spcBef>
-              <a:spcAft>
-                <a:spcPct val="0"/>
-              </a:spcAft>
-              <a:defRPr/>
-            </a:pPr>
-            <a:r>
-              <a:rPr lang="en-US" sz="900" b="1" dirty="0" smtClean="0">
-                <a:solidFill>
-                  <a:srgbClr val="000000"/>
-                </a:solidFill>
-                <a:latin typeface="Arial" pitchFamily="34" charset="0"/>
-                <a:ea typeface="ＭＳ Ｐゴシック" pitchFamily="34" charset="-128"/>
-              </a:rPr>
-              <a:t>Analyzer (MCSA)</a:t>
-            </a:r>
-            <a:endParaRPr lang="en-US" sz="900" b="1" dirty="0">
-              <a:solidFill>
-                <a:srgbClr val="000000"/>
-              </a:solidFill>
-              <a:latin typeface="Arial" pitchFamily="34" charset="0"/>
-              <a:ea typeface="ＭＳ Ｐゴシック" pitchFamily="34" charset="-128"/>
-            </a:endParaRPr>
-          </a:p>
-        </p:txBody>
-      </p:sp>
-      <p:sp>
-        <p:nvSpPr>
-          <p:cNvPr id="47" name="Rounded Rectangle 46"/>
-          <p:cNvSpPr/>
-          <p:nvPr/>
-        </p:nvSpPr>
-        <p:spPr>
-          <a:xfrm>
-            <a:off x="914401" y="4491038"/>
-            <a:ext cx="1223963" cy="257175"/>
-          </a:xfrm>
-          <a:prstGeom prst="roundRect">
-            <a:avLst/>
-          </a:prstGeom>
-          <a:solidFill>
-            <a:schemeClr val="bg1"/>
-          </a:solidFill>
-          <a:ln w="19050">
-            <a:solidFill>
-              <a:schemeClr val="tx2"/>
-            </a:solidFill>
-          </a:ln>
-        </p:spPr>
-        <p:style>
-          <a:lnRef idx="2">
-            <a:schemeClr val="accent1">
-              <a:shade val="50000"/>
-            </a:schemeClr>
-          </a:lnRef>
-          <a:fillRef idx="1">
-            <a:schemeClr val="accent1"/>
-          </a:fillRef>
-          <a:effectRef idx="0">
-            <a:schemeClr val="accent1"/>
-          </a:effectRef>
-          <a:fontRef idx="minor">
-            <a:schemeClr val="lt1"/>
-          </a:fontRef>
-        </p:style>
-        <p:txBody>
-          <a:bodyPr anchor="ctr"/>
-          <a:lstStyle/>
-          <a:p>
-            <a:pPr algn="ctr" fontAlgn="base">
-              <a:lnSpc>
-                <a:spcPct val="85000"/>
-              </a:lnSpc>
-              <a:spcBef>
-                <a:spcPct val="0"/>
-              </a:spcBef>
-              <a:spcAft>
-                <a:spcPct val="0"/>
-              </a:spcAft>
-              <a:defRPr/>
-            </a:pPr>
-            <a:r>
-              <a:rPr lang="en-US" sz="900" b="1" dirty="0" smtClean="0">
-                <a:solidFill>
-                  <a:srgbClr val="000000"/>
-                </a:solidFill>
-                <a:latin typeface="Arial" pitchFamily="34" charset="0"/>
-                <a:ea typeface="ＭＳ Ｐゴシック" pitchFamily="34" charset="-128"/>
-              </a:rPr>
-              <a:t>Visualization</a:t>
-            </a:r>
-            <a:endParaRPr lang="en-US" sz="900" b="1" dirty="0">
-              <a:solidFill>
-                <a:srgbClr val="000000"/>
-              </a:solidFill>
-              <a:latin typeface="Arial" pitchFamily="34" charset="0"/>
-              <a:ea typeface="ＭＳ Ｐゴシック" pitchFamily="34" charset="-128"/>
-            </a:endParaRPr>
-          </a:p>
-        </p:txBody>
-      </p:sp>
-      <p:sp>
-        <p:nvSpPr>
-          <p:cNvPr id="228360" name="AutoShape 8"/>
-          <p:cNvSpPr>
-            <a:spLocks noChangeArrowheads="1"/>
-          </p:cNvSpPr>
-          <p:nvPr/>
-        </p:nvSpPr>
-        <p:spPr bwMode="auto">
-          <a:xfrm>
-            <a:off x="544513" y="5407025"/>
-            <a:ext cx="2908300" cy="330200"/>
-          </a:xfrm>
-          <a:prstGeom prst="cube">
-            <a:avLst>
-              <a:gd name="adj" fmla="val 25000"/>
-            </a:avLst>
-          </a:prstGeom>
-          <a:solidFill>
-            <a:schemeClr val="bg2">
-              <a:lumMod val="60000"/>
-              <a:lumOff val="40000"/>
-            </a:schemeClr>
-          </a:solidFill>
-          <a:ln w="9525">
-            <a:solidFill>
-              <a:schemeClr val="tx1"/>
-            </a:solidFill>
-            <a:miter lim="800000"/>
-            <a:headEnd/>
-            <a:tailEnd/>
-          </a:ln>
-          <a:effectLst/>
-        </p:spPr>
-        <p:txBody>
-          <a:bodyPr wrap="none" anchor="ctr"/>
-          <a:lstStyle/>
-          <a:p>
-            <a:pPr algn="ctr" fontAlgn="base">
-              <a:spcBef>
-                <a:spcPct val="0"/>
-              </a:spcBef>
-              <a:spcAft>
-                <a:spcPct val="0"/>
-              </a:spcAft>
-              <a:defRPr/>
-            </a:pPr>
-            <a:r>
-              <a:rPr lang="en-US" sz="1400" b="1" dirty="0">
-                <a:solidFill>
-                  <a:srgbClr val="000000"/>
-                </a:solidFill>
-                <a:latin typeface="Arial" pitchFamily="34" charset="0"/>
-                <a:ea typeface="ＭＳ Ｐゴシック" pitchFamily="34" charset="-128"/>
-                <a:cs typeface="Arial" charset="0"/>
-              </a:rPr>
-              <a:t>Host Computer</a:t>
-            </a:r>
-          </a:p>
-        </p:txBody>
-      </p:sp>
-      <p:sp>
-        <p:nvSpPr>
-          <p:cNvPr id="228361" name="AutoShape 9"/>
-          <p:cNvSpPr>
-            <a:spLocks noChangeArrowheads="1"/>
-          </p:cNvSpPr>
-          <p:nvPr/>
-        </p:nvSpPr>
-        <p:spPr bwMode="auto">
-          <a:xfrm>
-            <a:off x="4349750" y="5381625"/>
-            <a:ext cx="4445000" cy="304800"/>
-          </a:xfrm>
-          <a:prstGeom prst="cube">
-            <a:avLst>
-              <a:gd name="adj" fmla="val 25000"/>
-            </a:avLst>
-          </a:prstGeom>
-          <a:solidFill>
-            <a:schemeClr val="bg2">
-              <a:lumMod val="50000"/>
-            </a:schemeClr>
-          </a:solidFill>
-          <a:ln w="9525">
-            <a:solidFill>
-              <a:schemeClr val="tx1"/>
-            </a:solidFill>
-            <a:miter lim="800000"/>
-            <a:headEnd/>
-            <a:tailEnd/>
-          </a:ln>
-          <a:effectLst/>
-        </p:spPr>
-        <p:txBody>
-          <a:bodyPr wrap="none" anchor="ctr"/>
-          <a:lstStyle/>
-          <a:p>
-            <a:pPr algn="ctr" fontAlgn="base">
-              <a:spcBef>
-                <a:spcPct val="0"/>
-              </a:spcBef>
-              <a:spcAft>
-                <a:spcPct val="0"/>
-              </a:spcAft>
-              <a:defRPr/>
-            </a:pPr>
-            <a:r>
-              <a:rPr lang="en-US" sz="1400" b="1" dirty="0">
-                <a:solidFill>
-                  <a:srgbClr val="FFFFFF"/>
-                </a:solidFill>
-                <a:latin typeface="Arial" pitchFamily="34" charset="0"/>
-                <a:ea typeface="ＭＳ Ｐゴシック" pitchFamily="34" charset="-128"/>
-                <a:cs typeface="Arial" charset="0"/>
-              </a:rPr>
-              <a:t>Target Board</a:t>
-            </a:r>
-          </a:p>
-        </p:txBody>
-      </p:sp>
-      <p:sp>
-        <p:nvSpPr>
-          <p:cNvPr id="228362" name="AutoShape 10"/>
-          <p:cNvSpPr>
-            <a:spLocks noChangeArrowheads="1"/>
-          </p:cNvSpPr>
-          <p:nvPr/>
-        </p:nvSpPr>
-        <p:spPr bwMode="auto">
-          <a:xfrm>
-            <a:off x="3490179" y="5547226"/>
-            <a:ext cx="850960" cy="88900"/>
-          </a:xfrm>
-          <a:prstGeom prst="leftRightArrow">
-            <a:avLst>
-              <a:gd name="adj1" fmla="val 50000"/>
-              <a:gd name="adj2" fmla="val 102857"/>
-            </a:avLst>
-          </a:prstGeom>
-          <a:solidFill>
-            <a:schemeClr val="tx1"/>
-          </a:solidFill>
-          <a:ln w="9525" algn="ctr">
-            <a:noFill/>
-            <a:miter lim="800000"/>
-            <a:headEnd/>
-            <a:tailEnd/>
-          </a:ln>
-          <a:effectLst/>
-          <a:scene3d>
-            <a:camera prst="orthographicFront">
-              <a:rot lat="0" lon="0" rev="0"/>
-            </a:camera>
-            <a:lightRig rig="balanced" dir="t">
-              <a:rot lat="0" lon="0" rev="8700000"/>
-            </a:lightRig>
-          </a:scene3d>
-          <a:sp3d>
-            <a:bevelT w="190500" h="38100"/>
-          </a:sp3d>
-        </p:spPr>
-        <p:txBody>
-          <a:bodyPr wrap="none" anchor="ctr"/>
-          <a:lstStyle/>
-          <a:p>
-            <a:pPr algn="ctr" fontAlgn="base">
-              <a:spcBef>
-                <a:spcPct val="0"/>
-              </a:spcBef>
-              <a:spcAft>
-                <a:spcPct val="0"/>
-              </a:spcAft>
-              <a:defRPr/>
-            </a:pPr>
-            <a:endParaRPr lang="en-US" sz="2800" b="1" dirty="0">
-              <a:solidFill>
-                <a:srgbClr val="000000"/>
-              </a:solidFill>
-              <a:latin typeface="Arial" charset="0"/>
-              <a:ea typeface="MS PGothic" pitchFamily="34" charset="-128"/>
-              <a:cs typeface="Arial" charset="0"/>
-            </a:endParaRPr>
-          </a:p>
-        </p:txBody>
-      </p:sp>
-      <p:sp>
-        <p:nvSpPr>
-          <p:cNvPr id="228364" name="Rectangle 12"/>
-          <p:cNvSpPr>
-            <a:spLocks noChangeArrowheads="1"/>
-          </p:cNvSpPr>
-          <p:nvPr/>
-        </p:nvSpPr>
-        <p:spPr bwMode="auto">
-          <a:xfrm>
-            <a:off x="1295400" y="1303338"/>
-            <a:ext cx="1624013" cy="349250"/>
-          </a:xfrm>
-          <a:prstGeom prst="rect">
-            <a:avLst/>
-          </a:prstGeom>
-          <a:noFill/>
-          <a:ln w="9525" algn="ctr">
-            <a:noFill/>
-            <a:miter lim="800000"/>
-            <a:headEnd/>
-            <a:tailEnd/>
-          </a:ln>
-          <a:effectLst/>
-        </p:spPr>
-        <p:txBody>
-          <a:bodyPr wrap="none"/>
-          <a:lstStyle/>
-          <a:p>
-            <a:pPr algn="ctr" fontAlgn="base">
-              <a:spcBef>
-                <a:spcPct val="0"/>
-              </a:spcBef>
-              <a:spcAft>
-                <a:spcPct val="0"/>
-              </a:spcAft>
-              <a:defRPr/>
-            </a:pPr>
-            <a:r>
-              <a:rPr lang="en-US" b="1" dirty="0">
-                <a:solidFill>
-                  <a:srgbClr val="000000"/>
-                </a:solidFill>
-                <a:latin typeface="Arial" pitchFamily="34" charset="0"/>
-                <a:ea typeface="ＭＳ Ｐゴシック" pitchFamily="34" charset="-128"/>
-                <a:cs typeface="Arial" charset="0"/>
-              </a:rPr>
-              <a:t>Eclipse</a:t>
-            </a:r>
-          </a:p>
-        </p:txBody>
-      </p:sp>
-      <p:sp>
-        <p:nvSpPr>
-          <p:cNvPr id="228366" name="AutoShape 14"/>
-          <p:cNvSpPr>
-            <a:spLocks noChangeArrowheads="1"/>
-          </p:cNvSpPr>
-          <p:nvPr/>
-        </p:nvSpPr>
-        <p:spPr bwMode="auto">
-          <a:xfrm>
-            <a:off x="2365375" y="1762125"/>
-            <a:ext cx="1016000" cy="3200400"/>
-          </a:xfrm>
-          <a:prstGeom prst="roundRect">
-            <a:avLst>
-              <a:gd name="adj" fmla="val 16667"/>
-            </a:avLst>
-          </a:prstGeom>
-          <a:solidFill>
-            <a:schemeClr val="bg2">
-              <a:lumMod val="60000"/>
-              <a:lumOff val="40000"/>
-            </a:schemeClr>
-          </a:solidFill>
-          <a:ln w="28575" algn="ctr">
-            <a:solidFill>
-              <a:schemeClr val="tx1"/>
-            </a:solidFill>
-            <a:round/>
-            <a:headEnd/>
-            <a:tailEnd/>
-          </a:ln>
-          <a:effectLst/>
-        </p:spPr>
-        <p:txBody>
-          <a:bodyPr wrap="none"/>
-          <a:lstStyle/>
-          <a:p>
-            <a:pPr algn="ctr" fontAlgn="base">
-              <a:spcBef>
-                <a:spcPct val="0"/>
-              </a:spcBef>
-              <a:spcAft>
-                <a:spcPct val="0"/>
-              </a:spcAft>
-              <a:defRPr/>
-            </a:pPr>
-            <a:endParaRPr lang="en-US" sz="1000" b="1" dirty="0">
-              <a:solidFill>
-                <a:srgbClr val="FFFFFF"/>
-              </a:solidFill>
-              <a:latin typeface="Arial Narrow" pitchFamily="34" charset="0"/>
-              <a:ea typeface="MS PGothic" pitchFamily="34" charset="-128"/>
-              <a:cs typeface="Arial" charset="0"/>
-            </a:endParaRPr>
-          </a:p>
-        </p:txBody>
-      </p:sp>
-      <p:sp>
-        <p:nvSpPr>
-          <p:cNvPr id="228368" name="AutoShape 16"/>
-          <p:cNvSpPr>
-            <a:spLocks noChangeArrowheads="1"/>
-          </p:cNvSpPr>
-          <p:nvPr/>
-        </p:nvSpPr>
-        <p:spPr bwMode="auto">
-          <a:xfrm>
-            <a:off x="928688" y="2732088"/>
-            <a:ext cx="1204912" cy="233362"/>
-          </a:xfrm>
-          <a:prstGeom prst="roundRect">
-            <a:avLst>
-              <a:gd name="adj" fmla="val 16667"/>
-            </a:avLst>
-          </a:prstGeom>
-          <a:noFill/>
-          <a:ln w="9525" algn="ctr">
-            <a:noFill/>
-            <a:round/>
-            <a:headEnd/>
-            <a:tailEnd/>
-          </a:ln>
-          <a:effectLst>
-            <a:prstShdw prst="shdw17" dist="17961" dir="2700000">
-              <a:srgbClr val="00FFFF">
-                <a:gamma/>
-                <a:shade val="60000"/>
-                <a:invGamma/>
-              </a:srgbClr>
-            </a:prstShdw>
-          </a:effectLst>
-        </p:spPr>
-        <p:txBody>
-          <a:bodyPr wrap="none" anchor="ctr"/>
-          <a:lstStyle/>
-          <a:p>
-            <a:pPr algn="ctr" fontAlgn="base">
-              <a:lnSpc>
-                <a:spcPct val="85000"/>
-              </a:lnSpc>
-              <a:spcBef>
-                <a:spcPct val="0"/>
-              </a:spcBef>
-              <a:spcAft>
-                <a:spcPct val="0"/>
-              </a:spcAft>
-              <a:defRPr/>
-            </a:pPr>
-            <a:endParaRPr lang="en-US" sz="900" b="1" dirty="0">
-              <a:solidFill>
-                <a:srgbClr val="000000"/>
-              </a:solidFill>
-              <a:latin typeface="Arial" pitchFamily="34" charset="0"/>
-              <a:ea typeface="ＭＳ Ｐゴシック" pitchFamily="34" charset="-128"/>
-              <a:cs typeface="Arial" charset="0"/>
-            </a:endParaRPr>
-          </a:p>
-        </p:txBody>
-      </p:sp>
-      <p:sp>
-        <p:nvSpPr>
-          <p:cNvPr id="228372" name="AutoShape 20"/>
-          <p:cNvSpPr>
-            <a:spLocks noChangeArrowheads="1"/>
-          </p:cNvSpPr>
-          <p:nvPr/>
-        </p:nvSpPr>
-        <p:spPr bwMode="auto">
-          <a:xfrm>
-            <a:off x="931863" y="4152900"/>
-            <a:ext cx="1204912" cy="233363"/>
-          </a:xfrm>
-          <a:prstGeom prst="roundRect">
-            <a:avLst>
-              <a:gd name="adj" fmla="val 16667"/>
-            </a:avLst>
-          </a:prstGeom>
-          <a:noFill/>
-          <a:ln w="9525" algn="ctr">
-            <a:noFill/>
-            <a:round/>
-            <a:headEnd/>
-            <a:tailEnd/>
-          </a:ln>
-          <a:effectLst>
-            <a:prstShdw prst="shdw17" dist="17961" dir="2700000">
-              <a:srgbClr val="00FFFF">
-                <a:gamma/>
-                <a:shade val="60000"/>
-                <a:invGamma/>
-              </a:srgbClr>
-            </a:prstShdw>
-          </a:effectLst>
-        </p:spPr>
-        <p:txBody>
-          <a:bodyPr wrap="none" anchor="ctr"/>
-          <a:lstStyle/>
-          <a:p>
-            <a:pPr algn="ctr" fontAlgn="base">
-              <a:lnSpc>
-                <a:spcPct val="85000"/>
-              </a:lnSpc>
-              <a:spcBef>
-                <a:spcPct val="0"/>
-              </a:spcBef>
-              <a:spcAft>
-                <a:spcPct val="0"/>
-              </a:spcAft>
-              <a:defRPr/>
-            </a:pPr>
-            <a:endParaRPr lang="en-US" sz="900" b="1" dirty="0">
-              <a:solidFill>
-                <a:srgbClr val="000000"/>
-              </a:solidFill>
-              <a:latin typeface="Arial" pitchFamily="34" charset="0"/>
-              <a:ea typeface="ＭＳ Ｐゴシック" pitchFamily="34" charset="-128"/>
-              <a:cs typeface="Arial" charset="0"/>
-            </a:endParaRPr>
-          </a:p>
-        </p:txBody>
-      </p:sp>
-      <p:sp>
-        <p:nvSpPr>
-          <p:cNvPr id="66" name="Rounded Rectangle 65"/>
-          <p:cNvSpPr/>
-          <p:nvPr/>
-        </p:nvSpPr>
-        <p:spPr bwMode="auto">
-          <a:xfrm>
-            <a:off x="4467506" y="1035678"/>
-            <a:ext cx="4317107" cy="4206240"/>
-          </a:xfrm>
-          <a:prstGeom prst="roundRect">
-            <a:avLst>
-              <a:gd name="adj" fmla="val 2624"/>
-            </a:avLst>
-          </a:prstGeom>
-          <a:solidFill>
-            <a:srgbClr val="FFFF00"/>
-          </a:solidFill>
-          <a:ln w="19050">
-            <a:solidFill>
-              <a:schemeClr val="tx1"/>
-            </a:solidFill>
-          </a:ln>
-          <a:effectLst/>
-        </p:spPr>
-        <p:style>
-          <a:lnRef idx="1">
-            <a:schemeClr val="accent6"/>
-          </a:lnRef>
-          <a:fillRef idx="2">
-            <a:schemeClr val="accent6"/>
-          </a:fillRef>
-          <a:effectRef idx="1">
-            <a:schemeClr val="accent6"/>
-          </a:effectRef>
-          <a:fontRef idx="minor">
-            <a:schemeClr val="dk1"/>
-          </a:fontRef>
-        </p:style>
-        <p:txBody>
-          <a:bodyPr anchor="ctr"/>
-          <a:lstStyle/>
-          <a:p>
-            <a:pPr algn="ctr" fontAlgn="base">
-              <a:spcBef>
-                <a:spcPct val="0"/>
-              </a:spcBef>
-              <a:spcAft>
-                <a:spcPct val="0"/>
-              </a:spcAft>
-              <a:defRPr/>
-            </a:pPr>
-            <a:endParaRPr lang="en-US" sz="1050" b="1" dirty="0">
-              <a:solidFill>
-                <a:prstClr val="black"/>
-              </a:solidFill>
-            </a:endParaRPr>
-          </a:p>
-          <a:p>
-            <a:pPr algn="ctr" fontAlgn="base">
-              <a:spcBef>
-                <a:spcPct val="0"/>
-              </a:spcBef>
-              <a:spcAft>
-                <a:spcPct val="0"/>
-              </a:spcAft>
-              <a:defRPr/>
-            </a:pPr>
-            <a:endParaRPr lang="en-US" sz="1050" b="1" dirty="0">
-              <a:solidFill>
-                <a:prstClr val="black"/>
-              </a:solidFill>
-            </a:endParaRPr>
-          </a:p>
-          <a:p>
-            <a:pPr algn="ctr" fontAlgn="base">
-              <a:spcBef>
-                <a:spcPct val="0"/>
-              </a:spcBef>
-              <a:spcAft>
-                <a:spcPct val="0"/>
-              </a:spcAft>
-              <a:defRPr/>
-            </a:pPr>
-            <a:endParaRPr lang="en-US" sz="1050" b="1" dirty="0">
-              <a:solidFill>
-                <a:prstClr val="black"/>
-              </a:solidFill>
-            </a:endParaRPr>
-          </a:p>
-          <a:p>
-            <a:pPr algn="ctr" fontAlgn="base">
-              <a:spcBef>
-                <a:spcPct val="0"/>
-              </a:spcBef>
-              <a:spcAft>
-                <a:spcPct val="0"/>
-              </a:spcAft>
-              <a:defRPr/>
-            </a:pPr>
-            <a:endParaRPr lang="en-US" sz="1050" b="1" dirty="0">
-              <a:solidFill>
-                <a:prstClr val="black"/>
-              </a:solidFill>
-            </a:endParaRPr>
-          </a:p>
-          <a:p>
-            <a:pPr algn="ctr" fontAlgn="base">
-              <a:spcBef>
-                <a:spcPct val="0"/>
-              </a:spcBef>
-              <a:spcAft>
-                <a:spcPct val="0"/>
-              </a:spcAft>
-              <a:defRPr/>
-            </a:pPr>
-            <a:endParaRPr lang="en-US" sz="1050" b="1" dirty="0">
-              <a:solidFill>
-                <a:prstClr val="black"/>
-              </a:solidFill>
-            </a:endParaRPr>
-          </a:p>
-          <a:p>
-            <a:pPr algn="ctr" fontAlgn="base">
-              <a:spcBef>
-                <a:spcPct val="0"/>
-              </a:spcBef>
-              <a:spcAft>
-                <a:spcPct val="0"/>
-              </a:spcAft>
-              <a:defRPr/>
-            </a:pPr>
-            <a:endParaRPr lang="en-US" sz="1050" b="1" dirty="0">
-              <a:solidFill>
-                <a:prstClr val="black"/>
-              </a:solidFill>
-            </a:endParaRPr>
-          </a:p>
-          <a:p>
-            <a:pPr algn="ctr" fontAlgn="base">
-              <a:spcBef>
-                <a:spcPct val="0"/>
-              </a:spcBef>
-              <a:spcAft>
-                <a:spcPct val="0"/>
-              </a:spcAft>
-              <a:defRPr/>
-            </a:pPr>
-            <a:endParaRPr lang="en-US" sz="1050" b="1" dirty="0">
-              <a:solidFill>
-                <a:prstClr val="black"/>
-              </a:solidFill>
-            </a:endParaRPr>
-          </a:p>
-          <a:p>
-            <a:pPr algn="ctr" fontAlgn="base">
-              <a:spcBef>
-                <a:spcPct val="0"/>
-              </a:spcBef>
-              <a:spcAft>
-                <a:spcPct val="0"/>
-              </a:spcAft>
-              <a:defRPr/>
-            </a:pPr>
-            <a:endParaRPr lang="en-US" sz="1050" b="1" dirty="0">
-              <a:solidFill>
-                <a:prstClr val="black"/>
-              </a:solidFill>
-            </a:endParaRPr>
-          </a:p>
-          <a:p>
-            <a:pPr algn="ctr" fontAlgn="base">
-              <a:spcBef>
-                <a:spcPct val="0"/>
-              </a:spcBef>
-              <a:spcAft>
-                <a:spcPct val="0"/>
-              </a:spcAft>
-              <a:defRPr/>
-            </a:pPr>
-            <a:endParaRPr lang="en-US" sz="1050" b="1" dirty="0">
-              <a:solidFill>
-                <a:prstClr val="black"/>
-              </a:solidFill>
-            </a:endParaRPr>
-          </a:p>
-          <a:p>
-            <a:pPr algn="ctr" fontAlgn="base">
-              <a:spcBef>
-                <a:spcPct val="0"/>
-              </a:spcBef>
-              <a:spcAft>
-                <a:spcPct val="0"/>
-              </a:spcAft>
-              <a:defRPr/>
-            </a:pPr>
-            <a:endParaRPr lang="en-US" sz="1050" b="1" dirty="0">
-              <a:solidFill>
-                <a:prstClr val="black"/>
-              </a:solidFill>
-            </a:endParaRPr>
-          </a:p>
-          <a:p>
-            <a:pPr algn="ctr" fontAlgn="base">
-              <a:spcBef>
-                <a:spcPct val="0"/>
-              </a:spcBef>
-              <a:spcAft>
-                <a:spcPct val="0"/>
-              </a:spcAft>
-              <a:defRPr/>
-            </a:pPr>
-            <a:endParaRPr lang="en-US" sz="1050" b="1" dirty="0">
-              <a:solidFill>
-                <a:prstClr val="black"/>
-              </a:solidFill>
-            </a:endParaRPr>
-          </a:p>
-          <a:p>
-            <a:pPr algn="ctr" fontAlgn="base">
-              <a:spcBef>
-                <a:spcPct val="0"/>
-              </a:spcBef>
-              <a:spcAft>
-                <a:spcPct val="0"/>
-              </a:spcAft>
-              <a:defRPr/>
-            </a:pPr>
-            <a:endParaRPr lang="en-US" sz="1050" b="1" dirty="0">
-              <a:solidFill>
-                <a:prstClr val="black"/>
-              </a:solidFill>
-            </a:endParaRPr>
-          </a:p>
-          <a:p>
-            <a:pPr algn="ctr" fontAlgn="base">
-              <a:spcBef>
-                <a:spcPct val="0"/>
-              </a:spcBef>
-              <a:spcAft>
-                <a:spcPct val="0"/>
-              </a:spcAft>
-              <a:defRPr/>
-            </a:pPr>
-            <a:endParaRPr lang="en-US" sz="1050" b="1" dirty="0">
-              <a:solidFill>
-                <a:prstClr val="black"/>
-              </a:solidFill>
-            </a:endParaRPr>
-          </a:p>
-          <a:p>
-            <a:pPr algn="ctr" fontAlgn="base">
-              <a:spcBef>
-                <a:spcPct val="0"/>
-              </a:spcBef>
-              <a:spcAft>
-                <a:spcPct val="0"/>
-              </a:spcAft>
-              <a:defRPr/>
-            </a:pPr>
-            <a:endParaRPr lang="en-US" sz="1050" b="1" dirty="0">
-              <a:solidFill>
-                <a:prstClr val="black"/>
-              </a:solidFill>
-            </a:endParaRPr>
-          </a:p>
-          <a:p>
-            <a:pPr algn="ctr" fontAlgn="base">
-              <a:spcBef>
-                <a:spcPct val="0"/>
-              </a:spcBef>
-              <a:spcAft>
-                <a:spcPct val="0"/>
-              </a:spcAft>
-              <a:defRPr/>
-            </a:pPr>
-            <a:endParaRPr lang="en-US" sz="1050" b="1" dirty="0">
-              <a:solidFill>
-                <a:prstClr val="black"/>
-              </a:solidFill>
-            </a:endParaRPr>
-          </a:p>
-          <a:p>
-            <a:pPr algn="ctr" fontAlgn="base">
-              <a:spcBef>
-                <a:spcPct val="0"/>
-              </a:spcBef>
-              <a:spcAft>
-                <a:spcPct val="0"/>
-              </a:spcAft>
-              <a:defRPr/>
-            </a:pPr>
-            <a:endParaRPr lang="en-US" sz="1050" b="1" dirty="0">
-              <a:solidFill>
-                <a:prstClr val="black"/>
-              </a:solidFill>
-            </a:endParaRPr>
-          </a:p>
-        </p:txBody>
-      </p:sp>
-      <p:sp>
-        <p:nvSpPr>
-          <p:cNvPr id="79" name="TextBox 78"/>
-          <p:cNvSpPr txBox="1"/>
-          <p:nvPr/>
-        </p:nvSpPr>
-        <p:spPr>
-          <a:xfrm>
-            <a:off x="4783343" y="2895600"/>
-            <a:ext cx="3700052" cy="584775"/>
-          </a:xfrm>
-          <a:prstGeom prst="rect">
-            <a:avLst/>
-          </a:prstGeom>
-          <a:noFill/>
-        </p:spPr>
-        <p:txBody>
-          <a:bodyPr wrap="none">
-            <a:spAutoFit/>
-          </a:bodyPr>
-          <a:lstStyle/>
-          <a:p>
-            <a:pPr algn="ctr" fontAlgn="base">
-              <a:spcBef>
-                <a:spcPct val="0"/>
-              </a:spcBef>
-              <a:spcAft>
-                <a:spcPct val="0"/>
-              </a:spcAft>
-              <a:defRPr/>
-            </a:pPr>
-            <a:r>
-              <a:rPr lang="en-US" sz="1600" b="1" dirty="0">
-                <a:latin typeface="Arial" pitchFamily="34" charset="0"/>
-                <a:ea typeface="ＭＳ Ｐゴシック" pitchFamily="34" charset="-128"/>
-                <a:cs typeface="Arial" charset="0"/>
-              </a:rPr>
-              <a:t>Multicore Software Development </a:t>
-            </a:r>
-            <a:r>
-              <a:rPr lang="en-US" sz="1600" b="1" dirty="0" smtClean="0">
-                <a:latin typeface="Arial" pitchFamily="34" charset="0"/>
-                <a:ea typeface="ＭＳ Ｐゴシック" pitchFamily="34" charset="-128"/>
-                <a:cs typeface="Arial" charset="0"/>
-              </a:rPr>
-              <a:t>Kit</a:t>
-            </a:r>
-          </a:p>
-          <a:p>
-            <a:pPr algn="ctr" fontAlgn="base">
-              <a:spcBef>
-                <a:spcPct val="0"/>
-              </a:spcBef>
-              <a:spcAft>
-                <a:spcPct val="0"/>
-              </a:spcAft>
-              <a:defRPr/>
-            </a:pPr>
-            <a:r>
-              <a:rPr lang="en-US" sz="1600" b="1" dirty="0" smtClean="0">
-                <a:latin typeface="Arial" pitchFamily="34" charset="0"/>
-                <a:ea typeface="ＭＳ Ｐゴシック" pitchFamily="34" charset="-128"/>
-                <a:cs typeface="Arial" charset="0"/>
-              </a:rPr>
-              <a:t>(MCSDK)</a:t>
-            </a:r>
-            <a:endParaRPr lang="en-US" sz="1600" b="1" dirty="0">
-              <a:latin typeface="Arial" pitchFamily="34" charset="0"/>
-              <a:ea typeface="ＭＳ Ｐゴシック" pitchFamily="34" charset="-128"/>
-              <a:cs typeface="Arial" charset="0"/>
-            </a:endParaRPr>
-          </a:p>
-        </p:txBody>
-      </p:sp>
-      <p:sp>
-        <p:nvSpPr>
-          <p:cNvPr id="48" name="PPTShape_1"/>
-          <p:cNvSpPr>
-            <a:spLocks noChangeArrowheads="1"/>
-          </p:cNvSpPr>
-          <p:nvPr/>
-        </p:nvSpPr>
-        <p:spPr bwMode="auto">
-          <a:xfrm>
-            <a:off x="809625" y="1728788"/>
-            <a:ext cx="1468438" cy="681037"/>
-          </a:xfrm>
-          <a:prstGeom prst="roundRect">
-            <a:avLst>
-              <a:gd name="adj" fmla="val 16667"/>
-            </a:avLst>
-          </a:prstGeom>
-          <a:noFill/>
-          <a:ln w="28575" algn="ctr">
-            <a:noFill/>
-            <a:round/>
-            <a:headEnd/>
-            <a:tailEnd/>
-          </a:ln>
-          <a:effectLst/>
-        </p:spPr>
-        <p:txBody>
-          <a:bodyPr wrap="none"/>
-          <a:lstStyle/>
-          <a:p>
-            <a:pPr algn="ctr" fontAlgn="base">
-              <a:lnSpc>
-                <a:spcPct val="85000"/>
-              </a:lnSpc>
-              <a:spcBef>
-                <a:spcPct val="0"/>
-              </a:spcBef>
-              <a:spcAft>
-                <a:spcPct val="0"/>
-              </a:spcAft>
-              <a:defRPr/>
-            </a:pPr>
-            <a:r>
-              <a:rPr lang="en-US" sz="1200" b="1" dirty="0">
-                <a:solidFill>
-                  <a:srgbClr val="FFFFFF"/>
-                </a:solidFill>
-                <a:latin typeface="Arial"/>
-                <a:ea typeface="ＭＳ Ｐゴシック" pitchFamily="34" charset="-128"/>
-                <a:cs typeface="Arial" charset="0"/>
-              </a:rPr>
-              <a:t>Code </a:t>
-            </a:r>
-          </a:p>
-          <a:p>
-            <a:pPr algn="ctr" fontAlgn="base">
-              <a:lnSpc>
-                <a:spcPct val="85000"/>
-              </a:lnSpc>
-              <a:spcBef>
-                <a:spcPct val="0"/>
-              </a:spcBef>
-              <a:spcAft>
-                <a:spcPct val="0"/>
-              </a:spcAft>
-              <a:defRPr/>
-            </a:pPr>
-            <a:r>
-              <a:rPr lang="en-US" sz="1200" b="1" dirty="0">
-                <a:solidFill>
-                  <a:srgbClr val="FFFFFF"/>
-                </a:solidFill>
-                <a:latin typeface="Arial"/>
-                <a:ea typeface="ＭＳ Ｐゴシック" pitchFamily="34" charset="-128"/>
-                <a:cs typeface="Arial" charset="0"/>
-              </a:rPr>
-              <a:t>Composer</a:t>
-            </a:r>
-          </a:p>
-          <a:p>
-            <a:pPr algn="ctr" fontAlgn="base">
-              <a:lnSpc>
-                <a:spcPct val="85000"/>
-              </a:lnSpc>
-              <a:spcBef>
-                <a:spcPct val="0"/>
-              </a:spcBef>
-              <a:spcAft>
-                <a:spcPct val="0"/>
-              </a:spcAft>
-              <a:defRPr/>
-            </a:pPr>
-            <a:r>
-              <a:rPr lang="en-US" sz="1200" b="1" dirty="0">
-                <a:solidFill>
-                  <a:srgbClr val="FFFFFF"/>
-                </a:solidFill>
-                <a:latin typeface="Arial"/>
-                <a:ea typeface="ＭＳ Ｐゴシック" pitchFamily="34" charset="-128"/>
-                <a:cs typeface="Arial" charset="0"/>
-              </a:rPr>
-              <a:t> Studio</a:t>
-            </a:r>
-            <a:r>
-              <a:rPr lang="en-US" sz="800" b="1" baseline="50000" dirty="0">
-                <a:solidFill>
-                  <a:srgbClr val="FFFFFF"/>
-                </a:solidFill>
-                <a:latin typeface="Arial"/>
-                <a:ea typeface="ＭＳ Ｐゴシック" pitchFamily="34" charset="-128"/>
-                <a:cs typeface="Arial" charset="0"/>
-              </a:rPr>
-              <a:t>TM</a:t>
-            </a:r>
-          </a:p>
-        </p:txBody>
-      </p:sp>
-      <p:sp>
-        <p:nvSpPr>
-          <p:cNvPr id="49" name="PPTShape_2"/>
-          <p:cNvSpPr>
-            <a:spLocks noChangeArrowheads="1"/>
-          </p:cNvSpPr>
-          <p:nvPr/>
-        </p:nvSpPr>
-        <p:spPr bwMode="auto">
-          <a:xfrm>
-            <a:off x="2373313" y="2551113"/>
-            <a:ext cx="1014412" cy="725487"/>
-          </a:xfrm>
-          <a:prstGeom prst="roundRect">
-            <a:avLst>
-              <a:gd name="adj" fmla="val 16667"/>
-            </a:avLst>
-          </a:prstGeom>
-          <a:noFill/>
-          <a:ln w="28575" algn="ctr">
-            <a:noFill/>
-            <a:round/>
-            <a:headEnd/>
-            <a:tailEnd/>
-          </a:ln>
-          <a:effectLst/>
-        </p:spPr>
-        <p:txBody>
-          <a:bodyPr wrap="none"/>
-          <a:lstStyle/>
-          <a:p>
-            <a:pPr algn="ctr" fontAlgn="base">
-              <a:lnSpc>
-                <a:spcPct val="85000"/>
-              </a:lnSpc>
-              <a:spcBef>
-                <a:spcPct val="0"/>
-              </a:spcBef>
-              <a:spcAft>
-                <a:spcPct val="0"/>
-              </a:spcAft>
-              <a:defRPr/>
-            </a:pPr>
-            <a:r>
-              <a:rPr lang="en-US" sz="1200" b="1" dirty="0">
-                <a:solidFill>
-                  <a:prstClr val="black"/>
-                </a:solidFill>
-                <a:latin typeface="Arial Narrow" pitchFamily="34" charset="0"/>
-                <a:ea typeface="ＭＳ Ｐゴシック" pitchFamily="34" charset="-128"/>
-                <a:cs typeface="Arial" charset="0"/>
-              </a:rPr>
-              <a:t>Third</a:t>
-            </a:r>
-          </a:p>
-          <a:p>
-            <a:pPr algn="ctr" fontAlgn="base">
-              <a:lnSpc>
-                <a:spcPct val="85000"/>
-              </a:lnSpc>
-              <a:spcBef>
-                <a:spcPct val="0"/>
-              </a:spcBef>
-              <a:spcAft>
-                <a:spcPct val="0"/>
-              </a:spcAft>
-              <a:defRPr/>
-            </a:pPr>
-            <a:r>
-              <a:rPr lang="en-US" sz="1200" b="1" dirty="0">
-                <a:solidFill>
-                  <a:prstClr val="black"/>
-                </a:solidFill>
-                <a:latin typeface="Arial Narrow" pitchFamily="34" charset="0"/>
-                <a:ea typeface="ＭＳ Ｐゴシック" pitchFamily="34" charset="-128"/>
-                <a:cs typeface="Arial" charset="0"/>
-              </a:rPr>
-              <a:t>Party</a:t>
-            </a:r>
-          </a:p>
-          <a:p>
-            <a:pPr algn="ctr" fontAlgn="base">
-              <a:lnSpc>
-                <a:spcPct val="85000"/>
-              </a:lnSpc>
-              <a:spcBef>
-                <a:spcPct val="0"/>
-              </a:spcBef>
-              <a:spcAft>
-                <a:spcPct val="0"/>
-              </a:spcAft>
-              <a:defRPr/>
-            </a:pPr>
-            <a:r>
-              <a:rPr lang="en-US" sz="1200" b="1" dirty="0">
-                <a:solidFill>
-                  <a:prstClr val="black"/>
-                </a:solidFill>
-                <a:latin typeface="Arial Narrow" pitchFamily="34" charset="0"/>
-                <a:ea typeface="ＭＳ Ｐゴシック" pitchFamily="34" charset="-128"/>
-                <a:cs typeface="Arial" charset="0"/>
-              </a:rPr>
-              <a:t>Plug-Ins</a:t>
-            </a:r>
-          </a:p>
-        </p:txBody>
-      </p:sp>
-      <p:sp>
-        <p:nvSpPr>
-          <p:cNvPr id="16444" name="Title 12"/>
+          <p:cNvPr id="15361" name="Title 1"/>
           <p:cNvSpPr>
             <a:spLocks noGrp="1"/>
           </p:cNvSpPr>
@@ -8707,108 +6702,118 @@
         </p:nvSpPr>
         <p:spPr>
           <a:xfrm>
-            <a:off x="342900" y="-69850"/>
-            <a:ext cx="8458200" cy="1189038"/>
+            <a:off x="342900" y="104775"/>
+            <a:ext cx="8458200" cy="657225"/>
           </a:xfrm>
         </p:spPr>
         <p:txBody>
           <a:bodyPr/>
           <a:lstStyle/>
           <a:p>
-            <a:pPr eaLnBrk="1" hangingPunct="1"/>
-            <a:r>
-              <a:rPr lang="en-US" sz="3200" b="1" dirty="0" smtClean="0"/>
-              <a:t>TI Software Development Ecosystem</a:t>
-            </a:r>
-            <a:r>
-              <a:rPr lang="en-US" b="1" dirty="0" smtClean="0"/>
-              <a:t/>
-            </a:r>
-            <a:br>
-              <a:rPr lang="en-US" b="1" dirty="0" smtClean="0"/>
-            </a:br>
-            <a:r>
-              <a:rPr lang="en-US" sz="2400" b="1" dirty="0" smtClean="0"/>
-              <a:t>Multicore Performance, Single-core Simplicity</a:t>
+            <a:r>
+              <a:rPr lang="en-US" dirty="0" smtClean="0"/>
+              <a:t>What is MCSDK?</a:t>
             </a:r>
           </a:p>
         </p:txBody>
       </p:sp>
       <p:sp>
         <p:nvSpPr>
-          <p:cNvPr id="92" name="Rectangle 91"/>
-          <p:cNvSpPr/>
-          <p:nvPr/>
+          <p:cNvPr id="15362" name="Content Placeholder 2"/>
+          <p:cNvSpPr>
+            <a:spLocks noGrp="1"/>
+          </p:cNvSpPr>
+          <p:nvPr>
+            <p:ph idx="1"/>
+          </p:nvPr>
         </p:nvSpPr>
         <p:spPr>
           <a:xfrm>
-            <a:off x="5943600" y="5715000"/>
-            <a:ext cx="1905000" cy="461665"/>
+            <a:off x="457200" y="1066800"/>
+            <a:ext cx="8229600" cy="4906963"/>
           </a:xfrm>
-          <a:prstGeom prst="rect">
-            <a:avLst/>
-          </a:prstGeom>
         </p:spPr>
         <p:txBody>
-          <a:bodyPr wrap="square">
-            <a:spAutoFit/>
+          <a:bodyPr>
+            <a:normAutofit lnSpcReduction="10000"/>
           </a:bodyPr>
           <a:lstStyle/>
           <a:p>
-            <a:pPr marL="115888" indent="-115888" fontAlgn="base">
-              <a:spcBef>
-                <a:spcPct val="0"/>
-              </a:spcBef>
-              <a:spcAft>
-                <a:spcPct val="0"/>
-              </a:spcAft>
-              <a:buFont typeface="Arial" pitchFamily="34" charset="0"/>
-              <a:buChar char="•"/>
-              <a:defRPr/>
+            <a:pPr>
+              <a:buNone/>
             </a:pPr>
             <a:r>
-              <a:rPr lang="en-US" sz="1200" b="1" dirty="0" smtClean="0">
-                <a:solidFill>
-                  <a:srgbClr val="000000"/>
-                </a:solidFill>
-                <a:latin typeface="Arial" pitchFamily="34" charset="0"/>
-                <a:ea typeface="ＭＳ Ｐゴシック" pitchFamily="34" charset="-128"/>
-                <a:cs typeface="Arial" charset="0"/>
-              </a:rPr>
-              <a:t>XDS 560 V2</a:t>
-            </a:r>
-          </a:p>
-          <a:p>
-            <a:pPr marL="115888" indent="-115888" fontAlgn="base">
-              <a:spcBef>
-                <a:spcPct val="0"/>
-              </a:spcBef>
-              <a:spcAft>
-                <a:spcPct val="0"/>
-              </a:spcAft>
-              <a:buFont typeface="Arial" pitchFamily="34" charset="0"/>
-              <a:buChar char="•"/>
-              <a:defRPr/>
-            </a:pPr>
-            <a:r>
-              <a:rPr lang="en-US" sz="1200" b="1" dirty="0" smtClean="0">
-                <a:solidFill>
-                  <a:srgbClr val="000000"/>
-                </a:solidFill>
-                <a:latin typeface="Arial" pitchFamily="34" charset="0"/>
-                <a:ea typeface="ＭＳ Ｐゴシック" pitchFamily="34" charset="-128"/>
-                <a:cs typeface="Arial" charset="0"/>
-              </a:rPr>
-              <a:t>XDS 560 Trace</a:t>
-            </a:r>
-            <a:endParaRPr lang="en-US" sz="1200" b="1" dirty="0">
-              <a:solidFill>
-                <a:srgbClr val="000000"/>
-              </a:solidFill>
-              <a:latin typeface="Arial" pitchFamily="34" charset="0"/>
-              <a:ea typeface="ＭＳ Ｐゴシック" pitchFamily="34" charset="-128"/>
-              <a:cs typeface="Arial" charset="0"/>
-            </a:endParaRPr>
+              <a:rPr lang="en-US" sz="2400" dirty="0" smtClean="0"/>
+              <a:t>TI’s Multicore Software Development Kit (MCSDK):</a:t>
+            </a:r>
+          </a:p>
+          <a:p>
+            <a:r>
+              <a:rPr lang="en-US" sz="2400" dirty="0" smtClean="0"/>
+              <a:t>Provides the core foundational building blocks for customers to quickly start developing embedded applications on TI high-performance multicore DSPs:</a:t>
+            </a:r>
+          </a:p>
+          <a:p>
+            <a:pPr lvl="1"/>
+            <a:r>
+              <a:rPr lang="en-US" sz="2000" dirty="0" smtClean="0"/>
+              <a:t>Uses </a:t>
+            </a:r>
+            <a:r>
+              <a:rPr lang="en-US" sz="2000" dirty="0" smtClean="0"/>
+              <a:t>either </a:t>
+            </a:r>
+            <a:r>
+              <a:rPr lang="en-US" sz="2000" dirty="0" smtClean="0"/>
+              <a:t>the SYS/BIOS or Linux real-time operating system</a:t>
+            </a:r>
+          </a:p>
+          <a:p>
+            <a:pPr lvl="1"/>
+            <a:r>
+              <a:rPr lang="en-US" sz="2000" dirty="0" smtClean="0"/>
+              <a:t>Accelerates time-to-market by focusing on ease of use and performance</a:t>
+            </a:r>
+          </a:p>
+          <a:p>
+            <a:pPr lvl="1"/>
+            <a:r>
+              <a:rPr lang="en-US" sz="2000" dirty="0" smtClean="0"/>
+              <a:t>Provides multicore programming methodologies and utilities</a:t>
+            </a:r>
+          </a:p>
+          <a:p>
+            <a:r>
+              <a:rPr lang="en-US" sz="2400" dirty="0" smtClean="0"/>
+              <a:t>Simplifies porting of applications:</a:t>
+            </a:r>
+          </a:p>
+          <a:p>
+            <a:pPr lvl="1"/>
+            <a:r>
+              <a:rPr lang="en-US" sz="2000" dirty="0" smtClean="0"/>
+              <a:t>To a standard evaluation platform</a:t>
+            </a:r>
+          </a:p>
+          <a:p>
+            <a:pPr lvl="1"/>
+            <a:r>
+              <a:rPr lang="en-US" sz="2000" dirty="0" smtClean="0"/>
+              <a:t>From a standard evaluation platform to customer’s target platform</a:t>
+            </a:r>
+          </a:p>
+          <a:p>
+            <a:pPr lvl="1"/>
+            <a:r>
+              <a:rPr lang="en-US" sz="2000" dirty="0" smtClean="0"/>
+              <a:t>To next generation platform hardware</a:t>
+            </a:r>
+          </a:p>
+          <a:p>
+            <a:r>
+              <a:rPr lang="en-US" sz="2400" dirty="0" smtClean="0"/>
+              <a:t>Available as a free download on TI.com, bundled in one installer as source code along with pre-built libraries</a:t>
+            </a:r>
           </a:p>
         </p:txBody>
       </p:sp>
@@ -12040,6 +10045,466 @@
           <a:chExt cx="0" cy="0"/>
         </a:xfrm>
       </p:grpSpPr>
+      <p:sp>
+        <p:nvSpPr>
+          <p:cNvPr id="2" name="Title 1"/>
+          <p:cNvSpPr>
+            <a:spLocks noGrp="1"/>
+          </p:cNvSpPr>
+          <p:nvPr>
+            <p:ph type="title"/>
+          </p:nvPr>
+        </p:nvSpPr>
+        <p:spPr>
+          <a:xfrm>
+            <a:off x="0" y="152400"/>
+            <a:ext cx="9144000" cy="639762"/>
+          </a:xfrm>
+        </p:spPr>
+        <p:txBody>
+          <a:bodyPr>
+            <a:noAutofit/>
+          </a:bodyPr>
+          <a:lstStyle/>
+          <a:p>
+            <a:r>
+              <a:rPr lang="en-US" dirty="0" smtClean="0"/>
+              <a:t>Developer</a:t>
+            </a:r>
+            <a:r>
+              <a:rPr lang="en-US" sz="3600" dirty="0" smtClean="0"/>
+              <a:t> Challenges &gt; MCSDK Solutions</a:t>
+            </a:r>
+            <a:endParaRPr lang="en-US" sz="3600" dirty="0"/>
+          </a:p>
+        </p:txBody>
+      </p:sp>
+      <p:graphicFrame>
+        <p:nvGraphicFramePr>
+          <p:cNvPr id="4" name="Content Placeholder 3"/>
+          <p:cNvGraphicFramePr>
+            <a:graphicFrameLocks noGrp="1"/>
+          </p:cNvGraphicFramePr>
+          <p:nvPr>
+            <p:ph idx="1"/>
+          </p:nvPr>
+        </p:nvGraphicFramePr>
+        <p:xfrm>
+          <a:off x="381000" y="914400"/>
+          <a:ext cx="8382000" cy="5257800"/>
+        </p:xfrm>
+        <a:graphic>
+          <a:graphicData uri="http://schemas.openxmlformats.org/drawingml/2006/table">
+            <a:tbl>
+              <a:tblPr firstRow="1" bandRow="1">
+                <a:tableStyleId>{5C22544A-7EE6-4342-B048-85BDC9FD1C3A}</a:tableStyleId>
+              </a:tblPr>
+              <a:tblGrid>
+                <a:gridCol w="4114800"/>
+                <a:gridCol w="4267200"/>
+              </a:tblGrid>
+              <a:tr h="381000">
+                <a:tc>
+                  <a:txBody>
+                    <a:bodyPr/>
+                    <a:lstStyle/>
+                    <a:p>
+                      <a:r>
+                        <a:rPr lang="en-US" sz="2000" dirty="0" smtClean="0"/>
+                        <a:t>Development Requirement</a:t>
+                      </a:r>
+                      <a:endParaRPr lang="en-US" sz="2000" dirty="0"/>
+                    </a:p>
+                  </a:txBody>
+                  <a:tcPr>
+                    <a:solidFill>
+                      <a:srgbClr val="0070C0"/>
+                    </a:solidFill>
+                  </a:tcPr>
+                </a:tc>
+                <a:tc>
+                  <a:txBody>
+                    <a:bodyPr/>
+                    <a:lstStyle/>
+                    <a:p>
+                      <a:r>
+                        <a:rPr lang="en-US" sz="2000" dirty="0" smtClean="0"/>
+                        <a:t>MCSDK</a:t>
+                      </a:r>
+                      <a:r>
+                        <a:rPr lang="en-US" sz="2000" baseline="0" dirty="0" smtClean="0"/>
+                        <a:t> </a:t>
+                      </a:r>
+                      <a:r>
+                        <a:rPr lang="en-US" sz="2000" dirty="0" smtClean="0"/>
+                        <a:t>Solution</a:t>
+                      </a:r>
+                      <a:endParaRPr lang="en-US" sz="2000" dirty="0"/>
+                    </a:p>
+                  </a:txBody>
+                  <a:tcPr>
+                    <a:solidFill>
+                      <a:srgbClr val="0070C0"/>
+                    </a:solidFill>
+                  </a:tcPr>
+                </a:tc>
+              </a:tr>
+              <a:tr h="670560">
+                <a:tc>
+                  <a:txBody>
+                    <a:bodyPr/>
+                    <a:lstStyle/>
+                    <a:p>
+                      <a:r>
+                        <a:rPr lang="en-US" sz="1200" dirty="0" smtClean="0"/>
+                        <a:t>Hide hardware details from the user to simplify process of porting to new hardware.</a:t>
+                      </a:r>
+                      <a:endParaRPr lang="en-US" sz="1200" dirty="0"/>
+                    </a:p>
+                  </a:txBody>
+                  <a:tcPr/>
+                </a:tc>
+                <a:tc>
+                  <a:txBody>
+                    <a:bodyPr/>
+                    <a:lstStyle/>
+                    <a:p>
+                      <a:r>
+                        <a:rPr lang="en-US" sz="1200" dirty="0" smtClean="0"/>
+                        <a:t>Chip Support</a:t>
+                      </a:r>
+                      <a:r>
+                        <a:rPr lang="en-US" sz="1200" baseline="0" dirty="0" smtClean="0"/>
+                        <a:t> Library (</a:t>
+                      </a:r>
+                      <a:r>
+                        <a:rPr lang="en-US" sz="1200" dirty="0" smtClean="0"/>
+                        <a:t>CSL) is the only MCSDK layer that depends on the hardware. This layer is completely transparent to the user/application.</a:t>
+                      </a:r>
+                      <a:endParaRPr lang="en-US" sz="1200" dirty="0"/>
+                    </a:p>
+                  </a:txBody>
+                  <a:tcPr/>
+                </a:tc>
+              </a:tr>
+              <a:tr h="762000">
+                <a:tc>
+                  <a:txBody>
+                    <a:bodyPr/>
+                    <a:lstStyle/>
+                    <a:p>
+                      <a:r>
+                        <a:rPr lang="en-US" sz="1200" dirty="0" smtClean="0"/>
+                        <a:t>Standard</a:t>
+                      </a:r>
+                      <a:r>
+                        <a:rPr lang="en-US" sz="1200" baseline="0" dirty="0" smtClean="0"/>
+                        <a:t> API to talk to peripherals, accelerators, and other resources</a:t>
+                      </a:r>
+                      <a:endParaRPr lang="en-US" sz="1200" dirty="0"/>
+                    </a:p>
+                  </a:txBody>
+                  <a:tcPr/>
+                </a:tc>
+                <a:tc>
+                  <a:txBody>
+                    <a:bodyPr/>
+                    <a:lstStyle/>
+                    <a:p>
+                      <a:r>
+                        <a:rPr lang="en-US" sz="1200" dirty="0" smtClean="0"/>
+                        <a:t>Low Level Drivers (LLD) provide standard API to initialize,</a:t>
+                      </a:r>
+                      <a:r>
+                        <a:rPr lang="en-US" sz="1200" baseline="0" dirty="0" smtClean="0"/>
+                        <a:t> configure, and utilize peripherals and other resources. LLD blocks include SRIO, PCIe, PA, CPPI, QMSS, FFTC, and many more.</a:t>
+                      </a:r>
+                      <a:endParaRPr lang="en-US" sz="1200" dirty="0"/>
+                    </a:p>
+                  </a:txBody>
+                  <a:tcPr/>
+                </a:tc>
+              </a:tr>
+              <a:tr h="624840">
+                <a:tc>
+                  <a:txBody>
+                    <a:bodyPr/>
+                    <a:lstStyle/>
+                    <a:p>
+                      <a:r>
+                        <a:rPr lang="en-US" sz="1200" dirty="0" smtClean="0"/>
+                        <a:t>Utilities</a:t>
+                      </a:r>
+                      <a:r>
+                        <a:rPr lang="en-US" sz="1200" baseline="0" dirty="0" smtClean="0"/>
+                        <a:t> to facilitate system operations</a:t>
+                      </a:r>
+                      <a:endParaRPr lang="en-US" sz="1200" dirty="0"/>
+                    </a:p>
+                  </a:txBody>
+                  <a:tcPr/>
+                </a:tc>
+                <a:tc>
+                  <a:txBody>
+                    <a:bodyPr/>
+                    <a:lstStyle/>
+                    <a:p>
+                      <a:r>
+                        <a:rPr lang="en-US" sz="1200" dirty="0" smtClean="0"/>
+                        <a:t>Platform/EVM Software provides platform-level</a:t>
+                      </a:r>
+                      <a:r>
+                        <a:rPr lang="en-US" sz="1200" baseline="0" dirty="0" smtClean="0"/>
+                        <a:t> </a:t>
+                      </a:r>
+                      <a:r>
+                        <a:rPr lang="en-US" sz="1200" dirty="0" smtClean="0"/>
+                        <a:t>utilities such as </a:t>
+                      </a:r>
+                      <a:r>
+                        <a:rPr lang="en-US" sz="1200" dirty="0" err="1" smtClean="0"/>
+                        <a:t>bootloader</a:t>
+                      </a:r>
+                      <a:r>
+                        <a:rPr lang="en-US" sz="1200" dirty="0" smtClean="0"/>
+                        <a:t>, Power</a:t>
+                      </a:r>
+                      <a:r>
+                        <a:rPr lang="en-US" sz="1200" baseline="0" dirty="0" smtClean="0"/>
+                        <a:t> On Self Test (POST), resource manager, and platform utilities.</a:t>
+                      </a:r>
+                      <a:endParaRPr lang="en-US" sz="1200" dirty="0"/>
+                    </a:p>
+                  </a:txBody>
+                  <a:tcPr/>
+                </a:tc>
+              </a:tr>
+              <a:tr h="441960">
+                <a:tc>
+                  <a:txBody>
+                    <a:bodyPr/>
+                    <a:lstStyle/>
+                    <a:p>
+                      <a:r>
+                        <a:rPr lang="en-US" sz="1200" dirty="0" smtClean="0"/>
+                        <a:t>Efficient real-time individual core operating system</a:t>
+                      </a:r>
+                      <a:endParaRPr lang="en-US" sz="1200" dirty="0"/>
+                    </a:p>
+                  </a:txBody>
+                  <a:tcPr/>
+                </a:tc>
+                <a:tc>
+                  <a:txBody>
+                    <a:bodyPr/>
+                    <a:lstStyle/>
+                    <a:p>
+                      <a:r>
+                        <a:rPr lang="en-US" sz="1200" dirty="0" smtClean="0"/>
+                        <a:t>SYS/BIOS provides an</a:t>
+                      </a:r>
+                      <a:r>
+                        <a:rPr lang="en-US" sz="1200" baseline="0" dirty="0" smtClean="0"/>
+                        <a:t> </a:t>
+                      </a:r>
+                      <a:r>
+                        <a:rPr lang="en-US" sz="1200" dirty="0" smtClean="0"/>
+                        <a:t>efficient, mature,</a:t>
+                      </a:r>
+                      <a:r>
+                        <a:rPr lang="en-US" sz="1200" baseline="0" dirty="0" smtClean="0"/>
+                        <a:t> real-time </a:t>
+                      </a:r>
+                      <a:r>
+                        <a:rPr lang="en-US" sz="1200" dirty="0" smtClean="0"/>
+                        <a:t>operating</a:t>
+                      </a:r>
+                      <a:r>
+                        <a:rPr lang="en-US" sz="1200" baseline="0" dirty="0" smtClean="0"/>
+                        <a:t> system with a </a:t>
+                      </a:r>
+                      <a:r>
+                        <a:rPr lang="en-US" sz="1200" dirty="0" smtClean="0"/>
+                        <a:t>low memory footprint.</a:t>
+                      </a:r>
+                      <a:endParaRPr lang="en-US" sz="1200" dirty="0"/>
+                    </a:p>
+                  </a:txBody>
+                  <a:tcPr/>
+                </a:tc>
+              </a:tr>
+              <a:tr h="817819">
+                <a:tc>
+                  <a:txBody>
+                    <a:bodyPr/>
+                    <a:lstStyle/>
+                    <a:p>
+                      <a:r>
+                        <a:rPr lang="en-US" sz="1200" dirty="0" smtClean="0"/>
+                        <a:t>Reliable interface to external networks</a:t>
+                      </a:r>
+                      <a:endParaRPr lang="en-US" sz="1200" dirty="0"/>
+                    </a:p>
+                  </a:txBody>
+                  <a:tcPr/>
+                </a:tc>
+                <a:tc>
+                  <a:txBody>
+                    <a:bodyPr/>
+                    <a:lstStyle/>
+                    <a:p>
+                      <a:r>
+                        <a:rPr lang="en-US" sz="1200" baseline="0" dirty="0" smtClean="0"/>
+                        <a:t>Network Development Kit (NDK) provides a standardized interface for common packet- and network-based communication protocols (e.g., IPV4 and IPV6-compliant TCP/IP).</a:t>
+                      </a:r>
+                      <a:endParaRPr lang="en-US" sz="1200" dirty="0"/>
+                    </a:p>
+                  </a:txBody>
+                  <a:tcPr/>
+                </a:tc>
+              </a:tr>
+              <a:tr h="609600">
+                <a:tc>
+                  <a:txBody>
+                    <a:bodyPr/>
+                    <a:lstStyle/>
+                    <a:p>
+                      <a:r>
+                        <a:rPr lang="en-US" sz="1200" dirty="0" smtClean="0"/>
+                        <a:t>Coordination of tasks/process across multiple</a:t>
+                      </a:r>
+                      <a:r>
+                        <a:rPr lang="en-US" sz="1200" baseline="0" dirty="0" smtClean="0"/>
+                        <a:t> cores</a:t>
+                      </a:r>
+                      <a:endParaRPr lang="en-US" sz="1200" dirty="0"/>
+                    </a:p>
+                  </a:txBody>
+                  <a:tcPr/>
+                </a:tc>
+                <a:tc>
+                  <a:txBody>
+                    <a:bodyPr/>
+                    <a:lstStyle/>
+                    <a:p>
+                      <a:r>
+                        <a:rPr lang="en-US" sz="1200" dirty="0" smtClean="0"/>
+                        <a:t>Inter-Processor Communication (IPC) </a:t>
+                      </a:r>
+                      <a:r>
+                        <a:rPr lang="en-US" sz="1200" baseline="0" dirty="0" smtClean="0"/>
+                        <a:t> provides several-high level utilities and libraries to communicate between cores and enable multiple cores to work together.</a:t>
+                      </a:r>
+                      <a:endParaRPr lang="en-US" sz="1200" dirty="0"/>
+                    </a:p>
+                  </a:txBody>
+                  <a:tcPr/>
+                </a:tc>
+              </a:tr>
+              <a:tr h="350520">
+                <a:tc>
+                  <a:txBody>
+                    <a:bodyPr/>
+                    <a:lstStyle/>
+                    <a:p>
+                      <a:r>
+                        <a:rPr lang="en-US" sz="1200" dirty="0" smtClean="0"/>
+                        <a:t>Facilitate application development</a:t>
+                      </a:r>
+                      <a:endParaRPr lang="en-US" sz="1200" dirty="0"/>
+                    </a:p>
+                  </a:txBody>
+                  <a:tcPr/>
+                </a:tc>
+                <a:tc>
+                  <a:txBody>
+                    <a:bodyPr/>
+                    <a:lstStyle/>
+                    <a:p>
+                      <a:r>
+                        <a:rPr lang="en-US" sz="1200" dirty="0" smtClean="0"/>
+                        <a:t>Optimized algorithm libraries with standard APIs.</a:t>
+                      </a:r>
+                      <a:endParaRPr lang="en-US" sz="1200" dirty="0"/>
+                    </a:p>
+                  </a:txBody>
+                  <a:tcPr/>
+                </a:tc>
+              </a:tr>
+              <a:tr h="457200">
+                <a:tc>
+                  <a:txBody>
+                    <a:bodyPr/>
+                    <a:lstStyle/>
+                    <a:p>
+                      <a:r>
+                        <a:rPr lang="en-US" sz="1200" dirty="0" smtClean="0"/>
+                        <a:t>A </a:t>
+                      </a:r>
+                      <a:r>
+                        <a:rPr lang="en-US" sz="1200" baseline="0" dirty="0" smtClean="0"/>
+                        <a:t>starting point for multicore application development</a:t>
+                      </a:r>
+                      <a:endParaRPr lang="en-US" sz="1200" dirty="0"/>
+                    </a:p>
+                  </a:txBody>
+                  <a:tcPr/>
+                </a:tc>
+                <a:tc>
+                  <a:txBody>
+                    <a:bodyPr/>
+                    <a:lstStyle/>
+                    <a:p>
+                      <a:r>
+                        <a:rPr lang="en-US" sz="1200" dirty="0" smtClean="0"/>
+                        <a:t>Demonstration</a:t>
+                      </a:r>
+                      <a:r>
+                        <a:rPr lang="en-US" sz="1200" baseline="0" dirty="0" smtClean="0"/>
+                        <a:t> applications (e.g., Image Processing) show how to build and run a complete multicore application. </a:t>
+                      </a:r>
+                      <a:endParaRPr lang="en-US" sz="1200" dirty="0"/>
+                    </a:p>
+                  </a:txBody>
+                  <a:tcPr/>
+                </a:tc>
+              </a:tr>
+            </a:tbl>
+          </a:graphicData>
+        </a:graphic>
+      </p:graphicFrame>
+    </p:spTree>
+  </p:cSld>
+  <p:clrMapOvr>
+    <a:masterClrMapping/>
+  </p:clrMapOvr>
+  <p:timing>
+    <p:tnLst>
+      <p:par>
+        <p:cTn id="1" dur="indefinite" restart="never" nodeType="tmRoot"/>
+      </p:par>
+    </p:tnLst>
+  </p:timing>
+</p:sld>
+</file>
+
+<file path=ppt/slides/slide14.xml><?xml version="1.0" encoding="utf-8"?>
+<p:sld xmlns:a="http://schemas.openxmlformats.org/drawingml/2006/main" xmlns:r="http://schemas.openxmlformats.org/officeDocument/2006/relationships" xmlns:p="http://schemas.openxmlformats.org/presentationml/2006/main">
+  <p:cSld>
+    <p:spTree>
+      <p:nvGrpSpPr>
+        <p:cNvPr id="1" name=""/>
+        <p:cNvGrpSpPr/>
+        <p:nvPr/>
+      </p:nvGrpSpPr>
+      <p:grpSpPr>
+        <a:xfrm>
+          <a:off x="0" y="0"/>
+          <a:ext cx="0" cy="0"/>
+          <a:chOff x="0" y="0"/>
+          <a:chExt cx="0" cy="0"/>
+        </a:xfrm>
+      </p:grpSpPr>
       <p:grpSp>
         <p:nvGrpSpPr>
           <p:cNvPr id="2" name="Group 65"/>
@@ -16096,7 +14561,7 @@
 </p:sld>
 </file>
 
-<file path=ppt/slides/slide14.xml><?xml version="1.0" encoding="utf-8"?>
+<file path=ppt/slides/slide15.xml><?xml version="1.0" encoding="utf-8"?>
 <p:sld xmlns:a="http://schemas.openxmlformats.org/drawingml/2006/main" xmlns:r="http://schemas.openxmlformats.org/officeDocument/2006/relationships" xmlns:p="http://schemas.openxmlformats.org/presentationml/2006/main">
   <p:cSld>
     <p:spTree>
@@ -16327,7 +14792,7 @@
 </p:sld>
 </file>
 
-<file path=ppt/slides/slide15.xml><?xml version="1.0" encoding="utf-8"?>
+<file path=ppt/slides/slide16.xml><?xml version="1.0" encoding="utf-8"?>
 <p:sld xmlns:a="http://schemas.openxmlformats.org/drawingml/2006/main" xmlns:r="http://schemas.openxmlformats.org/officeDocument/2006/relationships" xmlns:p="http://schemas.openxmlformats.org/presentationml/2006/main">
   <p:cSld>
     <p:spTree>
@@ -21928,7 +20393,7 @@
 </p:sld>
 </file>
 
-<file path=ppt/slides/slide16.xml><?xml version="1.0" encoding="utf-8"?>
+<file path=ppt/slides/slide17.xml><?xml version="1.0" encoding="utf-8"?>
 <p:sld xmlns:a="http://schemas.openxmlformats.org/drawingml/2006/main" xmlns:r="http://schemas.openxmlformats.org/officeDocument/2006/relationships" xmlns:p="http://schemas.openxmlformats.org/presentationml/2006/main">
   <p:cSld>
     <p:spTree>
@@ -24136,7 +22601,7 @@
 </p:sld>
 </file>
 
-<file path=ppt/slides/slide17.xml><?xml version="1.0" encoding="utf-8"?>
+<file path=ppt/slides/slide18.xml><?xml version="1.0" encoding="utf-8"?>
 <p:sld xmlns:a="http://schemas.openxmlformats.org/drawingml/2006/main" xmlns:r="http://schemas.openxmlformats.org/officeDocument/2006/relationships" xmlns:p="http://schemas.openxmlformats.org/presentationml/2006/main">
   <p:cSld>
     <p:spTree>
@@ -24287,179 +22752,6 @@
         </p:txBody>
       </p:sp>
     </p:spTree>
-  </p:cSld>
-  <p:clrMapOvr>
-    <a:masterClrMapping/>
-  </p:clrMapOvr>
-  <p:timing>
-    <p:tnLst>
-      <p:par>
-        <p:cTn id="1" dur="indefinite" restart="never" nodeType="tmRoot"/>
-      </p:par>
-    </p:tnLst>
-  </p:timing>
-</p:sld>
-</file>
-
-<file path=ppt/slides/slide18.xml><?xml version="1.0" encoding="utf-8"?>
-<p:sld xmlns:a="http://schemas.openxmlformats.org/drawingml/2006/main" xmlns:r="http://schemas.openxmlformats.org/officeDocument/2006/relationships" xmlns:p="http://schemas.openxmlformats.org/presentationml/2006/main">
-  <p:cSld>
-    <p:spTree>
-      <p:nvGrpSpPr>
-        <p:cNvPr id="1" name=""/>
-        <p:cNvGrpSpPr/>
-        <p:nvPr/>
-      </p:nvGrpSpPr>
-      <p:grpSpPr>
-        <a:xfrm>
-          <a:off x="0" y="0"/>
-          <a:ext cx="0" cy="0"/>
-          <a:chOff x="0" y="0"/>
-          <a:chExt cx="0" cy="0"/>
-        </a:xfrm>
-      </p:grpSpPr>
-      <p:sp>
-        <p:nvSpPr>
-          <p:cNvPr id="25601" name="Rectangle 2"/>
-          <p:cNvSpPr>
-            <a:spLocks noGrp="1" noChangeArrowheads="1"/>
-          </p:cNvSpPr>
-          <p:nvPr>
-            <p:ph type="title"/>
-          </p:nvPr>
-        </p:nvSpPr>
-        <p:spPr/>
-        <p:txBody>
-          <a:bodyPr>
-            <a:normAutofit/>
-          </a:bodyPr>
-          <a:lstStyle/>
-          <a:p>
-            <a:pPr eaLnBrk="1" hangingPunct="1"/>
-            <a:r>
-              <a:rPr lang="en-US" sz="3600" dirty="0" smtClean="0"/>
-              <a:t>MCSDK Top-level Directory Folders</a:t>
-            </a:r>
-            <a:endParaRPr lang="en-US" dirty="0" smtClean="0"/>
-          </a:p>
-        </p:txBody>
-      </p:sp>
-      <p:sp>
-        <p:nvSpPr>
-          <p:cNvPr id="9" name="Content Placeholder 8"/>
-          <p:cNvSpPr>
-            <a:spLocks noGrp="1"/>
-          </p:cNvSpPr>
-          <p:nvPr>
-            <p:ph idx="1"/>
-          </p:nvPr>
-        </p:nvSpPr>
-        <p:spPr>
-          <a:xfrm>
-            <a:off x="333375" y="1185863"/>
-            <a:ext cx="8467725" cy="4833938"/>
-          </a:xfrm>
-        </p:spPr>
-        <p:txBody>
-          <a:bodyPr>
-            <a:normAutofit/>
-          </a:bodyPr>
-          <a:lstStyle/>
-          <a:p>
-            <a:r>
-              <a:rPr lang="en-US" dirty="0" smtClean="0"/>
-              <a:t>/</a:t>
-            </a:r>
-            <a:r>
-              <a:rPr lang="en-US" dirty="0" err="1" smtClean="0"/>
-              <a:t>mcsdk</a:t>
-            </a:r>
-            <a:endParaRPr lang="en-US" dirty="0" smtClean="0"/>
-          </a:p>
-          <a:p>
-            <a:r>
-              <a:rPr lang="en-US" dirty="0" smtClean="0"/>
-              <a:t>/</a:t>
-            </a:r>
-            <a:r>
-              <a:rPr lang="en-US" dirty="0" err="1" smtClean="0"/>
-              <a:t>pdk</a:t>
-            </a:r>
-            <a:endParaRPr lang="en-US" dirty="0" smtClean="0"/>
-          </a:p>
-          <a:p>
-            <a:r>
-              <a:rPr lang="en-US" dirty="0" smtClean="0"/>
-              <a:t>/edma3</a:t>
-            </a:r>
-          </a:p>
-          <a:p>
-            <a:r>
-              <a:rPr lang="en-US" dirty="0" smtClean="0"/>
-              <a:t>/bios</a:t>
-            </a:r>
-          </a:p>
-          <a:p>
-            <a:r>
-              <a:rPr lang="en-US" dirty="0" smtClean="0"/>
-              <a:t>/</a:t>
-            </a:r>
-            <a:r>
-              <a:rPr lang="en-US" dirty="0" err="1" smtClean="0"/>
-              <a:t>dsplib</a:t>
-            </a:r>
-            <a:endParaRPr lang="en-US" dirty="0" smtClean="0"/>
-          </a:p>
-          <a:p>
-            <a:r>
-              <a:rPr lang="en-US" dirty="0" smtClean="0"/>
-              <a:t>/</a:t>
-            </a:r>
-            <a:r>
-              <a:rPr lang="en-US" dirty="0" err="1" smtClean="0"/>
-              <a:t>imglib</a:t>
-            </a:r>
-            <a:endParaRPr lang="en-US" dirty="0" smtClean="0"/>
-          </a:p>
-          <a:p>
-            <a:r>
-              <a:rPr lang="en-US" dirty="0" smtClean="0"/>
-              <a:t>/</a:t>
-            </a:r>
-            <a:r>
-              <a:rPr lang="en-US" dirty="0" err="1" smtClean="0"/>
-              <a:t>mathlib</a:t>
-            </a:r>
-            <a:endParaRPr lang="en-US" dirty="0" smtClean="0"/>
-          </a:p>
-          <a:p>
-            <a:r>
-              <a:rPr lang="en-US" dirty="0" smtClean="0"/>
-              <a:t>/</a:t>
-            </a:r>
-            <a:r>
-              <a:rPr lang="en-US" dirty="0" err="1" smtClean="0"/>
-              <a:t>ipc</a:t>
-            </a:r>
-            <a:endParaRPr lang="en-US" dirty="0" smtClean="0"/>
-          </a:p>
-          <a:p>
-            <a:r>
-              <a:rPr lang="en-US" dirty="0" smtClean="0"/>
-              <a:t>/</a:t>
-            </a:r>
-            <a:r>
-              <a:rPr lang="en-US" dirty="0" err="1" smtClean="0"/>
-              <a:t>ndk</a:t>
-            </a:r>
-            <a:endParaRPr lang="en-US" dirty="0"/>
-          </a:p>
-        </p:txBody>
-      </p:sp>
-    </p:spTree>
-    <p:custDataLst>
-      <p:tags r:id="rId1"/>
-    </p:custDataLst>
   </p:cSld>
   <p:clrMapOvr>
     <a:masterClrMapping/>
@@ -24493,46 +22785,44 @@
       </p:grpSpPr>
       <p:sp>
         <p:nvSpPr>
-          <p:cNvPr id="48130" name="Title 1"/>
+          <p:cNvPr id="25601" name="Rectangle 2"/>
+          <p:cNvSpPr>
+            <a:spLocks noGrp="1" noChangeArrowheads="1"/>
+          </p:cNvSpPr>
+          <p:nvPr>
+            <p:ph type="title"/>
+          </p:nvPr>
+        </p:nvSpPr>
+        <p:spPr/>
+        <p:txBody>
+          <a:bodyPr>
+            <a:normAutofit/>
+          </a:bodyPr>
+          <a:lstStyle/>
+          <a:p>
+            <a:pPr eaLnBrk="1" hangingPunct="1"/>
+            <a:r>
+              <a:rPr lang="en-US" sz="3600" dirty="0" smtClean="0"/>
+              <a:t>MCSDK Top-level Directory Folders</a:t>
+            </a:r>
+            <a:endParaRPr lang="en-US" dirty="0" smtClean="0"/>
+          </a:p>
+        </p:txBody>
+      </p:sp>
+      <p:sp>
+        <p:nvSpPr>
+          <p:cNvPr id="9" name="Content Placeholder 8"/>
           <p:cNvSpPr>
             <a:spLocks noGrp="1"/>
           </p:cNvSpPr>
           <p:nvPr>
-            <p:ph type="title" idx="4294967295"/>
+            <p:ph idx="1"/>
           </p:nvPr>
         </p:nvSpPr>
         <p:spPr>
           <a:xfrm>
-            <a:off x="381000" y="152400"/>
-            <a:ext cx="8229600" cy="639762"/>
-          </a:xfrm>
-        </p:spPr>
-        <p:txBody>
-          <a:bodyPr/>
-          <a:lstStyle/>
-          <a:p>
-            <a:pPr eaLnBrk="1" hangingPunct="1"/>
-            <a:r>
-              <a:rPr lang="en-US" dirty="0" smtClean="0"/>
-              <a:t>For More Information</a:t>
-            </a:r>
-          </a:p>
-        </p:txBody>
-      </p:sp>
-      <p:sp>
-        <p:nvSpPr>
-          <p:cNvPr id="48131" name="Content Placeholder 2"/>
-          <p:cNvSpPr>
-            <a:spLocks noGrp="1"/>
-          </p:cNvSpPr>
-          <p:nvPr>
-            <p:ph idx="4294967295"/>
-          </p:nvPr>
-        </p:nvSpPr>
-        <p:spPr>
-          <a:xfrm>
-            <a:off x="381000" y="990600"/>
-            <a:ext cx="8686800" cy="4525963"/>
+            <a:off x="333375" y="1185863"/>
+            <a:ext cx="8467725" cy="4833938"/>
           </a:xfrm>
         </p:spPr>
         <p:txBody>
@@ -24541,96 +22831,93 @@
           </a:bodyPr>
           <a:lstStyle/>
           <a:p>
-            <a:pPr>
-              <a:lnSpc>
-                <a:spcPct val="90000"/>
-              </a:lnSpc>
-            </a:pPr>
             <a:r>
               <a:rPr lang="en-US" dirty="0" smtClean="0"/>
-              <a:t>MCSDK Product Folder:</a:t>
-            </a:r>
-            <a:br>
+              <a:t>/</a:t>
+            </a:r>
+            <a:r>
+              <a:rPr lang="en-US" dirty="0" err="1" smtClean="0"/>
+              <a:t>mcsdk</a:t>
+            </a:r>
+            <a:endParaRPr lang="en-US" dirty="0" smtClean="0"/>
+          </a:p>
+          <a:p>
+            <a:r>
               <a:rPr lang="en-US" dirty="0" smtClean="0"/>
-            </a:br>
-            <a:r>
-              <a:rPr lang="en-US" sz="1600" dirty="0" smtClean="0">
-                <a:hlinkClick r:id="rId4"/>
-              </a:rPr>
-              <a:t>http://www.ti.com/tool/bioslinuxmcsdk</a:t>
-            </a:r>
-            <a:r>
-              <a:rPr lang="en-US" sz="1600" dirty="0" smtClean="0"/>
-              <a:t> </a:t>
-            </a:r>
-          </a:p>
-          <a:p>
-            <a:pPr>
-              <a:lnSpc>
-                <a:spcPct val="90000"/>
-              </a:lnSpc>
-            </a:pPr>
+              <a:t>/</a:t>
+            </a:r>
+            <a:r>
+              <a:rPr lang="en-US" dirty="0" err="1" smtClean="0"/>
+              <a:t>pdk</a:t>
+            </a:r>
+            <a:endParaRPr lang="en-US" dirty="0" smtClean="0"/>
+          </a:p>
+          <a:p>
             <a:r>
               <a:rPr lang="en-US" dirty="0" smtClean="0"/>
-              <a:t>Download CCSv5 and MCSDK software:</a:t>
-            </a:r>
-            <a:br>
+              <a:t>/edma3</a:t>
+            </a:r>
+          </a:p>
+          <a:p>
+            <a:r>
               <a:rPr lang="en-US" dirty="0" smtClean="0"/>
-            </a:br>
-            <a:r>
-              <a:rPr lang="en-US" sz="1600" dirty="0" smtClean="0">
-                <a:hlinkClick r:id="rId5"/>
-              </a:rPr>
-              <a:t>http://software-dl.ti.com/sdoemb/sdoemb_public_sw/bios_mcsdk/latest/index_FDS.html</a:t>
-            </a:r>
-          </a:p>
-          <a:p>
-            <a:pPr>
-              <a:lnSpc>
-                <a:spcPct val="90000"/>
-              </a:lnSpc>
-            </a:pPr>
+              <a:t>/bios</a:t>
+            </a:r>
+          </a:p>
+          <a:p>
             <a:r>
               <a:rPr lang="en-US" dirty="0" smtClean="0"/>
-              <a:t>KeyStone C66x Multicore Wiki Resources </a:t>
-            </a:r>
-            <a:r>
-              <a:rPr lang="en-US" sz="1600" dirty="0" smtClean="0">
-                <a:hlinkClick r:id="rId6"/>
-              </a:rPr>
-              <a:t>http://processors.wiki.ti.com/index.php/Keystone_Device_Architecture</a:t>
-            </a:r>
-            <a:endParaRPr lang="en-US" sz="1600" dirty="0" smtClean="0"/>
-          </a:p>
-          <a:p>
-            <a:pPr>
-              <a:lnSpc>
-                <a:spcPct val="90000"/>
-              </a:lnSpc>
-            </a:pPr>
+              <a:t>/</a:t>
+            </a:r>
+            <a:r>
+              <a:rPr lang="en-US" dirty="0" err="1" smtClean="0"/>
+              <a:t>dsplib</a:t>
+            </a:r>
+            <a:endParaRPr lang="en-US" dirty="0" smtClean="0"/>
+          </a:p>
+          <a:p>
             <a:r>
               <a:rPr lang="en-US" dirty="0" smtClean="0"/>
-              <a:t>For questions regarding topics covered in this training, visit the support forums at the TI E2E Community website </a:t>
-            </a:r>
-            <a:r>
-              <a:rPr lang="en-US" dirty="0" smtClean="0">
-                <a:hlinkClick r:id="rId7"/>
-              </a:rPr>
-              <a:t>http://e2e.ti.com</a:t>
-            </a:r>
+              <a:t>/</a:t>
+            </a:r>
+            <a:r>
+              <a:rPr lang="en-US" dirty="0" err="1" smtClean="0"/>
+              <a:t>imglib</a:t>
+            </a:r>
+            <a:endParaRPr lang="en-US" dirty="0" smtClean="0"/>
+          </a:p>
+          <a:p>
             <a:r>
               <a:rPr lang="en-US" dirty="0" smtClean="0"/>
-              <a:t> </a:t>
-            </a:r>
-          </a:p>
-          <a:p>
-            <a:pPr>
-              <a:lnSpc>
-                <a:spcPct val="90000"/>
-              </a:lnSpc>
-              <a:buNone/>
-            </a:pPr>
+              <a:t>/</a:t>
+            </a:r>
+            <a:r>
+              <a:rPr lang="en-US" dirty="0" err="1" smtClean="0"/>
+              <a:t>mathlib</a:t>
+            </a:r>
             <a:endParaRPr lang="en-US" dirty="0" smtClean="0"/>
+          </a:p>
+          <a:p>
+            <a:r>
+              <a:rPr lang="en-US" dirty="0" smtClean="0"/>
+              <a:t>/</a:t>
+            </a:r>
+            <a:r>
+              <a:rPr lang="en-US" dirty="0" err="1" smtClean="0"/>
+              <a:t>ipc</a:t>
+            </a:r>
+            <a:endParaRPr lang="en-US" dirty="0" smtClean="0"/>
+          </a:p>
+          <a:p>
+            <a:r>
+              <a:rPr lang="en-US" dirty="0" smtClean="0"/>
+              <a:t>/</a:t>
+            </a:r>
+            <a:r>
+              <a:rPr lang="en-US" dirty="0" err="1" smtClean="0"/>
+              <a:t>ndk</a:t>
+            </a:r>
+            <a:endParaRPr lang="en-US" dirty="0"/>
           </a:p>
         </p:txBody>
       </p:sp>
@@ -24785,6 +23072,184 @@
         </p:txBody>
       </p:sp>
     </p:spTree>
+  </p:cSld>
+  <p:clrMapOvr>
+    <a:masterClrMapping/>
+  </p:clrMapOvr>
+  <p:timing>
+    <p:tnLst>
+      <p:par>
+        <p:cTn id="1" dur="indefinite" restart="never" nodeType="tmRoot"/>
+      </p:par>
+    </p:tnLst>
+  </p:timing>
+</p:sld>
+</file>
+
+<file path=ppt/slides/slide20.xml><?xml version="1.0" encoding="utf-8"?>
+<p:sld xmlns:a="http://schemas.openxmlformats.org/drawingml/2006/main" xmlns:r="http://schemas.openxmlformats.org/officeDocument/2006/relationships" xmlns:p="http://schemas.openxmlformats.org/presentationml/2006/main">
+  <p:cSld>
+    <p:spTree>
+      <p:nvGrpSpPr>
+        <p:cNvPr id="1" name=""/>
+        <p:cNvGrpSpPr/>
+        <p:nvPr/>
+      </p:nvGrpSpPr>
+      <p:grpSpPr>
+        <a:xfrm>
+          <a:off x="0" y="0"/>
+          <a:ext cx="0" cy="0"/>
+          <a:chOff x="0" y="0"/>
+          <a:chExt cx="0" cy="0"/>
+        </a:xfrm>
+      </p:grpSpPr>
+      <p:sp>
+        <p:nvSpPr>
+          <p:cNvPr id="48130" name="Title 1"/>
+          <p:cNvSpPr>
+            <a:spLocks noGrp="1"/>
+          </p:cNvSpPr>
+          <p:nvPr>
+            <p:ph type="title" idx="4294967295"/>
+          </p:nvPr>
+        </p:nvSpPr>
+        <p:spPr>
+          <a:xfrm>
+            <a:off x="381000" y="152400"/>
+            <a:ext cx="8229600" cy="639762"/>
+          </a:xfrm>
+        </p:spPr>
+        <p:txBody>
+          <a:bodyPr/>
+          <a:lstStyle/>
+          <a:p>
+            <a:pPr eaLnBrk="1" hangingPunct="1"/>
+            <a:r>
+              <a:rPr lang="en-US" dirty="0" smtClean="0"/>
+              <a:t>For More Information</a:t>
+            </a:r>
+          </a:p>
+        </p:txBody>
+      </p:sp>
+      <p:sp>
+        <p:nvSpPr>
+          <p:cNvPr id="48131" name="Content Placeholder 2"/>
+          <p:cNvSpPr>
+            <a:spLocks noGrp="1"/>
+          </p:cNvSpPr>
+          <p:nvPr>
+            <p:ph idx="4294967295"/>
+          </p:nvPr>
+        </p:nvSpPr>
+        <p:spPr>
+          <a:xfrm>
+            <a:off x="381000" y="990600"/>
+            <a:ext cx="8686800" cy="4525963"/>
+          </a:xfrm>
+        </p:spPr>
+        <p:txBody>
+          <a:bodyPr>
+            <a:normAutofit/>
+          </a:bodyPr>
+          <a:lstStyle/>
+          <a:p>
+            <a:pPr>
+              <a:lnSpc>
+                <a:spcPct val="90000"/>
+              </a:lnSpc>
+            </a:pPr>
+            <a:r>
+              <a:rPr lang="en-US" dirty="0" smtClean="0"/>
+              <a:t>MCSDK Product Folder:</a:t>
+            </a:r>
+            <a:br>
+              <a:rPr lang="en-US" dirty="0" smtClean="0"/>
+            </a:br>
+            <a:r>
+              <a:rPr lang="en-US" sz="1600" dirty="0" smtClean="0">
+                <a:hlinkClick r:id="rId4"/>
+              </a:rPr>
+              <a:t>http://www.ti.com/tool/bioslinuxmcsdk</a:t>
+            </a:r>
+            <a:r>
+              <a:rPr lang="en-US" sz="1600" dirty="0" smtClean="0"/>
+              <a:t> </a:t>
+            </a:r>
+          </a:p>
+          <a:p>
+            <a:pPr>
+              <a:lnSpc>
+                <a:spcPct val="90000"/>
+              </a:lnSpc>
+            </a:pPr>
+            <a:r>
+              <a:rPr lang="en-US" dirty="0" smtClean="0"/>
+              <a:t>Download CCSv5 and MCSDK software:</a:t>
+            </a:r>
+            <a:br>
+              <a:rPr lang="en-US" dirty="0" smtClean="0"/>
+            </a:br>
+            <a:r>
+              <a:rPr lang="en-US" sz="1600" dirty="0" smtClean="0">
+                <a:hlinkClick r:id="rId5"/>
+              </a:rPr>
+              <a:t>http://software-dl.ti.com/sdoemb/sdoemb_public_sw/bios_mcsdk/latest/index_FDS.html</a:t>
+            </a:r>
+          </a:p>
+          <a:p>
+            <a:pPr>
+              <a:lnSpc>
+                <a:spcPct val="90000"/>
+              </a:lnSpc>
+            </a:pPr>
+            <a:r>
+              <a:rPr lang="en-US" dirty="0" smtClean="0"/>
+              <a:t>KeyStone C66x Multicore Wiki Resources </a:t>
+            </a:r>
+            <a:r>
+              <a:rPr lang="en-US" sz="1600" dirty="0" smtClean="0">
+                <a:hlinkClick r:id="rId6"/>
+              </a:rPr>
+              <a:t>http://processors.wiki.ti.com/index.php/Keystone_Device_Architecture</a:t>
+            </a:r>
+            <a:endParaRPr lang="en-US" sz="1600" dirty="0" smtClean="0"/>
+          </a:p>
+          <a:p>
+            <a:pPr>
+              <a:lnSpc>
+                <a:spcPct val="90000"/>
+              </a:lnSpc>
+            </a:pPr>
+            <a:r>
+              <a:rPr lang="en-US" dirty="0" smtClean="0"/>
+              <a:t>For questions regarding topics covered in this training, visit the support forums at the TI E2E Community website </a:t>
+            </a:r>
+            <a:r>
+              <a:rPr lang="en-US" dirty="0" smtClean="0">
+                <a:hlinkClick r:id="rId7"/>
+              </a:rPr>
+              <a:t>http://e2e.ti.com</a:t>
+            </a:r>
+            <a:r>
+              <a:rPr lang="en-US" dirty="0" smtClean="0"/>
+              <a:t> </a:t>
+            </a:r>
+          </a:p>
+          <a:p>
+            <a:pPr>
+              <a:lnSpc>
+                <a:spcPct val="90000"/>
+              </a:lnSpc>
+              <a:buNone/>
+            </a:pPr>
+            <a:endParaRPr lang="en-US" dirty="0" smtClean="0"/>
+          </a:p>
+        </p:txBody>
+      </p:sp>
+    </p:spTree>
+    <p:custDataLst>
+      <p:tags r:id="rId1"/>
+    </p:custDataLst>
   </p:cSld>
   <p:clrMapOvr>
     <a:masterClrMapping/>
@@ -26828,7 +25293,7 @@
           <a:p>
             <a:r>
               <a:rPr lang="en-US" sz="3600" dirty="0" smtClean="0"/>
-              <a:t>Eclipse-based IDE Advantages</a:t>
+              <a:t>Code Composer Studio (CCS)</a:t>
             </a:r>
             <a:endParaRPr lang="en-US" sz="3600" dirty="0"/>
           </a:p>
@@ -26847,66 +25312,111 @@
         <p:spPr/>
         <p:txBody>
           <a:bodyPr>
-            <a:normAutofit/>
+            <a:normAutofit fontScale="92500" lnSpcReduction="20000"/>
           </a:bodyPr>
           <a:lstStyle/>
           <a:p>
             <a:r>
               <a:rPr lang="en-US" sz="2400" dirty="0" smtClean="0"/>
-              <a:t>Eclipse-based CCS supports application development on multiple cores/devices:</a:t>
+              <a:t>Code Composer Studio (CCS) is an Eclipse-based IDE that supports </a:t>
+            </a:r>
+            <a:r>
+              <a:rPr lang="en-US" sz="2400" dirty="0" smtClean="0"/>
+              <a:t>application development on multiple cores/devices:</a:t>
             </a:r>
           </a:p>
           <a:p>
             <a:pPr lvl="1"/>
             <a:r>
               <a:rPr lang="en-US" sz="2000" dirty="0" smtClean="0"/>
-              <a:t>Multiple perspectives (default and custom)</a:t>
+              <a:t>GUI interface for SYS/BIOS, project-based system to build drivers and utilities for developer’s target platform.</a:t>
             </a:r>
           </a:p>
           <a:p>
             <a:pPr lvl="1"/>
             <a:r>
               <a:rPr lang="en-US" sz="2000" dirty="0" smtClean="0"/>
-              <a:t>Three debug operation modes</a:t>
+              <a:t>Multiple </a:t>
+            </a:r>
+            <a:r>
+              <a:rPr lang="en-US" sz="2000" dirty="0" smtClean="0"/>
+              <a:t>perspectives (default and custom)</a:t>
             </a:r>
           </a:p>
           <a:p>
             <a:pPr lvl="1"/>
             <a:r>
               <a:rPr lang="en-US" sz="2000" dirty="0" smtClean="0"/>
-              <a:t>Advance debugging, monitoring, and profiling </a:t>
-            </a:r>
+              <a:t>Advance </a:t>
+            </a:r>
+            <a:r>
+              <a:rPr lang="en-US" sz="2000" dirty="0" smtClean="0"/>
+              <a:t>debugging, monitoring, and profiling </a:t>
+            </a:r>
+            <a:endParaRPr lang="en-US" sz="2000" dirty="0" smtClean="0"/>
+          </a:p>
+          <a:p>
+            <a:pPr lvl="1"/>
+            <a:r>
+              <a:rPr lang="en-US" sz="2000" dirty="0" smtClean="0"/>
+              <a:t>Multiple configurations allow a single executable or multiple executables to be generated for the same project.</a:t>
+            </a:r>
+            <a:endParaRPr lang="en-US" sz="2000" dirty="0" smtClean="0"/>
           </a:p>
           <a:p>
             <a:r>
               <a:rPr lang="en-US" sz="2400" dirty="0" smtClean="0"/>
-              <a:t>Optimized compiler/optimizer/assembler/linker</a:t>
+              <a:t>Editor</a:t>
             </a:r>
           </a:p>
           <a:p>
             <a:r>
               <a:rPr lang="en-US" sz="2400" dirty="0" smtClean="0"/>
-              <a:t>Support for OpenMP </a:t>
+              <a:t>Integrated compiler tools</a:t>
+            </a:r>
+            <a:endParaRPr lang="en-US" sz="2000" dirty="0" smtClean="0"/>
+          </a:p>
+          <a:p>
+            <a:pPr lvl="1"/>
+            <a:r>
+              <a:rPr lang="en-US" sz="2000" dirty="0" smtClean="0"/>
+              <a:t>Support </a:t>
+            </a:r>
+            <a:r>
+              <a:rPr lang="en-US" sz="2000" dirty="0" smtClean="0"/>
+              <a:t>for OpenMP </a:t>
             </a:r>
           </a:p>
           <a:p>
             <a:r>
               <a:rPr lang="en-US" sz="2400" dirty="0" smtClean="0"/>
-              <a:t>Enables addition of third-party plug-ins</a:t>
+              <a:t>Simulator</a:t>
             </a:r>
           </a:p>
           <a:p>
             <a:r>
               <a:rPr lang="en-US" sz="2400" dirty="0" smtClean="0"/>
-              <a:t>Multiple configurations allow a single executable or multiple executables to be generated for the same project.</a:t>
+              <a:t>Debug/Emulation</a:t>
             </a:r>
           </a:p>
           <a:p>
             <a:r>
               <a:rPr lang="en-US" sz="2400" dirty="0" smtClean="0"/>
-              <a:t>GUI interface for SYS/BIOS, project-based system to build drivers and utilities for developer’s target platform.</a:t>
-            </a:r>
-            <a:endParaRPr lang="en-US" sz="2400" dirty="0"/>
+              <a:t>Remote Debug</a:t>
+            </a:r>
+          </a:p>
+          <a:p>
+            <a:r>
+              <a:rPr lang="en-US" sz="2400" dirty="0" smtClean="0"/>
+              <a:t>Instrumentation</a:t>
+            </a:r>
+          </a:p>
+          <a:p>
+            <a:r>
+              <a:rPr lang="en-US" sz="2400" dirty="0" smtClean="0"/>
+              <a:t>Visualization</a:t>
+            </a:r>
+            <a:endParaRPr lang="en-US" sz="2400" dirty="0" smtClean="0"/>
           </a:p>
         </p:txBody>
       </p:sp>
@@ -26944,7 +25454,1711 @@
       </p:grpSpPr>
       <p:sp>
         <p:nvSpPr>
-          <p:cNvPr id="4" name="Title 3"/>
+          <p:cNvPr id="228358" name="AutoShape 6"/>
+          <p:cNvSpPr>
+            <a:spLocks noChangeArrowheads="1"/>
+          </p:cNvSpPr>
+          <p:nvPr/>
+        </p:nvSpPr>
+        <p:spPr bwMode="auto">
+          <a:xfrm>
+            <a:off x="497307" y="1051426"/>
+            <a:ext cx="3214736" cy="4241800"/>
+          </a:xfrm>
+          <a:prstGeom prst="roundRect">
+            <a:avLst>
+              <a:gd name="adj" fmla="val 16667"/>
+            </a:avLst>
+          </a:prstGeom>
+          <a:solidFill>
+            <a:srgbClr val="AAAAAA"/>
+          </a:solidFill>
+          <a:ln w="12700" algn="ctr">
+            <a:noFill/>
+            <a:round/>
+            <a:headEnd/>
+            <a:tailEnd/>
+          </a:ln>
+          <a:effectLst>
+            <a:prstShdw prst="shdw17" dist="17961" dir="2700000">
+              <a:srgbClr val="000000"/>
+            </a:prstShdw>
+          </a:effectLst>
+        </p:spPr>
+        <p:txBody>
+          <a:bodyPr lIns="0" tIns="0" rIns="0" bIns="0"/>
+          <a:lstStyle/>
+          <a:p>
+            <a:pPr algn="ctr" fontAlgn="base">
+              <a:spcBef>
+                <a:spcPct val="0"/>
+              </a:spcBef>
+              <a:spcAft>
+                <a:spcPct val="0"/>
+              </a:spcAft>
+              <a:defRPr/>
+            </a:pPr>
+            <a:endParaRPr lang="en-US" sz="2800" b="1" dirty="0">
+              <a:solidFill>
+                <a:srgbClr val="000000"/>
+              </a:solidFill>
+              <a:latin typeface="Arial" charset="0"/>
+              <a:ea typeface="MS PGothic" pitchFamily="34" charset="-128"/>
+              <a:cs typeface="Arial" charset="0"/>
+            </a:endParaRPr>
+          </a:p>
+        </p:txBody>
+      </p:sp>
+      <p:sp>
+        <p:nvSpPr>
+          <p:cNvPr id="39" name="Rounded Rectangle 38"/>
+          <p:cNvSpPr/>
+          <p:nvPr/>
+        </p:nvSpPr>
+        <p:spPr>
+          <a:xfrm>
+            <a:off x="625475" y="1250950"/>
+            <a:ext cx="2935288" cy="3930650"/>
+          </a:xfrm>
+          <a:prstGeom prst="roundRect">
+            <a:avLst/>
+          </a:prstGeom>
+          <a:solidFill>
+            <a:schemeClr val="bg1"/>
+          </a:solidFill>
+          <a:effectLst/>
+        </p:spPr>
+        <p:style>
+          <a:lnRef idx="2">
+            <a:schemeClr val="accent1">
+              <a:shade val="50000"/>
+            </a:schemeClr>
+          </a:lnRef>
+          <a:fillRef idx="1">
+            <a:schemeClr val="accent1"/>
+          </a:fillRef>
+          <a:effectRef idx="0">
+            <a:schemeClr val="accent1"/>
+          </a:effectRef>
+          <a:fontRef idx="minor">
+            <a:schemeClr val="lt1"/>
+          </a:fontRef>
+        </p:style>
+        <p:txBody>
+          <a:bodyPr anchor="ctr"/>
+          <a:lstStyle/>
+          <a:p>
+            <a:pPr algn="ctr" fontAlgn="base">
+              <a:spcBef>
+                <a:spcPct val="0"/>
+              </a:spcBef>
+              <a:spcAft>
+                <a:spcPct val="0"/>
+              </a:spcAft>
+              <a:defRPr/>
+            </a:pPr>
+            <a:endParaRPr lang="en-US" sz="2800" b="1" dirty="0">
+              <a:solidFill>
+                <a:srgbClr val="FFFFFF"/>
+              </a:solidFill>
+            </a:endParaRPr>
+          </a:p>
+        </p:txBody>
+      </p:sp>
+      <p:sp>
+        <p:nvSpPr>
+          <p:cNvPr id="228365" name="AutoShape 13"/>
+          <p:cNvSpPr>
+            <a:spLocks noChangeArrowheads="1"/>
+          </p:cNvSpPr>
+          <p:nvPr/>
+        </p:nvSpPr>
+        <p:spPr bwMode="auto">
+          <a:xfrm>
+            <a:off x="801688" y="1749425"/>
+            <a:ext cx="1468437" cy="3200400"/>
+          </a:xfrm>
+          <a:prstGeom prst="roundRect">
+            <a:avLst>
+              <a:gd name="adj" fmla="val 16667"/>
+            </a:avLst>
+          </a:prstGeom>
+          <a:solidFill>
+            <a:schemeClr val="tx1">
+              <a:lumMod val="65000"/>
+              <a:lumOff val="35000"/>
+            </a:schemeClr>
+          </a:solidFill>
+          <a:ln w="28575" algn="ctr">
+            <a:solidFill>
+              <a:schemeClr val="tx1"/>
+            </a:solidFill>
+            <a:round/>
+            <a:headEnd/>
+            <a:tailEnd/>
+          </a:ln>
+          <a:effectLst/>
+        </p:spPr>
+        <p:txBody>
+          <a:bodyPr wrap="none"/>
+          <a:lstStyle/>
+          <a:p>
+            <a:pPr algn="ctr" fontAlgn="base">
+              <a:lnSpc>
+                <a:spcPct val="85000"/>
+              </a:lnSpc>
+              <a:spcBef>
+                <a:spcPct val="0"/>
+              </a:spcBef>
+              <a:spcAft>
+                <a:spcPct val="0"/>
+              </a:spcAft>
+              <a:defRPr/>
+            </a:pPr>
+            <a:endParaRPr lang="en-US" sz="1200" b="1" baseline="30000" dirty="0">
+              <a:solidFill>
+                <a:srgbClr val="FFFFFF"/>
+              </a:solidFill>
+              <a:latin typeface="Arial" charset="0"/>
+              <a:ea typeface="MS PGothic" pitchFamily="34" charset="-128"/>
+              <a:cs typeface="Arial" charset="0"/>
+            </a:endParaRPr>
+          </a:p>
+        </p:txBody>
+      </p:sp>
+      <p:sp>
+        <p:nvSpPr>
+          <p:cNvPr id="41" name="Rounded Rectangle 40"/>
+          <p:cNvSpPr/>
+          <p:nvPr/>
+        </p:nvSpPr>
+        <p:spPr>
+          <a:xfrm>
+            <a:off x="914400" y="2371725"/>
+            <a:ext cx="1223963" cy="257175"/>
+          </a:xfrm>
+          <a:prstGeom prst="roundRect">
+            <a:avLst/>
+          </a:prstGeom>
+          <a:solidFill>
+            <a:schemeClr val="bg1"/>
+          </a:solidFill>
+          <a:ln w="19050">
+            <a:noFill/>
+          </a:ln>
+        </p:spPr>
+        <p:style>
+          <a:lnRef idx="2">
+            <a:schemeClr val="accent1">
+              <a:shade val="50000"/>
+            </a:schemeClr>
+          </a:lnRef>
+          <a:fillRef idx="1">
+            <a:schemeClr val="accent1"/>
+          </a:fillRef>
+          <a:effectRef idx="0">
+            <a:schemeClr val="accent1"/>
+          </a:effectRef>
+          <a:fontRef idx="minor">
+            <a:schemeClr val="lt1"/>
+          </a:fontRef>
+        </p:style>
+        <p:txBody>
+          <a:bodyPr anchor="ctr"/>
+          <a:lstStyle/>
+          <a:p>
+            <a:pPr algn="ctr" fontAlgn="base">
+              <a:spcBef>
+                <a:spcPct val="0"/>
+              </a:spcBef>
+              <a:spcAft>
+                <a:spcPct val="0"/>
+              </a:spcAft>
+              <a:defRPr/>
+            </a:pPr>
+            <a:r>
+              <a:rPr lang="en-US" sz="900" b="1" dirty="0" smtClean="0">
+                <a:solidFill>
+                  <a:prstClr val="black"/>
+                </a:solidFill>
+                <a:latin typeface="Arial" pitchFamily="34" charset="0"/>
+                <a:cs typeface="Arial" pitchFamily="34" charset="0"/>
+              </a:rPr>
+              <a:t>Editor</a:t>
+            </a:r>
+            <a:endParaRPr lang="en-US" sz="900" b="1" dirty="0">
+              <a:solidFill>
+                <a:prstClr val="black"/>
+              </a:solidFill>
+              <a:latin typeface="Arial" pitchFamily="34" charset="0"/>
+              <a:cs typeface="Arial" pitchFamily="34" charset="0"/>
+            </a:endParaRPr>
+          </a:p>
+        </p:txBody>
+      </p:sp>
+      <p:sp>
+        <p:nvSpPr>
+          <p:cNvPr id="42" name="Rounded Rectangle 41"/>
+          <p:cNvSpPr/>
+          <p:nvPr/>
+        </p:nvSpPr>
+        <p:spPr>
+          <a:xfrm>
+            <a:off x="919163" y="2724150"/>
+            <a:ext cx="1223963" cy="257175"/>
+          </a:xfrm>
+          <a:prstGeom prst="roundRect">
+            <a:avLst/>
+          </a:prstGeom>
+          <a:solidFill>
+            <a:schemeClr val="bg1"/>
+          </a:solidFill>
+          <a:ln w="19050">
+            <a:solidFill>
+              <a:schemeClr val="tx2"/>
+            </a:solidFill>
+          </a:ln>
+        </p:spPr>
+        <p:style>
+          <a:lnRef idx="2">
+            <a:schemeClr val="accent1">
+              <a:shade val="50000"/>
+            </a:schemeClr>
+          </a:lnRef>
+          <a:fillRef idx="1">
+            <a:schemeClr val="accent1"/>
+          </a:fillRef>
+          <a:effectRef idx="0">
+            <a:schemeClr val="accent1"/>
+          </a:effectRef>
+          <a:fontRef idx="minor">
+            <a:schemeClr val="lt1"/>
+          </a:fontRef>
+        </p:style>
+        <p:txBody>
+          <a:bodyPr anchor="ctr"/>
+          <a:lstStyle/>
+          <a:p>
+            <a:pPr algn="ctr" fontAlgn="base">
+              <a:lnSpc>
+                <a:spcPct val="85000"/>
+              </a:lnSpc>
+              <a:spcBef>
+                <a:spcPct val="0"/>
+              </a:spcBef>
+              <a:spcAft>
+                <a:spcPct val="0"/>
+              </a:spcAft>
+              <a:defRPr/>
+            </a:pPr>
+            <a:r>
+              <a:rPr lang="en-US" sz="900" b="1" dirty="0" smtClean="0">
+                <a:solidFill>
+                  <a:srgbClr val="000000"/>
+                </a:solidFill>
+                <a:latin typeface="Arial" pitchFamily="34" charset="0"/>
+                <a:ea typeface="ＭＳ Ｐゴシック" pitchFamily="34" charset="-128"/>
+              </a:rPr>
+              <a:t>Compiler Tools</a:t>
+            </a:r>
+            <a:endParaRPr lang="en-US" sz="900" b="1" dirty="0" smtClean="0">
+              <a:solidFill>
+                <a:srgbClr val="000000"/>
+              </a:solidFill>
+              <a:latin typeface="Arial" pitchFamily="34" charset="0"/>
+              <a:ea typeface="ＭＳ Ｐゴシック" pitchFamily="34" charset="-128"/>
+            </a:endParaRPr>
+          </a:p>
+        </p:txBody>
+      </p:sp>
+      <p:sp>
+        <p:nvSpPr>
+          <p:cNvPr id="43" name="Rounded Rectangle 42"/>
+          <p:cNvSpPr/>
+          <p:nvPr/>
+        </p:nvSpPr>
+        <p:spPr>
+          <a:xfrm>
+            <a:off x="914399" y="3086098"/>
+            <a:ext cx="1223963" cy="257175"/>
+          </a:xfrm>
+          <a:prstGeom prst="roundRect">
+            <a:avLst/>
+          </a:prstGeom>
+          <a:solidFill>
+            <a:schemeClr val="bg1"/>
+          </a:solidFill>
+          <a:ln w="19050">
+            <a:noFill/>
+          </a:ln>
+        </p:spPr>
+        <p:style>
+          <a:lnRef idx="2">
+            <a:schemeClr val="accent1">
+              <a:shade val="50000"/>
+            </a:schemeClr>
+          </a:lnRef>
+          <a:fillRef idx="1">
+            <a:schemeClr val="accent1"/>
+          </a:fillRef>
+          <a:effectRef idx="0">
+            <a:schemeClr val="accent1"/>
+          </a:effectRef>
+          <a:fontRef idx="minor">
+            <a:schemeClr val="lt1"/>
+          </a:fontRef>
+        </p:style>
+        <p:txBody>
+          <a:bodyPr anchor="ctr"/>
+          <a:lstStyle/>
+          <a:p>
+            <a:pPr algn="ctr" fontAlgn="base">
+              <a:lnSpc>
+                <a:spcPct val="85000"/>
+              </a:lnSpc>
+              <a:spcBef>
+                <a:spcPct val="0"/>
+              </a:spcBef>
+              <a:spcAft>
+                <a:spcPct val="0"/>
+              </a:spcAft>
+              <a:defRPr/>
+            </a:pPr>
+            <a:r>
+              <a:rPr lang="en-US" sz="900" b="1" dirty="0" smtClean="0">
+                <a:solidFill>
+                  <a:srgbClr val="000000"/>
+                </a:solidFill>
+                <a:latin typeface="Arial" pitchFamily="34" charset="0"/>
+                <a:ea typeface="ＭＳ Ｐゴシック" pitchFamily="34" charset="-128"/>
+              </a:rPr>
+              <a:t>Simulator</a:t>
+            </a:r>
+            <a:endParaRPr lang="en-US" sz="900" b="1" dirty="0">
+              <a:solidFill>
+                <a:srgbClr val="000000"/>
+              </a:solidFill>
+              <a:latin typeface="Arial" pitchFamily="34" charset="0"/>
+              <a:ea typeface="ＭＳ Ｐゴシック" pitchFamily="34" charset="-128"/>
+            </a:endParaRPr>
+          </a:p>
+        </p:txBody>
+      </p:sp>
+      <p:sp>
+        <p:nvSpPr>
+          <p:cNvPr id="44" name="Rounded Rectangle 43"/>
+          <p:cNvSpPr/>
+          <p:nvPr/>
+        </p:nvSpPr>
+        <p:spPr>
+          <a:xfrm>
+            <a:off x="919162" y="3438523"/>
+            <a:ext cx="1223963" cy="257175"/>
+          </a:xfrm>
+          <a:prstGeom prst="roundRect">
+            <a:avLst/>
+          </a:prstGeom>
+          <a:solidFill>
+            <a:schemeClr val="bg1"/>
+          </a:solidFill>
+          <a:ln w="19050">
+            <a:noFill/>
+          </a:ln>
+        </p:spPr>
+        <p:style>
+          <a:lnRef idx="2">
+            <a:schemeClr val="accent1">
+              <a:shade val="50000"/>
+            </a:schemeClr>
+          </a:lnRef>
+          <a:fillRef idx="1">
+            <a:schemeClr val="accent1"/>
+          </a:fillRef>
+          <a:effectRef idx="0">
+            <a:schemeClr val="accent1"/>
+          </a:effectRef>
+          <a:fontRef idx="minor">
+            <a:schemeClr val="lt1"/>
+          </a:fontRef>
+        </p:style>
+        <p:txBody>
+          <a:bodyPr anchor="ctr"/>
+          <a:lstStyle/>
+          <a:p>
+            <a:pPr algn="ctr" fontAlgn="base">
+              <a:lnSpc>
+                <a:spcPct val="85000"/>
+              </a:lnSpc>
+              <a:spcBef>
+                <a:spcPct val="0"/>
+              </a:spcBef>
+              <a:spcAft>
+                <a:spcPct val="0"/>
+              </a:spcAft>
+              <a:defRPr/>
+            </a:pPr>
+            <a:r>
+              <a:rPr lang="en-US" sz="900" b="1" dirty="0" smtClean="0">
+                <a:solidFill>
+                  <a:srgbClr val="000000"/>
+                </a:solidFill>
+                <a:latin typeface="Arial" pitchFamily="34" charset="0"/>
+                <a:ea typeface="ＭＳ Ｐゴシック" pitchFamily="34" charset="-128"/>
+              </a:rPr>
+              <a:t>Debug/Emulation</a:t>
+            </a:r>
+            <a:endParaRPr lang="en-US" sz="900" b="1" dirty="0">
+              <a:solidFill>
+                <a:srgbClr val="000000"/>
+              </a:solidFill>
+              <a:latin typeface="Arial" pitchFamily="34" charset="0"/>
+              <a:ea typeface="ＭＳ Ｐゴシック" pitchFamily="34" charset="-128"/>
+            </a:endParaRPr>
+          </a:p>
+        </p:txBody>
+      </p:sp>
+      <p:sp>
+        <p:nvSpPr>
+          <p:cNvPr id="45" name="Rounded Rectangle 44"/>
+          <p:cNvSpPr/>
+          <p:nvPr/>
+        </p:nvSpPr>
+        <p:spPr>
+          <a:xfrm>
+            <a:off x="914400" y="3786188"/>
+            <a:ext cx="1223963" cy="257175"/>
+          </a:xfrm>
+          <a:prstGeom prst="roundRect">
+            <a:avLst/>
+          </a:prstGeom>
+          <a:solidFill>
+            <a:schemeClr val="bg1"/>
+          </a:solidFill>
+          <a:ln w="19050">
+            <a:noFill/>
+          </a:ln>
+        </p:spPr>
+        <p:style>
+          <a:lnRef idx="2">
+            <a:schemeClr val="accent1">
+              <a:shade val="50000"/>
+            </a:schemeClr>
+          </a:lnRef>
+          <a:fillRef idx="1">
+            <a:schemeClr val="accent1"/>
+          </a:fillRef>
+          <a:effectRef idx="0">
+            <a:schemeClr val="accent1"/>
+          </a:effectRef>
+          <a:fontRef idx="minor">
+            <a:schemeClr val="lt1"/>
+          </a:fontRef>
+        </p:style>
+        <p:txBody>
+          <a:bodyPr anchor="ctr"/>
+          <a:lstStyle/>
+          <a:p>
+            <a:pPr algn="ctr" fontAlgn="base">
+              <a:lnSpc>
+                <a:spcPct val="85000"/>
+              </a:lnSpc>
+              <a:spcBef>
+                <a:spcPct val="0"/>
+              </a:spcBef>
+              <a:spcAft>
+                <a:spcPct val="0"/>
+              </a:spcAft>
+              <a:defRPr/>
+            </a:pPr>
+            <a:r>
+              <a:rPr lang="en-US" sz="900" b="1" dirty="0" smtClean="0">
+                <a:solidFill>
+                  <a:srgbClr val="000000"/>
+                </a:solidFill>
+                <a:latin typeface="Arial" pitchFamily="34" charset="0"/>
+                <a:ea typeface="ＭＳ Ｐゴシック" pitchFamily="34" charset="-128"/>
+              </a:rPr>
+              <a:t>Remote Debug</a:t>
+            </a:r>
+            <a:endParaRPr lang="en-US" sz="900" b="1" dirty="0">
+              <a:solidFill>
+                <a:srgbClr val="000000"/>
+              </a:solidFill>
+              <a:latin typeface="Arial" pitchFamily="34" charset="0"/>
+              <a:ea typeface="ＭＳ Ｐゴシック" pitchFamily="34" charset="-128"/>
+            </a:endParaRPr>
+          </a:p>
+        </p:txBody>
+      </p:sp>
+      <p:sp>
+        <p:nvSpPr>
+          <p:cNvPr id="46" name="Rounded Rectangle 45"/>
+          <p:cNvSpPr/>
+          <p:nvPr/>
+        </p:nvSpPr>
+        <p:spPr>
+          <a:xfrm>
+            <a:off x="919163" y="4138613"/>
+            <a:ext cx="1223963" cy="257175"/>
+          </a:xfrm>
+          <a:prstGeom prst="roundRect">
+            <a:avLst/>
+          </a:prstGeom>
+          <a:solidFill>
+            <a:schemeClr val="bg1"/>
+          </a:solidFill>
+          <a:ln w="19050">
+            <a:noFill/>
+          </a:ln>
+        </p:spPr>
+        <p:style>
+          <a:lnRef idx="2">
+            <a:schemeClr val="accent1">
+              <a:shade val="50000"/>
+            </a:schemeClr>
+          </a:lnRef>
+          <a:fillRef idx="1">
+            <a:schemeClr val="accent1"/>
+          </a:fillRef>
+          <a:effectRef idx="0">
+            <a:schemeClr val="accent1"/>
+          </a:effectRef>
+          <a:fontRef idx="minor">
+            <a:schemeClr val="lt1"/>
+          </a:fontRef>
+        </p:style>
+        <p:txBody>
+          <a:bodyPr anchor="ctr"/>
+          <a:lstStyle/>
+          <a:p>
+            <a:pPr algn="ctr" fontAlgn="base">
+              <a:lnSpc>
+                <a:spcPct val="85000"/>
+              </a:lnSpc>
+              <a:spcBef>
+                <a:spcPct val="0"/>
+              </a:spcBef>
+              <a:spcAft>
+                <a:spcPct val="0"/>
+              </a:spcAft>
+              <a:defRPr/>
+            </a:pPr>
+            <a:r>
+              <a:rPr lang="en-US" sz="900" b="1" dirty="0" smtClean="0">
+                <a:solidFill>
+                  <a:srgbClr val="000000"/>
+                </a:solidFill>
+                <a:latin typeface="Arial" pitchFamily="34" charset="0"/>
+                <a:ea typeface="ＭＳ Ｐゴシック" pitchFamily="34" charset="-128"/>
+              </a:rPr>
+              <a:t>Instrumentation</a:t>
+            </a:r>
+            <a:endParaRPr lang="en-US" sz="900" b="1" dirty="0">
+              <a:solidFill>
+                <a:srgbClr val="000000"/>
+              </a:solidFill>
+              <a:latin typeface="Arial" pitchFamily="34" charset="0"/>
+              <a:ea typeface="ＭＳ Ｐゴシック" pitchFamily="34" charset="-128"/>
+            </a:endParaRPr>
+          </a:p>
+        </p:txBody>
+      </p:sp>
+      <p:sp>
+        <p:nvSpPr>
+          <p:cNvPr id="47" name="Rounded Rectangle 46"/>
+          <p:cNvSpPr/>
+          <p:nvPr/>
+        </p:nvSpPr>
+        <p:spPr>
+          <a:xfrm>
+            <a:off x="914401" y="4491038"/>
+            <a:ext cx="1223963" cy="257175"/>
+          </a:xfrm>
+          <a:prstGeom prst="roundRect">
+            <a:avLst/>
+          </a:prstGeom>
+          <a:solidFill>
+            <a:schemeClr val="bg1"/>
+          </a:solidFill>
+          <a:ln w="19050">
+            <a:noFill/>
+          </a:ln>
+        </p:spPr>
+        <p:style>
+          <a:lnRef idx="2">
+            <a:schemeClr val="accent1">
+              <a:shade val="50000"/>
+            </a:schemeClr>
+          </a:lnRef>
+          <a:fillRef idx="1">
+            <a:schemeClr val="accent1"/>
+          </a:fillRef>
+          <a:effectRef idx="0">
+            <a:schemeClr val="accent1"/>
+          </a:effectRef>
+          <a:fontRef idx="minor">
+            <a:schemeClr val="lt1"/>
+          </a:fontRef>
+        </p:style>
+        <p:txBody>
+          <a:bodyPr anchor="ctr"/>
+          <a:lstStyle/>
+          <a:p>
+            <a:pPr algn="ctr" fontAlgn="base">
+              <a:lnSpc>
+                <a:spcPct val="85000"/>
+              </a:lnSpc>
+              <a:spcBef>
+                <a:spcPct val="0"/>
+              </a:spcBef>
+              <a:spcAft>
+                <a:spcPct val="0"/>
+              </a:spcAft>
+              <a:defRPr/>
+            </a:pPr>
+            <a:r>
+              <a:rPr lang="en-US" sz="900" b="1" dirty="0" smtClean="0">
+                <a:solidFill>
+                  <a:srgbClr val="000000"/>
+                </a:solidFill>
+                <a:latin typeface="Arial" pitchFamily="34" charset="0"/>
+                <a:ea typeface="ＭＳ Ｐゴシック" pitchFamily="34" charset="-128"/>
+              </a:rPr>
+              <a:t>Visualization</a:t>
+            </a:r>
+            <a:endParaRPr lang="en-US" sz="900" b="1" dirty="0">
+              <a:solidFill>
+                <a:srgbClr val="000000"/>
+              </a:solidFill>
+              <a:latin typeface="Arial" pitchFamily="34" charset="0"/>
+              <a:ea typeface="ＭＳ Ｐゴシック" pitchFamily="34" charset="-128"/>
+            </a:endParaRPr>
+          </a:p>
+        </p:txBody>
+      </p:sp>
+      <p:sp>
+        <p:nvSpPr>
+          <p:cNvPr id="228360" name="AutoShape 8"/>
+          <p:cNvSpPr>
+            <a:spLocks noChangeArrowheads="1"/>
+          </p:cNvSpPr>
+          <p:nvPr/>
+        </p:nvSpPr>
+        <p:spPr bwMode="auto">
+          <a:xfrm>
+            <a:off x="544513" y="5407025"/>
+            <a:ext cx="2908300" cy="330200"/>
+          </a:xfrm>
+          <a:prstGeom prst="cube">
+            <a:avLst>
+              <a:gd name="adj" fmla="val 25000"/>
+            </a:avLst>
+          </a:prstGeom>
+          <a:solidFill>
+            <a:schemeClr val="bg2">
+              <a:lumMod val="60000"/>
+              <a:lumOff val="40000"/>
+            </a:schemeClr>
+          </a:solidFill>
+          <a:ln w="9525">
+            <a:solidFill>
+              <a:schemeClr val="tx1"/>
+            </a:solidFill>
+            <a:miter lim="800000"/>
+            <a:headEnd/>
+            <a:tailEnd/>
+          </a:ln>
+          <a:effectLst/>
+        </p:spPr>
+        <p:txBody>
+          <a:bodyPr wrap="none" anchor="ctr"/>
+          <a:lstStyle/>
+          <a:p>
+            <a:pPr algn="ctr" fontAlgn="base">
+              <a:spcBef>
+                <a:spcPct val="0"/>
+              </a:spcBef>
+              <a:spcAft>
+                <a:spcPct val="0"/>
+              </a:spcAft>
+              <a:defRPr/>
+            </a:pPr>
+            <a:r>
+              <a:rPr lang="en-US" sz="1400" b="1" dirty="0">
+                <a:solidFill>
+                  <a:srgbClr val="000000"/>
+                </a:solidFill>
+                <a:latin typeface="Arial" pitchFamily="34" charset="0"/>
+                <a:ea typeface="ＭＳ Ｐゴシック" pitchFamily="34" charset="-128"/>
+                <a:cs typeface="Arial" charset="0"/>
+              </a:rPr>
+              <a:t>Host Computer</a:t>
+            </a:r>
+          </a:p>
+        </p:txBody>
+      </p:sp>
+      <p:sp>
+        <p:nvSpPr>
+          <p:cNvPr id="228361" name="AutoShape 9"/>
+          <p:cNvSpPr>
+            <a:spLocks noChangeArrowheads="1"/>
+          </p:cNvSpPr>
+          <p:nvPr/>
+        </p:nvSpPr>
+        <p:spPr bwMode="auto">
+          <a:xfrm>
+            <a:off x="4349750" y="5381625"/>
+            <a:ext cx="4445000" cy="304800"/>
+          </a:xfrm>
+          <a:prstGeom prst="cube">
+            <a:avLst>
+              <a:gd name="adj" fmla="val 25000"/>
+            </a:avLst>
+          </a:prstGeom>
+          <a:solidFill>
+            <a:schemeClr val="bg2">
+              <a:lumMod val="50000"/>
+            </a:schemeClr>
+          </a:solidFill>
+          <a:ln w="9525">
+            <a:solidFill>
+              <a:schemeClr val="tx1"/>
+            </a:solidFill>
+            <a:miter lim="800000"/>
+            <a:headEnd/>
+            <a:tailEnd/>
+          </a:ln>
+          <a:effectLst/>
+        </p:spPr>
+        <p:txBody>
+          <a:bodyPr wrap="none" anchor="ctr"/>
+          <a:lstStyle/>
+          <a:p>
+            <a:pPr algn="ctr" fontAlgn="base">
+              <a:spcBef>
+                <a:spcPct val="0"/>
+              </a:spcBef>
+              <a:spcAft>
+                <a:spcPct val="0"/>
+              </a:spcAft>
+              <a:defRPr/>
+            </a:pPr>
+            <a:r>
+              <a:rPr lang="en-US" sz="1400" b="1" dirty="0">
+                <a:solidFill>
+                  <a:srgbClr val="FFFFFF"/>
+                </a:solidFill>
+                <a:latin typeface="Arial" pitchFamily="34" charset="0"/>
+                <a:ea typeface="ＭＳ Ｐゴシック" pitchFamily="34" charset="-128"/>
+                <a:cs typeface="Arial" charset="0"/>
+              </a:rPr>
+              <a:t>Target Board</a:t>
+            </a:r>
+          </a:p>
+        </p:txBody>
+      </p:sp>
+      <p:sp>
+        <p:nvSpPr>
+          <p:cNvPr id="228362" name="AutoShape 10"/>
+          <p:cNvSpPr>
+            <a:spLocks noChangeArrowheads="1"/>
+          </p:cNvSpPr>
+          <p:nvPr/>
+        </p:nvSpPr>
+        <p:spPr bwMode="auto">
+          <a:xfrm>
+            <a:off x="3490179" y="5547226"/>
+            <a:ext cx="850960" cy="88900"/>
+          </a:xfrm>
+          <a:prstGeom prst="leftRightArrow">
+            <a:avLst>
+              <a:gd name="adj1" fmla="val 50000"/>
+              <a:gd name="adj2" fmla="val 102857"/>
+            </a:avLst>
+          </a:prstGeom>
+          <a:solidFill>
+            <a:schemeClr val="tx1"/>
+          </a:solidFill>
+          <a:ln w="9525" algn="ctr">
+            <a:noFill/>
+            <a:miter lim="800000"/>
+            <a:headEnd/>
+            <a:tailEnd/>
+          </a:ln>
+          <a:effectLst/>
+          <a:scene3d>
+            <a:camera prst="orthographicFront">
+              <a:rot lat="0" lon="0" rev="0"/>
+            </a:camera>
+            <a:lightRig rig="balanced" dir="t">
+              <a:rot lat="0" lon="0" rev="8700000"/>
+            </a:lightRig>
+          </a:scene3d>
+          <a:sp3d>
+            <a:bevelT w="190500" h="38100"/>
+          </a:sp3d>
+        </p:spPr>
+        <p:txBody>
+          <a:bodyPr wrap="none" anchor="ctr"/>
+          <a:lstStyle/>
+          <a:p>
+            <a:pPr algn="ctr" fontAlgn="base">
+              <a:spcBef>
+                <a:spcPct val="0"/>
+              </a:spcBef>
+              <a:spcAft>
+                <a:spcPct val="0"/>
+              </a:spcAft>
+              <a:defRPr/>
+            </a:pPr>
+            <a:endParaRPr lang="en-US" sz="2800" b="1" dirty="0">
+              <a:solidFill>
+                <a:srgbClr val="000000"/>
+              </a:solidFill>
+              <a:latin typeface="Arial" charset="0"/>
+              <a:ea typeface="MS PGothic" pitchFamily="34" charset="-128"/>
+              <a:cs typeface="Arial" charset="0"/>
+            </a:endParaRPr>
+          </a:p>
+        </p:txBody>
+      </p:sp>
+      <p:sp>
+        <p:nvSpPr>
+          <p:cNvPr id="228364" name="Rectangle 12"/>
+          <p:cNvSpPr>
+            <a:spLocks noChangeArrowheads="1"/>
+          </p:cNvSpPr>
+          <p:nvPr/>
+        </p:nvSpPr>
+        <p:spPr bwMode="auto">
+          <a:xfrm>
+            <a:off x="1295400" y="1303338"/>
+            <a:ext cx="1624013" cy="349250"/>
+          </a:xfrm>
+          <a:prstGeom prst="rect">
+            <a:avLst/>
+          </a:prstGeom>
+          <a:noFill/>
+          <a:ln w="9525" algn="ctr">
+            <a:noFill/>
+            <a:miter lim="800000"/>
+            <a:headEnd/>
+            <a:tailEnd/>
+          </a:ln>
+          <a:effectLst/>
+        </p:spPr>
+        <p:txBody>
+          <a:bodyPr wrap="none"/>
+          <a:lstStyle/>
+          <a:p>
+            <a:pPr algn="ctr" fontAlgn="base">
+              <a:spcBef>
+                <a:spcPct val="0"/>
+              </a:spcBef>
+              <a:spcAft>
+                <a:spcPct val="0"/>
+              </a:spcAft>
+              <a:defRPr/>
+            </a:pPr>
+            <a:r>
+              <a:rPr lang="en-US" b="1" dirty="0">
+                <a:solidFill>
+                  <a:srgbClr val="000000"/>
+                </a:solidFill>
+                <a:latin typeface="Arial" pitchFamily="34" charset="0"/>
+                <a:ea typeface="ＭＳ Ｐゴシック" pitchFamily="34" charset="-128"/>
+                <a:cs typeface="Arial" charset="0"/>
+              </a:rPr>
+              <a:t>Eclipse</a:t>
+            </a:r>
+          </a:p>
+        </p:txBody>
+      </p:sp>
+      <p:sp>
+        <p:nvSpPr>
+          <p:cNvPr id="228366" name="AutoShape 14"/>
+          <p:cNvSpPr>
+            <a:spLocks noChangeArrowheads="1"/>
+          </p:cNvSpPr>
+          <p:nvPr/>
+        </p:nvSpPr>
+        <p:spPr bwMode="auto">
+          <a:xfrm>
+            <a:off x="2365375" y="1762125"/>
+            <a:ext cx="1016000" cy="3200400"/>
+          </a:xfrm>
+          <a:prstGeom prst="roundRect">
+            <a:avLst>
+              <a:gd name="adj" fmla="val 16667"/>
+            </a:avLst>
+          </a:prstGeom>
+          <a:solidFill>
+            <a:schemeClr val="bg2">
+              <a:lumMod val="60000"/>
+              <a:lumOff val="40000"/>
+            </a:schemeClr>
+          </a:solidFill>
+          <a:ln w="28575" algn="ctr">
+            <a:solidFill>
+              <a:schemeClr val="tx1"/>
+            </a:solidFill>
+            <a:round/>
+            <a:headEnd/>
+            <a:tailEnd/>
+          </a:ln>
+          <a:effectLst/>
+        </p:spPr>
+        <p:txBody>
+          <a:bodyPr wrap="none"/>
+          <a:lstStyle/>
+          <a:p>
+            <a:pPr algn="ctr" fontAlgn="base">
+              <a:spcBef>
+                <a:spcPct val="0"/>
+              </a:spcBef>
+              <a:spcAft>
+                <a:spcPct val="0"/>
+              </a:spcAft>
+              <a:defRPr/>
+            </a:pPr>
+            <a:endParaRPr lang="en-US" sz="1000" b="1" dirty="0">
+              <a:solidFill>
+                <a:srgbClr val="FFFFFF"/>
+              </a:solidFill>
+              <a:latin typeface="Arial Narrow" pitchFamily="34" charset="0"/>
+              <a:ea typeface="MS PGothic" pitchFamily="34" charset="-128"/>
+              <a:cs typeface="Arial" charset="0"/>
+            </a:endParaRPr>
+          </a:p>
+        </p:txBody>
+      </p:sp>
+      <p:sp>
+        <p:nvSpPr>
+          <p:cNvPr id="228368" name="AutoShape 16"/>
+          <p:cNvSpPr>
+            <a:spLocks noChangeArrowheads="1"/>
+          </p:cNvSpPr>
+          <p:nvPr/>
+        </p:nvSpPr>
+        <p:spPr bwMode="auto">
+          <a:xfrm>
+            <a:off x="928688" y="2732088"/>
+            <a:ext cx="1204912" cy="233362"/>
+          </a:xfrm>
+          <a:prstGeom prst="roundRect">
+            <a:avLst>
+              <a:gd name="adj" fmla="val 16667"/>
+            </a:avLst>
+          </a:prstGeom>
+          <a:noFill/>
+          <a:ln w="9525" algn="ctr">
+            <a:noFill/>
+            <a:round/>
+            <a:headEnd/>
+            <a:tailEnd/>
+          </a:ln>
+          <a:effectLst>
+            <a:prstShdw prst="shdw17" dist="17961" dir="2700000">
+              <a:srgbClr val="00FFFF">
+                <a:gamma/>
+                <a:shade val="60000"/>
+                <a:invGamma/>
+              </a:srgbClr>
+            </a:prstShdw>
+          </a:effectLst>
+        </p:spPr>
+        <p:txBody>
+          <a:bodyPr wrap="none" anchor="ctr"/>
+          <a:lstStyle/>
+          <a:p>
+            <a:pPr algn="ctr" fontAlgn="base">
+              <a:lnSpc>
+                <a:spcPct val="85000"/>
+              </a:lnSpc>
+              <a:spcBef>
+                <a:spcPct val="0"/>
+              </a:spcBef>
+              <a:spcAft>
+                <a:spcPct val="0"/>
+              </a:spcAft>
+              <a:defRPr/>
+            </a:pPr>
+            <a:endParaRPr lang="en-US" sz="900" b="1" dirty="0">
+              <a:solidFill>
+                <a:srgbClr val="000000"/>
+              </a:solidFill>
+              <a:latin typeface="Arial" pitchFamily="34" charset="0"/>
+              <a:ea typeface="ＭＳ Ｐゴシック" pitchFamily="34" charset="-128"/>
+              <a:cs typeface="Arial" charset="0"/>
+            </a:endParaRPr>
+          </a:p>
+        </p:txBody>
+      </p:sp>
+      <p:sp>
+        <p:nvSpPr>
+          <p:cNvPr id="228372" name="AutoShape 20"/>
+          <p:cNvSpPr>
+            <a:spLocks noChangeArrowheads="1"/>
+          </p:cNvSpPr>
+          <p:nvPr/>
+        </p:nvSpPr>
+        <p:spPr bwMode="auto">
+          <a:xfrm>
+            <a:off x="931863" y="4152900"/>
+            <a:ext cx="1204912" cy="233363"/>
+          </a:xfrm>
+          <a:prstGeom prst="roundRect">
+            <a:avLst>
+              <a:gd name="adj" fmla="val 16667"/>
+            </a:avLst>
+          </a:prstGeom>
+          <a:noFill/>
+          <a:ln w="9525" algn="ctr">
+            <a:noFill/>
+            <a:round/>
+            <a:headEnd/>
+            <a:tailEnd/>
+          </a:ln>
+          <a:effectLst>
+            <a:prstShdw prst="shdw17" dist="17961" dir="2700000">
+              <a:srgbClr val="00FFFF">
+                <a:gamma/>
+                <a:shade val="60000"/>
+                <a:invGamma/>
+              </a:srgbClr>
+            </a:prstShdw>
+          </a:effectLst>
+        </p:spPr>
+        <p:txBody>
+          <a:bodyPr wrap="none" anchor="ctr"/>
+          <a:lstStyle/>
+          <a:p>
+            <a:pPr algn="ctr" fontAlgn="base">
+              <a:lnSpc>
+                <a:spcPct val="85000"/>
+              </a:lnSpc>
+              <a:spcBef>
+                <a:spcPct val="0"/>
+              </a:spcBef>
+              <a:spcAft>
+                <a:spcPct val="0"/>
+              </a:spcAft>
+              <a:defRPr/>
+            </a:pPr>
+            <a:endParaRPr lang="en-US" sz="900" b="1" dirty="0">
+              <a:solidFill>
+                <a:srgbClr val="000000"/>
+              </a:solidFill>
+              <a:latin typeface="Arial" pitchFamily="34" charset="0"/>
+              <a:ea typeface="ＭＳ Ｐゴシック" pitchFamily="34" charset="-128"/>
+              <a:cs typeface="Arial" charset="0"/>
+            </a:endParaRPr>
+          </a:p>
+        </p:txBody>
+      </p:sp>
+      <p:sp>
+        <p:nvSpPr>
+          <p:cNvPr id="66" name="Rounded Rectangle 65"/>
+          <p:cNvSpPr/>
+          <p:nvPr/>
+        </p:nvSpPr>
+        <p:spPr bwMode="auto">
+          <a:xfrm>
+            <a:off x="4467506" y="1035678"/>
+            <a:ext cx="4317107" cy="4206240"/>
+          </a:xfrm>
+          <a:prstGeom prst="roundRect">
+            <a:avLst>
+              <a:gd name="adj" fmla="val 2624"/>
+            </a:avLst>
+          </a:prstGeom>
+          <a:solidFill>
+            <a:schemeClr val="bg1"/>
+          </a:solidFill>
+          <a:ln w="19050">
+            <a:solidFill>
+              <a:schemeClr val="tx1"/>
+            </a:solidFill>
+          </a:ln>
+          <a:effectLst/>
+        </p:spPr>
+        <p:style>
+          <a:lnRef idx="1">
+            <a:schemeClr val="accent6"/>
+          </a:lnRef>
+          <a:fillRef idx="2">
+            <a:schemeClr val="accent6"/>
+          </a:fillRef>
+          <a:effectRef idx="1">
+            <a:schemeClr val="accent6"/>
+          </a:effectRef>
+          <a:fontRef idx="minor">
+            <a:schemeClr val="dk1"/>
+          </a:fontRef>
+        </p:style>
+        <p:txBody>
+          <a:bodyPr anchor="ctr"/>
+          <a:lstStyle/>
+          <a:p>
+            <a:pPr algn="ctr" fontAlgn="base">
+              <a:spcBef>
+                <a:spcPct val="0"/>
+              </a:spcBef>
+              <a:spcAft>
+                <a:spcPct val="0"/>
+              </a:spcAft>
+              <a:defRPr/>
+            </a:pPr>
+            <a:endParaRPr lang="en-US" sz="1050" b="1" dirty="0">
+              <a:solidFill>
+                <a:prstClr val="black"/>
+              </a:solidFill>
+            </a:endParaRPr>
+          </a:p>
+          <a:p>
+            <a:pPr algn="ctr" fontAlgn="base">
+              <a:spcBef>
+                <a:spcPct val="0"/>
+              </a:spcBef>
+              <a:spcAft>
+                <a:spcPct val="0"/>
+              </a:spcAft>
+              <a:defRPr/>
+            </a:pPr>
+            <a:endParaRPr lang="en-US" sz="1050" b="1" dirty="0">
+              <a:solidFill>
+                <a:prstClr val="black"/>
+              </a:solidFill>
+            </a:endParaRPr>
+          </a:p>
+          <a:p>
+            <a:pPr algn="ctr" fontAlgn="base">
+              <a:spcBef>
+                <a:spcPct val="0"/>
+              </a:spcBef>
+              <a:spcAft>
+                <a:spcPct val="0"/>
+              </a:spcAft>
+              <a:defRPr/>
+            </a:pPr>
+            <a:endParaRPr lang="en-US" sz="1050" b="1" dirty="0">
+              <a:solidFill>
+                <a:prstClr val="black"/>
+              </a:solidFill>
+            </a:endParaRPr>
+          </a:p>
+          <a:p>
+            <a:pPr algn="ctr" fontAlgn="base">
+              <a:spcBef>
+                <a:spcPct val="0"/>
+              </a:spcBef>
+              <a:spcAft>
+                <a:spcPct val="0"/>
+              </a:spcAft>
+              <a:defRPr/>
+            </a:pPr>
+            <a:endParaRPr lang="en-US" sz="1050" b="1" dirty="0">
+              <a:solidFill>
+                <a:prstClr val="black"/>
+              </a:solidFill>
+            </a:endParaRPr>
+          </a:p>
+          <a:p>
+            <a:pPr algn="ctr" fontAlgn="base">
+              <a:spcBef>
+                <a:spcPct val="0"/>
+              </a:spcBef>
+              <a:spcAft>
+                <a:spcPct val="0"/>
+              </a:spcAft>
+              <a:defRPr/>
+            </a:pPr>
+            <a:endParaRPr lang="en-US" sz="1050" b="1" dirty="0">
+              <a:solidFill>
+                <a:prstClr val="black"/>
+              </a:solidFill>
+            </a:endParaRPr>
+          </a:p>
+          <a:p>
+            <a:pPr algn="ctr" fontAlgn="base">
+              <a:spcBef>
+                <a:spcPct val="0"/>
+              </a:spcBef>
+              <a:spcAft>
+                <a:spcPct val="0"/>
+              </a:spcAft>
+              <a:defRPr/>
+            </a:pPr>
+            <a:endParaRPr lang="en-US" sz="1050" b="1" dirty="0">
+              <a:solidFill>
+                <a:prstClr val="black"/>
+              </a:solidFill>
+            </a:endParaRPr>
+          </a:p>
+          <a:p>
+            <a:pPr algn="ctr" fontAlgn="base">
+              <a:spcBef>
+                <a:spcPct val="0"/>
+              </a:spcBef>
+              <a:spcAft>
+                <a:spcPct val="0"/>
+              </a:spcAft>
+              <a:defRPr/>
+            </a:pPr>
+            <a:endParaRPr lang="en-US" sz="1050" b="1" dirty="0">
+              <a:solidFill>
+                <a:prstClr val="black"/>
+              </a:solidFill>
+            </a:endParaRPr>
+          </a:p>
+          <a:p>
+            <a:pPr algn="ctr" fontAlgn="base">
+              <a:spcBef>
+                <a:spcPct val="0"/>
+              </a:spcBef>
+              <a:spcAft>
+                <a:spcPct val="0"/>
+              </a:spcAft>
+              <a:defRPr/>
+            </a:pPr>
+            <a:endParaRPr lang="en-US" sz="1050" b="1" dirty="0">
+              <a:solidFill>
+                <a:prstClr val="black"/>
+              </a:solidFill>
+            </a:endParaRPr>
+          </a:p>
+          <a:p>
+            <a:pPr algn="ctr" fontAlgn="base">
+              <a:spcBef>
+                <a:spcPct val="0"/>
+              </a:spcBef>
+              <a:spcAft>
+                <a:spcPct val="0"/>
+              </a:spcAft>
+              <a:defRPr/>
+            </a:pPr>
+            <a:endParaRPr lang="en-US" sz="1050" b="1" dirty="0">
+              <a:solidFill>
+                <a:prstClr val="black"/>
+              </a:solidFill>
+            </a:endParaRPr>
+          </a:p>
+          <a:p>
+            <a:pPr algn="ctr" fontAlgn="base">
+              <a:spcBef>
+                <a:spcPct val="0"/>
+              </a:spcBef>
+              <a:spcAft>
+                <a:spcPct val="0"/>
+              </a:spcAft>
+              <a:defRPr/>
+            </a:pPr>
+            <a:endParaRPr lang="en-US" sz="1050" b="1" dirty="0">
+              <a:solidFill>
+                <a:prstClr val="black"/>
+              </a:solidFill>
+            </a:endParaRPr>
+          </a:p>
+          <a:p>
+            <a:pPr algn="ctr" fontAlgn="base">
+              <a:spcBef>
+                <a:spcPct val="0"/>
+              </a:spcBef>
+              <a:spcAft>
+                <a:spcPct val="0"/>
+              </a:spcAft>
+              <a:defRPr/>
+            </a:pPr>
+            <a:endParaRPr lang="en-US" sz="1050" b="1" dirty="0">
+              <a:solidFill>
+                <a:prstClr val="black"/>
+              </a:solidFill>
+            </a:endParaRPr>
+          </a:p>
+          <a:p>
+            <a:pPr algn="ctr" fontAlgn="base">
+              <a:spcBef>
+                <a:spcPct val="0"/>
+              </a:spcBef>
+              <a:spcAft>
+                <a:spcPct val="0"/>
+              </a:spcAft>
+              <a:defRPr/>
+            </a:pPr>
+            <a:endParaRPr lang="en-US" sz="1050" b="1" dirty="0">
+              <a:solidFill>
+                <a:prstClr val="black"/>
+              </a:solidFill>
+            </a:endParaRPr>
+          </a:p>
+          <a:p>
+            <a:pPr algn="ctr" fontAlgn="base">
+              <a:spcBef>
+                <a:spcPct val="0"/>
+              </a:spcBef>
+              <a:spcAft>
+                <a:spcPct val="0"/>
+              </a:spcAft>
+              <a:defRPr/>
+            </a:pPr>
+            <a:endParaRPr lang="en-US" sz="1050" b="1" dirty="0">
+              <a:solidFill>
+                <a:prstClr val="black"/>
+              </a:solidFill>
+            </a:endParaRPr>
+          </a:p>
+          <a:p>
+            <a:pPr algn="ctr" fontAlgn="base">
+              <a:spcBef>
+                <a:spcPct val="0"/>
+              </a:spcBef>
+              <a:spcAft>
+                <a:spcPct val="0"/>
+              </a:spcAft>
+              <a:defRPr/>
+            </a:pPr>
+            <a:endParaRPr lang="en-US" sz="1050" b="1" dirty="0">
+              <a:solidFill>
+                <a:prstClr val="black"/>
+              </a:solidFill>
+            </a:endParaRPr>
+          </a:p>
+          <a:p>
+            <a:pPr algn="ctr" fontAlgn="base">
+              <a:spcBef>
+                <a:spcPct val="0"/>
+              </a:spcBef>
+              <a:spcAft>
+                <a:spcPct val="0"/>
+              </a:spcAft>
+              <a:defRPr/>
+            </a:pPr>
+            <a:endParaRPr lang="en-US" sz="1050" b="1" dirty="0">
+              <a:solidFill>
+                <a:prstClr val="black"/>
+              </a:solidFill>
+            </a:endParaRPr>
+          </a:p>
+          <a:p>
+            <a:pPr algn="ctr" fontAlgn="base">
+              <a:spcBef>
+                <a:spcPct val="0"/>
+              </a:spcBef>
+              <a:spcAft>
+                <a:spcPct val="0"/>
+              </a:spcAft>
+              <a:defRPr/>
+            </a:pPr>
+            <a:endParaRPr lang="en-US" sz="1050" b="1" dirty="0">
+              <a:solidFill>
+                <a:prstClr val="black"/>
+              </a:solidFill>
+            </a:endParaRPr>
+          </a:p>
+        </p:txBody>
+      </p:sp>
+      <p:sp>
+        <p:nvSpPr>
+          <p:cNvPr id="79" name="TextBox 78"/>
+          <p:cNvSpPr txBox="1"/>
+          <p:nvPr/>
+        </p:nvSpPr>
+        <p:spPr>
+          <a:xfrm>
+            <a:off x="4783343" y="2895600"/>
+            <a:ext cx="3700052" cy="584775"/>
+          </a:xfrm>
+          <a:prstGeom prst="rect">
+            <a:avLst/>
+          </a:prstGeom>
+          <a:noFill/>
+        </p:spPr>
+        <p:txBody>
+          <a:bodyPr wrap="none">
+            <a:spAutoFit/>
+          </a:bodyPr>
+          <a:lstStyle/>
+          <a:p>
+            <a:pPr algn="ctr" fontAlgn="base">
+              <a:spcBef>
+                <a:spcPct val="0"/>
+              </a:spcBef>
+              <a:spcAft>
+                <a:spcPct val="0"/>
+              </a:spcAft>
+              <a:defRPr/>
+            </a:pPr>
+            <a:r>
+              <a:rPr lang="en-US" sz="1600" b="1" dirty="0">
+                <a:latin typeface="Arial" pitchFamily="34" charset="0"/>
+                <a:ea typeface="ＭＳ Ｐゴシック" pitchFamily="34" charset="-128"/>
+                <a:cs typeface="Arial" charset="0"/>
+              </a:rPr>
+              <a:t>Multicore Software Development </a:t>
+            </a:r>
+            <a:r>
+              <a:rPr lang="en-US" sz="1600" b="1" dirty="0" smtClean="0">
+                <a:latin typeface="Arial" pitchFamily="34" charset="0"/>
+                <a:ea typeface="ＭＳ Ｐゴシック" pitchFamily="34" charset="-128"/>
+                <a:cs typeface="Arial" charset="0"/>
+              </a:rPr>
+              <a:t>Kit</a:t>
+            </a:r>
+          </a:p>
+          <a:p>
+            <a:pPr algn="ctr" fontAlgn="base">
+              <a:spcBef>
+                <a:spcPct val="0"/>
+              </a:spcBef>
+              <a:spcAft>
+                <a:spcPct val="0"/>
+              </a:spcAft>
+              <a:defRPr/>
+            </a:pPr>
+            <a:r>
+              <a:rPr lang="en-US" sz="1600" b="1" dirty="0" smtClean="0">
+                <a:latin typeface="Arial" pitchFamily="34" charset="0"/>
+                <a:ea typeface="ＭＳ Ｐゴシック" pitchFamily="34" charset="-128"/>
+                <a:cs typeface="Arial" charset="0"/>
+              </a:rPr>
+              <a:t>(MCSDK)</a:t>
+            </a:r>
+            <a:endParaRPr lang="en-US" sz="1600" b="1" dirty="0">
+              <a:latin typeface="Arial" pitchFamily="34" charset="0"/>
+              <a:ea typeface="ＭＳ Ｐゴシック" pitchFamily="34" charset="-128"/>
+              <a:cs typeface="Arial" charset="0"/>
+            </a:endParaRPr>
+          </a:p>
+        </p:txBody>
+      </p:sp>
+      <p:sp>
+        <p:nvSpPr>
+          <p:cNvPr id="48" name="PPTShape_1"/>
+          <p:cNvSpPr>
+            <a:spLocks noChangeArrowheads="1"/>
+          </p:cNvSpPr>
+          <p:nvPr/>
+        </p:nvSpPr>
+        <p:spPr bwMode="auto">
+          <a:xfrm>
+            <a:off x="809625" y="1728788"/>
+            <a:ext cx="1468438" cy="681037"/>
+          </a:xfrm>
+          <a:prstGeom prst="roundRect">
+            <a:avLst>
+              <a:gd name="adj" fmla="val 16667"/>
+            </a:avLst>
+          </a:prstGeom>
+          <a:noFill/>
+          <a:ln w="28575" algn="ctr">
+            <a:noFill/>
+            <a:round/>
+            <a:headEnd/>
+            <a:tailEnd/>
+          </a:ln>
+          <a:effectLst/>
+        </p:spPr>
+        <p:txBody>
+          <a:bodyPr wrap="none"/>
+          <a:lstStyle/>
+          <a:p>
+            <a:pPr algn="ctr" fontAlgn="base">
+              <a:lnSpc>
+                <a:spcPct val="85000"/>
+              </a:lnSpc>
+              <a:spcBef>
+                <a:spcPct val="0"/>
+              </a:spcBef>
+              <a:spcAft>
+                <a:spcPct val="0"/>
+              </a:spcAft>
+              <a:defRPr/>
+            </a:pPr>
+            <a:r>
+              <a:rPr lang="en-US" sz="1200" b="1" dirty="0">
+                <a:solidFill>
+                  <a:srgbClr val="FFFFFF"/>
+                </a:solidFill>
+                <a:latin typeface="Arial"/>
+                <a:ea typeface="ＭＳ Ｐゴシック" pitchFamily="34" charset="-128"/>
+                <a:cs typeface="Arial" charset="0"/>
+              </a:rPr>
+              <a:t>Code </a:t>
+            </a:r>
+          </a:p>
+          <a:p>
+            <a:pPr algn="ctr" fontAlgn="base">
+              <a:lnSpc>
+                <a:spcPct val="85000"/>
+              </a:lnSpc>
+              <a:spcBef>
+                <a:spcPct val="0"/>
+              </a:spcBef>
+              <a:spcAft>
+                <a:spcPct val="0"/>
+              </a:spcAft>
+              <a:defRPr/>
+            </a:pPr>
+            <a:r>
+              <a:rPr lang="en-US" sz="1200" b="1" dirty="0">
+                <a:solidFill>
+                  <a:srgbClr val="FFFFFF"/>
+                </a:solidFill>
+                <a:latin typeface="Arial"/>
+                <a:ea typeface="ＭＳ Ｐゴシック" pitchFamily="34" charset="-128"/>
+                <a:cs typeface="Arial" charset="0"/>
+              </a:rPr>
+              <a:t>Composer</a:t>
+            </a:r>
+          </a:p>
+          <a:p>
+            <a:pPr algn="ctr" fontAlgn="base">
+              <a:lnSpc>
+                <a:spcPct val="85000"/>
+              </a:lnSpc>
+              <a:spcBef>
+                <a:spcPct val="0"/>
+              </a:spcBef>
+              <a:spcAft>
+                <a:spcPct val="0"/>
+              </a:spcAft>
+              <a:defRPr/>
+            </a:pPr>
+            <a:r>
+              <a:rPr lang="en-US" sz="1200" b="1" dirty="0">
+                <a:solidFill>
+                  <a:srgbClr val="FFFFFF"/>
+                </a:solidFill>
+                <a:latin typeface="Arial"/>
+                <a:ea typeface="ＭＳ Ｐゴシック" pitchFamily="34" charset="-128"/>
+                <a:cs typeface="Arial" charset="0"/>
+              </a:rPr>
+              <a:t> Studio</a:t>
+            </a:r>
+            <a:r>
+              <a:rPr lang="en-US" sz="800" b="1" baseline="50000" dirty="0">
+                <a:solidFill>
+                  <a:srgbClr val="FFFFFF"/>
+                </a:solidFill>
+                <a:latin typeface="Arial"/>
+                <a:ea typeface="ＭＳ Ｐゴシック" pitchFamily="34" charset="-128"/>
+                <a:cs typeface="Arial" charset="0"/>
+              </a:rPr>
+              <a:t>TM</a:t>
+            </a:r>
+          </a:p>
+        </p:txBody>
+      </p:sp>
+      <p:sp>
+        <p:nvSpPr>
+          <p:cNvPr id="49" name="PPTShape_2"/>
+          <p:cNvSpPr>
+            <a:spLocks noChangeArrowheads="1"/>
+          </p:cNvSpPr>
+          <p:nvPr/>
+        </p:nvSpPr>
+        <p:spPr bwMode="auto">
+          <a:xfrm>
+            <a:off x="2373313" y="2551113"/>
+            <a:ext cx="1014412" cy="725487"/>
+          </a:xfrm>
+          <a:prstGeom prst="roundRect">
+            <a:avLst>
+              <a:gd name="adj" fmla="val 16667"/>
+            </a:avLst>
+          </a:prstGeom>
+          <a:noFill/>
+          <a:ln w="28575" algn="ctr">
+            <a:noFill/>
+            <a:round/>
+            <a:headEnd/>
+            <a:tailEnd/>
+          </a:ln>
+          <a:effectLst/>
+        </p:spPr>
+        <p:txBody>
+          <a:bodyPr wrap="none"/>
+          <a:lstStyle/>
+          <a:p>
+            <a:pPr algn="ctr" fontAlgn="base">
+              <a:lnSpc>
+                <a:spcPct val="85000"/>
+              </a:lnSpc>
+              <a:spcBef>
+                <a:spcPct val="0"/>
+              </a:spcBef>
+              <a:spcAft>
+                <a:spcPct val="0"/>
+              </a:spcAft>
+              <a:defRPr/>
+            </a:pPr>
+            <a:r>
+              <a:rPr lang="en-US" sz="1200" b="1" dirty="0">
+                <a:solidFill>
+                  <a:prstClr val="black"/>
+                </a:solidFill>
+                <a:latin typeface="Arial Narrow" pitchFamily="34" charset="0"/>
+                <a:ea typeface="ＭＳ Ｐゴシック" pitchFamily="34" charset="-128"/>
+                <a:cs typeface="Arial" charset="0"/>
+              </a:rPr>
+              <a:t>Third</a:t>
+            </a:r>
+          </a:p>
+          <a:p>
+            <a:pPr algn="ctr" fontAlgn="base">
+              <a:lnSpc>
+                <a:spcPct val="85000"/>
+              </a:lnSpc>
+              <a:spcBef>
+                <a:spcPct val="0"/>
+              </a:spcBef>
+              <a:spcAft>
+                <a:spcPct val="0"/>
+              </a:spcAft>
+              <a:defRPr/>
+            </a:pPr>
+            <a:r>
+              <a:rPr lang="en-US" sz="1200" b="1" dirty="0">
+                <a:solidFill>
+                  <a:prstClr val="black"/>
+                </a:solidFill>
+                <a:latin typeface="Arial Narrow" pitchFamily="34" charset="0"/>
+                <a:ea typeface="ＭＳ Ｐゴシック" pitchFamily="34" charset="-128"/>
+                <a:cs typeface="Arial" charset="0"/>
+              </a:rPr>
+              <a:t>Party</a:t>
+            </a:r>
+          </a:p>
+          <a:p>
+            <a:pPr algn="ctr" fontAlgn="base">
+              <a:lnSpc>
+                <a:spcPct val="85000"/>
+              </a:lnSpc>
+              <a:spcBef>
+                <a:spcPct val="0"/>
+              </a:spcBef>
+              <a:spcAft>
+                <a:spcPct val="0"/>
+              </a:spcAft>
+              <a:defRPr/>
+            </a:pPr>
+            <a:r>
+              <a:rPr lang="en-US" sz="1200" b="1" dirty="0">
+                <a:solidFill>
+                  <a:prstClr val="black"/>
+                </a:solidFill>
+                <a:latin typeface="Arial Narrow" pitchFamily="34" charset="0"/>
+                <a:ea typeface="ＭＳ Ｐゴシック" pitchFamily="34" charset="-128"/>
+                <a:cs typeface="Arial" charset="0"/>
+              </a:rPr>
+              <a:t>Plug-Ins</a:t>
+            </a:r>
+          </a:p>
+        </p:txBody>
+      </p:sp>
+      <p:sp>
+        <p:nvSpPr>
+          <p:cNvPr id="16444" name="Title 12"/>
           <p:cNvSpPr>
             <a:spLocks noGrp="1"/>
           </p:cNvSpPr>
@@ -26954,115 +27168,89 @@
         </p:nvSpPr>
         <p:spPr>
           <a:xfrm>
-            <a:off x="457200" y="274638"/>
-            <a:ext cx="8229600" cy="563562"/>
+            <a:off x="342900" y="-69850"/>
+            <a:ext cx="8458200" cy="1189038"/>
           </a:xfrm>
         </p:spPr>
         <p:txBody>
-          <a:bodyPr>
-            <a:noAutofit/>
-          </a:bodyPr>
+          <a:bodyPr/>
           <a:lstStyle/>
           <a:p>
-            <a:r>
-              <a:rPr lang="en-US" sz="3600" smtClean="0"/>
-              <a:t>Multicore Development </a:t>
-            </a:r>
-            <a:r>
-              <a:rPr lang="en-US" sz="3600" dirty="0" smtClean="0"/>
-              <a:t>Requirements</a:t>
-            </a:r>
-            <a:endParaRPr lang="en-US" sz="3600" dirty="0"/>
+            <a:pPr eaLnBrk="1" hangingPunct="1"/>
+            <a:r>
+              <a:rPr lang="en-US" sz="3200" b="1" dirty="0" smtClean="0"/>
+              <a:t>TI Software Development Ecosystem</a:t>
+            </a:r>
+            <a:r>
+              <a:rPr lang="en-US" b="1" dirty="0" smtClean="0"/>
+              <a:t/>
+            </a:r>
+            <a:br>
+              <a:rPr lang="en-US" b="1" dirty="0" smtClean="0"/>
+            </a:br>
+            <a:r>
+              <a:rPr lang="en-US" sz="2400" b="1" dirty="0" smtClean="0"/>
+              <a:t>Multicore Performance, Single-core Simplicity</a:t>
+            </a:r>
           </a:p>
         </p:txBody>
       </p:sp>
       <p:sp>
         <p:nvSpPr>
-          <p:cNvPr id="5" name="Content Placeholder 4"/>
-          <p:cNvSpPr>
-            <a:spLocks noGrp="1"/>
-          </p:cNvSpPr>
-          <p:nvPr>
-            <p:ph idx="1"/>
-          </p:nvPr>
+          <p:cNvPr id="92" name="Rectangle 91"/>
+          <p:cNvSpPr/>
+          <p:nvPr/>
         </p:nvSpPr>
         <p:spPr>
           <a:xfrm>
-            <a:off x="457200" y="990600"/>
-            <a:ext cx="8229600" cy="5334000"/>
+            <a:off x="3505200" y="5791200"/>
+            <a:ext cx="990600" cy="276999"/>
           </a:xfrm>
+          <a:prstGeom prst="rect">
+            <a:avLst/>
+          </a:prstGeom>
         </p:spPr>
         <p:txBody>
-          <a:bodyPr>
-            <a:normAutofit lnSpcReduction="10000"/>
+          <a:bodyPr wrap="square">
+            <a:spAutoFit/>
           </a:bodyPr>
           <a:lstStyle/>
           <a:p>
-            <a:r>
-              <a:rPr lang="en-US" sz="2400" dirty="0" smtClean="0"/>
-              <a:t>Standard set of APIs to configure and utilize peripherals, accelerators and other hardware resources</a:t>
-            </a:r>
-          </a:p>
-          <a:p>
-            <a:r>
-              <a:rPr lang="en-US" sz="2400" dirty="0" smtClean="0"/>
-              <a:t>Compliant implementation of packet- and network-based protocols </a:t>
-            </a:r>
-          </a:p>
-          <a:p>
-            <a:r>
-              <a:rPr lang="en-US" sz="2400" dirty="0" smtClean="0"/>
-              <a:t>Utilities to boot, test, debug, and monitor execution</a:t>
-            </a:r>
-          </a:p>
-          <a:p>
-            <a:r>
-              <a:rPr lang="en-US" sz="2400" dirty="0" smtClean="0"/>
-              <a:t>Individual core-based real-time operating system</a:t>
-            </a:r>
-          </a:p>
-          <a:p>
-            <a:r>
-              <a:rPr lang="en-US" sz="2400" dirty="0" smtClean="0"/>
-              <a:t>Communication and facilitated cooperation between processes, cores, and devices, as well as between peripherals and cores</a:t>
-            </a:r>
-          </a:p>
-          <a:p>
-            <a:r>
-              <a:rPr lang="en-US" sz="2400" dirty="0" smtClean="0"/>
-              <a:t>Optimized, ready-to-use algorithm libraries, example code, and demonstration applications</a:t>
-            </a:r>
-          </a:p>
-          <a:p>
-            <a:pPr algn="ctr">
-              <a:buNone/>
+            <a:pPr marL="115888" indent="-115888" fontAlgn="base">
+              <a:spcBef>
+                <a:spcPct val="0"/>
+              </a:spcBef>
+              <a:spcAft>
+                <a:spcPct val="0"/>
+              </a:spcAft>
+              <a:defRPr/>
             </a:pPr>
             <a:r>
-              <a:rPr lang="en-US" sz="2800" b="1" dirty="0" smtClean="0">
+              <a:rPr lang="en-US" sz="1200" b="1" dirty="0" smtClean="0">
                 <a:solidFill>
-                  <a:srgbClr val="FF0000"/>
+                  <a:srgbClr val="000000"/>
                 </a:solidFill>
+                <a:latin typeface="Arial" pitchFamily="34" charset="0"/>
+                <a:ea typeface="ＭＳ Ｐゴシック" pitchFamily="34" charset="-128"/>
+                <a:cs typeface="Arial" charset="0"/>
               </a:rPr>
-              <a:t>TI’s solution: </a:t>
-            </a:r>
-          </a:p>
-          <a:p>
-            <a:pPr algn="ctr">
-              <a:buNone/>
-            </a:pPr>
-            <a:r>
-              <a:rPr lang="en-US" sz="2800" b="1" dirty="0" smtClean="0">
-                <a:solidFill>
-                  <a:srgbClr val="FF0000"/>
-                </a:solidFill>
-              </a:rPr>
-              <a:t>The multi-layered software system known as MCSDK.</a:t>
-            </a:r>
-            <a:endParaRPr lang="en-US" sz="2400" dirty="0"/>
+              <a:t>Emulator</a:t>
+            </a:r>
+            <a:endParaRPr lang="en-US" sz="1200" b="1" dirty="0">
+              <a:solidFill>
+                <a:srgbClr val="000000"/>
+              </a:solidFill>
+              <a:latin typeface="Arial" pitchFamily="34" charset="0"/>
+              <a:ea typeface="ＭＳ Ｐゴシック" pitchFamily="34" charset="-128"/>
+              <a:cs typeface="Arial" charset="0"/>
+            </a:endParaRPr>
           </a:p>
         </p:txBody>
       </p:sp>
     </p:spTree>
+    <p:custDataLst>
+      <p:tags r:id="rId1"/>
+    </p:custDataLst>
   </p:cSld>
   <p:clrMapOvr>
     <a:masterClrMapping/>
@@ -27096,7 +27284,1802 @@
       </p:grpSpPr>
       <p:sp>
         <p:nvSpPr>
-          <p:cNvPr id="15361" name="Title 1"/>
+          <p:cNvPr id="228358" name="AutoShape 6"/>
+          <p:cNvSpPr>
+            <a:spLocks noChangeArrowheads="1"/>
+          </p:cNvSpPr>
+          <p:nvPr/>
+        </p:nvSpPr>
+        <p:spPr bwMode="auto">
+          <a:xfrm>
+            <a:off x="497307" y="1051426"/>
+            <a:ext cx="3214736" cy="4241800"/>
+          </a:xfrm>
+          <a:prstGeom prst="roundRect">
+            <a:avLst>
+              <a:gd name="adj" fmla="val 16667"/>
+            </a:avLst>
+          </a:prstGeom>
+          <a:solidFill>
+            <a:srgbClr val="AAAAAA"/>
+          </a:solidFill>
+          <a:ln w="12700" algn="ctr">
+            <a:noFill/>
+            <a:round/>
+            <a:headEnd/>
+            <a:tailEnd/>
+          </a:ln>
+          <a:effectLst>
+            <a:prstShdw prst="shdw17" dist="17961" dir="2700000">
+              <a:srgbClr val="000000"/>
+            </a:prstShdw>
+          </a:effectLst>
+        </p:spPr>
+        <p:txBody>
+          <a:bodyPr lIns="0" tIns="0" rIns="0" bIns="0"/>
+          <a:lstStyle/>
+          <a:p>
+            <a:pPr algn="ctr" fontAlgn="base">
+              <a:spcBef>
+                <a:spcPct val="0"/>
+              </a:spcBef>
+              <a:spcAft>
+                <a:spcPct val="0"/>
+              </a:spcAft>
+              <a:defRPr/>
+            </a:pPr>
+            <a:endParaRPr lang="en-US" sz="2800" b="1" dirty="0">
+              <a:solidFill>
+                <a:srgbClr val="000000"/>
+              </a:solidFill>
+              <a:latin typeface="Arial" charset="0"/>
+              <a:ea typeface="MS PGothic" pitchFamily="34" charset="-128"/>
+              <a:cs typeface="Arial" charset="0"/>
+            </a:endParaRPr>
+          </a:p>
+        </p:txBody>
+      </p:sp>
+      <p:sp>
+        <p:nvSpPr>
+          <p:cNvPr id="39" name="Rounded Rectangle 38"/>
+          <p:cNvSpPr/>
+          <p:nvPr/>
+        </p:nvSpPr>
+        <p:spPr>
+          <a:xfrm>
+            <a:off x="625475" y="1250950"/>
+            <a:ext cx="2935288" cy="3930650"/>
+          </a:xfrm>
+          <a:prstGeom prst="roundRect">
+            <a:avLst/>
+          </a:prstGeom>
+          <a:solidFill>
+            <a:schemeClr val="bg1"/>
+          </a:solidFill>
+          <a:effectLst/>
+        </p:spPr>
+        <p:style>
+          <a:lnRef idx="2">
+            <a:schemeClr val="accent1">
+              <a:shade val="50000"/>
+            </a:schemeClr>
+          </a:lnRef>
+          <a:fillRef idx="1">
+            <a:schemeClr val="accent1"/>
+          </a:fillRef>
+          <a:effectRef idx="0">
+            <a:schemeClr val="accent1"/>
+          </a:effectRef>
+          <a:fontRef idx="minor">
+            <a:schemeClr val="lt1"/>
+          </a:fontRef>
+        </p:style>
+        <p:txBody>
+          <a:bodyPr anchor="ctr"/>
+          <a:lstStyle/>
+          <a:p>
+            <a:pPr algn="ctr" fontAlgn="base">
+              <a:spcBef>
+                <a:spcPct val="0"/>
+              </a:spcBef>
+              <a:spcAft>
+                <a:spcPct val="0"/>
+              </a:spcAft>
+              <a:defRPr/>
+            </a:pPr>
+            <a:endParaRPr lang="en-US" sz="2800" b="1" dirty="0">
+              <a:solidFill>
+                <a:srgbClr val="FFFFFF"/>
+              </a:solidFill>
+            </a:endParaRPr>
+          </a:p>
+        </p:txBody>
+      </p:sp>
+      <p:sp>
+        <p:nvSpPr>
+          <p:cNvPr id="228365" name="AutoShape 13"/>
+          <p:cNvSpPr>
+            <a:spLocks noChangeArrowheads="1"/>
+          </p:cNvSpPr>
+          <p:nvPr/>
+        </p:nvSpPr>
+        <p:spPr bwMode="auto">
+          <a:xfrm>
+            <a:off x="801688" y="1749425"/>
+            <a:ext cx="1468437" cy="3200400"/>
+          </a:xfrm>
+          <a:prstGeom prst="roundRect">
+            <a:avLst>
+              <a:gd name="adj" fmla="val 16667"/>
+            </a:avLst>
+          </a:prstGeom>
+          <a:solidFill>
+            <a:schemeClr val="tx1">
+              <a:lumMod val="65000"/>
+              <a:lumOff val="35000"/>
+            </a:schemeClr>
+          </a:solidFill>
+          <a:ln w="28575" algn="ctr">
+            <a:solidFill>
+              <a:schemeClr val="tx1"/>
+            </a:solidFill>
+            <a:round/>
+            <a:headEnd/>
+            <a:tailEnd/>
+          </a:ln>
+          <a:effectLst/>
+        </p:spPr>
+        <p:txBody>
+          <a:bodyPr wrap="none"/>
+          <a:lstStyle/>
+          <a:p>
+            <a:pPr algn="ctr" fontAlgn="base">
+              <a:lnSpc>
+                <a:spcPct val="85000"/>
+              </a:lnSpc>
+              <a:spcBef>
+                <a:spcPct val="0"/>
+              </a:spcBef>
+              <a:spcAft>
+                <a:spcPct val="0"/>
+              </a:spcAft>
+              <a:defRPr/>
+            </a:pPr>
+            <a:endParaRPr lang="en-US" sz="1200" b="1" baseline="30000" dirty="0">
+              <a:solidFill>
+                <a:srgbClr val="FFFFFF"/>
+              </a:solidFill>
+              <a:latin typeface="Arial" charset="0"/>
+              <a:ea typeface="MS PGothic" pitchFamily="34" charset="-128"/>
+              <a:cs typeface="Arial" charset="0"/>
+            </a:endParaRPr>
+          </a:p>
+        </p:txBody>
+      </p:sp>
+      <p:sp>
+        <p:nvSpPr>
+          <p:cNvPr id="41" name="Rounded Rectangle 40"/>
+          <p:cNvSpPr/>
+          <p:nvPr/>
+        </p:nvSpPr>
+        <p:spPr>
+          <a:xfrm>
+            <a:off x="914400" y="2371725"/>
+            <a:ext cx="1223963" cy="257175"/>
+          </a:xfrm>
+          <a:prstGeom prst="roundRect">
+            <a:avLst/>
+          </a:prstGeom>
+          <a:solidFill>
+            <a:schemeClr val="bg1"/>
+          </a:solidFill>
+          <a:ln w="19050">
+            <a:solidFill>
+              <a:schemeClr val="tx2"/>
+            </a:solidFill>
+          </a:ln>
+        </p:spPr>
+        <p:style>
+          <a:lnRef idx="2">
+            <a:schemeClr val="accent1">
+              <a:shade val="50000"/>
+            </a:schemeClr>
+          </a:lnRef>
+          <a:fillRef idx="1">
+            <a:schemeClr val="accent1"/>
+          </a:fillRef>
+          <a:effectRef idx="0">
+            <a:schemeClr val="accent1"/>
+          </a:effectRef>
+          <a:fontRef idx="minor">
+            <a:schemeClr val="lt1"/>
+          </a:fontRef>
+        </p:style>
+        <p:txBody>
+          <a:bodyPr anchor="ctr"/>
+          <a:lstStyle/>
+          <a:p>
+            <a:pPr algn="ctr" fontAlgn="base">
+              <a:spcBef>
+                <a:spcPct val="0"/>
+              </a:spcBef>
+              <a:spcAft>
+                <a:spcPct val="0"/>
+              </a:spcAft>
+              <a:defRPr/>
+            </a:pPr>
+            <a:r>
+              <a:rPr lang="en-US" sz="900" b="1" dirty="0" smtClean="0">
+                <a:solidFill>
+                  <a:prstClr val="black"/>
+                </a:solidFill>
+                <a:latin typeface="Arial" pitchFamily="34" charset="0"/>
+                <a:cs typeface="Arial" pitchFamily="34" charset="0"/>
+              </a:rPr>
+              <a:t>Editor</a:t>
+            </a:r>
+            <a:endParaRPr lang="en-US" sz="900" b="1" dirty="0">
+              <a:solidFill>
+                <a:prstClr val="black"/>
+              </a:solidFill>
+              <a:latin typeface="Arial" pitchFamily="34" charset="0"/>
+              <a:cs typeface="Arial" pitchFamily="34" charset="0"/>
+            </a:endParaRPr>
+          </a:p>
+        </p:txBody>
+      </p:sp>
+      <p:sp>
+        <p:nvSpPr>
+          <p:cNvPr id="42" name="Rounded Rectangle 41"/>
+          <p:cNvSpPr/>
+          <p:nvPr/>
+        </p:nvSpPr>
+        <p:spPr>
+          <a:xfrm>
+            <a:off x="919163" y="2724150"/>
+            <a:ext cx="1223963" cy="257175"/>
+          </a:xfrm>
+          <a:prstGeom prst="roundRect">
+            <a:avLst/>
+          </a:prstGeom>
+          <a:solidFill>
+            <a:schemeClr val="bg1"/>
+          </a:solidFill>
+          <a:ln w="19050">
+            <a:solidFill>
+              <a:schemeClr val="tx2"/>
+            </a:solidFill>
+          </a:ln>
+        </p:spPr>
+        <p:style>
+          <a:lnRef idx="2">
+            <a:schemeClr val="accent1">
+              <a:shade val="50000"/>
+            </a:schemeClr>
+          </a:lnRef>
+          <a:fillRef idx="1">
+            <a:schemeClr val="accent1"/>
+          </a:fillRef>
+          <a:effectRef idx="0">
+            <a:schemeClr val="accent1"/>
+          </a:effectRef>
+          <a:fontRef idx="minor">
+            <a:schemeClr val="lt1"/>
+          </a:fontRef>
+        </p:style>
+        <p:txBody>
+          <a:bodyPr anchor="ctr"/>
+          <a:lstStyle/>
+          <a:p>
+            <a:pPr algn="ctr" fontAlgn="base">
+              <a:lnSpc>
+                <a:spcPct val="85000"/>
+              </a:lnSpc>
+              <a:spcBef>
+                <a:spcPct val="0"/>
+              </a:spcBef>
+              <a:spcAft>
+                <a:spcPct val="0"/>
+              </a:spcAft>
+              <a:defRPr/>
+            </a:pPr>
+            <a:r>
+              <a:rPr lang="en-US" sz="900" b="1" dirty="0" err="1" smtClean="0">
+                <a:solidFill>
+                  <a:srgbClr val="000000"/>
+                </a:solidFill>
+                <a:latin typeface="Arial" pitchFamily="34" charset="0"/>
+                <a:ea typeface="ＭＳ Ｐゴシック" pitchFamily="34" charset="-128"/>
+              </a:rPr>
+              <a:t>CodeGen</a:t>
+            </a:r>
+            <a:endParaRPr lang="en-US" sz="900" b="1" dirty="0" smtClean="0">
+              <a:solidFill>
+                <a:srgbClr val="000000"/>
+              </a:solidFill>
+              <a:latin typeface="Arial" pitchFamily="34" charset="0"/>
+              <a:ea typeface="ＭＳ Ｐゴシック" pitchFamily="34" charset="-128"/>
+            </a:endParaRPr>
+          </a:p>
+          <a:p>
+            <a:pPr algn="ctr" fontAlgn="base">
+              <a:lnSpc>
+                <a:spcPct val="85000"/>
+              </a:lnSpc>
+              <a:spcBef>
+                <a:spcPct val="0"/>
+              </a:spcBef>
+              <a:spcAft>
+                <a:spcPct val="0"/>
+              </a:spcAft>
+              <a:defRPr/>
+            </a:pPr>
+            <a:r>
+              <a:rPr lang="en-US" sz="900" b="1" dirty="0" err="1" smtClean="0">
+                <a:solidFill>
+                  <a:srgbClr val="000000"/>
+                </a:solidFill>
+                <a:latin typeface="Arial" pitchFamily="34" charset="0"/>
+                <a:ea typeface="ＭＳ Ｐゴシック" pitchFamily="34" charset="-128"/>
+              </a:rPr>
+              <a:t>OpenMP</a:t>
+            </a:r>
+            <a:endParaRPr lang="en-US" sz="900" b="1" dirty="0">
+              <a:solidFill>
+                <a:srgbClr val="000000"/>
+              </a:solidFill>
+              <a:latin typeface="Arial" pitchFamily="34" charset="0"/>
+              <a:ea typeface="ＭＳ Ｐゴシック" pitchFamily="34" charset="-128"/>
+            </a:endParaRPr>
+          </a:p>
+        </p:txBody>
+      </p:sp>
+      <p:sp>
+        <p:nvSpPr>
+          <p:cNvPr id="43" name="Rounded Rectangle 42"/>
+          <p:cNvSpPr/>
+          <p:nvPr/>
+        </p:nvSpPr>
+        <p:spPr>
+          <a:xfrm>
+            <a:off x="914399" y="3086098"/>
+            <a:ext cx="1223963" cy="257175"/>
+          </a:xfrm>
+          <a:prstGeom prst="roundRect">
+            <a:avLst/>
+          </a:prstGeom>
+          <a:solidFill>
+            <a:schemeClr val="bg1"/>
+          </a:solidFill>
+          <a:ln w="19050">
+            <a:solidFill>
+              <a:schemeClr val="tx2"/>
+            </a:solidFill>
+          </a:ln>
+        </p:spPr>
+        <p:style>
+          <a:lnRef idx="2">
+            <a:schemeClr val="accent1">
+              <a:shade val="50000"/>
+            </a:schemeClr>
+          </a:lnRef>
+          <a:fillRef idx="1">
+            <a:schemeClr val="accent1"/>
+          </a:fillRef>
+          <a:effectRef idx="0">
+            <a:schemeClr val="accent1"/>
+          </a:effectRef>
+          <a:fontRef idx="minor">
+            <a:schemeClr val="lt1"/>
+          </a:fontRef>
+        </p:style>
+        <p:txBody>
+          <a:bodyPr anchor="ctr"/>
+          <a:lstStyle/>
+          <a:p>
+            <a:pPr algn="ctr" fontAlgn="base">
+              <a:lnSpc>
+                <a:spcPct val="85000"/>
+              </a:lnSpc>
+              <a:spcBef>
+                <a:spcPct val="0"/>
+              </a:spcBef>
+              <a:spcAft>
+                <a:spcPct val="0"/>
+              </a:spcAft>
+              <a:defRPr/>
+            </a:pPr>
+            <a:r>
+              <a:rPr lang="en-US" sz="900" b="1" dirty="0" smtClean="0">
+                <a:solidFill>
+                  <a:srgbClr val="000000"/>
+                </a:solidFill>
+                <a:latin typeface="Arial" pitchFamily="34" charset="0"/>
+                <a:ea typeface="ＭＳ Ｐゴシック" pitchFamily="34" charset="-128"/>
+              </a:rPr>
+              <a:t>Profiler</a:t>
+            </a:r>
+            <a:endParaRPr lang="en-US" sz="900" b="1" dirty="0">
+              <a:solidFill>
+                <a:srgbClr val="000000"/>
+              </a:solidFill>
+              <a:latin typeface="Arial" pitchFamily="34" charset="0"/>
+              <a:ea typeface="ＭＳ Ｐゴシック" pitchFamily="34" charset="-128"/>
+            </a:endParaRPr>
+          </a:p>
+        </p:txBody>
+      </p:sp>
+      <p:sp>
+        <p:nvSpPr>
+          <p:cNvPr id="44" name="Rounded Rectangle 43"/>
+          <p:cNvSpPr/>
+          <p:nvPr/>
+        </p:nvSpPr>
+        <p:spPr>
+          <a:xfrm>
+            <a:off x="919162" y="3438523"/>
+            <a:ext cx="1223963" cy="257175"/>
+          </a:xfrm>
+          <a:prstGeom prst="roundRect">
+            <a:avLst/>
+          </a:prstGeom>
+          <a:solidFill>
+            <a:schemeClr val="bg1"/>
+          </a:solidFill>
+          <a:ln w="19050">
+            <a:solidFill>
+              <a:schemeClr val="tx2"/>
+            </a:solidFill>
+          </a:ln>
+        </p:spPr>
+        <p:style>
+          <a:lnRef idx="2">
+            <a:schemeClr val="accent1">
+              <a:shade val="50000"/>
+            </a:schemeClr>
+          </a:lnRef>
+          <a:fillRef idx="1">
+            <a:schemeClr val="accent1"/>
+          </a:fillRef>
+          <a:effectRef idx="0">
+            <a:schemeClr val="accent1"/>
+          </a:effectRef>
+          <a:fontRef idx="minor">
+            <a:schemeClr val="lt1"/>
+          </a:fontRef>
+        </p:style>
+        <p:txBody>
+          <a:bodyPr anchor="ctr"/>
+          <a:lstStyle/>
+          <a:p>
+            <a:pPr algn="ctr" fontAlgn="base">
+              <a:lnSpc>
+                <a:spcPct val="85000"/>
+              </a:lnSpc>
+              <a:spcBef>
+                <a:spcPct val="0"/>
+              </a:spcBef>
+              <a:spcAft>
+                <a:spcPct val="0"/>
+              </a:spcAft>
+              <a:defRPr/>
+            </a:pPr>
+            <a:r>
+              <a:rPr lang="en-US" sz="900" b="1" dirty="0" smtClean="0">
+                <a:solidFill>
+                  <a:srgbClr val="000000"/>
+                </a:solidFill>
+                <a:latin typeface="Arial" pitchFamily="34" charset="0"/>
+                <a:ea typeface="ＭＳ Ｐゴシック" pitchFamily="34" charset="-128"/>
+              </a:rPr>
+              <a:t>Debugger</a:t>
+            </a:r>
+            <a:endParaRPr lang="en-US" sz="900" b="1" dirty="0">
+              <a:solidFill>
+                <a:srgbClr val="000000"/>
+              </a:solidFill>
+              <a:latin typeface="Arial" pitchFamily="34" charset="0"/>
+              <a:ea typeface="ＭＳ Ｐゴシック" pitchFamily="34" charset="-128"/>
+            </a:endParaRPr>
+          </a:p>
+        </p:txBody>
+      </p:sp>
+      <p:sp>
+        <p:nvSpPr>
+          <p:cNvPr id="45" name="Rounded Rectangle 44"/>
+          <p:cNvSpPr/>
+          <p:nvPr/>
+        </p:nvSpPr>
+        <p:spPr>
+          <a:xfrm>
+            <a:off x="914400" y="3786188"/>
+            <a:ext cx="1223963" cy="257175"/>
+          </a:xfrm>
+          <a:prstGeom prst="roundRect">
+            <a:avLst/>
+          </a:prstGeom>
+          <a:solidFill>
+            <a:schemeClr val="bg1"/>
+          </a:solidFill>
+          <a:ln w="19050">
+            <a:solidFill>
+              <a:schemeClr val="tx2"/>
+            </a:solidFill>
+          </a:ln>
+        </p:spPr>
+        <p:style>
+          <a:lnRef idx="2">
+            <a:schemeClr val="accent1">
+              <a:shade val="50000"/>
+            </a:schemeClr>
+          </a:lnRef>
+          <a:fillRef idx="1">
+            <a:schemeClr val="accent1"/>
+          </a:fillRef>
+          <a:effectRef idx="0">
+            <a:schemeClr val="accent1"/>
+          </a:effectRef>
+          <a:fontRef idx="minor">
+            <a:schemeClr val="lt1"/>
+          </a:fontRef>
+        </p:style>
+        <p:txBody>
+          <a:bodyPr anchor="ctr"/>
+          <a:lstStyle/>
+          <a:p>
+            <a:pPr algn="ctr" fontAlgn="base">
+              <a:lnSpc>
+                <a:spcPct val="85000"/>
+              </a:lnSpc>
+              <a:spcBef>
+                <a:spcPct val="0"/>
+              </a:spcBef>
+              <a:spcAft>
+                <a:spcPct val="0"/>
+              </a:spcAft>
+              <a:defRPr/>
+            </a:pPr>
+            <a:r>
+              <a:rPr lang="en-US" sz="900" b="1" dirty="0" smtClean="0">
+                <a:solidFill>
+                  <a:srgbClr val="000000"/>
+                </a:solidFill>
+                <a:latin typeface="Arial" pitchFamily="34" charset="0"/>
+                <a:ea typeface="ＭＳ Ｐゴシック" pitchFamily="34" charset="-128"/>
+              </a:rPr>
+              <a:t>Remote</a:t>
+            </a:r>
+          </a:p>
+          <a:p>
+            <a:pPr algn="ctr" fontAlgn="base">
+              <a:lnSpc>
+                <a:spcPct val="85000"/>
+              </a:lnSpc>
+              <a:spcBef>
+                <a:spcPct val="0"/>
+              </a:spcBef>
+              <a:spcAft>
+                <a:spcPct val="0"/>
+              </a:spcAft>
+              <a:defRPr/>
+            </a:pPr>
+            <a:r>
+              <a:rPr lang="en-US" sz="900" b="1" dirty="0" smtClean="0">
+                <a:solidFill>
+                  <a:srgbClr val="000000"/>
+                </a:solidFill>
+                <a:latin typeface="Arial" pitchFamily="34" charset="0"/>
+                <a:ea typeface="ＭＳ Ｐゴシック" pitchFamily="34" charset="-128"/>
+              </a:rPr>
+              <a:t>Debug</a:t>
+            </a:r>
+            <a:endParaRPr lang="en-US" sz="900" b="1" dirty="0">
+              <a:solidFill>
+                <a:srgbClr val="000000"/>
+              </a:solidFill>
+              <a:latin typeface="Arial" pitchFamily="34" charset="0"/>
+              <a:ea typeface="ＭＳ Ｐゴシック" pitchFamily="34" charset="-128"/>
+            </a:endParaRPr>
+          </a:p>
+        </p:txBody>
+      </p:sp>
+      <p:sp>
+        <p:nvSpPr>
+          <p:cNvPr id="46" name="Rounded Rectangle 45"/>
+          <p:cNvSpPr/>
+          <p:nvPr/>
+        </p:nvSpPr>
+        <p:spPr>
+          <a:xfrm>
+            <a:off x="919163" y="4138613"/>
+            <a:ext cx="1223963" cy="257175"/>
+          </a:xfrm>
+          <a:prstGeom prst="roundRect">
+            <a:avLst/>
+          </a:prstGeom>
+          <a:solidFill>
+            <a:schemeClr val="bg1"/>
+          </a:solidFill>
+          <a:ln w="19050">
+            <a:solidFill>
+              <a:schemeClr val="tx2"/>
+            </a:solidFill>
+          </a:ln>
+        </p:spPr>
+        <p:style>
+          <a:lnRef idx="2">
+            <a:schemeClr val="accent1">
+              <a:shade val="50000"/>
+            </a:schemeClr>
+          </a:lnRef>
+          <a:fillRef idx="1">
+            <a:schemeClr val="accent1"/>
+          </a:fillRef>
+          <a:effectRef idx="0">
+            <a:schemeClr val="accent1"/>
+          </a:effectRef>
+          <a:fontRef idx="minor">
+            <a:schemeClr val="lt1"/>
+          </a:fontRef>
+        </p:style>
+        <p:txBody>
+          <a:bodyPr anchor="ctr"/>
+          <a:lstStyle/>
+          <a:p>
+            <a:pPr algn="ctr" fontAlgn="base">
+              <a:lnSpc>
+                <a:spcPct val="85000"/>
+              </a:lnSpc>
+              <a:spcBef>
+                <a:spcPct val="0"/>
+              </a:spcBef>
+              <a:spcAft>
+                <a:spcPct val="0"/>
+              </a:spcAft>
+              <a:defRPr/>
+            </a:pPr>
+            <a:r>
+              <a:rPr lang="en-US" sz="900" b="1" dirty="0" smtClean="0">
+                <a:solidFill>
+                  <a:srgbClr val="000000"/>
+                </a:solidFill>
+                <a:latin typeface="Arial" pitchFamily="34" charset="0"/>
+                <a:ea typeface="ＭＳ Ｐゴシック" pitchFamily="34" charset="-128"/>
+              </a:rPr>
+              <a:t>Multicore System </a:t>
+            </a:r>
+          </a:p>
+          <a:p>
+            <a:pPr algn="ctr" fontAlgn="base">
+              <a:lnSpc>
+                <a:spcPct val="85000"/>
+              </a:lnSpc>
+              <a:spcBef>
+                <a:spcPct val="0"/>
+              </a:spcBef>
+              <a:spcAft>
+                <a:spcPct val="0"/>
+              </a:spcAft>
+              <a:defRPr/>
+            </a:pPr>
+            <a:r>
+              <a:rPr lang="en-US" sz="900" b="1" dirty="0" smtClean="0">
+                <a:solidFill>
+                  <a:srgbClr val="000000"/>
+                </a:solidFill>
+                <a:latin typeface="Arial" pitchFamily="34" charset="0"/>
+                <a:ea typeface="ＭＳ Ｐゴシック" pitchFamily="34" charset="-128"/>
+              </a:rPr>
+              <a:t>Analyzer (MCSA)</a:t>
+            </a:r>
+            <a:endParaRPr lang="en-US" sz="900" b="1" dirty="0">
+              <a:solidFill>
+                <a:srgbClr val="000000"/>
+              </a:solidFill>
+              <a:latin typeface="Arial" pitchFamily="34" charset="0"/>
+              <a:ea typeface="ＭＳ Ｐゴシック" pitchFamily="34" charset="-128"/>
+            </a:endParaRPr>
+          </a:p>
+        </p:txBody>
+      </p:sp>
+      <p:sp>
+        <p:nvSpPr>
+          <p:cNvPr id="47" name="Rounded Rectangle 46"/>
+          <p:cNvSpPr/>
+          <p:nvPr/>
+        </p:nvSpPr>
+        <p:spPr>
+          <a:xfrm>
+            <a:off x="914401" y="4491038"/>
+            <a:ext cx="1223963" cy="257175"/>
+          </a:xfrm>
+          <a:prstGeom prst="roundRect">
+            <a:avLst/>
+          </a:prstGeom>
+          <a:solidFill>
+            <a:schemeClr val="bg1"/>
+          </a:solidFill>
+          <a:ln w="19050">
+            <a:solidFill>
+              <a:schemeClr val="tx2"/>
+            </a:solidFill>
+          </a:ln>
+        </p:spPr>
+        <p:style>
+          <a:lnRef idx="2">
+            <a:schemeClr val="accent1">
+              <a:shade val="50000"/>
+            </a:schemeClr>
+          </a:lnRef>
+          <a:fillRef idx="1">
+            <a:schemeClr val="accent1"/>
+          </a:fillRef>
+          <a:effectRef idx="0">
+            <a:schemeClr val="accent1"/>
+          </a:effectRef>
+          <a:fontRef idx="minor">
+            <a:schemeClr val="lt1"/>
+          </a:fontRef>
+        </p:style>
+        <p:txBody>
+          <a:bodyPr anchor="ctr"/>
+          <a:lstStyle/>
+          <a:p>
+            <a:pPr algn="ctr" fontAlgn="base">
+              <a:lnSpc>
+                <a:spcPct val="85000"/>
+              </a:lnSpc>
+              <a:spcBef>
+                <a:spcPct val="0"/>
+              </a:spcBef>
+              <a:spcAft>
+                <a:spcPct val="0"/>
+              </a:spcAft>
+              <a:defRPr/>
+            </a:pPr>
+            <a:r>
+              <a:rPr lang="en-US" sz="900" b="1" dirty="0" smtClean="0">
+                <a:solidFill>
+                  <a:srgbClr val="000000"/>
+                </a:solidFill>
+                <a:latin typeface="Arial" pitchFamily="34" charset="0"/>
+                <a:ea typeface="ＭＳ Ｐゴシック" pitchFamily="34" charset="-128"/>
+              </a:rPr>
+              <a:t>Visualization</a:t>
+            </a:r>
+            <a:endParaRPr lang="en-US" sz="900" b="1" dirty="0">
+              <a:solidFill>
+                <a:srgbClr val="000000"/>
+              </a:solidFill>
+              <a:latin typeface="Arial" pitchFamily="34" charset="0"/>
+              <a:ea typeface="ＭＳ Ｐゴシック" pitchFamily="34" charset="-128"/>
+            </a:endParaRPr>
+          </a:p>
+        </p:txBody>
+      </p:sp>
+      <p:sp>
+        <p:nvSpPr>
+          <p:cNvPr id="228360" name="AutoShape 8"/>
+          <p:cNvSpPr>
+            <a:spLocks noChangeArrowheads="1"/>
+          </p:cNvSpPr>
+          <p:nvPr/>
+        </p:nvSpPr>
+        <p:spPr bwMode="auto">
+          <a:xfrm>
+            <a:off x="544513" y="5407025"/>
+            <a:ext cx="2908300" cy="330200"/>
+          </a:xfrm>
+          <a:prstGeom prst="cube">
+            <a:avLst>
+              <a:gd name="adj" fmla="val 25000"/>
+            </a:avLst>
+          </a:prstGeom>
+          <a:solidFill>
+            <a:schemeClr val="bg2">
+              <a:lumMod val="60000"/>
+              <a:lumOff val="40000"/>
+            </a:schemeClr>
+          </a:solidFill>
+          <a:ln w="9525">
+            <a:solidFill>
+              <a:schemeClr val="tx1"/>
+            </a:solidFill>
+            <a:miter lim="800000"/>
+            <a:headEnd/>
+            <a:tailEnd/>
+          </a:ln>
+          <a:effectLst/>
+        </p:spPr>
+        <p:txBody>
+          <a:bodyPr wrap="none" anchor="ctr"/>
+          <a:lstStyle/>
+          <a:p>
+            <a:pPr algn="ctr" fontAlgn="base">
+              <a:spcBef>
+                <a:spcPct val="0"/>
+              </a:spcBef>
+              <a:spcAft>
+                <a:spcPct val="0"/>
+              </a:spcAft>
+              <a:defRPr/>
+            </a:pPr>
+            <a:r>
+              <a:rPr lang="en-US" sz="1400" b="1" dirty="0">
+                <a:solidFill>
+                  <a:srgbClr val="000000"/>
+                </a:solidFill>
+                <a:latin typeface="Arial" pitchFamily="34" charset="0"/>
+                <a:ea typeface="ＭＳ Ｐゴシック" pitchFamily="34" charset="-128"/>
+                <a:cs typeface="Arial" charset="0"/>
+              </a:rPr>
+              <a:t>Host Computer</a:t>
+            </a:r>
+          </a:p>
+        </p:txBody>
+      </p:sp>
+      <p:sp>
+        <p:nvSpPr>
+          <p:cNvPr id="228361" name="AutoShape 9"/>
+          <p:cNvSpPr>
+            <a:spLocks noChangeArrowheads="1"/>
+          </p:cNvSpPr>
+          <p:nvPr/>
+        </p:nvSpPr>
+        <p:spPr bwMode="auto">
+          <a:xfrm>
+            <a:off x="4349750" y="5381625"/>
+            <a:ext cx="4445000" cy="304800"/>
+          </a:xfrm>
+          <a:prstGeom prst="cube">
+            <a:avLst>
+              <a:gd name="adj" fmla="val 25000"/>
+            </a:avLst>
+          </a:prstGeom>
+          <a:solidFill>
+            <a:schemeClr val="bg2">
+              <a:lumMod val="50000"/>
+            </a:schemeClr>
+          </a:solidFill>
+          <a:ln w="9525">
+            <a:solidFill>
+              <a:schemeClr val="tx1"/>
+            </a:solidFill>
+            <a:miter lim="800000"/>
+            <a:headEnd/>
+            <a:tailEnd/>
+          </a:ln>
+          <a:effectLst/>
+        </p:spPr>
+        <p:txBody>
+          <a:bodyPr wrap="none" anchor="ctr"/>
+          <a:lstStyle/>
+          <a:p>
+            <a:pPr algn="ctr" fontAlgn="base">
+              <a:spcBef>
+                <a:spcPct val="0"/>
+              </a:spcBef>
+              <a:spcAft>
+                <a:spcPct val="0"/>
+              </a:spcAft>
+              <a:defRPr/>
+            </a:pPr>
+            <a:r>
+              <a:rPr lang="en-US" sz="1400" b="1" dirty="0">
+                <a:solidFill>
+                  <a:srgbClr val="FFFFFF"/>
+                </a:solidFill>
+                <a:latin typeface="Arial" pitchFamily="34" charset="0"/>
+                <a:ea typeface="ＭＳ Ｐゴシック" pitchFamily="34" charset="-128"/>
+                <a:cs typeface="Arial" charset="0"/>
+              </a:rPr>
+              <a:t>Target Board</a:t>
+            </a:r>
+          </a:p>
+        </p:txBody>
+      </p:sp>
+      <p:sp>
+        <p:nvSpPr>
+          <p:cNvPr id="228362" name="AutoShape 10"/>
+          <p:cNvSpPr>
+            <a:spLocks noChangeArrowheads="1"/>
+          </p:cNvSpPr>
+          <p:nvPr/>
+        </p:nvSpPr>
+        <p:spPr bwMode="auto">
+          <a:xfrm>
+            <a:off x="3490179" y="5547226"/>
+            <a:ext cx="850960" cy="88900"/>
+          </a:xfrm>
+          <a:prstGeom prst="leftRightArrow">
+            <a:avLst>
+              <a:gd name="adj1" fmla="val 50000"/>
+              <a:gd name="adj2" fmla="val 102857"/>
+            </a:avLst>
+          </a:prstGeom>
+          <a:solidFill>
+            <a:schemeClr val="tx1"/>
+          </a:solidFill>
+          <a:ln w="9525" algn="ctr">
+            <a:noFill/>
+            <a:miter lim="800000"/>
+            <a:headEnd/>
+            <a:tailEnd/>
+          </a:ln>
+          <a:effectLst/>
+          <a:scene3d>
+            <a:camera prst="orthographicFront">
+              <a:rot lat="0" lon="0" rev="0"/>
+            </a:camera>
+            <a:lightRig rig="balanced" dir="t">
+              <a:rot lat="0" lon="0" rev="8700000"/>
+            </a:lightRig>
+          </a:scene3d>
+          <a:sp3d>
+            <a:bevelT w="190500" h="38100"/>
+          </a:sp3d>
+        </p:spPr>
+        <p:txBody>
+          <a:bodyPr wrap="none" anchor="ctr"/>
+          <a:lstStyle/>
+          <a:p>
+            <a:pPr algn="ctr" fontAlgn="base">
+              <a:spcBef>
+                <a:spcPct val="0"/>
+              </a:spcBef>
+              <a:spcAft>
+                <a:spcPct val="0"/>
+              </a:spcAft>
+              <a:defRPr/>
+            </a:pPr>
+            <a:endParaRPr lang="en-US" sz="2800" b="1" dirty="0">
+              <a:solidFill>
+                <a:srgbClr val="000000"/>
+              </a:solidFill>
+              <a:latin typeface="Arial" charset="0"/>
+              <a:ea typeface="MS PGothic" pitchFamily="34" charset="-128"/>
+              <a:cs typeface="Arial" charset="0"/>
+            </a:endParaRPr>
+          </a:p>
+        </p:txBody>
+      </p:sp>
+      <p:sp>
+        <p:nvSpPr>
+          <p:cNvPr id="228364" name="Rectangle 12"/>
+          <p:cNvSpPr>
+            <a:spLocks noChangeArrowheads="1"/>
+          </p:cNvSpPr>
+          <p:nvPr/>
+        </p:nvSpPr>
+        <p:spPr bwMode="auto">
+          <a:xfrm>
+            <a:off x="1295400" y="1303338"/>
+            <a:ext cx="1624013" cy="349250"/>
+          </a:xfrm>
+          <a:prstGeom prst="rect">
+            <a:avLst/>
+          </a:prstGeom>
+          <a:noFill/>
+          <a:ln w="9525" algn="ctr">
+            <a:noFill/>
+            <a:miter lim="800000"/>
+            <a:headEnd/>
+            <a:tailEnd/>
+          </a:ln>
+          <a:effectLst/>
+        </p:spPr>
+        <p:txBody>
+          <a:bodyPr wrap="none"/>
+          <a:lstStyle/>
+          <a:p>
+            <a:pPr algn="ctr" fontAlgn="base">
+              <a:spcBef>
+                <a:spcPct val="0"/>
+              </a:spcBef>
+              <a:spcAft>
+                <a:spcPct val="0"/>
+              </a:spcAft>
+              <a:defRPr/>
+            </a:pPr>
+            <a:r>
+              <a:rPr lang="en-US" b="1" dirty="0">
+                <a:solidFill>
+                  <a:srgbClr val="000000"/>
+                </a:solidFill>
+                <a:latin typeface="Arial" pitchFamily="34" charset="0"/>
+                <a:ea typeface="ＭＳ Ｐゴシック" pitchFamily="34" charset="-128"/>
+                <a:cs typeface="Arial" charset="0"/>
+              </a:rPr>
+              <a:t>Eclipse</a:t>
+            </a:r>
+          </a:p>
+        </p:txBody>
+      </p:sp>
+      <p:sp>
+        <p:nvSpPr>
+          <p:cNvPr id="228366" name="AutoShape 14"/>
+          <p:cNvSpPr>
+            <a:spLocks noChangeArrowheads="1"/>
+          </p:cNvSpPr>
+          <p:nvPr/>
+        </p:nvSpPr>
+        <p:spPr bwMode="auto">
+          <a:xfrm>
+            <a:off x="2365375" y="1762125"/>
+            <a:ext cx="1016000" cy="3200400"/>
+          </a:xfrm>
+          <a:prstGeom prst="roundRect">
+            <a:avLst>
+              <a:gd name="adj" fmla="val 16667"/>
+            </a:avLst>
+          </a:prstGeom>
+          <a:solidFill>
+            <a:schemeClr val="bg2">
+              <a:lumMod val="60000"/>
+              <a:lumOff val="40000"/>
+            </a:schemeClr>
+          </a:solidFill>
+          <a:ln w="28575" algn="ctr">
+            <a:solidFill>
+              <a:schemeClr val="tx1"/>
+            </a:solidFill>
+            <a:round/>
+            <a:headEnd/>
+            <a:tailEnd/>
+          </a:ln>
+          <a:effectLst/>
+        </p:spPr>
+        <p:txBody>
+          <a:bodyPr wrap="none"/>
+          <a:lstStyle/>
+          <a:p>
+            <a:pPr algn="ctr" fontAlgn="base">
+              <a:spcBef>
+                <a:spcPct val="0"/>
+              </a:spcBef>
+              <a:spcAft>
+                <a:spcPct val="0"/>
+              </a:spcAft>
+              <a:defRPr/>
+            </a:pPr>
+            <a:endParaRPr lang="en-US" sz="1000" b="1" dirty="0">
+              <a:solidFill>
+                <a:srgbClr val="FFFFFF"/>
+              </a:solidFill>
+              <a:latin typeface="Arial Narrow" pitchFamily="34" charset="0"/>
+              <a:ea typeface="MS PGothic" pitchFamily="34" charset="-128"/>
+              <a:cs typeface="Arial" charset="0"/>
+            </a:endParaRPr>
+          </a:p>
+        </p:txBody>
+      </p:sp>
+      <p:sp>
+        <p:nvSpPr>
+          <p:cNvPr id="228368" name="AutoShape 16"/>
+          <p:cNvSpPr>
+            <a:spLocks noChangeArrowheads="1"/>
+          </p:cNvSpPr>
+          <p:nvPr/>
+        </p:nvSpPr>
+        <p:spPr bwMode="auto">
+          <a:xfrm>
+            <a:off x="928688" y="2732088"/>
+            <a:ext cx="1204912" cy="233362"/>
+          </a:xfrm>
+          <a:prstGeom prst="roundRect">
+            <a:avLst>
+              <a:gd name="adj" fmla="val 16667"/>
+            </a:avLst>
+          </a:prstGeom>
+          <a:noFill/>
+          <a:ln w="9525" algn="ctr">
+            <a:noFill/>
+            <a:round/>
+            <a:headEnd/>
+            <a:tailEnd/>
+          </a:ln>
+          <a:effectLst>
+            <a:prstShdw prst="shdw17" dist="17961" dir="2700000">
+              <a:srgbClr val="00FFFF">
+                <a:gamma/>
+                <a:shade val="60000"/>
+                <a:invGamma/>
+              </a:srgbClr>
+            </a:prstShdw>
+          </a:effectLst>
+        </p:spPr>
+        <p:txBody>
+          <a:bodyPr wrap="none" anchor="ctr"/>
+          <a:lstStyle/>
+          <a:p>
+            <a:pPr algn="ctr" fontAlgn="base">
+              <a:lnSpc>
+                <a:spcPct val="85000"/>
+              </a:lnSpc>
+              <a:spcBef>
+                <a:spcPct val="0"/>
+              </a:spcBef>
+              <a:spcAft>
+                <a:spcPct val="0"/>
+              </a:spcAft>
+              <a:defRPr/>
+            </a:pPr>
+            <a:endParaRPr lang="en-US" sz="900" b="1" dirty="0">
+              <a:solidFill>
+                <a:srgbClr val="000000"/>
+              </a:solidFill>
+              <a:latin typeface="Arial" pitchFamily="34" charset="0"/>
+              <a:ea typeface="ＭＳ Ｐゴシック" pitchFamily="34" charset="-128"/>
+              <a:cs typeface="Arial" charset="0"/>
+            </a:endParaRPr>
+          </a:p>
+        </p:txBody>
+      </p:sp>
+      <p:sp>
+        <p:nvSpPr>
+          <p:cNvPr id="228372" name="AutoShape 20"/>
+          <p:cNvSpPr>
+            <a:spLocks noChangeArrowheads="1"/>
+          </p:cNvSpPr>
+          <p:nvPr/>
+        </p:nvSpPr>
+        <p:spPr bwMode="auto">
+          <a:xfrm>
+            <a:off x="931863" y="4152900"/>
+            <a:ext cx="1204912" cy="233363"/>
+          </a:xfrm>
+          <a:prstGeom prst="roundRect">
+            <a:avLst>
+              <a:gd name="adj" fmla="val 16667"/>
+            </a:avLst>
+          </a:prstGeom>
+          <a:noFill/>
+          <a:ln w="9525" algn="ctr">
+            <a:noFill/>
+            <a:round/>
+            <a:headEnd/>
+            <a:tailEnd/>
+          </a:ln>
+          <a:effectLst>
+            <a:prstShdw prst="shdw17" dist="17961" dir="2700000">
+              <a:srgbClr val="00FFFF">
+                <a:gamma/>
+                <a:shade val="60000"/>
+                <a:invGamma/>
+              </a:srgbClr>
+            </a:prstShdw>
+          </a:effectLst>
+        </p:spPr>
+        <p:txBody>
+          <a:bodyPr wrap="none" anchor="ctr"/>
+          <a:lstStyle/>
+          <a:p>
+            <a:pPr algn="ctr" fontAlgn="base">
+              <a:lnSpc>
+                <a:spcPct val="85000"/>
+              </a:lnSpc>
+              <a:spcBef>
+                <a:spcPct val="0"/>
+              </a:spcBef>
+              <a:spcAft>
+                <a:spcPct val="0"/>
+              </a:spcAft>
+              <a:defRPr/>
+            </a:pPr>
+            <a:endParaRPr lang="en-US" sz="900" b="1" dirty="0">
+              <a:solidFill>
+                <a:srgbClr val="000000"/>
+              </a:solidFill>
+              <a:latin typeface="Arial" pitchFamily="34" charset="0"/>
+              <a:ea typeface="ＭＳ Ｐゴシック" pitchFamily="34" charset="-128"/>
+              <a:cs typeface="Arial" charset="0"/>
+            </a:endParaRPr>
+          </a:p>
+        </p:txBody>
+      </p:sp>
+      <p:sp>
+        <p:nvSpPr>
+          <p:cNvPr id="66" name="Rounded Rectangle 65"/>
+          <p:cNvSpPr/>
+          <p:nvPr/>
+        </p:nvSpPr>
+        <p:spPr bwMode="auto">
+          <a:xfrm>
+            <a:off x="4467506" y="1035678"/>
+            <a:ext cx="4317107" cy="4206240"/>
+          </a:xfrm>
+          <a:prstGeom prst="roundRect">
+            <a:avLst>
+              <a:gd name="adj" fmla="val 2624"/>
+            </a:avLst>
+          </a:prstGeom>
+          <a:solidFill>
+            <a:srgbClr val="FFFF00"/>
+          </a:solidFill>
+          <a:ln w="19050">
+            <a:solidFill>
+              <a:schemeClr val="tx1"/>
+            </a:solidFill>
+          </a:ln>
+          <a:effectLst/>
+        </p:spPr>
+        <p:style>
+          <a:lnRef idx="1">
+            <a:schemeClr val="accent6"/>
+          </a:lnRef>
+          <a:fillRef idx="2">
+            <a:schemeClr val="accent6"/>
+          </a:fillRef>
+          <a:effectRef idx="1">
+            <a:schemeClr val="accent6"/>
+          </a:effectRef>
+          <a:fontRef idx="minor">
+            <a:schemeClr val="dk1"/>
+          </a:fontRef>
+        </p:style>
+        <p:txBody>
+          <a:bodyPr anchor="ctr"/>
+          <a:lstStyle/>
+          <a:p>
+            <a:pPr algn="ctr" fontAlgn="base">
+              <a:spcBef>
+                <a:spcPct val="0"/>
+              </a:spcBef>
+              <a:spcAft>
+                <a:spcPct val="0"/>
+              </a:spcAft>
+              <a:defRPr/>
+            </a:pPr>
+            <a:endParaRPr lang="en-US" sz="1050" b="1" dirty="0">
+              <a:solidFill>
+                <a:prstClr val="black"/>
+              </a:solidFill>
+            </a:endParaRPr>
+          </a:p>
+          <a:p>
+            <a:pPr algn="ctr" fontAlgn="base">
+              <a:spcBef>
+                <a:spcPct val="0"/>
+              </a:spcBef>
+              <a:spcAft>
+                <a:spcPct val="0"/>
+              </a:spcAft>
+              <a:defRPr/>
+            </a:pPr>
+            <a:endParaRPr lang="en-US" sz="1050" b="1" dirty="0">
+              <a:solidFill>
+                <a:prstClr val="black"/>
+              </a:solidFill>
+            </a:endParaRPr>
+          </a:p>
+          <a:p>
+            <a:pPr algn="ctr" fontAlgn="base">
+              <a:spcBef>
+                <a:spcPct val="0"/>
+              </a:spcBef>
+              <a:spcAft>
+                <a:spcPct val="0"/>
+              </a:spcAft>
+              <a:defRPr/>
+            </a:pPr>
+            <a:endParaRPr lang="en-US" sz="1050" b="1" dirty="0">
+              <a:solidFill>
+                <a:prstClr val="black"/>
+              </a:solidFill>
+            </a:endParaRPr>
+          </a:p>
+          <a:p>
+            <a:pPr algn="ctr" fontAlgn="base">
+              <a:spcBef>
+                <a:spcPct val="0"/>
+              </a:spcBef>
+              <a:spcAft>
+                <a:spcPct val="0"/>
+              </a:spcAft>
+              <a:defRPr/>
+            </a:pPr>
+            <a:endParaRPr lang="en-US" sz="1050" b="1" dirty="0">
+              <a:solidFill>
+                <a:prstClr val="black"/>
+              </a:solidFill>
+            </a:endParaRPr>
+          </a:p>
+          <a:p>
+            <a:pPr algn="ctr" fontAlgn="base">
+              <a:spcBef>
+                <a:spcPct val="0"/>
+              </a:spcBef>
+              <a:spcAft>
+                <a:spcPct val="0"/>
+              </a:spcAft>
+              <a:defRPr/>
+            </a:pPr>
+            <a:endParaRPr lang="en-US" sz="1050" b="1" dirty="0">
+              <a:solidFill>
+                <a:prstClr val="black"/>
+              </a:solidFill>
+            </a:endParaRPr>
+          </a:p>
+          <a:p>
+            <a:pPr algn="ctr" fontAlgn="base">
+              <a:spcBef>
+                <a:spcPct val="0"/>
+              </a:spcBef>
+              <a:spcAft>
+                <a:spcPct val="0"/>
+              </a:spcAft>
+              <a:defRPr/>
+            </a:pPr>
+            <a:endParaRPr lang="en-US" sz="1050" b="1" dirty="0">
+              <a:solidFill>
+                <a:prstClr val="black"/>
+              </a:solidFill>
+            </a:endParaRPr>
+          </a:p>
+          <a:p>
+            <a:pPr algn="ctr" fontAlgn="base">
+              <a:spcBef>
+                <a:spcPct val="0"/>
+              </a:spcBef>
+              <a:spcAft>
+                <a:spcPct val="0"/>
+              </a:spcAft>
+              <a:defRPr/>
+            </a:pPr>
+            <a:endParaRPr lang="en-US" sz="1050" b="1" dirty="0">
+              <a:solidFill>
+                <a:prstClr val="black"/>
+              </a:solidFill>
+            </a:endParaRPr>
+          </a:p>
+          <a:p>
+            <a:pPr algn="ctr" fontAlgn="base">
+              <a:spcBef>
+                <a:spcPct val="0"/>
+              </a:spcBef>
+              <a:spcAft>
+                <a:spcPct val="0"/>
+              </a:spcAft>
+              <a:defRPr/>
+            </a:pPr>
+            <a:endParaRPr lang="en-US" sz="1050" b="1" dirty="0">
+              <a:solidFill>
+                <a:prstClr val="black"/>
+              </a:solidFill>
+            </a:endParaRPr>
+          </a:p>
+          <a:p>
+            <a:pPr algn="ctr" fontAlgn="base">
+              <a:spcBef>
+                <a:spcPct val="0"/>
+              </a:spcBef>
+              <a:spcAft>
+                <a:spcPct val="0"/>
+              </a:spcAft>
+              <a:defRPr/>
+            </a:pPr>
+            <a:endParaRPr lang="en-US" sz="1050" b="1" dirty="0">
+              <a:solidFill>
+                <a:prstClr val="black"/>
+              </a:solidFill>
+            </a:endParaRPr>
+          </a:p>
+          <a:p>
+            <a:pPr algn="ctr" fontAlgn="base">
+              <a:spcBef>
+                <a:spcPct val="0"/>
+              </a:spcBef>
+              <a:spcAft>
+                <a:spcPct val="0"/>
+              </a:spcAft>
+              <a:defRPr/>
+            </a:pPr>
+            <a:endParaRPr lang="en-US" sz="1050" b="1" dirty="0">
+              <a:solidFill>
+                <a:prstClr val="black"/>
+              </a:solidFill>
+            </a:endParaRPr>
+          </a:p>
+          <a:p>
+            <a:pPr algn="ctr" fontAlgn="base">
+              <a:spcBef>
+                <a:spcPct val="0"/>
+              </a:spcBef>
+              <a:spcAft>
+                <a:spcPct val="0"/>
+              </a:spcAft>
+              <a:defRPr/>
+            </a:pPr>
+            <a:endParaRPr lang="en-US" sz="1050" b="1" dirty="0">
+              <a:solidFill>
+                <a:prstClr val="black"/>
+              </a:solidFill>
+            </a:endParaRPr>
+          </a:p>
+          <a:p>
+            <a:pPr algn="ctr" fontAlgn="base">
+              <a:spcBef>
+                <a:spcPct val="0"/>
+              </a:spcBef>
+              <a:spcAft>
+                <a:spcPct val="0"/>
+              </a:spcAft>
+              <a:defRPr/>
+            </a:pPr>
+            <a:endParaRPr lang="en-US" sz="1050" b="1" dirty="0">
+              <a:solidFill>
+                <a:prstClr val="black"/>
+              </a:solidFill>
+            </a:endParaRPr>
+          </a:p>
+          <a:p>
+            <a:pPr algn="ctr" fontAlgn="base">
+              <a:spcBef>
+                <a:spcPct val="0"/>
+              </a:spcBef>
+              <a:spcAft>
+                <a:spcPct val="0"/>
+              </a:spcAft>
+              <a:defRPr/>
+            </a:pPr>
+            <a:endParaRPr lang="en-US" sz="1050" b="1" dirty="0">
+              <a:solidFill>
+                <a:prstClr val="black"/>
+              </a:solidFill>
+            </a:endParaRPr>
+          </a:p>
+          <a:p>
+            <a:pPr algn="ctr" fontAlgn="base">
+              <a:spcBef>
+                <a:spcPct val="0"/>
+              </a:spcBef>
+              <a:spcAft>
+                <a:spcPct val="0"/>
+              </a:spcAft>
+              <a:defRPr/>
+            </a:pPr>
+            <a:endParaRPr lang="en-US" sz="1050" b="1" dirty="0">
+              <a:solidFill>
+                <a:prstClr val="black"/>
+              </a:solidFill>
+            </a:endParaRPr>
+          </a:p>
+          <a:p>
+            <a:pPr algn="ctr" fontAlgn="base">
+              <a:spcBef>
+                <a:spcPct val="0"/>
+              </a:spcBef>
+              <a:spcAft>
+                <a:spcPct val="0"/>
+              </a:spcAft>
+              <a:defRPr/>
+            </a:pPr>
+            <a:endParaRPr lang="en-US" sz="1050" b="1" dirty="0">
+              <a:solidFill>
+                <a:prstClr val="black"/>
+              </a:solidFill>
+            </a:endParaRPr>
+          </a:p>
+          <a:p>
+            <a:pPr algn="ctr" fontAlgn="base">
+              <a:spcBef>
+                <a:spcPct val="0"/>
+              </a:spcBef>
+              <a:spcAft>
+                <a:spcPct val="0"/>
+              </a:spcAft>
+              <a:defRPr/>
+            </a:pPr>
+            <a:endParaRPr lang="en-US" sz="1050" b="1" dirty="0">
+              <a:solidFill>
+                <a:prstClr val="black"/>
+              </a:solidFill>
+            </a:endParaRPr>
+          </a:p>
+        </p:txBody>
+      </p:sp>
+      <p:sp>
+        <p:nvSpPr>
+          <p:cNvPr id="79" name="TextBox 78"/>
+          <p:cNvSpPr txBox="1"/>
+          <p:nvPr/>
+        </p:nvSpPr>
+        <p:spPr>
+          <a:xfrm>
+            <a:off x="4783343" y="2895600"/>
+            <a:ext cx="3700052" cy="584775"/>
+          </a:xfrm>
+          <a:prstGeom prst="rect">
+            <a:avLst/>
+          </a:prstGeom>
+          <a:noFill/>
+        </p:spPr>
+        <p:txBody>
+          <a:bodyPr wrap="none">
+            <a:spAutoFit/>
+          </a:bodyPr>
+          <a:lstStyle/>
+          <a:p>
+            <a:pPr algn="ctr" fontAlgn="base">
+              <a:spcBef>
+                <a:spcPct val="0"/>
+              </a:spcBef>
+              <a:spcAft>
+                <a:spcPct val="0"/>
+              </a:spcAft>
+              <a:defRPr/>
+            </a:pPr>
+            <a:r>
+              <a:rPr lang="en-US" sz="1600" b="1" dirty="0">
+                <a:latin typeface="Arial" pitchFamily="34" charset="0"/>
+                <a:ea typeface="ＭＳ Ｐゴシック" pitchFamily="34" charset="-128"/>
+                <a:cs typeface="Arial" charset="0"/>
+              </a:rPr>
+              <a:t>Multicore Software Development </a:t>
+            </a:r>
+            <a:r>
+              <a:rPr lang="en-US" sz="1600" b="1" dirty="0" smtClean="0">
+                <a:latin typeface="Arial" pitchFamily="34" charset="0"/>
+                <a:ea typeface="ＭＳ Ｐゴシック" pitchFamily="34" charset="-128"/>
+                <a:cs typeface="Arial" charset="0"/>
+              </a:rPr>
+              <a:t>Kit</a:t>
+            </a:r>
+          </a:p>
+          <a:p>
+            <a:pPr algn="ctr" fontAlgn="base">
+              <a:spcBef>
+                <a:spcPct val="0"/>
+              </a:spcBef>
+              <a:spcAft>
+                <a:spcPct val="0"/>
+              </a:spcAft>
+              <a:defRPr/>
+            </a:pPr>
+            <a:r>
+              <a:rPr lang="en-US" sz="1600" b="1" dirty="0" smtClean="0">
+                <a:latin typeface="Arial" pitchFamily="34" charset="0"/>
+                <a:ea typeface="ＭＳ Ｐゴシック" pitchFamily="34" charset="-128"/>
+                <a:cs typeface="Arial" charset="0"/>
+              </a:rPr>
+              <a:t>(MCSDK)</a:t>
+            </a:r>
+            <a:endParaRPr lang="en-US" sz="1600" b="1" dirty="0">
+              <a:latin typeface="Arial" pitchFamily="34" charset="0"/>
+              <a:ea typeface="ＭＳ Ｐゴシック" pitchFamily="34" charset="-128"/>
+              <a:cs typeface="Arial" charset="0"/>
+            </a:endParaRPr>
+          </a:p>
+        </p:txBody>
+      </p:sp>
+      <p:sp>
+        <p:nvSpPr>
+          <p:cNvPr id="48" name="PPTShape_1"/>
+          <p:cNvSpPr>
+            <a:spLocks noChangeArrowheads="1"/>
+          </p:cNvSpPr>
+          <p:nvPr/>
+        </p:nvSpPr>
+        <p:spPr bwMode="auto">
+          <a:xfrm>
+            <a:off x="809625" y="1728788"/>
+            <a:ext cx="1468438" cy="681037"/>
+          </a:xfrm>
+          <a:prstGeom prst="roundRect">
+            <a:avLst>
+              <a:gd name="adj" fmla="val 16667"/>
+            </a:avLst>
+          </a:prstGeom>
+          <a:noFill/>
+          <a:ln w="28575" algn="ctr">
+            <a:noFill/>
+            <a:round/>
+            <a:headEnd/>
+            <a:tailEnd/>
+          </a:ln>
+          <a:effectLst/>
+        </p:spPr>
+        <p:txBody>
+          <a:bodyPr wrap="none"/>
+          <a:lstStyle/>
+          <a:p>
+            <a:pPr algn="ctr" fontAlgn="base">
+              <a:lnSpc>
+                <a:spcPct val="85000"/>
+              </a:lnSpc>
+              <a:spcBef>
+                <a:spcPct val="0"/>
+              </a:spcBef>
+              <a:spcAft>
+                <a:spcPct val="0"/>
+              </a:spcAft>
+              <a:defRPr/>
+            </a:pPr>
+            <a:r>
+              <a:rPr lang="en-US" sz="1200" b="1" dirty="0">
+                <a:solidFill>
+                  <a:srgbClr val="FFFFFF"/>
+                </a:solidFill>
+                <a:latin typeface="Arial"/>
+                <a:ea typeface="ＭＳ Ｐゴシック" pitchFamily="34" charset="-128"/>
+                <a:cs typeface="Arial" charset="0"/>
+              </a:rPr>
+              <a:t>Code </a:t>
+            </a:r>
+          </a:p>
+          <a:p>
+            <a:pPr algn="ctr" fontAlgn="base">
+              <a:lnSpc>
+                <a:spcPct val="85000"/>
+              </a:lnSpc>
+              <a:spcBef>
+                <a:spcPct val="0"/>
+              </a:spcBef>
+              <a:spcAft>
+                <a:spcPct val="0"/>
+              </a:spcAft>
+              <a:defRPr/>
+            </a:pPr>
+            <a:r>
+              <a:rPr lang="en-US" sz="1200" b="1" dirty="0">
+                <a:solidFill>
+                  <a:srgbClr val="FFFFFF"/>
+                </a:solidFill>
+                <a:latin typeface="Arial"/>
+                <a:ea typeface="ＭＳ Ｐゴシック" pitchFamily="34" charset="-128"/>
+                <a:cs typeface="Arial" charset="0"/>
+              </a:rPr>
+              <a:t>Composer</a:t>
+            </a:r>
+          </a:p>
+          <a:p>
+            <a:pPr algn="ctr" fontAlgn="base">
+              <a:lnSpc>
+                <a:spcPct val="85000"/>
+              </a:lnSpc>
+              <a:spcBef>
+                <a:spcPct val="0"/>
+              </a:spcBef>
+              <a:spcAft>
+                <a:spcPct val="0"/>
+              </a:spcAft>
+              <a:defRPr/>
+            </a:pPr>
+            <a:r>
+              <a:rPr lang="en-US" sz="1200" b="1" dirty="0">
+                <a:solidFill>
+                  <a:srgbClr val="FFFFFF"/>
+                </a:solidFill>
+                <a:latin typeface="Arial"/>
+                <a:ea typeface="ＭＳ Ｐゴシック" pitchFamily="34" charset="-128"/>
+                <a:cs typeface="Arial" charset="0"/>
+              </a:rPr>
+              <a:t> Studio</a:t>
+            </a:r>
+            <a:r>
+              <a:rPr lang="en-US" sz="800" b="1" baseline="50000" dirty="0">
+                <a:solidFill>
+                  <a:srgbClr val="FFFFFF"/>
+                </a:solidFill>
+                <a:latin typeface="Arial"/>
+                <a:ea typeface="ＭＳ Ｐゴシック" pitchFamily="34" charset="-128"/>
+                <a:cs typeface="Arial" charset="0"/>
+              </a:rPr>
+              <a:t>TM</a:t>
+            </a:r>
+          </a:p>
+        </p:txBody>
+      </p:sp>
+      <p:sp>
+        <p:nvSpPr>
+          <p:cNvPr id="49" name="PPTShape_2"/>
+          <p:cNvSpPr>
+            <a:spLocks noChangeArrowheads="1"/>
+          </p:cNvSpPr>
+          <p:nvPr/>
+        </p:nvSpPr>
+        <p:spPr bwMode="auto">
+          <a:xfrm>
+            <a:off x="2373313" y="2551113"/>
+            <a:ext cx="1014412" cy="725487"/>
+          </a:xfrm>
+          <a:prstGeom prst="roundRect">
+            <a:avLst>
+              <a:gd name="adj" fmla="val 16667"/>
+            </a:avLst>
+          </a:prstGeom>
+          <a:noFill/>
+          <a:ln w="28575" algn="ctr">
+            <a:noFill/>
+            <a:round/>
+            <a:headEnd/>
+            <a:tailEnd/>
+          </a:ln>
+          <a:effectLst/>
+        </p:spPr>
+        <p:txBody>
+          <a:bodyPr wrap="none"/>
+          <a:lstStyle/>
+          <a:p>
+            <a:pPr algn="ctr" fontAlgn="base">
+              <a:lnSpc>
+                <a:spcPct val="85000"/>
+              </a:lnSpc>
+              <a:spcBef>
+                <a:spcPct val="0"/>
+              </a:spcBef>
+              <a:spcAft>
+                <a:spcPct val="0"/>
+              </a:spcAft>
+              <a:defRPr/>
+            </a:pPr>
+            <a:r>
+              <a:rPr lang="en-US" sz="1200" b="1" dirty="0">
+                <a:solidFill>
+                  <a:prstClr val="black"/>
+                </a:solidFill>
+                <a:latin typeface="Arial Narrow" pitchFamily="34" charset="0"/>
+                <a:ea typeface="ＭＳ Ｐゴシック" pitchFamily="34" charset="-128"/>
+                <a:cs typeface="Arial" charset="0"/>
+              </a:rPr>
+              <a:t>Third</a:t>
+            </a:r>
+          </a:p>
+          <a:p>
+            <a:pPr algn="ctr" fontAlgn="base">
+              <a:lnSpc>
+                <a:spcPct val="85000"/>
+              </a:lnSpc>
+              <a:spcBef>
+                <a:spcPct val="0"/>
+              </a:spcBef>
+              <a:spcAft>
+                <a:spcPct val="0"/>
+              </a:spcAft>
+              <a:defRPr/>
+            </a:pPr>
+            <a:r>
+              <a:rPr lang="en-US" sz="1200" b="1" dirty="0">
+                <a:solidFill>
+                  <a:prstClr val="black"/>
+                </a:solidFill>
+                <a:latin typeface="Arial Narrow" pitchFamily="34" charset="0"/>
+                <a:ea typeface="ＭＳ Ｐゴシック" pitchFamily="34" charset="-128"/>
+                <a:cs typeface="Arial" charset="0"/>
+              </a:rPr>
+              <a:t>Party</a:t>
+            </a:r>
+          </a:p>
+          <a:p>
+            <a:pPr algn="ctr" fontAlgn="base">
+              <a:lnSpc>
+                <a:spcPct val="85000"/>
+              </a:lnSpc>
+              <a:spcBef>
+                <a:spcPct val="0"/>
+              </a:spcBef>
+              <a:spcAft>
+                <a:spcPct val="0"/>
+              </a:spcAft>
+              <a:defRPr/>
+            </a:pPr>
+            <a:r>
+              <a:rPr lang="en-US" sz="1200" b="1" dirty="0">
+                <a:solidFill>
+                  <a:prstClr val="black"/>
+                </a:solidFill>
+                <a:latin typeface="Arial Narrow" pitchFamily="34" charset="0"/>
+                <a:ea typeface="ＭＳ Ｐゴシック" pitchFamily="34" charset="-128"/>
+                <a:cs typeface="Arial" charset="0"/>
+              </a:rPr>
+              <a:t>Plug-Ins</a:t>
+            </a:r>
+          </a:p>
+        </p:txBody>
+      </p:sp>
+      <p:sp>
+        <p:nvSpPr>
+          <p:cNvPr id="16444" name="Title 12"/>
           <p:cNvSpPr>
             <a:spLocks noGrp="1"/>
           </p:cNvSpPr>
@@ -27106,110 +29089,108 @@
         </p:nvSpPr>
         <p:spPr>
           <a:xfrm>
-            <a:off x="342900" y="104775"/>
-            <a:ext cx="8458200" cy="657225"/>
+            <a:off x="342900" y="-69850"/>
+            <a:ext cx="8458200" cy="1189038"/>
           </a:xfrm>
         </p:spPr>
         <p:txBody>
           <a:bodyPr/>
           <a:lstStyle/>
           <a:p>
-            <a:r>
-              <a:rPr lang="en-US" dirty="0" smtClean="0"/>
-              <a:t>What is MCSDK?</a:t>
+            <a:pPr eaLnBrk="1" hangingPunct="1"/>
+            <a:r>
+              <a:rPr lang="en-US" sz="3200" b="1" dirty="0" smtClean="0"/>
+              <a:t>TI Software Development Ecosystem</a:t>
+            </a:r>
+            <a:r>
+              <a:rPr lang="en-US" b="1" dirty="0" smtClean="0"/>
+              <a:t/>
+            </a:r>
+            <a:br>
+              <a:rPr lang="en-US" b="1" dirty="0" smtClean="0"/>
+            </a:br>
+            <a:r>
+              <a:rPr lang="en-US" sz="2400" b="1" dirty="0" smtClean="0"/>
+              <a:t>Multicore Performance, Single-core Simplicity</a:t>
             </a:r>
           </a:p>
         </p:txBody>
       </p:sp>
       <p:sp>
         <p:nvSpPr>
-          <p:cNvPr id="15362" name="Content Placeholder 2"/>
-          <p:cNvSpPr>
-            <a:spLocks noGrp="1"/>
-          </p:cNvSpPr>
-          <p:nvPr>
-            <p:ph idx="1"/>
-          </p:nvPr>
+          <p:cNvPr id="92" name="Rectangle 91"/>
+          <p:cNvSpPr/>
+          <p:nvPr/>
         </p:nvSpPr>
         <p:spPr>
           <a:xfrm>
-            <a:off x="457200" y="1066800"/>
-            <a:ext cx="8229600" cy="4906963"/>
+            <a:off x="5943600" y="5715000"/>
+            <a:ext cx="1905000" cy="461665"/>
           </a:xfrm>
+          <a:prstGeom prst="rect">
+            <a:avLst/>
+          </a:prstGeom>
         </p:spPr>
         <p:txBody>
-          <a:bodyPr>
-            <a:normAutofit lnSpcReduction="10000"/>
+          <a:bodyPr wrap="square">
+            <a:spAutoFit/>
           </a:bodyPr>
           <a:lstStyle/>
           <a:p>
-            <a:pPr>
-              <a:buNone/>
+            <a:pPr marL="115888" indent="-115888" fontAlgn="base">
+              <a:spcBef>
+                <a:spcPct val="0"/>
+              </a:spcBef>
+              <a:spcAft>
+                <a:spcPct val="0"/>
+              </a:spcAft>
+              <a:buFont typeface="Arial" pitchFamily="34" charset="0"/>
+              <a:buChar char="•"/>
+              <a:defRPr/>
             </a:pPr>
             <a:r>
-              <a:rPr lang="en-US" sz="2400" dirty="0" smtClean="0"/>
-              <a:t>TI’s Multicore Software Development Kit (MCSDK):</a:t>
-            </a:r>
-          </a:p>
-          <a:p>
-            <a:r>
-              <a:rPr lang="en-US" sz="2400" dirty="0" smtClean="0"/>
-              <a:t>Provides the core foundational building blocks for customers to quickly start developing embedded applications on TI high-performance multicore DSPs:</a:t>
-            </a:r>
-          </a:p>
-          <a:p>
-            <a:pPr lvl="1"/>
-            <a:r>
-              <a:rPr lang="en-US" sz="2000" dirty="0" smtClean="0"/>
-              <a:t>Uses ether the SYS/BIOS or Linux real-time operating system</a:t>
-            </a:r>
-          </a:p>
-          <a:p>
-            <a:pPr lvl="1"/>
-            <a:r>
-              <a:rPr lang="en-US" sz="2000" dirty="0" smtClean="0"/>
-              <a:t>Accelerates time-to-market by focusing on ease of use and performance</a:t>
-            </a:r>
-          </a:p>
-          <a:p>
-            <a:pPr lvl="1"/>
-            <a:r>
-              <a:rPr lang="en-US" sz="2000" dirty="0" smtClean="0"/>
-              <a:t>Provides multicore programming methodologies and utilities</a:t>
-            </a:r>
-          </a:p>
-          <a:p>
-            <a:r>
-              <a:rPr lang="en-US" sz="2400" dirty="0" smtClean="0"/>
-              <a:t>Simplifies porting of applications:</a:t>
-            </a:r>
-          </a:p>
-          <a:p>
-            <a:pPr lvl="1"/>
-            <a:r>
-              <a:rPr lang="en-US" sz="2000" dirty="0" smtClean="0"/>
-              <a:t>To a standard evaluation platform</a:t>
-            </a:r>
-          </a:p>
-          <a:p>
-            <a:pPr lvl="1"/>
-            <a:r>
-              <a:rPr lang="en-US" sz="2000" dirty="0" smtClean="0"/>
-              <a:t>From a standard evaluation platform to customer’s target platform</a:t>
-            </a:r>
-          </a:p>
-          <a:p>
-            <a:pPr lvl="1"/>
-            <a:r>
-              <a:rPr lang="en-US" sz="2000" dirty="0" smtClean="0"/>
-              <a:t>To next generation platform hardware</a:t>
-            </a:r>
-          </a:p>
-          <a:p>
-            <a:r>
-              <a:rPr lang="en-US" sz="2400" dirty="0" smtClean="0"/>
-              <a:t>Available as a free download on TI.com, bundled in one installer as source code along with pre-built libraries</a:t>
-            </a:r>
+              <a:rPr lang="en-US" sz="1200" b="1" dirty="0" smtClean="0">
+                <a:solidFill>
+                  <a:srgbClr val="000000"/>
+                </a:solidFill>
+                <a:latin typeface="Arial" pitchFamily="34" charset="0"/>
+                <a:ea typeface="ＭＳ Ｐゴシック" pitchFamily="34" charset="-128"/>
+                <a:cs typeface="Arial" charset="0"/>
+              </a:rPr>
+              <a:t>XDS 560 V2</a:t>
+            </a:r>
+          </a:p>
+          <a:p>
+            <a:pPr marL="115888" indent="-115888" fontAlgn="base">
+              <a:spcBef>
+                <a:spcPct val="0"/>
+              </a:spcBef>
+              <a:spcAft>
+                <a:spcPct val="0"/>
+              </a:spcAft>
+              <a:buFont typeface="Arial" pitchFamily="34" charset="0"/>
+              <a:buChar char="•"/>
+              <a:defRPr/>
+            </a:pPr>
+            <a:r>
+              <a:rPr lang="en-US" sz="1200" b="1" dirty="0" smtClean="0">
+                <a:solidFill>
+                  <a:srgbClr val="000000"/>
+                </a:solidFill>
+                <a:latin typeface="Arial" pitchFamily="34" charset="0"/>
+                <a:ea typeface="ＭＳ Ｐゴシック" pitchFamily="34" charset="-128"/>
+                <a:cs typeface="Arial" charset="0"/>
+              </a:rPr>
+              <a:t>XDS 560 Trace</a:t>
+            </a:r>
+            <a:endParaRPr lang="en-US" sz="1200" b="1" dirty="0">
+              <a:solidFill>
+                <a:srgbClr val="000000"/>
+              </a:solidFill>
+              <a:latin typeface="Arial" pitchFamily="34" charset="0"/>
+              <a:ea typeface="ＭＳ Ｐゴシック" pitchFamily="34" charset="-128"/>
+              <a:cs typeface="Arial" charset="0"/>
+            </a:endParaRPr>
           </a:p>
         </p:txBody>
       </p:sp>
@@ -27280,14 +29261,14 @@
 
 <file path=ppt/tags/tag15.xml><?xml version="1.0" encoding="utf-8"?>
 <p:tagLst xmlns:a="http://schemas.openxmlformats.org/drawingml/2006/main" xmlns:r="http://schemas.openxmlformats.org/officeDocument/2006/relationships" xmlns:p="http://schemas.openxmlformats.org/presentationml/2006/main">
-  <p:tag name="ARTICULATE_SLIDE_GUID" val="3793f8db-e622-4850-ae95-ac40614d35ba"/>
-  <p:tag name="ELAPSEDTIME" val="59.114"/>
-  <p:tag name="TIMELINE" val="18.83/24.90/38.31/43.33"/>
+  <p:tag name="ARTICULATE_SLIDE_GUID" val="8d8109e5-252c-4bef-9362-8cd3a2ef65c4"/>
+  <p:tag name="ELAPSEDTIME" val="44.197"/>
+  <p:tag name="ARTICULATE_TITLE_TAG" val="Software Development Ecosystem"/>
   <p:tag name="ARTICULATE_SLIDE_PAUSE" val="0"/>
   <p:tag name="ARTICULATE_NAV_LEVEL" val="2"/>
   <p:tag name="ARTICULATE_PLAYLIST_ID" val="-1"/>
   <p:tag name="ARTICULATE_LOCK_SLIDE" val="0"/>
-  <p:tag name="ARTICULATE_SLIDE_NAV" val="4"/>
+  <p:tag name="ARTICULATE_SLIDE_NAV" val="5"/>
 </p:tagLst>
 </file>
 
@@ -27306,6 +29287,19 @@
 
 <file path=ppt/tags/tag17.xml><?xml version="1.0" encoding="utf-8"?>
 <p:tagLst xmlns:a="http://schemas.openxmlformats.org/drawingml/2006/main" xmlns:r="http://schemas.openxmlformats.org/officeDocument/2006/relationships" xmlns:p="http://schemas.openxmlformats.org/presentationml/2006/main">
+  <p:tag name="ARTICULATE_SLIDE_GUID" val="3793f8db-e622-4850-ae95-ac40614d35ba"/>
+  <p:tag name="ELAPSEDTIME" val="59.114"/>
+  <p:tag name="TIMELINE" val="18.83/24.90/38.31/43.33"/>
+  <p:tag name="ARTICULATE_SLIDE_PAUSE" val="0"/>
+  <p:tag name="ARTICULATE_NAV_LEVEL" val="2"/>
+  <p:tag name="ARTICULATE_PLAYLIST_ID" val="-1"/>
+  <p:tag name="ARTICULATE_LOCK_SLIDE" val="0"/>
+  <p:tag name="ARTICULATE_SLIDE_NAV" val="4"/>
+</p:tagLst>
+</file>
+
+<file path=ppt/tags/tag18.xml><?xml version="1.0" encoding="utf-8"?>
+<p:tagLst xmlns:a="http://schemas.openxmlformats.org/drawingml/2006/main" xmlns:r="http://schemas.openxmlformats.org/officeDocument/2006/relationships" xmlns:p="http://schemas.openxmlformats.org/presentationml/2006/main">
   <p:tag name="ARTICULATE_SLIDE_GUID" val="1fb0f2b7-1ace-4e33-b2f8-411221a90620"/>
   <p:tag name="ELAPSEDTIME" val="199.885"/>
   <p:tag name="TIMELINE" val="8.11/12.05/38.39/51.65/56.04/126.24/147.65"/>
@@ -27315,12 +29309,6 @@
   <p:tag name="ARTICULATE_VIEW_MODE" val="2"/>
   <p:tag name="ARTICULATE_LOCK_SLIDE" val="0"/>
   <p:tag name="ARTICULATE_SLIDE_NAV" val="9"/>
-</p:tagLst>
-</file>
-
-<file path=ppt/tags/tag18.xml><?xml version="1.0" encoding="utf-8"?>
-<p:tagLst xmlns:a="http://schemas.openxmlformats.org/drawingml/2006/main" xmlns:r="http://schemas.openxmlformats.org/officeDocument/2006/relationships" xmlns:p="http://schemas.openxmlformats.org/presentationml/2006/main">
-  <p:tag name="ARTICULATE_PUBLISH_MODE" val="1"/>
 </p:tagLst>
 </file>
 
@@ -27363,6 +29351,12 @@
 
 <file path=ppt/tags/tag24.xml><?xml version="1.0" encoding="utf-8"?>
 <p:tagLst xmlns:a="http://schemas.openxmlformats.org/drawingml/2006/main" xmlns:r="http://schemas.openxmlformats.org/officeDocument/2006/relationships" xmlns:p="http://schemas.openxmlformats.org/presentationml/2006/main">
+  <p:tag name="ARTICULATE_PUBLISH_MODE" val="1"/>
+</p:tagLst>
+</file>
+
+<file path=ppt/tags/tag25.xml><?xml version="1.0" encoding="utf-8"?>
+<p:tagLst xmlns:a="http://schemas.openxmlformats.org/drawingml/2006/main" xmlns:r="http://schemas.openxmlformats.org/officeDocument/2006/relationships" xmlns:p="http://schemas.openxmlformats.org/presentationml/2006/main">
   <p:tag name="ARTICULATE_SLIDE_GUID" val="30dc9de7-f265-4121-a5eb-c9ece76ab2d6"/>
   <p:tag name="TIMELINE" val="19.26/24.10/30.78/90.36"/>
   <p:tag name="ELAPSEDTIME" val="121.729"/>
@@ -27375,27 +29369,21 @@
 </p:tagLst>
 </file>
 
-<file path=ppt/tags/tag25.xml><?xml version="1.0" encoding="utf-8"?>
+<file path=ppt/tags/tag26.xml><?xml version="1.0" encoding="utf-8"?>
 <p:tagLst xmlns:a="http://schemas.openxmlformats.org/drawingml/2006/main" xmlns:r="http://schemas.openxmlformats.org/officeDocument/2006/relationships" xmlns:p="http://schemas.openxmlformats.org/presentationml/2006/main">
   <p:tag name="ARTICULATE_PUBLISH_MODE" val="2"/>
 </p:tagLst>
 </file>
 
-<file path=ppt/tags/tag26.xml><?xml version="1.0" encoding="utf-8"?>
+<file path=ppt/tags/tag27.xml><?xml version="1.0" encoding="utf-8"?>
 <p:tagLst xmlns:a="http://schemas.openxmlformats.org/drawingml/2006/main" xmlns:r="http://schemas.openxmlformats.org/officeDocument/2006/relationships" xmlns:p="http://schemas.openxmlformats.org/presentationml/2006/main">
   <p:tag name="ARTICULATE_PUBLISH_MODE" val="1"/>
 </p:tagLst>
 </file>
 
-<file path=ppt/tags/tag27.xml><?xml version="1.0" encoding="utf-8"?>
+<file path=ppt/tags/tag28.xml><?xml version="1.0" encoding="utf-8"?>
 <p:tagLst xmlns:a="http://schemas.openxmlformats.org/drawingml/2006/main" xmlns:r="http://schemas.openxmlformats.org/officeDocument/2006/relationships" xmlns:p="http://schemas.openxmlformats.org/presentationml/2006/main">
   <p:tag name="ARTICULATE_PUBLISH_MODE" val="2"/>
-</p:tagLst>
-</file>
-
-<file path=ppt/tags/tag28.xml><?xml version="1.0" encoding="utf-8"?>
-<p:tagLst xmlns:a="http://schemas.openxmlformats.org/drawingml/2006/main" xmlns:r="http://schemas.openxmlformats.org/officeDocument/2006/relationships" xmlns:p="http://schemas.openxmlformats.org/presentationml/2006/main">
-  <p:tag name="ARTICULATE_PUBLISH_MODE" val="1"/>
 </p:tagLst>
 </file>
 
@@ -27414,6 +29402,12 @@
 
 <file path=ppt/tags/tag30.xml><?xml version="1.0" encoding="utf-8"?>
 <p:tagLst xmlns:a="http://schemas.openxmlformats.org/drawingml/2006/main" xmlns:r="http://schemas.openxmlformats.org/officeDocument/2006/relationships" xmlns:p="http://schemas.openxmlformats.org/presentationml/2006/main">
+  <p:tag name="ARTICULATE_PUBLISH_MODE" val="1"/>
+</p:tagLst>
+</file>
+
+<file path=ppt/tags/tag31.xml><?xml version="1.0" encoding="utf-8"?>
+<p:tagLst xmlns:a="http://schemas.openxmlformats.org/drawingml/2006/main" xmlns:r="http://schemas.openxmlformats.org/officeDocument/2006/relationships" xmlns:p="http://schemas.openxmlformats.org/presentationml/2006/main">
   <p:tag name="ARTICULATE_SLIDE_GUID" val="66e8c9a6-cdb2-46e6-a3f0-1787c4bddd64"/>
   <p:tag name="ELAPSEDTIME" val="132.463"/>
   <p:tag name="TIMELINE" val="38.39/57.02/65.25/83.94/87.79/103.22/109.53"/>
@@ -27423,12 +29417,6 @@
   <p:tag name="ARTICULATE_VIEW_MODE" val="2"/>
   <p:tag name="ARTICULATE_LOCK_SLIDE" val="0"/>
   <p:tag name="ARTICULATE_SLIDE_NAV" val="8"/>
-</p:tagLst>
-</file>
-
-<file path=ppt/tags/tag31.xml><?xml version="1.0" encoding="utf-8"?>
-<p:tagLst xmlns:a="http://schemas.openxmlformats.org/drawingml/2006/main" xmlns:r="http://schemas.openxmlformats.org/officeDocument/2006/relationships" xmlns:p="http://schemas.openxmlformats.org/presentationml/2006/main">
-  <p:tag name="ARTICULATE_PUBLISH_MODE" val="2"/>
 </p:tagLst>
 </file>
 
@@ -27458,6 +29446,12 @@
 
 <file path=ppt/tags/tag36.xml><?xml version="1.0" encoding="utf-8"?>
 <p:tagLst xmlns:a="http://schemas.openxmlformats.org/drawingml/2006/main" xmlns:r="http://schemas.openxmlformats.org/officeDocument/2006/relationships" xmlns:p="http://schemas.openxmlformats.org/presentationml/2006/main">
+  <p:tag name="ARTICULATE_PUBLISH_MODE" val="2"/>
+</p:tagLst>
+</file>
+
+<file path=ppt/tags/tag37.xml><?xml version="1.0" encoding="utf-8"?>
+<p:tagLst xmlns:a="http://schemas.openxmlformats.org/drawingml/2006/main" xmlns:r="http://schemas.openxmlformats.org/officeDocument/2006/relationships" xmlns:p="http://schemas.openxmlformats.org/presentationml/2006/main">
   <p:tag name="ARTICULATE_SLIDE_GUID" val="8d8109e5-252c-4bef-9362-8cd3a2ef65c4"/>
   <p:tag name="ELAPSEDTIME" val="44.197"/>
   <p:tag name="ARTICULATE_TITLE_TAG" val="Software Development Ecosystem"/>
@@ -27469,7 +29463,7 @@
 </p:tagLst>
 </file>
 
-<file path=ppt/tags/tag37.xml><?xml version="1.0" encoding="utf-8"?>
+<file path=ppt/tags/tag38.xml><?xml version="1.0" encoding="utf-8"?>
 <p:tagLst xmlns:a="http://schemas.openxmlformats.org/drawingml/2006/main" xmlns:r="http://schemas.openxmlformats.org/officeDocument/2006/relationships" xmlns:p="http://schemas.openxmlformats.org/presentationml/2006/main">
   <p:tag name="ARTICULATE_SLIDE_GUID" val="16975cd9-dbf0-4a87-916a-c89c201ca094"/>
   <p:tag name="TIMELINE" val="36.13/75.73"/>
@@ -27482,7 +29476,7 @@
 </p:tagLst>
 </file>
 
-<file path=ppt/tags/tag38.xml><?xml version="1.0" encoding="utf-8"?>
+<file path=ppt/tags/tag39.xml><?xml version="1.0" encoding="utf-8"?>
 <p:tagLst xmlns:a="http://schemas.openxmlformats.org/drawingml/2006/main" xmlns:r="http://schemas.openxmlformats.org/officeDocument/2006/relationships" xmlns:p="http://schemas.openxmlformats.org/presentationml/2006/main">
   <p:tag name="ELAPSEDTIME" val="11.75"/>
   <p:tag name="ARTICULATE_SLIDE_GUID" val="92099343-b1aa-443e-940a-1720ec1a9e3b"/>

--- a/slides/Introduction to KeyStone Software Ecosystem.pptx
+++ b/slides/Introduction to KeyStone Software Ecosystem.pptx
@@ -23,8 +23,8 @@
     <p:sldId id="268" r:id="rId14"/>
     <p:sldId id="284" r:id="rId15"/>
     <p:sldId id="269" r:id="rId16"/>
-    <p:sldId id="283" r:id="rId17"/>
-    <p:sldId id="280" r:id="rId18"/>
+    <p:sldId id="280" r:id="rId17"/>
+    <p:sldId id="307" r:id="rId18"/>
     <p:sldId id="285" r:id="rId19"/>
     <p:sldId id="304" r:id="rId20"/>
     <p:sldId id="287" r:id="rId21"/>
@@ -135,6 +135,12 @@
 </p:presentation>
 </file>
 
+<file path=ppt/commentAuthors.xml><?xml version="1.0" encoding="utf-8"?>
+<p:cmAuthorLst xmlns:a="http://schemas.openxmlformats.org/drawingml/2006/main" xmlns:r="http://schemas.openxmlformats.org/officeDocument/2006/relationships" xmlns:p="http://schemas.openxmlformats.org/presentationml/2006/main">
+  <p:cmAuthor id="0" name="a0133017" initials="a" lastIdx="4" clrIdx="0"/>
+</p:cmAuthorLst>
+</file>
+
 <file path=ppt/notesMasters/notesMaster1.xml><?xml version="1.0" encoding="utf-8"?>
 <p:notesMaster xmlns:a="http://schemas.openxmlformats.org/drawingml/2006/main" xmlns:r="http://schemas.openxmlformats.org/officeDocument/2006/relationships" xmlns:p="http://schemas.openxmlformats.org/presentationml/2006/main">
   <p:cSld>
@@ -218,7 +224,7 @@
             <a:fld id="{69317A74-A311-45B3-846C-A32F769EEF76}" type="datetimeFigureOut">
               <a:rPr lang="en-US" smtClean="0"/>
               <a:pPr/>
-              <a:t>6/14/2012</a:t>
+              <a:t>6/19/2012</a:t>
             </a:fld>
             <a:endParaRPr lang="en-US" dirty="0"/>
           </a:p>
@@ -546,7 +552,7 @@
                 <a:spcPct val="0"/>
               </a:spcBef>
             </a:pPr>
-            <a:endParaRPr lang="en-US" smtClean="0"/>
+            <a:endParaRPr lang="en-US" dirty="0" smtClean="0"/>
           </a:p>
         </p:txBody>
       </p:sp>
@@ -576,7 +582,7 @@
               <a:pPr/>
               <a:t>6</a:t>
             </a:fld>
-            <a:endParaRPr lang="en-US" smtClean="0">
+            <a:endParaRPr lang="en-US" dirty="0" smtClean="0">
               <a:solidFill>
                 <a:srgbClr val="000000"/>
               </a:solidFill>
@@ -631,7 +637,7 @@
               <a:pPr/>
               <a:t>20</a:t>
             </a:fld>
-            <a:endParaRPr lang="en-US" smtClean="0"/>
+            <a:endParaRPr lang="en-US" dirty="0" smtClean="0"/>
           </a:p>
         </p:txBody>
       </p:sp>
@@ -680,7 +686,7 @@
                 <a:spcPct val="0"/>
               </a:spcBef>
             </a:pPr>
-            <a:endParaRPr lang="en-US" smtClean="0"/>
+            <a:endParaRPr lang="en-US" dirty="0" smtClean="0"/>
           </a:p>
         </p:txBody>
       </p:sp>
@@ -815,7 +821,7 @@
                 <a:spcPct val="0"/>
               </a:spcBef>
             </a:pPr>
-            <a:endParaRPr lang="en-US" smtClean="0"/>
+            <a:endParaRPr lang="en-US" dirty="0" smtClean="0"/>
           </a:p>
         </p:txBody>
       </p:sp>
@@ -845,7 +851,7 @@
               <a:pPr/>
               <a:t>7</a:t>
             </a:fld>
-            <a:endParaRPr lang="en-US" smtClean="0">
+            <a:endParaRPr lang="en-US" dirty="0" smtClean="0">
               <a:solidFill>
                 <a:srgbClr val="000000"/>
               </a:solidFill>
@@ -923,7 +929,7 @@
                 <a:spcPct val="0"/>
               </a:spcBef>
             </a:pPr>
-            <a:endParaRPr lang="en-US" smtClean="0"/>
+            <a:endParaRPr lang="en-US" dirty="0" smtClean="0"/>
           </a:p>
         </p:txBody>
       </p:sp>
@@ -953,7 +959,7 @@
               <a:pPr/>
               <a:t>9</a:t>
             </a:fld>
-            <a:endParaRPr lang="en-US" smtClean="0">
+            <a:endParaRPr lang="en-US" dirty="0" smtClean="0">
               <a:solidFill>
                 <a:srgbClr val="000000"/>
               </a:solidFill>
@@ -1081,7 +1087,7 @@
               <a:pPr/>
               <a:t>12</a:t>
             </a:fld>
-            <a:endParaRPr lang="en-US" smtClean="0">
+            <a:endParaRPr lang="en-US" dirty="0" smtClean="0">
               <a:solidFill>
                 <a:prstClr val="black"/>
               </a:solidFill>
@@ -1134,7 +1140,7 @@
                 <a:spcPct val="0"/>
               </a:spcBef>
             </a:pPr>
-            <a:endParaRPr lang="en-US" smtClean="0"/>
+            <a:endParaRPr lang="en-US" dirty="0" smtClean="0"/>
           </a:p>
         </p:txBody>
       </p:sp>
@@ -1203,7 +1209,7 @@
           <a:bodyPr/>
           <a:lstStyle/>
           <a:p>
-            <a:endParaRPr lang="en-US" smtClean="0"/>
+            <a:endParaRPr lang="en-US" dirty="0" smtClean="0"/>
           </a:p>
         </p:txBody>
       </p:sp>
@@ -1258,7 +1264,7 @@
               <a:pPr/>
               <a:t>16</a:t>
             </a:fld>
-            <a:endParaRPr lang="en-US" smtClean="0">
+            <a:endParaRPr lang="en-US" dirty="0" smtClean="0">
               <a:solidFill>
                 <a:prstClr val="black"/>
               </a:solidFill>
@@ -1385,7 +1391,7 @@
                 <a:spcPct val="0"/>
               </a:spcBef>
             </a:pPr>
-            <a:endParaRPr lang="en-US" smtClean="0"/>
+            <a:endParaRPr lang="en-US" dirty="0" smtClean="0"/>
           </a:p>
         </p:txBody>
       </p:sp>
@@ -1415,7 +1421,7 @@
               <a:pPr/>
               <a:t>17</a:t>
             </a:fld>
-            <a:endParaRPr lang="en-US" smtClean="0">
+            <a:endParaRPr lang="en-US" dirty="0" smtClean="0">
               <a:solidFill>
                 <a:srgbClr val="000000"/>
               </a:solidFill>
@@ -1493,7 +1499,7 @@
                 <a:spcPct val="0"/>
               </a:spcBef>
             </a:pPr>
-            <a:endParaRPr lang="en-US" smtClean="0"/>
+            <a:endParaRPr lang="en-US" dirty="0" smtClean="0"/>
           </a:p>
         </p:txBody>
       </p:sp>
@@ -1523,7 +1529,7 @@
               <a:pPr/>
               <a:t>19</a:t>
             </a:fld>
-            <a:endParaRPr lang="en-US" smtClean="0">
+            <a:endParaRPr lang="en-US" dirty="0" smtClean="0">
               <a:solidFill>
                 <a:srgbClr val="000000"/>
               </a:solidFill>
@@ -1540,54 +1546,6 @@
 </file>
 
 <file path=ppt/slideLayouts/slideLayout1.xml><?xml version="1.0" encoding="utf-8"?>
-<p:sldLayout xmlns:a="http://schemas.openxmlformats.org/drawingml/2006/main" xmlns:r="http://schemas.openxmlformats.org/officeDocument/2006/relationships" xmlns:p="http://schemas.openxmlformats.org/presentationml/2006/main" type="titleOnly">
-  <p:cSld name="Title Only Large Graphic">
-    <p:spTree>
-      <p:nvGrpSpPr>
-        <p:cNvPr id="1" name=""/>
-        <p:cNvGrpSpPr/>
-        <p:nvPr/>
-      </p:nvGrpSpPr>
-      <p:grpSpPr>
-        <a:xfrm>
-          <a:off x="0" y="0"/>
-          <a:ext cx="0" cy="0"/>
-          <a:chOff x="0" y="0"/>
-          <a:chExt cx="0" cy="0"/>
-        </a:xfrm>
-      </p:grpSpPr>
-      <p:sp>
-        <p:nvSpPr>
-          <p:cNvPr id="2" name="Title 1"/>
-          <p:cNvSpPr>
-            <a:spLocks noGrp="1"/>
-          </p:cNvSpPr>
-          <p:nvPr>
-            <p:ph type="title"/>
-          </p:nvPr>
-        </p:nvSpPr>
-        <p:spPr/>
-        <p:txBody>
-          <a:bodyPr/>
-          <a:lstStyle/>
-          <a:p>
-            <a:r>
-              <a:rPr lang="en-US" smtClean="0"/>
-              <a:t>Click to edit Master title style</a:t>
-            </a:r>
-            <a:endParaRPr lang="en-US"/>
-          </a:p>
-        </p:txBody>
-      </p:sp>
-    </p:spTree>
-  </p:cSld>
-  <p:clrMapOvr>
-    <a:masterClrMapping/>
-  </p:clrMapOvr>
-</p:sldLayout>
-</file>
-
-<file path=ppt/slideLayouts/slideLayout2.xml><?xml version="1.0" encoding="utf-8"?>
 <p:sldLayout xmlns:a="http://schemas.openxmlformats.org/drawingml/2006/main" xmlns:r="http://schemas.openxmlformats.org/officeDocument/2006/relationships" xmlns:p="http://schemas.openxmlformats.org/presentationml/2006/main" type="title">
   <p:cSld name="Title Slide">
     <p:spTree>
@@ -1831,7 +1789,7 @@
 </p:sldLayout>
 </file>
 
-<file path=ppt/slideLayouts/slideLayout3.xml><?xml version="1.0" encoding="utf-8"?>
+<file path=ppt/slideLayouts/slideLayout2.xml><?xml version="1.0" encoding="utf-8"?>
 <p:sldLayout xmlns:a="http://schemas.openxmlformats.org/drawingml/2006/main" xmlns:r="http://schemas.openxmlformats.org/officeDocument/2006/relationships" xmlns:p="http://schemas.openxmlformats.org/presentationml/2006/main" type="obj">
   <p:cSld name="Title and Content">
     <p:spTree>
@@ -1994,7 +1952,7 @@
 </p:sldLayout>
 </file>
 
-<file path=ppt/slideLayouts/slideLayout4.xml><?xml version="1.0" encoding="utf-8"?>
+<file path=ppt/slideLayouts/slideLayout3.xml><?xml version="1.0" encoding="utf-8"?>
 <p:sldLayout xmlns:a="http://schemas.openxmlformats.org/drawingml/2006/main" xmlns:r="http://schemas.openxmlformats.org/officeDocument/2006/relationships" xmlns:p="http://schemas.openxmlformats.org/presentationml/2006/main" type="blank">
   <p:cSld name="Blank">
     <p:spTree>
@@ -2082,6 +2040,111 @@
 </p:sldLayout>
 </file>
 
+<file path=ppt/slideLayouts/slideLayout4.xml><?xml version="1.0" encoding="utf-8"?>
+<p:sldLayout xmlns:a="http://schemas.openxmlformats.org/drawingml/2006/main" xmlns:r="http://schemas.openxmlformats.org/officeDocument/2006/relationships" xmlns:p="http://schemas.openxmlformats.org/presentationml/2006/main" type="obj">
+  <p:cSld name="Title and Content">
+    <p:spTree>
+      <p:nvGrpSpPr>
+        <p:cNvPr id="1" name=""/>
+        <p:cNvGrpSpPr/>
+        <p:nvPr/>
+      </p:nvGrpSpPr>
+      <p:grpSpPr>
+        <a:xfrm>
+          <a:off x="0" y="0"/>
+          <a:ext cx="0" cy="0"/>
+          <a:chOff x="0" y="0"/>
+          <a:chExt cx="0" cy="0"/>
+        </a:xfrm>
+      </p:grpSpPr>
+      <p:sp>
+        <p:nvSpPr>
+          <p:cNvPr id="2" name="Title 1"/>
+          <p:cNvSpPr>
+            <a:spLocks noGrp="1"/>
+          </p:cNvSpPr>
+          <p:nvPr>
+            <p:ph type="title"/>
+          </p:nvPr>
+        </p:nvSpPr>
+        <p:spPr/>
+        <p:txBody>
+          <a:bodyPr/>
+          <a:lstStyle/>
+          <a:p>
+            <a:r>
+              <a:rPr lang="en-US" smtClean="0"/>
+              <a:t>Click to edit Master title style</a:t>
+            </a:r>
+            <a:endParaRPr lang="en-US"/>
+          </a:p>
+        </p:txBody>
+      </p:sp>
+      <p:sp>
+        <p:nvSpPr>
+          <p:cNvPr id="3" name="Content Placeholder 2"/>
+          <p:cNvSpPr>
+            <a:spLocks noGrp="1"/>
+          </p:cNvSpPr>
+          <p:nvPr>
+            <p:ph idx="1"/>
+          </p:nvPr>
+        </p:nvSpPr>
+        <p:spPr>
+          <a:xfrm>
+            <a:off x="457200" y="990600"/>
+            <a:ext cx="8229600" cy="5334000"/>
+          </a:xfrm>
+        </p:spPr>
+        <p:txBody>
+          <a:bodyPr/>
+          <a:lstStyle/>
+          <a:p>
+            <a:pPr lvl="0"/>
+            <a:r>
+              <a:rPr lang="en-US" smtClean="0"/>
+              <a:t>Click to edit Master text styles</a:t>
+            </a:r>
+          </a:p>
+          <a:p>
+            <a:pPr lvl="1"/>
+            <a:r>
+              <a:rPr lang="en-US" smtClean="0"/>
+              <a:t>Second level</a:t>
+            </a:r>
+          </a:p>
+          <a:p>
+            <a:pPr lvl="2"/>
+            <a:r>
+              <a:rPr lang="en-US" smtClean="0"/>
+              <a:t>Third level</a:t>
+            </a:r>
+          </a:p>
+          <a:p>
+            <a:pPr lvl="3"/>
+            <a:r>
+              <a:rPr lang="en-US" smtClean="0"/>
+              <a:t>Fourth level</a:t>
+            </a:r>
+          </a:p>
+          <a:p>
+            <a:pPr lvl="4"/>
+            <a:r>
+              <a:rPr lang="en-US" smtClean="0"/>
+              <a:t>Fifth level</a:t>
+            </a:r>
+            <a:endParaRPr lang="en-US"/>
+          </a:p>
+        </p:txBody>
+      </p:sp>
+    </p:spTree>
+  </p:cSld>
+  <p:clrMapOvr>
+    <a:masterClrMapping/>
+  </p:clrMapOvr>
+</p:sldLayout>
+</file>
+
 <file path=ppt/slideLayouts/slideLayout5.xml><?xml version="1.0" encoding="utf-8"?>
 <p:sldLayout xmlns:a="http://schemas.openxmlformats.org/drawingml/2006/main" xmlns:r="http://schemas.openxmlformats.org/officeDocument/2006/relationships" xmlns:p="http://schemas.openxmlformats.org/presentationml/2006/main" type="obj">
   <p:cSld name="Title and Content">
@@ -2188,8 +2251,8 @@
 </file>
 
 <file path=ppt/slideLayouts/slideLayout6.xml><?xml version="1.0" encoding="utf-8"?>
-<p:sldLayout xmlns:a="http://schemas.openxmlformats.org/drawingml/2006/main" xmlns:r="http://schemas.openxmlformats.org/officeDocument/2006/relationships" xmlns:p="http://schemas.openxmlformats.org/presentationml/2006/main" type="obj">
-  <p:cSld name="Title and Content">
+<p:sldLayout xmlns:a="http://schemas.openxmlformats.org/drawingml/2006/main" xmlns:r="http://schemas.openxmlformats.org/officeDocument/2006/relationships" xmlns:p="http://schemas.openxmlformats.org/presentationml/2006/main" type="titleOnly">
+  <p:cSld name="Title Only Large Graphic">
     <p:spTree>
       <p:nvGrpSpPr>
         <p:cNvPr id="1" name=""/>
@@ -2222,63 +2285,6 @@
             <a:r>
               <a:rPr lang="en-US" smtClean="0"/>
               <a:t>Click to edit Master title style</a:t>
-            </a:r>
-            <a:endParaRPr lang="en-US"/>
-          </a:p>
-        </p:txBody>
-      </p:sp>
-      <p:sp>
-        <p:nvSpPr>
-          <p:cNvPr id="3" name="Content Placeholder 2"/>
-          <p:cNvSpPr>
-            <a:spLocks noGrp="1"/>
-          </p:cNvSpPr>
-          <p:nvPr>
-            <p:ph idx="1"/>
-          </p:nvPr>
-        </p:nvSpPr>
-        <p:spPr>
-          <a:xfrm>
-            <a:off x="457200" y="990600"/>
-            <a:ext cx="8229600" cy="5334000"/>
-          </a:xfrm>
-        </p:spPr>
-        <p:txBody>
-          <a:bodyPr/>
-          <a:lstStyle/>
-          <a:p>
-            <a:pPr lvl="0"/>
-            <a:r>
-              <a:rPr lang="en-US" smtClean="0"/>
-              <a:t>Click to edit Master text styles</a:t>
-            </a:r>
-          </a:p>
-          <a:p>
-            <a:pPr lvl="1"/>
-            <a:r>
-              <a:rPr lang="en-US" smtClean="0"/>
-              <a:t>Second level</a:t>
-            </a:r>
-          </a:p>
-          <a:p>
-            <a:pPr lvl="2"/>
-            <a:r>
-              <a:rPr lang="en-US" smtClean="0"/>
-              <a:t>Third level</a:t>
-            </a:r>
-          </a:p>
-          <a:p>
-            <a:pPr lvl="3"/>
-            <a:r>
-              <a:rPr lang="en-US" smtClean="0"/>
-              <a:t>Fourth level</a:t>
-            </a:r>
-          </a:p>
-          <a:p>
-            <a:pPr lvl="4"/>
-            <a:r>
-              <a:rPr lang="en-US" smtClean="0"/>
-              <a:t>Fifth level</a:t>
             </a:r>
             <a:endParaRPr lang="en-US"/>
           </a:p>
@@ -2460,7 +2466,7 @@
             <a:pPr>
               <a:defRPr/>
             </a:pPr>
-            <a:endParaRPr lang="en-US">
+            <a:endParaRPr lang="en-US" dirty="0">
               <a:solidFill>
                 <a:prstClr val="black"/>
               </a:solidFill>
@@ -2477,12 +2483,12 @@
           </p:cNvPicPr>
           <p:nvPr userDrawn="1">
             <p:custDataLst>
-              <p:tags r:id="rId6"/>
+              <p:tags r:id="rId5"/>
             </p:custDataLst>
           </p:nvPr>
         </p:nvPicPr>
         <p:blipFill>
-          <a:blip r:embed="rId8" cstate="print"/>
+          <a:blip r:embed="rId7" cstate="print"/>
           <a:srcRect/>
           <a:stretch>
             <a:fillRect/>
@@ -2511,7 +2517,7 @@
           <p:cNvSpPr/>
           <p:nvPr userDrawn="1">
             <p:custDataLst>
-              <p:tags r:id="rId7"/>
+              <p:tags r:id="rId6"/>
             </p:custDataLst>
           </p:nvPr>
         </p:nvSpPr>
@@ -2581,10 +2587,9 @@
   </p:cSld>
   <p:clrMap bg1="lt1" tx1="dk1" bg2="lt2" tx2="dk2" accent1="accent1" accent2="accent2" accent3="accent3" accent4="accent4" accent5="accent5" accent6="accent6" hlink="hlink" folHlink="folHlink"/>
   <p:sldLayoutIdLst>
-    <p:sldLayoutId id="2147483666" r:id="rId1"/>
-    <p:sldLayoutId id="2147483676" r:id="rId2"/>
-    <p:sldLayoutId id="2147483677" r:id="rId3"/>
-    <p:sldLayoutId id="2147483678" r:id="rId4"/>
+    <p:sldLayoutId id="2147483676" r:id="rId1"/>
+    <p:sldLayoutId id="2147483677" r:id="rId2"/>
+    <p:sldLayoutId id="2147483678" r:id="rId3"/>
   </p:sldLayoutIdLst>
   <p:txStyles>
     <p:titleStyle>
@@ -3136,7 +3141,7 @@
             <a:pPr>
               <a:defRPr/>
             </a:pPr>
-            <a:endParaRPr lang="en-US">
+            <a:endParaRPr lang="en-US" dirty="0">
               <a:solidFill>
                 <a:prstClr val="black"/>
               </a:solidFill>
@@ -3809,7 +3814,7 @@
             <a:pPr>
               <a:defRPr/>
             </a:pPr>
-            <a:endParaRPr lang="en-US">
+            <a:endParaRPr lang="en-US" dirty="0">
               <a:solidFill>
                 <a:prstClr val="black"/>
               </a:solidFill>
@@ -3826,12 +3831,12 @@
           </p:cNvPicPr>
           <p:nvPr userDrawn="1">
             <p:custDataLst>
-              <p:tags r:id="rId3"/>
+              <p:tags r:id="rId4"/>
             </p:custDataLst>
           </p:nvPr>
         </p:nvPicPr>
         <p:blipFill>
-          <a:blip r:embed="rId5" cstate="print"/>
+          <a:blip r:embed="rId6" cstate="print"/>
           <a:srcRect/>
           <a:stretch>
             <a:fillRect/>
@@ -3860,7 +3865,7 @@
           <p:cNvSpPr/>
           <p:nvPr userDrawn="1">
             <p:custDataLst>
-              <p:tags r:id="rId4"/>
+              <p:tags r:id="rId5"/>
             </p:custDataLst>
           </p:nvPr>
         </p:nvSpPr>
@@ -3931,6 +3936,7 @@
   <p:clrMap bg1="lt1" tx1="dk1" bg2="lt2" tx2="dk2" accent1="accent1" accent2="accent2" accent3="accent3" accent4="accent4" accent5="accent5" accent6="accent6" hlink="hlink" folHlink="folHlink"/>
   <p:sldLayoutIdLst>
     <p:sldLayoutId id="2147483670" r:id="rId1"/>
+    <p:sldLayoutId id="2147483679" r:id="rId2"/>
   </p:sldLayoutIdLst>
   <p:txStyles>
     <p:titleStyle>
@@ -4343,13 +4349,13 @@
         </p:nvSpPr>
         <p:spPr>
           <a:xfrm>
-            <a:off x="685800" y="1143001"/>
-            <a:ext cx="7772400" cy="1295400"/>
+            <a:off x="685800" y="1143000"/>
+            <a:ext cx="7772400" cy="3200400"/>
           </a:xfrm>
         </p:spPr>
         <p:txBody>
           <a:bodyPr>
-            <a:normAutofit fontScale="90000"/>
+            <a:normAutofit/>
           </a:bodyPr>
           <a:lstStyle/>
           <a:p>
@@ -4361,26 +4367,26 @@
               <a:rPr lang="en-US" sz="3200" b="0" dirty="0" smtClean="0"/>
             </a:br>
             <a:r>
-              <a:rPr lang="en-US" sz="3200" b="0" dirty="0" smtClean="0">
+              <a:rPr lang="en-US" sz="5300" b="0" dirty="0" smtClean="0">
                 <a:latin typeface="Calibri" pitchFamily="34" charset="0"/>
                 <a:cs typeface="Calibri" pitchFamily="34" charset="0"/>
               </a:rPr>
               <a:t>KeyStone Multicore</a:t>
             </a:r>
             <a:br>
-              <a:rPr lang="en-US" sz="3200" b="0" dirty="0" smtClean="0">
+              <a:rPr lang="en-US" sz="5300" b="0" dirty="0" smtClean="0">
                 <a:latin typeface="Calibri" pitchFamily="34" charset="0"/>
                 <a:cs typeface="Calibri" pitchFamily="34" charset="0"/>
               </a:rPr>
             </a:br>
             <a:r>
-              <a:rPr lang="en-US" sz="3200" b="0" dirty="0" smtClean="0">
+              <a:rPr lang="en-US" sz="5300" b="0" dirty="0" smtClean="0">
                 <a:latin typeface="Calibri" pitchFamily="34" charset="0"/>
                 <a:cs typeface="Calibri" pitchFamily="34" charset="0"/>
               </a:rPr>
               <a:t>Software Development Ecosystem</a:t>
             </a:r>
-            <a:endParaRPr lang="en-US" sz="3200" b="0" dirty="0">
+            <a:endParaRPr lang="en-US" sz="5300" b="0" dirty="0">
               <a:latin typeface="Calibri" pitchFamily="34" charset="0"/>
               <a:cs typeface="Calibri" pitchFamily="34" charset="0"/>
             </a:endParaRPr>
@@ -4431,8 +4437,8 @@
         </p:nvSpPr>
         <p:spPr>
           <a:xfrm>
-            <a:off x="457200" y="274638"/>
-            <a:ext cx="8229600" cy="563562"/>
+            <a:off x="152400" y="274638"/>
+            <a:ext cx="8839200" cy="563562"/>
           </a:xfrm>
         </p:spPr>
         <p:txBody>
@@ -4442,12 +4448,8 @@
           <a:lstStyle/>
           <a:p>
             <a:r>
-              <a:rPr lang="en-US" sz="3600" smtClean="0"/>
-              <a:t>Multicore Development </a:t>
-            </a:r>
-            <a:r>
               <a:rPr lang="en-US" sz="3600" dirty="0" smtClean="0"/>
-              <a:t>Requirements</a:t>
+              <a:t>MCSDK Overview</a:t>
             </a:r>
             <a:endParaRPr lang="en-US" sz="3600" dirty="0"/>
           </a:p>
@@ -4465,19 +4467,19 @@
         </p:nvSpPr>
         <p:spPr>
           <a:xfrm>
-            <a:off x="457200" y="990600"/>
-            <a:ext cx="8229600" cy="5334000"/>
+            <a:off x="457200" y="1219200"/>
+            <a:ext cx="8229600" cy="5105400"/>
           </a:xfrm>
         </p:spPr>
         <p:txBody>
           <a:bodyPr>
-            <a:normAutofit lnSpcReduction="10000"/>
+            <a:normAutofit/>
           </a:bodyPr>
           <a:lstStyle/>
           <a:p>
             <a:r>
               <a:rPr lang="en-US" sz="2400" dirty="0" smtClean="0"/>
-              <a:t>Standard set of APIs to configure and utilize peripherals, accelerators and other hardware resources</a:t>
+              <a:t>Standard set of APIs to configure and utilize peripherals, accelerators, and other hardware resources</a:t>
             </a:r>
           </a:p>
           <a:p>
@@ -4509,33 +4511,6 @@
               <a:rPr lang="en-US" sz="2400" dirty="0" smtClean="0"/>
               <a:t>Optimized, ready-to-use algorithm libraries, example code, and demonstration applications</a:t>
             </a:r>
-          </a:p>
-          <a:p>
-            <a:pPr algn="ctr">
-              <a:buNone/>
-            </a:pPr>
-            <a:r>
-              <a:rPr lang="en-US" sz="2800" b="1" dirty="0" smtClean="0">
-                <a:solidFill>
-                  <a:srgbClr val="FF0000"/>
-                </a:solidFill>
-              </a:rPr>
-              <a:t>TI’s solution: </a:t>
-            </a:r>
-          </a:p>
-          <a:p>
-            <a:pPr algn="ctr">
-              <a:buNone/>
-            </a:pPr>
-            <a:r>
-              <a:rPr lang="en-US" sz="2800" b="1" dirty="0" smtClean="0">
-                <a:solidFill>
-                  <a:srgbClr val="FF0000"/>
-                </a:solidFill>
-              </a:rPr>
-              <a:t>The multi-layered software system known as MCSDK.</a:t>
-            </a:r>
-            <a:endParaRPr lang="en-US" sz="2400" dirty="0"/>
           </a:p>
         </p:txBody>
       </p:sp>
@@ -4592,8 +4567,8 @@
           <a:lstStyle/>
           <a:p>
             <a:r>
-              <a:rPr lang="en-US" dirty="0" smtClean="0"/>
-              <a:t>What is MCSDK?</a:t>
+              <a:rPr lang="en-US" sz="3600" dirty="0" smtClean="0"/>
+              <a:t>MCSDK Advantages</a:t>
             </a:r>
           </a:p>
         </p:txBody>
@@ -4620,15 +4595,6 @@
           </a:bodyPr>
           <a:lstStyle/>
           <a:p>
-            <a:pPr>
-              <a:buNone/>
-            </a:pPr>
-            <a:r>
-              <a:rPr lang="en-US" sz="2400" dirty="0" smtClean="0"/>
-              <a:t>TI’s Multicore Software Development Kit (MCSDK):</a:t>
-            </a:r>
-          </a:p>
-          <a:p>
             <a:r>
               <a:rPr lang="en-US" sz="2400" dirty="0" smtClean="0"/>
               <a:t>Provides the core foundational building blocks for customers to quickly start developing embedded applications on TI high-performance multicore DSPs:</a:t>
@@ -4685,7 +4651,19 @@
           <a:p>
             <a:r>
               <a:rPr lang="en-US" sz="2400" dirty="0" smtClean="0"/>
-              <a:t>Available as a free download on TI.com, bundled in one installer as source code along with pre-built libraries</a:t>
+              <a:t>Available as a </a:t>
+            </a:r>
+            <a:r>
+              <a:rPr lang="en-US" sz="2400" dirty="0" smtClean="0">
+                <a:solidFill>
+                  <a:srgbClr val="FF0000"/>
+                </a:solidFill>
+              </a:rPr>
+              <a:t>free download </a:t>
+            </a:r>
+            <a:r>
+              <a:rPr lang="en-US" sz="2400" dirty="0" smtClean="0"/>
+              <a:t>on TI.com, bundled in one installer as source code along with pre-built libraries</a:t>
             </a:r>
           </a:p>
         </p:txBody>
@@ -4742,7 +4720,7 @@
           <a:p>
             <a:pPr eaLnBrk="1" hangingPunct="1"/>
             <a:r>
-              <a:rPr lang="en-US" sz="3600" b="1" dirty="0" smtClean="0"/>
+              <a:rPr lang="en-US" sz="3600" dirty="0" smtClean="0"/>
               <a:t>BIOS-MCSDK Software Layers</a:t>
             </a:r>
           </a:p>
@@ -4861,7 +4839,7 @@
                 </a:spcAft>
               </a:pPr>
               <a:r>
-                <a:rPr lang="en-US" sz="1200">
+                <a:rPr lang="en-US" sz="1200" dirty="0">
                   <a:solidFill>
                     <a:prstClr val="black"/>
                   </a:solidFill>
@@ -4881,7 +4859,7 @@
                 </a:spcAft>
               </a:pPr>
               <a:r>
-                <a:rPr lang="en-US" sz="1200">
+                <a:rPr lang="en-US" sz="1200" dirty="0">
                   <a:solidFill>
                     <a:prstClr val="black"/>
                   </a:solidFill>
@@ -5280,7 +5258,7 @@
                   </a:spcAft>
                 </a:pPr>
                 <a:r>
-                  <a:rPr lang="en-US" sz="1200">
+                  <a:rPr lang="en-US" sz="1200" dirty="0">
                     <a:solidFill>
                       <a:prstClr val="black"/>
                     </a:solidFill>
@@ -5300,7 +5278,7 @@
                   </a:spcAft>
                 </a:pPr>
                 <a:r>
-                  <a:rPr lang="en-US" sz="1200">
+                  <a:rPr lang="en-US" sz="1200" dirty="0">
                     <a:solidFill>
                       <a:prstClr val="black"/>
                     </a:solidFill>
@@ -5320,7 +5298,7 @@
                   </a:spcAft>
                 </a:pPr>
                 <a:r>
-                  <a:rPr lang="en-US" sz="1200">
+                  <a:rPr lang="en-US" sz="1200" dirty="0">
                     <a:solidFill>
                       <a:prstClr val="black"/>
                     </a:solidFill>
@@ -7219,12 +7197,8 @@
           <a:lstStyle/>
           <a:p>
             <a:r>
-              <a:rPr lang="en-US" dirty="0" smtClean="0"/>
-              <a:t>Developer</a:t>
-            </a:r>
-            <a:r>
               <a:rPr lang="en-US" sz="3600" dirty="0" smtClean="0"/>
-              <a:t> Challenges &gt; MCSDK Solutions</a:t>
+              <a:t>Development Requirements &gt; MCSDK Solutions</a:t>
             </a:r>
             <a:endParaRPr lang="en-US" sz="3600" dirty="0"/>
           </a:p>
@@ -7410,15 +7384,7 @@
                       </a:r>
                       <a:r>
                         <a:rPr lang="en-US" sz="1200" dirty="0" smtClean="0"/>
-                        <a:t>utilities such as </a:t>
-                      </a:r>
-                      <a:r>
-                        <a:rPr lang="en-US" sz="1200" dirty="0" err="1" smtClean="0"/>
-                        <a:t>bootloader</a:t>
-                      </a:r>
-                      <a:r>
-                        <a:rPr lang="en-US" sz="1200" dirty="0" smtClean="0"/>
-                        <a:t>, Power</a:t>
+                        <a:t>utilities such as bootloader, Power</a:t>
                       </a:r>
                       <a:r>
                         <a:rPr lang="en-US" sz="1200" baseline="0" dirty="0" smtClean="0"/>
@@ -7640,6 +7606,217 @@
 </file>
 
 <file path=ppt/slides/slide14.xml><?xml version="1.0" encoding="utf-8"?>
+<p:sld xmlns:a="http://schemas.openxmlformats.org/drawingml/2006/main" xmlns:r="http://schemas.openxmlformats.org/officeDocument/2006/relationships" xmlns:p="http://schemas.openxmlformats.org/presentationml/2006/main">
+  <p:cSld>
+    <p:spTree>
+      <p:nvGrpSpPr>
+        <p:cNvPr id="1" name=""/>
+        <p:cNvGrpSpPr/>
+        <p:nvPr/>
+      </p:nvGrpSpPr>
+      <p:grpSpPr>
+        <a:xfrm>
+          <a:off x="0" y="0"/>
+          <a:ext cx="0" cy="0"/>
+          <a:chOff x="0" y="0"/>
+          <a:chExt cx="0" cy="0"/>
+        </a:xfrm>
+      </p:grpSpPr>
+      <p:sp>
+        <p:nvSpPr>
+          <p:cNvPr id="9218" name="Title 1"/>
+          <p:cNvSpPr>
+            <a:spLocks noGrp="1"/>
+          </p:cNvSpPr>
+          <p:nvPr>
+            <p:ph type="title"/>
+          </p:nvPr>
+        </p:nvSpPr>
+        <p:spPr>
+          <a:xfrm>
+            <a:off x="457200" y="0"/>
+            <a:ext cx="8229600" cy="715962"/>
+          </a:xfrm>
+        </p:spPr>
+        <p:txBody>
+          <a:bodyPr/>
+          <a:lstStyle/>
+          <a:p>
+            <a:pPr eaLnBrk="1" hangingPunct="1"/>
+            <a:r>
+              <a:rPr lang="en-US" sz="3600" dirty="0" smtClean="0"/>
+              <a:t>MCSDK Algorithm Libraries</a:t>
+            </a:r>
+          </a:p>
+        </p:txBody>
+      </p:sp>
+      <p:sp>
+        <p:nvSpPr>
+          <p:cNvPr id="9219" name="Content Placeholder 2"/>
+          <p:cNvSpPr>
+            <a:spLocks noGrp="1"/>
+          </p:cNvSpPr>
+          <p:nvPr>
+            <p:ph idx="1"/>
+          </p:nvPr>
+        </p:nvSpPr>
+        <p:spPr>
+          <a:xfrm>
+            <a:off x="457200" y="685800"/>
+            <a:ext cx="8229600" cy="5867400"/>
+          </a:xfrm>
+        </p:spPr>
+        <p:txBody>
+          <a:bodyPr/>
+          <a:lstStyle/>
+          <a:p>
+            <a:pPr marL="0" indent="0" eaLnBrk="1" hangingPunct="1">
+              <a:buNone/>
+            </a:pPr>
+            <a:r>
+              <a:rPr lang="en-US" sz="2000" dirty="0" smtClean="0"/>
+              <a:t>Algorithm libraries contain C66x C-callable, hand-coded, assembly-optimized functions for specific usage:</a:t>
+            </a:r>
+          </a:p>
+          <a:p>
+            <a:pPr eaLnBrk="1" hangingPunct="1"/>
+            <a:r>
+              <a:rPr lang="en-US" sz="1800" b="1" dirty="0" smtClean="0"/>
+              <a:t>DSPLIB</a:t>
+            </a:r>
+            <a:r>
+              <a:rPr lang="en-US" sz="1800" dirty="0" smtClean="0"/>
+              <a:t> provides signal-processing math and vector functions:</a:t>
+            </a:r>
+          </a:p>
+          <a:p>
+            <a:pPr lvl="1" eaLnBrk="1" hangingPunct="1"/>
+            <a:r>
+              <a:rPr lang="en-US" sz="1600" dirty="0" smtClean="0"/>
+              <a:t>Adaptive filtering</a:t>
+            </a:r>
+          </a:p>
+          <a:p>
+            <a:pPr lvl="1" eaLnBrk="1" hangingPunct="1"/>
+            <a:r>
+              <a:rPr lang="en-US" sz="1600" dirty="0" smtClean="0"/>
+              <a:t>Correlation</a:t>
+            </a:r>
+          </a:p>
+          <a:p>
+            <a:pPr lvl="1" eaLnBrk="1" hangingPunct="1"/>
+            <a:r>
+              <a:rPr lang="en-US" sz="1600" dirty="0" smtClean="0"/>
+              <a:t>FFT (e.g. FFT functions for ‘npoint’ FFTs)</a:t>
+            </a:r>
+          </a:p>
+          <a:p>
+            <a:pPr lvl="1" eaLnBrk="1" hangingPunct="1"/>
+            <a:r>
+              <a:rPr lang="en-US" sz="1600" dirty="0" smtClean="0"/>
+              <a:t>Filtering and Convolution (e.g., FIR, IIR filter functions, etc.)</a:t>
+            </a:r>
+          </a:p>
+          <a:p>
+            <a:pPr lvl="1" eaLnBrk="1" hangingPunct="1"/>
+            <a:r>
+              <a:rPr lang="en-US" sz="1600" dirty="0" smtClean="0"/>
+              <a:t>Matrix (e.g., single and double precision matrix multiplication, etc.)</a:t>
+            </a:r>
+          </a:p>
+          <a:p>
+            <a:pPr eaLnBrk="1" hangingPunct="1"/>
+            <a:r>
+              <a:rPr lang="en-US" sz="1800" b="1" dirty="0" smtClean="0"/>
+              <a:t>IMGLIB</a:t>
+            </a:r>
+            <a:r>
+              <a:rPr lang="en-US" sz="1800" dirty="0" smtClean="0"/>
+              <a:t> provides image/video processing functions:</a:t>
+            </a:r>
+          </a:p>
+          <a:p>
+            <a:pPr lvl="1" eaLnBrk="1" hangingPunct="1"/>
+            <a:r>
+              <a:rPr lang="en-US" sz="1600" dirty="0" smtClean="0"/>
+              <a:t>Compression &amp; Decompression (e.g., forward and inverse DCT, motion estimation, quantization, etc.)</a:t>
+            </a:r>
+          </a:p>
+          <a:p>
+            <a:pPr lvl="1" eaLnBrk="1" hangingPunct="1"/>
+            <a:r>
+              <a:rPr lang="en-US" sz="1600" dirty="0" smtClean="0"/>
+              <a:t>Image Analysis (e.g., edge detection, histogram, thresholding, etc.)</a:t>
+            </a:r>
+          </a:p>
+          <a:p>
+            <a:pPr lvl="1" eaLnBrk="1" hangingPunct="1"/>
+            <a:r>
+              <a:rPr lang="en-US" sz="1600" dirty="0" smtClean="0"/>
+              <a:t>Image Filtering and Conversion (e.g., color space conversion, convolution, correlation,  error diffusion, etc.)</a:t>
+            </a:r>
+          </a:p>
+          <a:p>
+            <a:pPr eaLnBrk="1" hangingPunct="1"/>
+            <a:r>
+              <a:rPr lang="en-US" sz="1800" b="1" dirty="0" smtClean="0"/>
+              <a:t>MathLIB</a:t>
+            </a:r>
+            <a:r>
+              <a:rPr lang="en-US" sz="1800" dirty="0" smtClean="0"/>
+              <a:t> provides floating-point math functions:</a:t>
+            </a:r>
+          </a:p>
+          <a:p>
+            <a:pPr lvl="1" eaLnBrk="1" hangingPunct="1"/>
+            <a:r>
+              <a:rPr lang="en-US" sz="1600" dirty="0" smtClean="0"/>
+              <a:t>Single-precision (e.g., cosine/sine/tangent of a floating point number, etc.)</a:t>
+            </a:r>
+          </a:p>
+          <a:p>
+            <a:pPr lvl="1" eaLnBrk="1" hangingPunct="1"/>
+            <a:r>
+              <a:rPr lang="en-US" sz="1600" dirty="0" smtClean="0"/>
+              <a:t>Double precision (e.g., similar functions as above with argument type and return values to be of type double)</a:t>
+            </a:r>
+          </a:p>
+          <a:p>
+            <a:pPr eaLnBrk="1" hangingPunct="1"/>
+            <a:r>
+              <a:rPr lang="en-US" sz="2000" dirty="0" smtClean="0"/>
+              <a:t>More info: </a:t>
+            </a:r>
+            <a:r>
+              <a:rPr lang="en-US" sz="2000" dirty="0" smtClean="0">
+                <a:hlinkClick r:id="rId2"/>
+              </a:rPr>
+              <a:t>http://processors.wiki.ti.com/index.php/Software_libraries</a:t>
+            </a:r>
+            <a:endParaRPr lang="en-US" sz="2000" dirty="0" smtClean="0"/>
+          </a:p>
+          <a:p>
+            <a:pPr eaLnBrk="1" hangingPunct="1"/>
+            <a:endParaRPr lang="en-US" sz="2000" dirty="0" smtClean="0"/>
+          </a:p>
+        </p:txBody>
+      </p:sp>
+    </p:spTree>
+  </p:cSld>
+  <p:clrMapOvr>
+    <a:masterClrMapping/>
+  </p:clrMapOvr>
+  <p:timing>
+    <p:tnLst>
+      <p:par>
+        <p:cTn id="1" dur="indefinite" restart="never" nodeType="tmRoot"/>
+      </p:par>
+    </p:tnLst>
+  </p:timing>
+</p:sld>
+</file>
+
+<file path=ppt/slides/slide15.xml><?xml version="1.0" encoding="utf-8"?>
 <p:sld xmlns:a="http://schemas.openxmlformats.org/drawingml/2006/main" xmlns:r="http://schemas.openxmlformats.org/officeDocument/2006/relationships" xmlns:p="http://schemas.openxmlformats.org/presentationml/2006/main">
   <p:cSld>
     <p:spTree>
@@ -9139,8 +9316,8 @@
         </p:nvSpPr>
         <p:spPr>
           <a:xfrm>
-            <a:off x="304800" y="76200"/>
-            <a:ext cx="8458200" cy="762000"/>
+            <a:off x="152400" y="76200"/>
+            <a:ext cx="8839200" cy="762000"/>
           </a:xfrm>
         </p:spPr>
         <p:txBody>
@@ -9148,8 +9325,8 @@
           <a:lstStyle/>
           <a:p>
             <a:r>
-              <a:rPr lang="en-US" sz="3600" b="1" dirty="0" smtClean="0"/>
-              <a:t>Inter-Processor Communication (IPC)</a:t>
+              <a:rPr lang="en-US" sz="3600" dirty="0" smtClean="0"/>
+              <a:t>Inter-Processor Communication (IPC) Usage</a:t>
             </a:r>
           </a:p>
         </p:txBody>
@@ -11712,237 +11889,6 @@
 </p:sld>
 </file>
 
-<file path=ppt/slides/slide15.xml><?xml version="1.0" encoding="utf-8"?>
-<p:sld xmlns:a="http://schemas.openxmlformats.org/drawingml/2006/main" xmlns:r="http://schemas.openxmlformats.org/officeDocument/2006/relationships" xmlns:p="http://schemas.openxmlformats.org/presentationml/2006/main">
-  <p:cSld>
-    <p:spTree>
-      <p:nvGrpSpPr>
-        <p:cNvPr id="1" name=""/>
-        <p:cNvGrpSpPr/>
-        <p:nvPr/>
-      </p:nvGrpSpPr>
-      <p:grpSpPr>
-        <a:xfrm>
-          <a:off x="0" y="0"/>
-          <a:ext cx="0" cy="0"/>
-          <a:chOff x="0" y="0"/>
-          <a:chExt cx="0" cy="0"/>
-        </a:xfrm>
-      </p:grpSpPr>
-      <p:sp>
-        <p:nvSpPr>
-          <p:cNvPr id="9218" name="Title 1"/>
-          <p:cNvSpPr>
-            <a:spLocks noGrp="1"/>
-          </p:cNvSpPr>
-          <p:nvPr>
-            <p:ph type="title"/>
-          </p:nvPr>
-        </p:nvSpPr>
-        <p:spPr>
-          <a:xfrm>
-            <a:off x="457200" y="0"/>
-            <a:ext cx="8229600" cy="715962"/>
-          </a:xfrm>
-        </p:spPr>
-        <p:txBody>
-          <a:bodyPr/>
-          <a:lstStyle/>
-          <a:p>
-            <a:pPr eaLnBrk="1" hangingPunct="1"/>
-            <a:r>
-              <a:rPr lang="en-US" dirty="0" smtClean="0"/>
-              <a:t>MCSDK </a:t>
-            </a:r>
-            <a:r>
-              <a:rPr lang="en-US" sz="3600" dirty="0" smtClean="0"/>
-              <a:t>Algorithm Libraries</a:t>
-            </a:r>
-          </a:p>
-        </p:txBody>
-      </p:sp>
-      <p:sp>
-        <p:nvSpPr>
-          <p:cNvPr id="9219" name="Content Placeholder 2"/>
-          <p:cNvSpPr>
-            <a:spLocks noGrp="1"/>
-          </p:cNvSpPr>
-          <p:nvPr>
-            <p:ph idx="1"/>
-          </p:nvPr>
-        </p:nvSpPr>
-        <p:spPr>
-          <a:xfrm>
-            <a:off x="457200" y="685800"/>
-            <a:ext cx="8229600" cy="5867400"/>
-          </a:xfrm>
-        </p:spPr>
-        <p:txBody>
-          <a:bodyPr/>
-          <a:lstStyle/>
-          <a:p>
-            <a:pPr marL="0" indent="0" eaLnBrk="1" hangingPunct="1">
-              <a:buNone/>
-            </a:pPr>
-            <a:r>
-              <a:rPr lang="en-US" sz="2000" dirty="0" smtClean="0"/>
-              <a:t>Algorithm libraries contain C66x C-callable, hand-coded, assembly-optimized functions for specific usage:</a:t>
-            </a:r>
-          </a:p>
-          <a:p>
-            <a:pPr eaLnBrk="1" hangingPunct="1"/>
-            <a:r>
-              <a:rPr lang="en-US" sz="1800" b="1" dirty="0" smtClean="0"/>
-              <a:t>DSPLIB</a:t>
-            </a:r>
-            <a:r>
-              <a:rPr lang="en-US" sz="1800" dirty="0" smtClean="0"/>
-              <a:t> provides signal-processing math and vector functions:</a:t>
-            </a:r>
-          </a:p>
-          <a:p>
-            <a:pPr lvl="1" eaLnBrk="1" hangingPunct="1"/>
-            <a:r>
-              <a:rPr lang="en-US" sz="1600" dirty="0" smtClean="0"/>
-              <a:t>Adaptive filtering</a:t>
-            </a:r>
-          </a:p>
-          <a:p>
-            <a:pPr lvl="1" eaLnBrk="1" hangingPunct="1"/>
-            <a:r>
-              <a:rPr lang="en-US" sz="1600" dirty="0" smtClean="0"/>
-              <a:t>Correlation</a:t>
-            </a:r>
-          </a:p>
-          <a:p>
-            <a:pPr lvl="1" eaLnBrk="1" hangingPunct="1"/>
-            <a:r>
-              <a:rPr lang="en-US" sz="1600" dirty="0" smtClean="0"/>
-              <a:t>FFT (e.g. FFT functions for ‘</a:t>
-            </a:r>
-            <a:r>
-              <a:rPr lang="en-US" sz="1600" dirty="0" err="1" smtClean="0"/>
-              <a:t>npoint</a:t>
-            </a:r>
-            <a:r>
-              <a:rPr lang="en-US" sz="1600" dirty="0" smtClean="0"/>
-              <a:t>’ FFTs)</a:t>
-            </a:r>
-          </a:p>
-          <a:p>
-            <a:pPr lvl="1" eaLnBrk="1" hangingPunct="1"/>
-            <a:r>
-              <a:rPr lang="en-US" sz="1600" dirty="0" smtClean="0"/>
-              <a:t>Filtering and Convolution (e.g., FIR, IIR filter functions, etc.)</a:t>
-            </a:r>
-          </a:p>
-          <a:p>
-            <a:pPr lvl="1" eaLnBrk="1" hangingPunct="1"/>
-            <a:r>
-              <a:rPr lang="en-US" sz="1600" dirty="0" smtClean="0"/>
-              <a:t>Matrix (e.g., single and double precision matrix multiplication, etc.)</a:t>
-            </a:r>
-          </a:p>
-          <a:p>
-            <a:pPr eaLnBrk="1" hangingPunct="1"/>
-            <a:r>
-              <a:rPr lang="en-US" sz="1800" b="1" dirty="0" smtClean="0"/>
-              <a:t>IMGLIB</a:t>
-            </a:r>
-            <a:r>
-              <a:rPr lang="en-US" sz="1800" dirty="0" smtClean="0"/>
-              <a:t> provides image/video processing functions:</a:t>
-            </a:r>
-          </a:p>
-          <a:p>
-            <a:pPr lvl="1" eaLnBrk="1" hangingPunct="1"/>
-            <a:r>
-              <a:rPr lang="en-US" sz="1600" dirty="0" smtClean="0"/>
-              <a:t>Compression &amp; Decompression (e.g., forward and inverse DCT, motion estimation, quantization, etc.)</a:t>
-            </a:r>
-          </a:p>
-          <a:p>
-            <a:pPr lvl="1" eaLnBrk="1" hangingPunct="1"/>
-            <a:r>
-              <a:rPr lang="en-US" sz="1600" dirty="0" smtClean="0"/>
-              <a:t>Image Analysis (e.g., edge detection, histogram, </a:t>
-            </a:r>
-            <a:r>
-              <a:rPr lang="en-US" sz="1600" dirty="0" err="1" smtClean="0"/>
-              <a:t>thresholding</a:t>
-            </a:r>
-            <a:r>
-              <a:rPr lang="en-US" sz="1600" dirty="0" smtClean="0"/>
-              <a:t>, etc.)</a:t>
-            </a:r>
-          </a:p>
-          <a:p>
-            <a:pPr lvl="1" eaLnBrk="1" hangingPunct="1"/>
-            <a:r>
-              <a:rPr lang="en-US" sz="1600" dirty="0" smtClean="0"/>
-              <a:t>Image Filtering and Conversion (e.g., color space conversion, convolution, correlation,  error diffusion, etc.)</a:t>
-            </a:r>
-          </a:p>
-          <a:p>
-            <a:pPr eaLnBrk="1" hangingPunct="1"/>
-            <a:r>
-              <a:rPr lang="en-US" sz="1800" b="1" dirty="0" err="1" smtClean="0"/>
-              <a:t>MathLIB</a:t>
-            </a:r>
-            <a:r>
-              <a:rPr lang="en-US" sz="1800" dirty="0" smtClean="0"/>
-              <a:t> provides floating-point math functions:</a:t>
-            </a:r>
-          </a:p>
-          <a:p>
-            <a:pPr lvl="1" eaLnBrk="1" hangingPunct="1"/>
-            <a:r>
-              <a:rPr lang="en-US" sz="1600" dirty="0" smtClean="0"/>
-              <a:t>Single-precision (e.g., cosine/sine/tangent of a floating point number, etc.)</a:t>
-            </a:r>
-          </a:p>
-          <a:p>
-            <a:pPr lvl="1" eaLnBrk="1" hangingPunct="1"/>
-            <a:r>
-              <a:rPr lang="en-US" sz="1600" dirty="0" smtClean="0"/>
-              <a:t>Double precision (e.g., similar functions as above with argument type and return values to be of type double)</a:t>
-            </a:r>
-          </a:p>
-          <a:p>
-            <a:pPr eaLnBrk="1" hangingPunct="1"/>
-            <a:r>
-              <a:rPr lang="en-US" sz="2000" dirty="0" smtClean="0"/>
-              <a:t>More info: </a:t>
-            </a:r>
-            <a:r>
-              <a:rPr lang="en-US" sz="2000" dirty="0" smtClean="0">
-                <a:hlinkClick r:id="rId2"/>
-              </a:rPr>
-              <a:t>http://processors.wiki.ti.com/index.php/Software_libraries</a:t>
-            </a:r>
-            <a:endParaRPr lang="en-US" sz="2000" dirty="0" smtClean="0"/>
-          </a:p>
-          <a:p>
-            <a:pPr eaLnBrk="1" hangingPunct="1"/>
-            <a:endParaRPr lang="en-US" sz="2000" dirty="0" smtClean="0"/>
-          </a:p>
-        </p:txBody>
-      </p:sp>
-    </p:spTree>
-  </p:cSld>
-  <p:clrMapOvr>
-    <a:masterClrMapping/>
-  </p:clrMapOvr>
-  <p:timing>
-    <p:tnLst>
-      <p:par>
-        <p:cTn id="1" dur="indefinite" restart="never" nodeType="tmRoot"/>
-      </p:par>
-    </p:tnLst>
-  </p:timing>
-</p:sld>
-</file>
-
 <file path=ppt/slides/slide16.xml><?xml version="1.0" encoding="utf-8"?>
 <p:sld xmlns:a="http://schemas.openxmlformats.org/drawingml/2006/main" xmlns:r="http://schemas.openxmlformats.org/officeDocument/2006/relationships" xmlns:p="http://schemas.openxmlformats.org/presentationml/2006/main">
   <p:cSld>
@@ -11977,7 +11923,7 @@
           <a:p>
             <a:pPr eaLnBrk="1" hangingPunct="1"/>
             <a:r>
-              <a:rPr lang="en-US" sz="3600" b="1" dirty="0" smtClean="0"/>
+              <a:rPr lang="en-US" sz="3600" dirty="0" smtClean="0"/>
               <a:t>Simplified Development &amp; Migration</a:t>
             </a:r>
           </a:p>
@@ -12093,7 +12039,7 @@
                   <a:spcPct val="0"/>
                 </a:spcAft>
               </a:pPr>
-              <a:endParaRPr lang="en-US">
+              <a:endParaRPr lang="en-US" dirty="0">
                 <a:solidFill>
                   <a:prstClr val="black"/>
                 </a:solidFill>
@@ -12203,7 +12149,7 @@
                 <a:buSzPct val="85000"/>
               </a:pPr>
               <a:r>
-                <a:rPr lang="en-US" sz="900" b="1">
+                <a:rPr lang="en-US" sz="900" b="1" dirty="0">
                   <a:solidFill>
                     <a:prstClr val="black"/>
                   </a:solidFill>
@@ -12261,7 +12207,7 @@
                 <a:buSzPct val="85000"/>
               </a:pPr>
               <a:r>
-                <a:rPr lang="en-US" sz="900" b="1">
+                <a:rPr lang="en-US" sz="900" b="1" dirty="0">
                   <a:solidFill>
                     <a:prstClr val="black"/>
                   </a:solidFill>
@@ -12499,7 +12445,7 @@
                 <a:buSzPct val="85000"/>
               </a:pPr>
               <a:r>
-                <a:rPr lang="en-US" sz="800" b="1">
+                <a:rPr lang="en-US" sz="800" b="1" dirty="0">
                   <a:solidFill>
                     <a:prstClr val="black"/>
                   </a:solidFill>
@@ -12611,7 +12557,7 @@
                 <a:buSzPct val="85000"/>
               </a:pPr>
               <a:r>
-                <a:rPr lang="en-US" sz="800" b="1">
+                <a:rPr lang="en-US" sz="800" b="1" dirty="0">
                   <a:solidFill>
                     <a:prstClr val="black"/>
                   </a:solidFill>
@@ -12663,7 +12609,7 @@
                   <a:spcPct val="0"/>
                 </a:spcAft>
               </a:pPr>
-              <a:endParaRPr lang="en-US">
+              <a:endParaRPr lang="en-US" dirty="0">
                 <a:solidFill>
                   <a:prstClr val="black"/>
                 </a:solidFill>
@@ -12848,7 +12794,7 @@
                 <a:buSzPct val="85000"/>
               </a:pPr>
               <a:r>
-                <a:rPr lang="en-US" sz="800" b="1">
+                <a:rPr lang="en-US" sz="800" b="1" dirty="0">
                   <a:solidFill>
                     <a:prstClr val="black"/>
                   </a:solidFill>
@@ -12906,7 +12852,7 @@
                 <a:buSzPct val="85000"/>
               </a:pPr>
               <a:r>
-                <a:rPr lang="en-US" sz="1400">
+                <a:rPr lang="en-US" sz="1400" dirty="0">
                   <a:solidFill>
                     <a:prstClr val="black"/>
                   </a:solidFill>
@@ -13068,7 +13014,7 @@
                 <a:buSzPct val="85000"/>
               </a:pPr>
               <a:r>
-                <a:rPr lang="en-US" sz="800" b="1">
+                <a:rPr lang="en-US" sz="800" b="1" dirty="0">
                   <a:solidFill>
                     <a:prstClr val="black"/>
                   </a:solidFill>
@@ -13126,7 +13072,7 @@
                 <a:buSzPct val="85000"/>
               </a:pPr>
               <a:r>
-                <a:rPr lang="en-US" sz="800" b="1">
+                <a:rPr lang="en-US" sz="800" b="1" dirty="0">
                   <a:solidFill>
                     <a:prstClr val="black"/>
                   </a:solidFill>
@@ -13483,7 +13429,7 @@
                   <a:spcPct val="0"/>
                 </a:spcAft>
               </a:pPr>
-              <a:endParaRPr lang="en-US">
+              <a:endParaRPr lang="en-US" dirty="0">
                 <a:solidFill>
                   <a:prstClr val="black"/>
                 </a:solidFill>
@@ -13591,7 +13537,7 @@
                 <a:buSzPct val="85000"/>
               </a:pPr>
               <a:r>
-                <a:rPr lang="en-US" sz="800" b="1">
+                <a:rPr lang="en-US" sz="800" b="1" dirty="0">
                   <a:solidFill>
                     <a:prstClr val="black"/>
                   </a:solidFill>
@@ -13703,7 +13649,7 @@
                 <a:buSzPct val="85000"/>
               </a:pPr>
               <a:r>
-                <a:rPr lang="en-US" sz="800" b="1">
+                <a:rPr lang="en-US" sz="800" b="1" dirty="0">
                   <a:solidFill>
                     <a:prstClr val="black"/>
                   </a:solidFill>
@@ -13933,7 +13879,7 @@
                 <a:buSzPct val="85000"/>
               </a:pPr>
               <a:r>
-                <a:rPr lang="en-US" sz="800" b="1">
+                <a:rPr lang="en-US" sz="800" b="1" dirty="0">
                   <a:solidFill>
                     <a:prstClr val="black"/>
                   </a:solidFill>
@@ -13991,7 +13937,7 @@
                 <a:buSzPct val="85000"/>
               </a:pPr>
               <a:r>
-                <a:rPr lang="en-US" sz="800" b="1">
+                <a:rPr lang="en-US" sz="800" b="1" dirty="0">
                   <a:solidFill>
                     <a:prstClr val="black"/>
                   </a:solidFill>
@@ -14043,7 +13989,7 @@
                   <a:spcPct val="0"/>
                 </a:spcAft>
               </a:pPr>
-              <a:endParaRPr lang="en-US">
+              <a:endParaRPr lang="en-US" dirty="0">
                 <a:solidFill>
                   <a:prstClr val="black"/>
                 </a:solidFill>
@@ -14590,7 +14536,7 @@
                   <a:spcPct val="0"/>
                 </a:spcAft>
               </a:pPr>
-              <a:endParaRPr lang="en-US">
+              <a:endParaRPr lang="en-US" dirty="0">
                 <a:solidFill>
                   <a:prstClr val="black"/>
                 </a:solidFill>
@@ -14698,7 +14644,7 @@
                 <a:buSzPct val="85000"/>
               </a:pPr>
               <a:r>
-                <a:rPr lang="en-US" sz="800" b="1">
+                <a:rPr lang="en-US" sz="800" b="1" dirty="0">
                   <a:solidFill>
                     <a:prstClr val="black"/>
                   </a:solidFill>
@@ -14810,7 +14756,7 @@
                 <a:buSzPct val="85000"/>
               </a:pPr>
               <a:r>
-                <a:rPr lang="en-US" sz="800" b="1">
+                <a:rPr lang="en-US" sz="800" b="1" dirty="0">
                   <a:solidFill>
                     <a:prstClr val="black"/>
                   </a:solidFill>
@@ -14862,7 +14808,7 @@
                   <a:spcPct val="0"/>
                 </a:spcAft>
               </a:pPr>
-              <a:endParaRPr lang="en-US">
+              <a:endParaRPr lang="en-US" dirty="0">
                 <a:solidFill>
                   <a:prstClr val="black"/>
                 </a:solidFill>
@@ -15151,7 +15097,7 @@
                 <a:buSzPct val="85000"/>
               </a:pPr>
               <a:r>
-                <a:rPr lang="en-US" sz="800" b="1">
+                <a:rPr lang="en-US" sz="800" b="1" dirty="0">
                   <a:solidFill>
                     <a:prstClr val="black"/>
                   </a:solidFill>
@@ -15209,7 +15155,7 @@
                 <a:buSzPct val="85000"/>
               </a:pPr>
               <a:r>
-                <a:rPr lang="en-US" sz="800" b="1">
+                <a:rPr lang="en-US" sz="800" b="1" dirty="0">
                   <a:solidFill>
                     <a:prstClr val="black"/>
                   </a:solidFill>
@@ -15501,7 +15447,7 @@
                 <a:buSzPct val="85000"/>
               </a:pPr>
               <a:r>
-                <a:rPr lang="en-US" sz="1400" b="1">
+                <a:rPr lang="en-US" sz="1400" b="1" dirty="0">
                   <a:solidFill>
                     <a:prstClr val="black"/>
                   </a:solidFill>
@@ -15511,7 +15457,7 @@
                 <a:t>Customer Application</a:t>
               </a:r>
               <a:r>
-                <a:rPr lang="en-US" sz="1400">
+                <a:rPr lang="en-US" sz="1400" dirty="0">
                   <a:solidFill>
                     <a:prstClr val="black"/>
                   </a:solidFill>
@@ -15569,7 +15515,7 @@
                 <a:buSzPct val="85000"/>
               </a:pPr>
               <a:r>
-                <a:rPr lang="en-US" sz="800" b="1">
+                <a:rPr lang="en-US" sz="800" b="1" dirty="0">
                   <a:solidFill>
                     <a:prstClr val="black"/>
                   </a:solidFill>
@@ -15620,7 +15566,7 @@
                 <a:spcPct val="0"/>
               </a:spcAft>
             </a:pPr>
-            <a:endParaRPr lang="en-US">
+            <a:endParaRPr lang="en-US" dirty="0">
               <a:solidFill>
                 <a:prstClr val="black"/>
               </a:solidFill>
@@ -15745,7 +15691,7 @@
                   <a:spcPct val="0"/>
                 </a:spcAft>
               </a:pPr>
-              <a:endParaRPr lang="en-US">
+              <a:endParaRPr lang="en-US" dirty="0">
                 <a:solidFill>
                   <a:prstClr val="black"/>
                 </a:solidFill>
@@ -15853,7 +15799,7 @@
                 <a:buSzPct val="85000"/>
               </a:pPr>
               <a:r>
-                <a:rPr lang="en-US" sz="800" b="1">
+                <a:rPr lang="en-US" sz="800" b="1" dirty="0">
                   <a:solidFill>
                     <a:prstClr val="black"/>
                   </a:solidFill>
@@ -15975,16 +15921,6 @@
                 <a:t>Next Gen TI </a:t>
               </a:r>
               <a:r>
-                <a:rPr lang="en-US" sz="800" b="1" dirty="0" err="1" smtClean="0">
-                  <a:solidFill>
-                    <a:prstClr val="black"/>
-                  </a:solidFill>
-                  <a:latin typeface="Trebuchet MS" pitchFamily="34" charset="0"/>
-                  <a:cs typeface="Arial" charset="0"/>
-                </a:rPr>
-                <a:t>SoC</a:t>
-              </a:r>
-              <a:r>
                 <a:rPr lang="en-US" sz="800" b="1" dirty="0" smtClean="0">
                   <a:solidFill>
                     <a:prstClr val="black"/>
@@ -15992,7 +15928,7 @@
                   <a:latin typeface="Trebuchet MS" pitchFamily="34" charset="0"/>
                   <a:cs typeface="Arial" charset="0"/>
                 </a:rPr>
-                <a:t> Platform</a:t>
+                <a:t>SoC Platform</a:t>
               </a:r>
               <a:endParaRPr lang="en-US" sz="800" b="1" dirty="0">
                 <a:solidFill>
@@ -16044,7 +15980,7 @@
                   <a:spcPct val="0"/>
                 </a:spcAft>
               </a:pPr>
-              <a:endParaRPr lang="en-US">
+              <a:endParaRPr lang="en-US" dirty="0">
                 <a:solidFill>
                   <a:prstClr val="black"/>
                 </a:solidFill>
@@ -16333,7 +16269,7 @@
                 <a:buSzPct val="85000"/>
               </a:pPr>
               <a:r>
-                <a:rPr lang="en-US" sz="800" b="1">
+                <a:rPr lang="en-US" sz="800" b="1" dirty="0">
                   <a:solidFill>
                     <a:prstClr val="black"/>
                   </a:solidFill>
@@ -16391,7 +16327,7 @@
                 <a:buSzPct val="85000"/>
               </a:pPr>
               <a:r>
-                <a:rPr lang="en-US" sz="800" b="1">
+                <a:rPr lang="en-US" sz="800" b="1" dirty="0">
                   <a:solidFill>
                     <a:prstClr val="black"/>
                   </a:solidFill>
@@ -16683,7 +16619,7 @@
                 <a:buSzPct val="85000"/>
               </a:pPr>
               <a:r>
-                <a:rPr lang="en-US" sz="1400">
+                <a:rPr lang="en-US" sz="1400" dirty="0">
                   <a:solidFill>
                     <a:prstClr val="black"/>
                   </a:solidFill>
@@ -16693,7 +16629,7 @@
                 <a:t>Customer App on </a:t>
               </a:r>
               <a:r>
-                <a:rPr lang="en-US" sz="1400" b="1">
+                <a:rPr lang="en-US" sz="1400" b="1" dirty="0">
                   <a:solidFill>
                     <a:prstClr val="black"/>
                   </a:solidFill>
@@ -16751,7 +16687,7 @@
                 <a:buSzPct val="85000"/>
               </a:pPr>
               <a:r>
-                <a:rPr lang="en-US" sz="800" b="1">
+                <a:rPr lang="en-US" sz="800" b="1" dirty="0">
                   <a:solidFill>
                     <a:prstClr val="black"/>
                   </a:solidFill>
@@ -16802,7 +16738,7 @@
                 <a:spcPct val="0"/>
               </a:spcAft>
             </a:pPr>
-            <a:endParaRPr lang="en-US">
+            <a:endParaRPr lang="en-US" dirty="0">
               <a:solidFill>
                 <a:prstClr val="black"/>
               </a:solidFill>
@@ -16850,7 +16786,7 @@
                 <a:spcPct val="0"/>
               </a:spcAft>
             </a:pPr>
-            <a:endParaRPr lang="en-US">
+            <a:endParaRPr lang="en-US" dirty="0">
               <a:solidFill>
                 <a:prstClr val="black"/>
               </a:solidFill>
@@ -18319,42 +18255,26 @@
                 <a:ea typeface="ＭＳ Ｐゴシック" pitchFamily="34" charset="-128"/>
                 <a:cs typeface="Arial" charset="0"/>
               </a:rPr>
-              <a:t>Multicore </a:t>
-            </a:r>
+              <a:t>Multicore Software</a:t>
+            </a:r>
+          </a:p>
+          <a:p>
+            <a:pPr algn="ctr" fontAlgn="base">
+              <a:spcBef>
+                <a:spcPct val="0"/>
+              </a:spcBef>
+              <a:spcAft>
+                <a:spcPct val="0"/>
+              </a:spcAft>
+              <a:defRPr/>
+            </a:pPr>
             <a:r>
               <a:rPr lang="en-US" sz="1600" b="1" dirty="0" smtClean="0">
                 <a:latin typeface="Arial" pitchFamily="34" charset="0"/>
                 <a:ea typeface="ＭＳ Ｐゴシック" pitchFamily="34" charset="-128"/>
                 <a:cs typeface="Arial" charset="0"/>
               </a:rPr>
-              <a:t>Software</a:t>
-            </a:r>
-          </a:p>
-          <a:p>
-            <a:pPr algn="ctr" fontAlgn="base">
-              <a:spcBef>
-                <a:spcPct val="0"/>
-              </a:spcBef>
-              <a:spcAft>
-                <a:spcPct val="0"/>
-              </a:spcAft>
-              <a:defRPr/>
-            </a:pPr>
-            <a:r>
-              <a:rPr lang="en-US" sz="1600" b="1" dirty="0" smtClean="0">
-                <a:latin typeface="Arial" pitchFamily="34" charset="0"/>
-                <a:ea typeface="ＭＳ Ｐゴシック" pitchFamily="34" charset="-128"/>
-                <a:cs typeface="Arial" charset="0"/>
-              </a:rPr>
-              <a:t>Development </a:t>
-            </a:r>
-            <a:r>
-              <a:rPr lang="en-US" sz="1600" b="1" dirty="0" smtClean="0">
-                <a:latin typeface="Arial" pitchFamily="34" charset="0"/>
-                <a:ea typeface="ＭＳ Ｐゴシック" pitchFamily="34" charset="-128"/>
-                <a:cs typeface="Arial" charset="0"/>
-              </a:rPr>
-              <a:t>Kit</a:t>
+              <a:t>Development Kit</a:t>
             </a:r>
           </a:p>
           <a:p>
@@ -18512,19 +18432,15 @@
           <a:p>
             <a:pPr eaLnBrk="1" hangingPunct="1"/>
             <a:r>
-              <a:rPr lang="en-US" sz="3200" b="1" dirty="0" smtClean="0"/>
+              <a:rPr lang="en-US" sz="3600" dirty="0" smtClean="0"/>
               <a:t>TI Software Development Ecosystem</a:t>
             </a:r>
-            <a:r>
-              <a:rPr lang="en-US" b="1" dirty="0" smtClean="0"/>
-              <a:t/>
-            </a:r>
             <a:br>
-              <a:rPr lang="en-US" b="1" dirty="0" smtClean="0"/>
+              <a:rPr lang="en-US" sz="3600" dirty="0" smtClean="0"/>
             </a:br>
             <a:r>
-              <a:rPr lang="en-US" sz="2400" b="1" dirty="0" smtClean="0"/>
-              <a:t>Multicore Performance, Single-core Simplicity</a:t>
+              <a:rPr lang="en-US" sz="2400" dirty="0" smtClean="0"/>
+              <a:t>Third Party Software Plug-ins</a:t>
             </a:r>
           </a:p>
         </p:txBody>
@@ -19377,15 +19293,7 @@
           <a:p>
             <a:r>
               <a:rPr lang="en-US" sz="2000" b="1" dirty="0" smtClean="0"/>
-              <a:t>Poly-Platform from </a:t>
-            </a:r>
-            <a:r>
-              <a:rPr lang="en-US" sz="2000" b="1" dirty="0" err="1" smtClean="0"/>
-              <a:t>PolyCore</a:t>
-            </a:r>
-            <a:r>
-              <a:rPr lang="en-US" sz="2000" b="1" dirty="0" smtClean="0"/>
-              <a:t> </a:t>
+              <a:t>Poly-Platform from PolyCore </a:t>
             </a:r>
             <a:r>
               <a:rPr lang="en-US" sz="2000" dirty="0" smtClean="0">
@@ -19401,15 +19309,7 @@
           <a:p>
             <a:r>
               <a:rPr lang="en-US" sz="2000" b="1" dirty="0" smtClean="0"/>
-              <a:t>Prism from </a:t>
-            </a:r>
-            <a:r>
-              <a:rPr lang="en-US" sz="2000" b="1" dirty="0" err="1" smtClean="0"/>
-              <a:t>CriticalBlue</a:t>
-            </a:r>
-            <a:r>
-              <a:rPr lang="en-US" sz="2000" b="1" dirty="0" smtClean="0"/>
-              <a:t> </a:t>
+              <a:t>Prism from CriticalBlue </a:t>
             </a:r>
             <a:r>
               <a:rPr lang="en-US" sz="2000" dirty="0" smtClean="0">
@@ -20248,42 +20148,26 @@
                 <a:ea typeface="ＭＳ Ｐゴシック" pitchFamily="34" charset="-128"/>
                 <a:cs typeface="Arial" charset="0"/>
               </a:rPr>
-              <a:t>Multicore </a:t>
-            </a:r>
+              <a:t>Multicore Software</a:t>
+            </a:r>
+          </a:p>
+          <a:p>
+            <a:pPr algn="ctr" fontAlgn="base">
+              <a:spcBef>
+                <a:spcPct val="0"/>
+              </a:spcBef>
+              <a:spcAft>
+                <a:spcPct val="0"/>
+              </a:spcAft>
+              <a:defRPr/>
+            </a:pPr>
             <a:r>
               <a:rPr lang="en-US" sz="1600" b="1" dirty="0" smtClean="0">
                 <a:latin typeface="Arial" pitchFamily="34" charset="0"/>
                 <a:ea typeface="ＭＳ Ｐゴシック" pitchFamily="34" charset="-128"/>
                 <a:cs typeface="Arial" charset="0"/>
               </a:rPr>
-              <a:t>Software</a:t>
-            </a:r>
-          </a:p>
-          <a:p>
-            <a:pPr algn="ctr" fontAlgn="base">
-              <a:spcBef>
-                <a:spcPct val="0"/>
-              </a:spcBef>
-              <a:spcAft>
-                <a:spcPct val="0"/>
-              </a:spcAft>
-              <a:defRPr/>
-            </a:pPr>
-            <a:r>
-              <a:rPr lang="en-US" sz="1600" b="1" dirty="0" smtClean="0">
-                <a:latin typeface="Arial" pitchFamily="34" charset="0"/>
-                <a:ea typeface="ＭＳ Ｐゴシック" pitchFamily="34" charset="-128"/>
-                <a:cs typeface="Arial" charset="0"/>
-              </a:rPr>
-              <a:t>Development </a:t>
-            </a:r>
-            <a:r>
-              <a:rPr lang="en-US" sz="1600" b="1" dirty="0" smtClean="0">
-                <a:latin typeface="Arial" pitchFamily="34" charset="0"/>
-                <a:ea typeface="ＭＳ Ｐゴシック" pitchFamily="34" charset="-128"/>
-                <a:cs typeface="Arial" charset="0"/>
-              </a:rPr>
-              <a:t>Kit</a:t>
+              <a:t>Development Kit</a:t>
             </a:r>
           </a:p>
           <a:p>
@@ -20334,18 +20218,14 @@
           <a:p>
             <a:pPr eaLnBrk="1" hangingPunct="1"/>
             <a:r>
-              <a:rPr lang="en-US" sz="3200" b="1" dirty="0" smtClean="0"/>
+              <a:rPr lang="en-US" sz="3600" dirty="0" smtClean="0"/>
               <a:t>TI Software Development Ecosystem</a:t>
             </a:r>
-            <a:r>
-              <a:rPr lang="en-US" b="1" dirty="0" smtClean="0"/>
-              <a:t/>
-            </a:r>
             <a:br>
-              <a:rPr lang="en-US" b="1" dirty="0" smtClean="0"/>
+              <a:rPr lang="en-US" sz="3600" dirty="0" smtClean="0"/>
             </a:br>
             <a:r>
-              <a:rPr lang="en-US" sz="2400" b="1" dirty="0" smtClean="0"/>
+              <a:rPr lang="en-US" sz="2400" dirty="0" smtClean="0"/>
               <a:t>Multicore Performance, Single-core Simplicity</a:t>
             </a:r>
           </a:p>
@@ -21595,7 +21475,7 @@
                 <a:latin typeface="Calibri" pitchFamily="34" charset="0"/>
                 <a:cs typeface="Calibri" pitchFamily="34" charset="0"/>
               </a:rPr>
-              <a:t>Operating System Basics</a:t>
+              <a:t>Software System Basics</a:t>
             </a:r>
           </a:p>
           <a:p>
@@ -21604,7 +21484,7 @@
                 <a:latin typeface="Calibri" pitchFamily="34" charset="0"/>
                 <a:cs typeface="Calibri" pitchFamily="34" charset="0"/>
               </a:rPr>
-              <a:t>TI’s Traditional Development Support</a:t>
+              <a:t>DSP Development Support</a:t>
             </a:r>
           </a:p>
           <a:p>
@@ -21740,24 +21620,14 @@
           <a:p>
             <a:r>
               <a:rPr lang="en-US" dirty="0" smtClean="0"/>
-              <a:t>/</a:t>
-            </a:r>
-            <a:r>
-              <a:rPr lang="en-US" dirty="0" err="1" smtClean="0"/>
-              <a:t>mcsdk</a:t>
-            </a:r>
-            <a:endParaRPr lang="en-US" dirty="0" smtClean="0"/>
+              <a:t>/mcsdk</a:t>
+            </a:r>
           </a:p>
           <a:p>
             <a:r>
               <a:rPr lang="en-US" dirty="0" smtClean="0"/>
-              <a:t>/</a:t>
-            </a:r>
-            <a:r>
-              <a:rPr lang="en-US" dirty="0" err="1" smtClean="0"/>
-              <a:t>pdk</a:t>
-            </a:r>
-            <a:endParaRPr lang="en-US" dirty="0" smtClean="0"/>
+              <a:t>/pdk</a:t>
+            </a:r>
           </a:p>
           <a:p>
             <a:r>
@@ -21774,55 +21644,31 @@
           <a:p>
             <a:r>
               <a:rPr lang="en-US" dirty="0" smtClean="0"/>
-              <a:t>/</a:t>
-            </a:r>
-            <a:r>
-              <a:rPr lang="en-US" dirty="0" err="1" smtClean="0"/>
-              <a:t>dsplib</a:t>
-            </a:r>
-            <a:endParaRPr lang="en-US" dirty="0" smtClean="0"/>
+              <a:t>/dsplib</a:t>
+            </a:r>
           </a:p>
           <a:p>
             <a:r>
               <a:rPr lang="en-US" dirty="0" smtClean="0"/>
-              <a:t>/</a:t>
-            </a:r>
-            <a:r>
-              <a:rPr lang="en-US" dirty="0" err="1" smtClean="0"/>
-              <a:t>imglib</a:t>
-            </a:r>
-            <a:endParaRPr lang="en-US" dirty="0" smtClean="0"/>
+              <a:t>/imglib</a:t>
+            </a:r>
           </a:p>
           <a:p>
             <a:r>
               <a:rPr lang="en-US" dirty="0" smtClean="0"/>
-              <a:t>/</a:t>
-            </a:r>
-            <a:r>
-              <a:rPr lang="en-US" dirty="0" err="1" smtClean="0"/>
-              <a:t>mathlib</a:t>
-            </a:r>
-            <a:endParaRPr lang="en-US" dirty="0" smtClean="0"/>
+              <a:t>/mathlib</a:t>
+            </a:r>
           </a:p>
           <a:p>
             <a:r>
               <a:rPr lang="en-US" dirty="0" smtClean="0"/>
-              <a:t>/</a:t>
-            </a:r>
-            <a:r>
-              <a:rPr lang="en-US" dirty="0" err="1" smtClean="0"/>
-              <a:t>ipc</a:t>
-            </a:r>
-            <a:endParaRPr lang="en-US" dirty="0" smtClean="0"/>
+              <a:t>/ipc</a:t>
+            </a:r>
           </a:p>
           <a:p>
             <a:r>
               <a:rPr lang="en-US" dirty="0" smtClean="0"/>
-              <a:t>/</a:t>
-            </a:r>
-            <a:r>
-              <a:rPr lang="en-US" dirty="0" err="1" smtClean="0"/>
-              <a:t>ndk</a:t>
+              <a:t>/ndk</a:t>
             </a:r>
             <a:endParaRPr lang="en-US" dirty="0"/>
           </a:p>
@@ -22065,7 +21911,7 @@
           <a:p>
             <a:r>
               <a:rPr lang="en-US" sz="3600" dirty="0" smtClean="0"/>
-              <a:t>Operating System Basics</a:t>
+              <a:t>Software System Basics</a:t>
             </a:r>
             <a:endParaRPr lang="en-US" sz="3600" dirty="0"/>
           </a:p>
@@ -22089,7 +21935,7 @@
         </p:spPr>
         <p:txBody>
           <a:bodyPr>
-            <a:normAutofit fontScale="85000" lnSpcReduction="20000"/>
+            <a:normAutofit fontScale="92500" lnSpcReduction="20000"/>
           </a:bodyPr>
           <a:lstStyle/>
           <a:p>
@@ -22098,25 +21944,7 @@
                 <a:latin typeface="Calibri" pitchFamily="34" charset="0"/>
                 <a:cs typeface="Calibri" pitchFamily="34" charset="0"/>
               </a:rPr>
-              <a:t>On the surface, </a:t>
-            </a:r>
-            <a:r>
-              <a:rPr lang="en-US" sz="2400" dirty="0" smtClean="0"/>
-              <a:t>an</a:t>
-            </a:r>
-            <a:r>
-              <a:rPr lang="en-US" sz="2400" dirty="0" smtClean="0">
-                <a:latin typeface="Calibri" pitchFamily="34" charset="0"/>
-                <a:cs typeface="Calibri" pitchFamily="34" charset="0"/>
-              </a:rPr>
-              <a:t> </a:t>
-            </a:r>
-            <a:r>
-              <a:rPr lang="en-US" sz="2400" dirty="0" smtClean="0">
-                <a:latin typeface="Calibri" pitchFamily="34" charset="0"/>
-                <a:cs typeface="Calibri" pitchFamily="34" charset="0"/>
-              </a:rPr>
-              <a:t>OS provides:</a:t>
+              <a:t>Utilizing system hardware peripherals</a:t>
             </a:r>
           </a:p>
           <a:p>
@@ -22126,7 +21954,46 @@
                 <a:latin typeface="Calibri" pitchFamily="34" charset="0"/>
                 <a:cs typeface="Calibri" pitchFamily="34" charset="0"/>
               </a:rPr>
-              <a:t>Management, scheduling, and prioritization of system-level memory, processors, and input/output devices to enable multiple processes/threads.</a:t>
+              <a:t>Low level drivers (LLD) to abstract communication with the hardware layer, including device-specific modules/interfaces (from one or more manufacturers)</a:t>
+            </a:r>
+          </a:p>
+          <a:p>
+            <a:pPr lvl="1"/>
+            <a:r>
+              <a:rPr lang="en-US" sz="1800" dirty="0" smtClean="0">
+                <a:latin typeface="Calibri" pitchFamily="34" charset="0"/>
+                <a:cs typeface="Calibri" pitchFamily="34" charset="0"/>
+              </a:rPr>
+              <a:t>One or more layers of utility APIs (routines, structures, variables, etc.) that connect the application to the LLD</a:t>
+            </a:r>
+          </a:p>
+          <a:p>
+            <a:r>
+              <a:rPr lang="en-US" sz="2200" dirty="0" smtClean="0">
+                <a:latin typeface="Calibri" pitchFamily="34" charset="0"/>
+                <a:cs typeface="Calibri" pitchFamily="34" charset="0"/>
+              </a:rPr>
+              <a:t>Running applications</a:t>
+            </a:r>
+          </a:p>
+          <a:p>
+            <a:pPr lvl="1"/>
+            <a:r>
+              <a:rPr lang="en-US" sz="1800" dirty="0" smtClean="0">
+                <a:latin typeface="Calibri" pitchFamily="34" charset="0"/>
+                <a:cs typeface="Calibri" pitchFamily="34" charset="0"/>
+              </a:rPr>
+              <a:t>Management, scheduling, and prioritization of  threads</a:t>
+            </a:r>
+          </a:p>
+          <a:p>
+            <a:pPr lvl="1"/>
+            <a:r>
+              <a:rPr lang="en-US" sz="1800" dirty="0" smtClean="0">
+                <a:latin typeface="Calibri" pitchFamily="34" charset="0"/>
+                <a:cs typeface="Calibri" pitchFamily="34" charset="0"/>
+              </a:rPr>
+              <a:t>Managing memory, processors, and input/output devices</a:t>
             </a:r>
           </a:p>
           <a:p>
@@ -22170,104 +22037,12 @@
             </a:r>
           </a:p>
           <a:p>
-            <a:pPr lvl="1"/>
-            <a:r>
-              <a:rPr lang="en-US" sz="1800" dirty="0" smtClean="0">
-                <a:latin typeface="Calibri" pitchFamily="34" charset="0"/>
-                <a:cs typeface="Calibri" pitchFamily="34" charset="0"/>
-              </a:rPr>
-              <a:t>Mediation </a:t>
-            </a:r>
-            <a:r>
-              <a:rPr lang="en-US" sz="1800" dirty="0" smtClean="0">
-                <a:latin typeface="Calibri" pitchFamily="34" charset="0"/>
-                <a:cs typeface="Calibri" pitchFamily="34" charset="0"/>
-              </a:rPr>
-              <a:t>to </a:t>
-            </a:r>
-            <a:r>
-              <a:rPr lang="en-US" sz="1800" dirty="0" smtClean="0">
-                <a:latin typeface="Calibri" pitchFamily="34" charset="0"/>
-                <a:cs typeface="Calibri" pitchFamily="34" charset="0"/>
-              </a:rPr>
-              <a:t>abstract </a:t>
-            </a:r>
-            <a:r>
-              <a:rPr lang="en-US" sz="1800" dirty="0" smtClean="0">
-                <a:latin typeface="Calibri" pitchFamily="34" charset="0"/>
-                <a:cs typeface="Calibri" pitchFamily="34" charset="0"/>
-              </a:rPr>
-              <a:t>hardware and driver details from the application</a:t>
-            </a:r>
-          </a:p>
-          <a:p>
             <a:r>
               <a:rPr lang="en-US" sz="2400" dirty="0" smtClean="0">
                 <a:latin typeface="Calibri" pitchFamily="34" charset="0"/>
                 <a:cs typeface="Calibri" pitchFamily="34" charset="0"/>
               </a:rPr>
-              <a:t>Looking under the hood, </a:t>
-            </a:r>
-            <a:r>
-              <a:rPr lang="en-US" sz="2400" dirty="0" smtClean="0">
-                <a:latin typeface="Calibri" pitchFamily="34" charset="0"/>
-                <a:cs typeface="Calibri" pitchFamily="34" charset="0"/>
-              </a:rPr>
-              <a:t>an </a:t>
-            </a:r>
-            <a:r>
-              <a:rPr lang="en-US" sz="2400" dirty="0" smtClean="0">
-                <a:latin typeface="Calibri" pitchFamily="34" charset="0"/>
-                <a:cs typeface="Calibri" pitchFamily="34" charset="0"/>
-              </a:rPr>
-              <a:t>OS also provides:</a:t>
-            </a:r>
-          </a:p>
-          <a:p>
-            <a:pPr lvl="1"/>
-            <a:r>
-              <a:rPr lang="en-US" sz="1800" dirty="0" smtClean="0">
-                <a:latin typeface="Calibri" pitchFamily="34" charset="0"/>
-                <a:cs typeface="Calibri" pitchFamily="34" charset="0"/>
-              </a:rPr>
-              <a:t>Low level drivers (LLD) to abstract communication with the hardware layer, including device-specific modules/interfaces (from one or more manufacturers)</a:t>
-            </a:r>
-          </a:p>
-          <a:p>
-            <a:pPr lvl="1"/>
-            <a:r>
-              <a:rPr lang="en-US" sz="1800" dirty="0" smtClean="0">
-                <a:latin typeface="Calibri" pitchFamily="34" charset="0"/>
-                <a:cs typeface="Calibri" pitchFamily="34" charset="0"/>
-              </a:rPr>
-              <a:t>One or more layers of utility APIs (routines, structures, variables, etc.) that connect the application to the LLD</a:t>
-            </a:r>
-          </a:p>
-          <a:p>
-            <a:r>
-              <a:rPr lang="en-US" sz="2400" dirty="0" smtClean="0">
-                <a:latin typeface="Calibri" pitchFamily="34" charset="0"/>
-                <a:cs typeface="Calibri" pitchFamily="34" charset="0"/>
-              </a:rPr>
-              <a:t>Code </a:t>
-            </a:r>
-            <a:r>
-              <a:rPr lang="en-US" sz="2400" dirty="0" smtClean="0"/>
-              <a:t>D</a:t>
-            </a:r>
-            <a:r>
-              <a:rPr lang="en-US" sz="2400" dirty="0" smtClean="0">
-                <a:latin typeface="Calibri" pitchFamily="34" charset="0"/>
-                <a:cs typeface="Calibri" pitchFamily="34" charset="0"/>
-              </a:rPr>
-              <a:t>evelopment </a:t>
-            </a:r>
-            <a:r>
-              <a:rPr lang="en-US" sz="2400" dirty="0" smtClean="0">
-                <a:latin typeface="Calibri" pitchFamily="34" charset="0"/>
-                <a:cs typeface="Calibri" pitchFamily="34" charset="0"/>
-              </a:rPr>
-              <a:t>Environment:</a:t>
+              <a:t>Application development ecosystem:</a:t>
             </a:r>
           </a:p>
           <a:p>
@@ -22319,180 +22094,6 @@
               </a:rPr>
               <a:t>Libraries (code, sub-routines, values, etc.)</a:t>
             </a:r>
-          </a:p>
-        </p:txBody>
-      </p:sp>
-      <p:sp>
-        <p:nvSpPr>
-          <p:cNvPr id="6" name="Rectangle 4"/>
-          <p:cNvSpPr>
-            <a:spLocks noChangeArrowheads="1"/>
-          </p:cNvSpPr>
-          <p:nvPr/>
-        </p:nvSpPr>
-        <p:spPr bwMode="auto">
-          <a:xfrm>
-            <a:off x="6781800" y="2362200"/>
-            <a:ext cx="1981200" cy="381000"/>
-          </a:xfrm>
-          <a:prstGeom prst="rect">
-            <a:avLst/>
-          </a:prstGeom>
-          <a:solidFill>
-            <a:srgbClr val="E6B9B8"/>
-          </a:solidFill>
-          <a:ln w="9525">
-            <a:solidFill>
-              <a:schemeClr val="tx1"/>
-            </a:solidFill>
-            <a:miter lim="800000"/>
-            <a:headEnd/>
-            <a:tailEnd/>
-          </a:ln>
-          <a:effectLst/>
-        </p:spPr>
-        <p:txBody>
-          <a:bodyPr wrap="none" anchor="ctr"/>
-          <a:lstStyle/>
-          <a:p>
-            <a:pPr algn="ctr">
-              <a:defRPr/>
-            </a:pPr>
-            <a:r>
-              <a:rPr lang="en-US" sz="1200" b="1" dirty="0"/>
-              <a:t>Hardware</a:t>
-            </a:r>
-          </a:p>
-        </p:txBody>
-      </p:sp>
-      <p:sp>
-        <p:nvSpPr>
-          <p:cNvPr id="7" name="Rectangle 7"/>
-          <p:cNvSpPr>
-            <a:spLocks noChangeArrowheads="1"/>
-          </p:cNvSpPr>
-          <p:nvPr/>
-        </p:nvSpPr>
-        <p:spPr bwMode="auto">
-          <a:xfrm>
-            <a:off x="6781800" y="1371600"/>
-            <a:ext cx="1981200" cy="457200"/>
-          </a:xfrm>
-          <a:prstGeom prst="rect">
-            <a:avLst/>
-          </a:prstGeom>
-          <a:solidFill>
-            <a:srgbClr val="FFFFCC"/>
-          </a:solidFill>
-          <a:ln w="9525">
-            <a:solidFill>
-              <a:schemeClr val="tx1"/>
-            </a:solidFill>
-            <a:miter lim="800000"/>
-            <a:headEnd/>
-            <a:tailEnd/>
-          </a:ln>
-        </p:spPr>
-        <p:txBody>
-          <a:bodyPr wrap="none" anchor="ctr"/>
-          <a:lstStyle/>
-          <a:p>
-            <a:pPr algn="ctr"/>
-            <a:r>
-              <a:rPr lang="en-US" sz="1200" b="1" dirty="0" smtClean="0"/>
-              <a:t>Operating System</a:t>
-            </a:r>
-            <a:endParaRPr lang="en-US" sz="1200" b="1" dirty="0"/>
-          </a:p>
-        </p:txBody>
-      </p:sp>
-      <p:sp>
-        <p:nvSpPr>
-          <p:cNvPr id="9" name="Rectangle 13"/>
-          <p:cNvSpPr>
-            <a:spLocks noChangeArrowheads="1"/>
-          </p:cNvSpPr>
-          <p:nvPr/>
-        </p:nvSpPr>
-        <p:spPr bwMode="auto">
-          <a:xfrm>
-            <a:off x="6781800" y="914400"/>
-            <a:ext cx="1981200" cy="381000"/>
-          </a:xfrm>
-          <a:prstGeom prst="rect">
-            <a:avLst/>
-          </a:prstGeom>
-          <a:solidFill>
-            <a:schemeClr val="bg1">
-              <a:lumMod val="85000"/>
-            </a:schemeClr>
-          </a:solidFill>
-          <a:ln w="9525">
-            <a:solidFill>
-              <a:schemeClr val="tx1"/>
-            </a:solidFill>
-            <a:miter lim="800000"/>
-            <a:headEnd/>
-            <a:tailEnd/>
-          </a:ln>
-          <a:effectLst/>
-        </p:spPr>
-        <p:txBody>
-          <a:bodyPr wrap="none"/>
-          <a:lstStyle/>
-          <a:p>
-            <a:pPr algn="ctr">
-              <a:defRPr/>
-            </a:pPr>
-            <a:r>
-              <a:rPr lang="en-US" sz="1200" b="1" dirty="0" smtClean="0"/>
-              <a:t>Applications</a:t>
-            </a:r>
-            <a:endParaRPr lang="en-US" sz="1200" dirty="0"/>
-          </a:p>
-        </p:txBody>
-      </p:sp>
-      <p:sp>
-        <p:nvSpPr>
-          <p:cNvPr id="8" name="Rectangle 5"/>
-          <p:cNvSpPr>
-            <a:spLocks noChangeArrowheads="1"/>
-          </p:cNvSpPr>
-          <p:nvPr/>
-        </p:nvSpPr>
-        <p:spPr bwMode="auto">
-          <a:xfrm>
-            <a:off x="6781800" y="1905000"/>
-            <a:ext cx="1995487" cy="381000"/>
-          </a:xfrm>
-          <a:prstGeom prst="rect">
-            <a:avLst/>
-          </a:prstGeom>
-          <a:solidFill>
-            <a:srgbClr val="D7E4BD"/>
-          </a:solidFill>
-          <a:ln w="9525">
-            <a:solidFill>
-              <a:schemeClr val="tx1"/>
-            </a:solidFill>
-            <a:miter lim="800000"/>
-            <a:headEnd/>
-            <a:tailEnd/>
-          </a:ln>
-          <a:effectLst/>
-        </p:spPr>
-        <p:txBody>
-          <a:bodyPr wrap="none" anchor="ctr"/>
-          <a:lstStyle/>
-          <a:p>
-            <a:pPr algn="ctr">
-              <a:defRPr/>
-            </a:pPr>
-            <a:r>
-              <a:rPr lang="en-US" sz="1200" b="1" dirty="0" smtClean="0"/>
-              <a:t>API + LLD</a:t>
-            </a:r>
-            <a:endParaRPr lang="en-US" sz="1200" b="1" dirty="0"/>
           </a:p>
         </p:txBody>
       </p:sp>
@@ -22546,13 +22147,13 @@
         </p:spPr>
         <p:txBody>
           <a:bodyPr>
-            <a:normAutofit fontScale="90000"/>
+            <a:normAutofit/>
           </a:bodyPr>
           <a:lstStyle/>
           <a:p>
             <a:r>
-              <a:rPr lang="en-US" dirty="0" smtClean="0"/>
-              <a:t>Traditional TI DSP Software Support</a:t>
+              <a:rPr lang="en-US" sz="3600" dirty="0" smtClean="0"/>
+              <a:t>TI DSP Software Support</a:t>
             </a:r>
             <a:endParaRPr lang="en-US" sz="3600" dirty="0"/>
           </a:p>
@@ -22649,29 +22250,21 @@
           <a:p>
             <a:pPr lvl="1"/>
             <a:r>
-              <a:rPr lang="en-US" dirty="0" smtClean="0"/>
+              <a:rPr lang="en-US" sz="2400" dirty="0" smtClean="0"/>
               <a:t>Code Composer Studio (CCS)</a:t>
             </a:r>
           </a:p>
           <a:p>
             <a:pPr lvl="1"/>
             <a:r>
-              <a:rPr lang="en-US" dirty="0" smtClean="0"/>
-              <a:t>Code Generation (</a:t>
-            </a:r>
-            <a:r>
-              <a:rPr lang="en-US" dirty="0" err="1" smtClean="0"/>
-              <a:t>CodeGen</a:t>
-            </a:r>
-            <a:r>
-              <a:rPr lang="en-US" dirty="0" smtClean="0"/>
-              <a:t>)</a:t>
+              <a:rPr lang="en-US" sz="2400" dirty="0" smtClean="0"/>
+              <a:t>Code Generation (CodeGen)</a:t>
             </a:r>
           </a:p>
           <a:p>
             <a:pPr lvl="1"/>
             <a:r>
-              <a:rPr lang="en-US" dirty="0" smtClean="0"/>
+              <a:rPr lang="en-US" sz="2400" dirty="0" smtClean="0"/>
               <a:t>Debug, emulation, monitoring, profiling</a:t>
             </a:r>
           </a:p>
@@ -22741,11 +22334,7 @@
           <a:p>
             <a:r>
               <a:rPr lang="en-US" sz="3600" dirty="0" smtClean="0"/>
-              <a:t>Developing on KeyStone </a:t>
-            </a:r>
-            <a:r>
-              <a:rPr lang="en-US" sz="3600" dirty="0" err="1" smtClean="0"/>
-              <a:t>SoC</a:t>
+              <a:t>KeyStone Advantages &amp; Requirements</a:t>
             </a:r>
             <a:endParaRPr lang="en-US" sz="3600" dirty="0"/>
           </a:p>
@@ -22763,68 +22352,64 @@
         </p:nvSpPr>
         <p:spPr>
           <a:xfrm>
-            <a:off x="457200" y="1066800"/>
-            <a:ext cx="8229600" cy="4525963"/>
+            <a:off x="457200" y="1143000"/>
+            <a:ext cx="8229600" cy="5029200"/>
           </a:xfrm>
         </p:spPr>
         <p:txBody>
           <a:bodyPr>
-            <a:normAutofit/>
+            <a:noAutofit/>
           </a:bodyPr>
           <a:lstStyle/>
           <a:p>
             <a:r>
               <a:rPr lang="en-US" sz="2400" dirty="0" smtClean="0"/>
-              <a:t> TI’s KeyStone </a:t>
-            </a:r>
-            <a:r>
-              <a:rPr lang="en-US" sz="2400" dirty="0" err="1" smtClean="0"/>
-              <a:t>SoC</a:t>
-            </a:r>
+              <a:t>KeyStone SoC devices offer many advantages:</a:t>
+            </a:r>
+          </a:p>
+          <a:p>
+            <a:pPr lvl="1"/>
             <a:r>
               <a:rPr lang="en-US" sz="2400" dirty="0" smtClean="0"/>
-              <a:t> devices offer many advantages:</a:t>
+              <a:t>Multiple cores</a:t>
             </a:r>
           </a:p>
           <a:p>
             <a:pPr lvl="1"/>
             <a:r>
-              <a:rPr lang="en-US" sz="2000" dirty="0" smtClean="0"/>
-              <a:t>Multicores</a:t>
+              <a:rPr lang="en-US" sz="2400" dirty="0" smtClean="0"/>
+              <a:t>Advanced core performance</a:t>
             </a:r>
           </a:p>
           <a:p>
             <a:pPr lvl="1"/>
             <a:r>
-              <a:rPr lang="en-US" sz="2000" dirty="0" smtClean="0"/>
-              <a:t>Advanced core performance</a:t>
+              <a:rPr lang="en-US" sz="2400" dirty="0" smtClean="0"/>
+              <a:t>Distributed memory architecture</a:t>
             </a:r>
           </a:p>
           <a:p>
             <a:pPr lvl="1"/>
             <a:r>
-              <a:rPr lang="en-US" sz="2000" dirty="0" smtClean="0"/>
-              <a:t>Distributed memory architecture</a:t>
+              <a:rPr lang="en-US" sz="2400" dirty="0" smtClean="0"/>
+              <a:t>Multiple peripherals and co-processors</a:t>
             </a:r>
           </a:p>
           <a:p>
             <a:pPr lvl="1"/>
             <a:r>
-              <a:rPr lang="en-US" sz="2000" dirty="0" smtClean="0"/>
-              <a:t>Multiple peripherals and co-processors</a:t>
-            </a:r>
-          </a:p>
-          <a:p>
-            <a:pPr lvl="1"/>
-            <a:r>
-              <a:rPr lang="en-US" sz="2000" dirty="0" smtClean="0"/>
+              <a:rPr lang="en-US" sz="2400" dirty="0" smtClean="0"/>
               <a:t>High-speed transport mechanisms</a:t>
             </a:r>
-          </a:p>
-          <a:p>
-            <a:r>
+            <a:br>
               <a:rPr lang="en-US" sz="2400" dirty="0" smtClean="0"/>
-              <a:t>The challenge: </a:t>
+            </a:br>
+            <a:endParaRPr lang="en-US" sz="2400" dirty="0" smtClean="0"/>
+          </a:p>
+          <a:p>
+            <a:r>
+              <a:rPr lang="en-US" sz="2400" dirty="0" smtClean="0"/>
+              <a:t>Challenge: </a:t>
             </a:r>
             <a:r>
               <a:rPr lang="en-US" sz="2400" dirty="0" smtClean="0">
@@ -22834,12 +22419,32 @@
               </a:rPr>
               <a:t>How to simplify programming and development of optimized applications on KeyStone devices?</a:t>
             </a:r>
-          </a:p>
-          <a:p>
-            <a:pPr>
-              <a:buNone/>
-            </a:pPr>
-            <a:endParaRPr lang="en-US" sz="2000" dirty="0" smtClean="0"/>
+            <a:br>
+              <a:rPr lang="en-US" sz="2400" dirty="0" smtClean="0">
+                <a:solidFill>
+                  <a:srgbClr val="0070C0"/>
+                </a:solidFill>
+              </a:rPr>
+            </a:br>
+            <a:endParaRPr lang="en-US" sz="2400" dirty="0" smtClean="0">
+              <a:solidFill>
+                <a:srgbClr val="0070C0"/>
+              </a:solidFill>
+            </a:endParaRPr>
+          </a:p>
+          <a:p>
+            <a:r>
+              <a:rPr lang="en-US" sz="2400" dirty="0" smtClean="0"/>
+              <a:t>Solution: A fully integrated software development ecosystem built upon the </a:t>
+            </a:r>
+            <a:r>
+              <a:rPr lang="en-US" sz="2400" dirty="0" smtClean="0">
+                <a:solidFill>
+                  <a:srgbClr val="FF0000"/>
+                </a:solidFill>
+              </a:rPr>
+              <a:t>Multicore Software Development Kit (MCSDK)</a:t>
+            </a:r>
           </a:p>
         </p:txBody>
       </p:sp>
@@ -23635,42 +23240,26 @@
                 <a:ea typeface="ＭＳ Ｐゴシック" pitchFamily="34" charset="-128"/>
                 <a:cs typeface="Arial" charset="0"/>
               </a:rPr>
-              <a:t>Multicore </a:t>
-            </a:r>
+              <a:t>Multicore Software</a:t>
+            </a:r>
+          </a:p>
+          <a:p>
+            <a:pPr algn="ctr" fontAlgn="base">
+              <a:spcBef>
+                <a:spcPct val="0"/>
+              </a:spcBef>
+              <a:spcAft>
+                <a:spcPct val="0"/>
+              </a:spcAft>
+              <a:defRPr/>
+            </a:pPr>
             <a:r>
               <a:rPr lang="en-US" sz="1600" b="1" dirty="0" smtClean="0">
                 <a:latin typeface="Arial" pitchFamily="34" charset="0"/>
                 <a:ea typeface="ＭＳ Ｐゴシック" pitchFamily="34" charset="-128"/>
                 <a:cs typeface="Arial" charset="0"/>
               </a:rPr>
-              <a:t>Software</a:t>
-            </a:r>
-          </a:p>
-          <a:p>
-            <a:pPr algn="ctr" fontAlgn="base">
-              <a:spcBef>
-                <a:spcPct val="0"/>
-              </a:spcBef>
-              <a:spcAft>
-                <a:spcPct val="0"/>
-              </a:spcAft>
-              <a:defRPr/>
-            </a:pPr>
-            <a:r>
-              <a:rPr lang="en-US" sz="1600" b="1" dirty="0" smtClean="0">
-                <a:latin typeface="Arial" pitchFamily="34" charset="0"/>
-                <a:ea typeface="ＭＳ Ｐゴシック" pitchFamily="34" charset="-128"/>
-                <a:cs typeface="Arial" charset="0"/>
-              </a:rPr>
-              <a:t>Development </a:t>
-            </a:r>
-            <a:r>
-              <a:rPr lang="en-US" sz="1600" b="1" dirty="0" smtClean="0">
-                <a:latin typeface="Arial" pitchFamily="34" charset="0"/>
-                <a:ea typeface="ＭＳ Ｐゴシック" pitchFamily="34" charset="-128"/>
-                <a:cs typeface="Arial" charset="0"/>
-              </a:rPr>
-              <a:t>Kit</a:t>
+              <a:t>Development Kit</a:t>
             </a:r>
           </a:p>
           <a:p>
@@ -23934,18 +23523,14 @@
           <a:p>
             <a:pPr eaLnBrk="1" hangingPunct="1"/>
             <a:r>
-              <a:rPr lang="en-US" sz="3200" b="1" dirty="0" smtClean="0"/>
+              <a:rPr lang="en-US" sz="3600" dirty="0" smtClean="0"/>
               <a:t>TI Software Development Ecosystem</a:t>
             </a:r>
-            <a:r>
-              <a:rPr lang="en-US" b="1" dirty="0" smtClean="0"/>
-              <a:t/>
-            </a:r>
             <a:br>
-              <a:rPr lang="en-US" b="1" dirty="0" smtClean="0"/>
+              <a:rPr lang="en-US" sz="3600" dirty="0" smtClean="0"/>
             </a:br>
             <a:r>
-              <a:rPr lang="en-US" sz="2400" b="1" dirty="0" smtClean="0"/>
+              <a:rPr lang="en-US" sz="2400" dirty="0" smtClean="0"/>
               <a:t>Multicore Performance, Single-core Simplicity</a:t>
             </a:r>
           </a:p>
@@ -24798,42 +24383,26 @@
                 <a:ea typeface="ＭＳ Ｐゴシック" pitchFamily="34" charset="-128"/>
                 <a:cs typeface="Arial" charset="0"/>
               </a:rPr>
-              <a:t>Multicore </a:t>
-            </a:r>
+              <a:t>Multicore Software</a:t>
+            </a:r>
+          </a:p>
+          <a:p>
+            <a:pPr algn="ctr" fontAlgn="base">
+              <a:spcBef>
+                <a:spcPct val="0"/>
+              </a:spcBef>
+              <a:spcAft>
+                <a:spcPct val="0"/>
+              </a:spcAft>
+              <a:defRPr/>
+            </a:pPr>
             <a:r>
               <a:rPr lang="en-US" sz="1600" b="1" dirty="0" smtClean="0">
                 <a:latin typeface="Arial" pitchFamily="34" charset="0"/>
                 <a:ea typeface="ＭＳ Ｐゴシック" pitchFamily="34" charset="-128"/>
                 <a:cs typeface="Arial" charset="0"/>
               </a:rPr>
-              <a:t>Software</a:t>
-            </a:r>
-          </a:p>
-          <a:p>
-            <a:pPr algn="ctr" fontAlgn="base">
-              <a:spcBef>
-                <a:spcPct val="0"/>
-              </a:spcBef>
-              <a:spcAft>
-                <a:spcPct val="0"/>
-              </a:spcAft>
-              <a:defRPr/>
-            </a:pPr>
-            <a:r>
-              <a:rPr lang="en-US" sz="1600" b="1" dirty="0" smtClean="0">
-                <a:latin typeface="Arial" pitchFamily="34" charset="0"/>
-                <a:ea typeface="ＭＳ Ｐゴシック" pitchFamily="34" charset="-128"/>
-                <a:cs typeface="Arial" charset="0"/>
-              </a:rPr>
-              <a:t>Development </a:t>
-            </a:r>
-            <a:r>
-              <a:rPr lang="en-US" sz="1600" b="1" dirty="0" smtClean="0">
-                <a:latin typeface="Arial" pitchFamily="34" charset="0"/>
-                <a:ea typeface="ＭＳ Ｐゴシック" pitchFamily="34" charset="-128"/>
-                <a:cs typeface="Arial" charset="0"/>
-              </a:rPr>
-              <a:t>Kit</a:t>
+              <a:t>Development Kit</a:t>
             </a:r>
           </a:p>
           <a:p>
@@ -25097,19 +24666,15 @@
           <a:p>
             <a:pPr eaLnBrk="1" hangingPunct="1"/>
             <a:r>
-              <a:rPr lang="en-US" sz="3200" b="1" dirty="0" smtClean="0"/>
+              <a:rPr lang="en-US" sz="3600" dirty="0" smtClean="0"/>
               <a:t>TI Software Development Ecosystem</a:t>
             </a:r>
-            <a:r>
-              <a:rPr lang="en-US" b="1" dirty="0" smtClean="0"/>
-              <a:t/>
-            </a:r>
             <a:br>
-              <a:rPr lang="en-US" b="1" dirty="0" smtClean="0"/>
+              <a:rPr lang="en-US" sz="3600" dirty="0" smtClean="0"/>
             </a:br>
             <a:r>
-              <a:rPr lang="en-US" sz="2400" b="1" dirty="0" smtClean="0"/>
-              <a:t>Multicore Performance, Single-core Simplicity</a:t>
+              <a:rPr lang="en-US" sz="2400" dirty="0" smtClean="0"/>
+              <a:t>Code Composer Studio + Eclipse IDE</a:t>
             </a:r>
           </a:p>
         </p:txBody>
@@ -26125,42 +25690,26 @@
                 <a:ea typeface="ＭＳ Ｐゴシック" pitchFamily="34" charset="-128"/>
                 <a:cs typeface="Arial" charset="0"/>
               </a:rPr>
-              <a:t>Multicore </a:t>
-            </a:r>
+              <a:t>Multicore Software</a:t>
+            </a:r>
+          </a:p>
+          <a:p>
+            <a:pPr algn="ctr" fontAlgn="base">
+              <a:spcBef>
+                <a:spcPct val="0"/>
+              </a:spcBef>
+              <a:spcAft>
+                <a:spcPct val="0"/>
+              </a:spcAft>
+              <a:defRPr/>
+            </a:pPr>
             <a:r>
               <a:rPr lang="en-US" sz="1600" b="1" dirty="0" smtClean="0">
                 <a:latin typeface="Arial" pitchFamily="34" charset="0"/>
                 <a:ea typeface="ＭＳ Ｐゴシック" pitchFamily="34" charset="-128"/>
                 <a:cs typeface="Arial" charset="0"/>
               </a:rPr>
-              <a:t>Software</a:t>
-            </a:r>
-          </a:p>
-          <a:p>
-            <a:pPr algn="ctr" fontAlgn="base">
-              <a:spcBef>
-                <a:spcPct val="0"/>
-              </a:spcBef>
-              <a:spcAft>
-                <a:spcPct val="0"/>
-              </a:spcAft>
-              <a:defRPr/>
-            </a:pPr>
-            <a:r>
-              <a:rPr lang="en-US" sz="1600" b="1" dirty="0" smtClean="0">
-                <a:latin typeface="Arial" pitchFamily="34" charset="0"/>
-                <a:ea typeface="ＭＳ Ｐゴシック" pitchFamily="34" charset="-128"/>
-                <a:cs typeface="Arial" charset="0"/>
-              </a:rPr>
-              <a:t>Development </a:t>
-            </a:r>
-            <a:r>
-              <a:rPr lang="en-US" sz="1600" b="1" dirty="0" smtClean="0">
-                <a:latin typeface="Arial" pitchFamily="34" charset="0"/>
-                <a:ea typeface="ＭＳ Ｐゴシック" pitchFamily="34" charset="-128"/>
-                <a:cs typeface="Arial" charset="0"/>
-              </a:rPr>
-              <a:t>Kit</a:t>
+              <a:t>Development Kit</a:t>
             </a:r>
           </a:p>
           <a:p>
@@ -26318,19 +25867,15 @@
           <a:p>
             <a:pPr eaLnBrk="1" hangingPunct="1"/>
             <a:r>
-              <a:rPr lang="en-US" sz="3200" b="1" dirty="0" smtClean="0"/>
+              <a:rPr lang="en-US" sz="3600" dirty="0" smtClean="0"/>
               <a:t>TI Software Development Ecosystem</a:t>
             </a:r>
-            <a:r>
-              <a:rPr lang="en-US" b="1" dirty="0" smtClean="0"/>
-              <a:t/>
-            </a:r>
             <a:br>
-              <a:rPr lang="en-US" b="1" dirty="0" smtClean="0"/>
+              <a:rPr lang="en-US" sz="3600" dirty="0" smtClean="0"/>
             </a:br>
             <a:r>
-              <a:rPr lang="en-US" sz="2400" b="1" dirty="0" smtClean="0"/>
-              <a:t>Multicore Performance, Single-core Simplicity</a:t>
+              <a:rPr lang="en-US" sz="2400" dirty="0" smtClean="0"/>
+              <a:t>Multicore Software Development Kit</a:t>
             </a:r>
           </a:p>
         </p:txBody>

--- a/slides/Introduction to KeyStone Software Ecosystem.pptx
+++ b/slides/Introduction to KeyStone Software Ecosystem.pptx
@@ -5,37 +5,40 @@
     <p:sldMasterId id="2147483665" r:id="rId1"/>
     <p:sldMasterId id="2147483667" r:id="rId2"/>
     <p:sldMasterId id="2147483669" r:id="rId3"/>
+    <p:sldMasterId id="2147483680" r:id="rId4"/>
   </p:sldMasterIdLst>
   <p:notesMasterIdLst>
-    <p:notesMasterId r:id="rId25"/>
+    <p:notesMasterId r:id="rId28"/>
   </p:notesMasterIdLst>
   <p:sldIdLst>
-    <p:sldId id="293" r:id="rId4"/>
-    <p:sldId id="257" r:id="rId5"/>
-    <p:sldId id="282" r:id="rId6"/>
-    <p:sldId id="259" r:id="rId7"/>
-    <p:sldId id="260" r:id="rId8"/>
-    <p:sldId id="296" r:id="rId9"/>
-    <p:sldId id="303" r:id="rId10"/>
-    <p:sldId id="262" r:id="rId11"/>
-    <p:sldId id="301" r:id="rId12"/>
-    <p:sldId id="266" r:id="rId13"/>
-    <p:sldId id="268" r:id="rId14"/>
-    <p:sldId id="284" r:id="rId15"/>
-    <p:sldId id="269" r:id="rId16"/>
-    <p:sldId id="280" r:id="rId17"/>
-    <p:sldId id="307" r:id="rId18"/>
-    <p:sldId id="285" r:id="rId19"/>
-    <p:sldId id="304" r:id="rId20"/>
-    <p:sldId id="287" r:id="rId21"/>
-    <p:sldId id="306" r:id="rId22"/>
-    <p:sldId id="273" r:id="rId23"/>
-    <p:sldId id="279" r:id="rId24"/>
+    <p:sldId id="293" r:id="rId5"/>
+    <p:sldId id="257" r:id="rId6"/>
+    <p:sldId id="282" r:id="rId7"/>
+    <p:sldId id="259" r:id="rId8"/>
+    <p:sldId id="260" r:id="rId9"/>
+    <p:sldId id="296" r:id="rId10"/>
+    <p:sldId id="303" r:id="rId11"/>
+    <p:sldId id="262" r:id="rId12"/>
+    <p:sldId id="301" r:id="rId13"/>
+    <p:sldId id="266" r:id="rId14"/>
+    <p:sldId id="268" r:id="rId15"/>
+    <p:sldId id="284" r:id="rId16"/>
+    <p:sldId id="269" r:id="rId17"/>
+    <p:sldId id="309" r:id="rId18"/>
+    <p:sldId id="280" r:id="rId19"/>
+    <p:sldId id="307" r:id="rId20"/>
+    <p:sldId id="285" r:id="rId21"/>
+    <p:sldId id="310" r:id="rId22"/>
+    <p:sldId id="304" r:id="rId23"/>
+    <p:sldId id="287" r:id="rId24"/>
+    <p:sldId id="306" r:id="rId25"/>
+    <p:sldId id="308" r:id="rId26"/>
+    <p:sldId id="279" r:id="rId27"/>
   </p:sldIdLst>
   <p:sldSz cx="9144000" cy="6858000" type="screen4x3"/>
   <p:notesSz cx="7010400" cy="9296400"/>
   <p:custDataLst>
-    <p:tags r:id="rId26"/>
+    <p:tags r:id="rId29"/>
   </p:custDataLst>
   <p:defaultTextStyle>
     <a:defPPr>
@@ -224,7 +227,7 @@
             <a:fld id="{69317A74-A311-45B3-846C-A32F769EEF76}" type="datetimeFigureOut">
               <a:rPr lang="en-US" smtClean="0"/>
               <a:pPr/>
-              <a:t>6/19/2012</a:t>
+              <a:t>6/20/2012</a:t>
             </a:fld>
             <a:endParaRPr lang="en-US" dirty="0"/>
           </a:p>
@@ -617,9 +620,58 @@
       </p:grpSpPr>
       <p:sp>
         <p:nvSpPr>
-          <p:cNvPr id="26625" name="Rectangle 7"/>
+          <p:cNvPr id="17409" name="Slide Image Placeholder 1"/>
           <p:cNvSpPr>
-            <a:spLocks noGrp="1" noChangeArrowheads="1"/>
+            <a:spLocks noGrp="1" noRot="1" noChangeAspect="1"/>
+          </p:cNvSpPr>
+          <p:nvPr>
+            <p:ph type="sldImg"/>
+          </p:nvPr>
+        </p:nvSpPr>
+        <p:spPr bwMode="auto">
+          <a:noFill/>
+          <a:ln>
+            <a:solidFill>
+              <a:srgbClr val="000000"/>
+            </a:solidFill>
+            <a:miter lim="800000"/>
+            <a:headEnd/>
+            <a:tailEnd/>
+          </a:ln>
+        </p:spPr>
+      </p:sp>
+      <p:sp>
+        <p:nvSpPr>
+          <p:cNvPr id="17410" name="Notes Placeholder 2"/>
+          <p:cNvSpPr>
+            <a:spLocks noGrp="1"/>
+          </p:cNvSpPr>
+          <p:nvPr>
+            <p:ph type="body" idx="1"/>
+          </p:nvPr>
+        </p:nvSpPr>
+        <p:spPr>
+          <a:noFill/>
+          <a:ln/>
+        </p:spPr>
+        <p:txBody>
+          <a:bodyPr/>
+          <a:lstStyle/>
+          <a:p>
+            <a:pPr eaLnBrk="1" hangingPunct="1">
+              <a:spcBef>
+                <a:spcPct val="0"/>
+              </a:spcBef>
+            </a:pPr>
+            <a:endParaRPr lang="en-US" dirty="0" smtClean="0"/>
+          </a:p>
+        </p:txBody>
+      </p:sp>
+      <p:sp>
+        <p:nvSpPr>
+          <p:cNvPr id="17411" name="Slide Number Placeholder 3"/>
+          <p:cNvSpPr>
+            <a:spLocks noGrp="1"/>
           </p:cNvSpPr>
           <p:nvPr>
             <p:ph type="sldNum" sz="quarter" idx="5"/>
@@ -632,18 +684,115 @@
           <a:bodyPr/>
           <a:lstStyle/>
           <a:p>
-            <a:fld id="{10859D0C-0EEB-4EDE-A8B8-7A1A456A6F20}" type="slidenum">
-              <a:rPr lang="en-US" smtClean="0"/>
+            <a:fld id="{30A51E4B-8619-46DB-B119-9BD26BB2F536}" type="slidenum">
+              <a:rPr lang="en-US" smtClean="0">
+                <a:solidFill>
+                  <a:srgbClr val="000000"/>
+                </a:solidFill>
+              </a:rPr>
               <a:pPr/>
-              <a:t>20</a:t>
+              <a:t>21</a:t>
             </a:fld>
-            <a:endParaRPr lang="en-US" dirty="0" smtClean="0"/>
+            <a:endParaRPr lang="en-US" dirty="0" smtClean="0">
+              <a:solidFill>
+                <a:srgbClr val="000000"/>
+              </a:solidFill>
+            </a:endParaRPr>
+          </a:p>
+        </p:txBody>
+      </p:sp>
+    </p:spTree>
+  </p:cSld>
+  <p:clrMapOvr>
+    <a:masterClrMapping/>
+  </p:clrMapOvr>
+</p:notes>
+</file>
+
+<file path=ppt/notesSlides/notesSlide11.xml><?xml version="1.0" encoding="utf-8"?>
+<p:notes xmlns:a="http://schemas.openxmlformats.org/drawingml/2006/main" xmlns:r="http://schemas.openxmlformats.org/officeDocument/2006/relationships" xmlns:p="http://schemas.openxmlformats.org/presentationml/2006/main">
+  <p:cSld>
+    <p:spTree>
+      <p:nvGrpSpPr>
+        <p:cNvPr id="1" name=""/>
+        <p:cNvGrpSpPr/>
+        <p:nvPr/>
+      </p:nvGrpSpPr>
+      <p:grpSpPr>
+        <a:xfrm>
+          <a:off x="0" y="0"/>
+          <a:ext cx="0" cy="0"/>
+          <a:chOff x="0" y="0"/>
+          <a:chExt cx="0" cy="0"/>
+        </a:xfrm>
+      </p:grpSpPr>
+      <p:sp>
+        <p:nvSpPr>
+          <p:cNvPr id="29697" name="Rectangle 7"/>
+          <p:cNvSpPr txBox="1">
+            <a:spLocks noGrp="1" noChangeArrowheads="1"/>
+          </p:cNvSpPr>
+          <p:nvPr/>
+        </p:nvSpPr>
+        <p:spPr bwMode="auto">
+          <a:xfrm>
+            <a:off x="3973778" y="8830659"/>
+            <a:ext cx="3035102" cy="464205"/>
+          </a:xfrm>
+          <a:prstGeom prst="rect">
+            <a:avLst/>
+          </a:prstGeom>
+          <a:noFill/>
+          <a:ln w="9525">
+            <a:noFill/>
+            <a:miter lim="800000"/>
+            <a:headEnd/>
+            <a:tailEnd/>
+          </a:ln>
+        </p:spPr>
+        <p:txBody>
+          <a:bodyPr lIns="92736" tIns="46368" rIns="92736" bIns="46368" anchor="b"/>
+          <a:lstStyle/>
+          <a:p>
+            <a:pPr defTabSz="924236" fontAlgn="base">
+              <a:spcBef>
+                <a:spcPct val="0"/>
+              </a:spcBef>
+              <a:spcAft>
+                <a:spcPct val="0"/>
+              </a:spcAft>
+            </a:pPr>
+            <a:fld id="{2F7974BA-0D0A-4128-912E-4112D91E8D3A}" type="slidenum">
+              <a:rPr lang="en-US" sz="1200">
+                <a:solidFill>
+                  <a:prstClr val="black"/>
+                </a:solidFill>
+                <a:latin typeface="Arial" charset="0"/>
+                <a:cs typeface="Arial" charset="0"/>
+              </a:rPr>
+              <a:pPr defTabSz="924236" fontAlgn="base">
+                <a:spcBef>
+                  <a:spcPct val="0"/>
+                </a:spcBef>
+                <a:spcAft>
+                  <a:spcPct val="0"/>
+                </a:spcAft>
+              </a:pPr>
+              <a:t>22</a:t>
+            </a:fld>
+            <a:endParaRPr lang="en-US" sz="1200" dirty="0">
+              <a:solidFill>
+                <a:prstClr val="black"/>
+              </a:solidFill>
+              <a:latin typeface="Arial" charset="0"/>
+              <a:cs typeface="Arial" charset="0"/>
+            </a:endParaRPr>
           </a:p>
         </p:txBody>
       </p:sp>
       <p:sp>
         <p:nvSpPr>
-          <p:cNvPr id="26626" name="Rectangle 2"/>
+          <p:cNvPr id="29698" name="Rectangle 2"/>
           <p:cNvSpPr>
             <a:spLocks noGrp="1" noRot="1" noChangeAspect="1" noChangeArrowheads="1" noTextEdit="1"/>
           </p:cNvSpPr>
@@ -665,7 +814,7 @@
       </p:sp>
       <p:sp>
         <p:nvSpPr>
-          <p:cNvPr id="26627" name="Rectangle 3"/>
+          <p:cNvPr id="29699" name="Rectangle 3"/>
           <p:cNvSpPr>
             <a:spLocks noGrp="1" noChangeArrowheads="1"/>
           </p:cNvSpPr>
@@ -678,7 +827,7 @@
           <a:ln/>
         </p:spPr>
         <p:txBody>
-          <a:bodyPr/>
+          <a:bodyPr lIns="92736" tIns="46368" rIns="92736" bIns="46368"/>
           <a:lstStyle/>
           <a:p>
             <a:pPr eaLnBrk="1" hangingPunct="1">
@@ -686,7 +835,7 @@
                 <a:spcPct val="0"/>
               </a:spcBef>
             </a:pPr>
-            <a:endParaRPr lang="en-US" dirty="0" smtClean="0"/>
+            <a:endParaRPr lang="en-US" smtClean="0"/>
           </a:p>
         </p:txBody>
       </p:sp>
@@ -698,7 +847,7 @@
 </p:notes>
 </file>
 
-<file path=ppt/notesSlides/notesSlide11.xml><?xml version="1.0" encoding="utf-8"?>
+<file path=ppt/notesSlides/notesSlide12.xml><?xml version="1.0" encoding="utf-8"?>
 <p:notes xmlns:a="http://schemas.openxmlformats.org/drawingml/2006/main" xmlns:r="http://schemas.openxmlformats.org/officeDocument/2006/relationships" xmlns:p="http://schemas.openxmlformats.org/presentationml/2006/main">
   <p:cSld>
     <p:spTree>
@@ -1262,7 +1411,7 @@
                 </a:solidFill>
               </a:rPr>
               <a:pPr/>
-              <a:t>16</a:t>
+              <a:t>17</a:t>
             </a:fld>
             <a:endParaRPr lang="en-US" dirty="0" smtClean="0">
               <a:solidFill>
@@ -1348,9 +1497,35 @@
       </p:grpSpPr>
       <p:sp>
         <p:nvSpPr>
-          <p:cNvPr id="17409" name="Slide Image Placeholder 1"/>
+          <p:cNvPr id="26625" name="Rectangle 7"/>
           <p:cNvSpPr>
-            <a:spLocks noGrp="1" noRot="1" noChangeAspect="1"/>
+            <a:spLocks noGrp="1" noChangeArrowheads="1"/>
+          </p:cNvSpPr>
+          <p:nvPr>
+            <p:ph type="sldNum" sz="quarter" idx="5"/>
+          </p:nvPr>
+        </p:nvSpPr>
+        <p:spPr>
+          <a:noFill/>
+        </p:spPr>
+        <p:txBody>
+          <a:bodyPr/>
+          <a:lstStyle/>
+          <a:p>
+            <a:fld id="{10859D0C-0EEB-4EDE-A8B8-7A1A456A6F20}" type="slidenum">
+              <a:rPr lang="en-US" smtClean="0"/>
+              <a:pPr/>
+              <a:t>18</a:t>
+            </a:fld>
+            <a:endParaRPr lang="en-US" dirty="0" smtClean="0"/>
+          </a:p>
+        </p:txBody>
+      </p:sp>
+      <p:sp>
+        <p:nvSpPr>
+          <p:cNvPr id="26626" name="Rectangle 2"/>
+          <p:cNvSpPr>
+            <a:spLocks noGrp="1" noRot="1" noChangeAspect="1" noChangeArrowheads="1" noTextEdit="1"/>
           </p:cNvSpPr>
           <p:nvPr>
             <p:ph type="sldImg"/>
@@ -1370,9 +1545,9 @@
       </p:sp>
       <p:sp>
         <p:nvSpPr>
-          <p:cNvPr id="17410" name="Notes Placeholder 2"/>
+          <p:cNvPr id="26627" name="Rectangle 3"/>
           <p:cNvSpPr>
-            <a:spLocks noGrp="1"/>
+            <a:spLocks noGrp="1" noChangeArrowheads="1"/>
           </p:cNvSpPr>
           <p:nvPr>
             <p:ph type="body" idx="1"/>
@@ -1392,40 +1567,6 @@
               </a:spcBef>
             </a:pPr>
             <a:endParaRPr lang="en-US" dirty="0" smtClean="0"/>
-          </a:p>
-        </p:txBody>
-      </p:sp>
-      <p:sp>
-        <p:nvSpPr>
-          <p:cNvPr id="17411" name="Slide Number Placeholder 3"/>
-          <p:cNvSpPr>
-            <a:spLocks noGrp="1"/>
-          </p:cNvSpPr>
-          <p:nvPr>
-            <p:ph type="sldNum" sz="quarter" idx="5"/>
-          </p:nvPr>
-        </p:nvSpPr>
-        <p:spPr>
-          <a:noFill/>
-        </p:spPr>
-        <p:txBody>
-          <a:bodyPr/>
-          <a:lstStyle/>
-          <a:p>
-            <a:fld id="{30A51E4B-8619-46DB-B119-9BD26BB2F536}" type="slidenum">
-              <a:rPr lang="en-US" smtClean="0">
-                <a:solidFill>
-                  <a:srgbClr val="000000"/>
-                </a:solidFill>
-              </a:rPr>
-              <a:pPr/>
-              <a:t>17</a:t>
-            </a:fld>
-            <a:endParaRPr lang="en-US" dirty="0" smtClean="0">
-              <a:solidFill>
-                <a:srgbClr val="000000"/>
-              </a:solidFill>
-            </a:endParaRPr>
           </a:p>
         </p:txBody>
       </p:sp>
@@ -2290,6 +2431,31 @@
           </a:p>
         </p:txBody>
       </p:sp>
+    </p:spTree>
+  </p:cSld>
+  <p:clrMapOvr>
+    <a:masterClrMapping/>
+  </p:clrMapOvr>
+</p:sldLayout>
+</file>
+
+<file path=ppt/slideLayouts/slideLayout7.xml><?xml version="1.0" encoding="utf-8"?>
+<p:sldLayout xmlns:a="http://schemas.openxmlformats.org/drawingml/2006/main" xmlns:r="http://schemas.openxmlformats.org/officeDocument/2006/relationships" xmlns:p="http://schemas.openxmlformats.org/presentationml/2006/main" type="blank">
+  <p:cSld name="No Title Large Graphic">
+    <p:spTree>
+      <p:nvGrpSpPr>
+        <p:cNvPr id="1" name=""/>
+        <p:cNvGrpSpPr/>
+        <p:nvPr/>
+      </p:nvGrpSpPr>
+      <p:grpSpPr>
+        <a:xfrm>
+          <a:off x="0" y="0"/>
+          <a:ext cx="0" cy="0"/>
+          <a:chOff x="0" y="0"/>
+          <a:chExt cx="0" cy="0"/>
+        </a:xfrm>
+      </p:grpSpPr>
     </p:spTree>
   </p:cSld>
   <p:clrMapOvr>
@@ -4320,6 +4486,679 @@
 </p:sldMaster>
 </file>
 
+<file path=ppt/slideMasters/slideMaster4.xml><?xml version="1.0" encoding="utf-8"?>
+<p:sldMaster xmlns:a="http://schemas.openxmlformats.org/drawingml/2006/main" xmlns:r="http://schemas.openxmlformats.org/officeDocument/2006/relationships" xmlns:p="http://schemas.openxmlformats.org/presentationml/2006/main">
+  <p:cSld>
+    <p:bg>
+      <p:bgRef idx="1001">
+        <a:schemeClr val="bg1"/>
+      </p:bgRef>
+    </p:bg>
+    <p:spTree>
+      <p:nvGrpSpPr>
+        <p:cNvPr id="1" name=""/>
+        <p:cNvGrpSpPr/>
+        <p:nvPr/>
+      </p:nvGrpSpPr>
+      <p:grpSpPr>
+        <a:xfrm>
+          <a:off x="0" y="0"/>
+          <a:ext cx="0" cy="0"/>
+          <a:chOff x="0" y="0"/>
+          <a:chExt cx="0" cy="0"/>
+        </a:xfrm>
+      </p:grpSpPr>
+      <p:sp>
+        <p:nvSpPr>
+          <p:cNvPr id="1026" name="Title Placeholder 1"/>
+          <p:cNvSpPr>
+            <a:spLocks noGrp="1"/>
+          </p:cNvSpPr>
+          <p:nvPr>
+            <p:ph type="title"/>
+          </p:nvPr>
+        </p:nvSpPr>
+        <p:spPr bwMode="auto">
+          <a:xfrm>
+            <a:off x="457200" y="76200"/>
+            <a:ext cx="8229600" cy="762000"/>
+          </a:xfrm>
+          <a:prstGeom prst="rect">
+            <a:avLst/>
+          </a:prstGeom>
+          <a:noFill/>
+          <a:ln w="9525">
+            <a:noFill/>
+            <a:miter lim="800000"/>
+            <a:headEnd/>
+            <a:tailEnd/>
+          </a:ln>
+        </p:spPr>
+        <p:txBody>
+          <a:bodyPr vert="horz" wrap="square" lIns="91440" tIns="45720" rIns="91440" bIns="45720" numCol="1" anchor="ctr" anchorCtr="0" compatLnSpc="1">
+            <a:prstTxWarp prst="textNoShape">
+              <a:avLst/>
+            </a:prstTxWarp>
+          </a:bodyPr>
+          <a:lstStyle/>
+          <a:p>
+            <a:pPr lvl="0"/>
+            <a:r>
+              <a:rPr lang="en-US" smtClean="0"/>
+              <a:t>Click to edit Master title style</a:t>
+            </a:r>
+          </a:p>
+        </p:txBody>
+      </p:sp>
+      <p:sp>
+        <p:nvSpPr>
+          <p:cNvPr id="1027" name="Text Placeholder 2"/>
+          <p:cNvSpPr>
+            <a:spLocks noGrp="1"/>
+          </p:cNvSpPr>
+          <p:nvPr>
+            <p:ph type="body" idx="1"/>
+          </p:nvPr>
+        </p:nvSpPr>
+        <p:spPr bwMode="auto">
+          <a:xfrm>
+            <a:off x="457200" y="990600"/>
+            <a:ext cx="8229600" cy="5334000"/>
+          </a:xfrm>
+          <a:prstGeom prst="rect">
+            <a:avLst/>
+          </a:prstGeom>
+          <a:noFill/>
+          <a:ln w="9525">
+            <a:noFill/>
+            <a:miter lim="800000"/>
+            <a:headEnd/>
+            <a:tailEnd/>
+          </a:ln>
+        </p:spPr>
+        <p:txBody>
+          <a:bodyPr vert="horz" wrap="square" lIns="91440" tIns="45720" rIns="91440" bIns="45720" numCol="1" anchor="t" anchorCtr="0" compatLnSpc="1">
+            <a:prstTxWarp prst="textNoShape">
+              <a:avLst/>
+            </a:prstTxWarp>
+          </a:bodyPr>
+          <a:lstStyle/>
+          <a:p>
+            <a:pPr lvl="0"/>
+            <a:r>
+              <a:rPr lang="en-US" smtClean="0"/>
+              <a:t>Click to edit Master text styles</a:t>
+            </a:r>
+          </a:p>
+          <a:p>
+            <a:pPr lvl="1"/>
+            <a:r>
+              <a:rPr lang="en-US" smtClean="0"/>
+              <a:t>Second level</a:t>
+            </a:r>
+          </a:p>
+          <a:p>
+            <a:pPr lvl="2"/>
+            <a:r>
+              <a:rPr lang="en-US" smtClean="0"/>
+              <a:t>Third level</a:t>
+            </a:r>
+          </a:p>
+          <a:p>
+            <a:pPr lvl="3"/>
+            <a:r>
+              <a:rPr lang="en-US" smtClean="0"/>
+              <a:t>Fourth level</a:t>
+            </a:r>
+          </a:p>
+          <a:p>
+            <a:pPr lvl="4"/>
+            <a:r>
+              <a:rPr lang="en-US" smtClean="0"/>
+              <a:t>Fifth level</a:t>
+            </a:r>
+          </a:p>
+        </p:txBody>
+      </p:sp>
+      <p:sp>
+        <p:nvSpPr>
+          <p:cNvPr id="8" name="Rectangle 25"/>
+          <p:cNvSpPr>
+            <a:spLocks noChangeArrowheads="1"/>
+          </p:cNvSpPr>
+          <p:nvPr userDrawn="1"/>
+        </p:nvSpPr>
+        <p:spPr bwMode="auto">
+          <a:xfrm>
+            <a:off x="338138" y="6477000"/>
+            <a:ext cx="8462962" cy="315913"/>
+          </a:xfrm>
+          <a:prstGeom prst="rect">
+            <a:avLst/>
+          </a:prstGeom>
+          <a:noFill/>
+          <a:ln w="9525">
+            <a:solidFill>
+              <a:schemeClr val="tx1"/>
+            </a:solidFill>
+            <a:miter lim="800000"/>
+            <a:headEnd/>
+            <a:tailEnd/>
+          </a:ln>
+          <a:effectLst/>
+        </p:spPr>
+        <p:txBody>
+          <a:bodyPr wrap="none" anchor="ctr"/>
+          <a:lstStyle/>
+          <a:p>
+            <a:pPr>
+              <a:defRPr/>
+            </a:pPr>
+            <a:endParaRPr lang="en-US">
+              <a:solidFill>
+                <a:prstClr val="black"/>
+              </a:solidFill>
+              <a:cs typeface="Arial" charset="0"/>
+            </a:endParaRPr>
+          </a:p>
+        </p:txBody>
+      </p:sp>
+      <p:pic>
+        <p:nvPicPr>
+          <p:cNvPr id="1029" name="Picture 8" descr="ti_hz_1c_pos_rgb_jpg.jpg"/>
+          <p:cNvPicPr>
+            <a:picLocks noChangeAspect="1"/>
+          </p:cNvPicPr>
+          <p:nvPr userDrawn="1">
+            <p:custDataLst>
+              <p:tags r:id="rId3"/>
+            </p:custDataLst>
+          </p:nvPr>
+        </p:nvPicPr>
+        <p:blipFill>
+          <a:blip r:embed="rId5" cstate="print"/>
+          <a:srcRect/>
+          <a:stretch>
+            <a:fillRect/>
+          </a:stretch>
+        </p:blipFill>
+        <p:spPr bwMode="auto">
+          <a:xfrm>
+            <a:off x="361950" y="6503988"/>
+            <a:ext cx="1131888" cy="260350"/>
+          </a:xfrm>
+          <a:prstGeom prst="rect">
+            <a:avLst/>
+          </a:prstGeom>
+          <a:noFill/>
+          <a:ln w="9525">
+            <a:noFill/>
+            <a:miter lim="800000"/>
+            <a:headEnd/>
+            <a:tailEnd/>
+          </a:ln>
+        </p:spPr>
+      </p:pic>
+      <p:sp>
+        <p:nvSpPr>
+          <p:cNvPr id="7" name="Rectangle 6"/>
+          <p:cNvSpPr/>
+          <p:nvPr userDrawn="1">
+            <p:custDataLst>
+              <p:tags r:id="rId4"/>
+            </p:custDataLst>
+          </p:nvPr>
+        </p:nvSpPr>
+        <p:spPr>
+          <a:xfrm>
+            <a:off x="7405897" y="6520036"/>
+            <a:ext cx="1357103" cy="240066"/>
+          </a:xfrm>
+          <a:prstGeom prst="rect">
+            <a:avLst/>
+          </a:prstGeom>
+          <a:solidFill>
+            <a:schemeClr val="bg1"/>
+          </a:solidFill>
+        </p:spPr>
+        <p:txBody>
+          <a:bodyPr wrap="none">
+            <a:spAutoFit/>
+          </a:bodyPr>
+          <a:lstStyle/>
+          <a:p>
+            <a:pPr algn="ctr">
+              <a:defRPr/>
+            </a:pPr>
+            <a:r>
+              <a:rPr lang="en-US" sz="1200" b="1" dirty="0" smtClean="0">
+                <a:ln w="10541" cmpd="sng">
+                  <a:solidFill>
+                    <a:srgbClr val="7D7D7D">
+                      <a:tint val="100000"/>
+                      <a:shade val="100000"/>
+                      <a:satMod val="110000"/>
+                    </a:srgbClr>
+                  </a:solidFill>
+                  <a:prstDash val="solid"/>
+                </a:ln>
+                <a:solidFill>
+                  <a:srgbClr val="000000"/>
+                </a:solidFill>
+                <a:cs typeface="Arial" charset="0"/>
+              </a:rPr>
+              <a:t>Multicore </a:t>
+            </a:r>
+            <a:r>
+              <a:rPr lang="en-US" sz="1200" b="1" dirty="0">
+                <a:ln w="10541" cmpd="sng">
+                  <a:solidFill>
+                    <a:srgbClr val="7D7D7D">
+                      <a:tint val="100000"/>
+                      <a:shade val="100000"/>
+                      <a:satMod val="110000"/>
+                    </a:srgbClr>
+                  </a:solidFill>
+                  <a:prstDash val="solid"/>
+                </a:ln>
+                <a:solidFill>
+                  <a:srgbClr val="000000"/>
+                </a:solidFill>
+                <a:cs typeface="Arial" charset="0"/>
+              </a:rPr>
+              <a:t>Training</a:t>
+            </a:r>
+          </a:p>
+        </p:txBody>
+      </p:sp>
+    </p:spTree>
+  </p:cSld>
+  <p:clrMap bg1="lt1" tx1="dk1" bg2="lt2" tx2="dk2" accent1="accent1" accent2="accent2" accent3="accent3" accent4="accent4" accent5="accent5" accent6="accent6" hlink="hlink" folHlink="folHlink"/>
+  <p:sldLayoutIdLst>
+    <p:sldLayoutId id="2147483681" r:id="rId1"/>
+  </p:sldLayoutIdLst>
+  <p:txStyles>
+    <p:titleStyle>
+      <a:lvl1pPr algn="ctr" rtl="0" eaLnBrk="0" fontAlgn="base" hangingPunct="0">
+        <a:spcBef>
+          <a:spcPct val="0"/>
+        </a:spcBef>
+        <a:spcAft>
+          <a:spcPct val="0"/>
+        </a:spcAft>
+        <a:defRPr sz="4400" kern="1200">
+          <a:solidFill>
+            <a:schemeClr val="tx1"/>
+          </a:solidFill>
+          <a:latin typeface="+mj-lt"/>
+          <a:ea typeface="+mj-ea"/>
+          <a:cs typeface="+mj-cs"/>
+        </a:defRPr>
+      </a:lvl1pPr>
+      <a:lvl2pPr algn="ctr" rtl="0" eaLnBrk="0" fontAlgn="base" hangingPunct="0">
+        <a:spcBef>
+          <a:spcPct val="0"/>
+        </a:spcBef>
+        <a:spcAft>
+          <a:spcPct val="0"/>
+        </a:spcAft>
+        <a:defRPr sz="4400">
+          <a:solidFill>
+            <a:schemeClr val="tx1"/>
+          </a:solidFill>
+          <a:latin typeface="Calibri" pitchFamily="34" charset="0"/>
+        </a:defRPr>
+      </a:lvl2pPr>
+      <a:lvl3pPr algn="ctr" rtl="0" eaLnBrk="0" fontAlgn="base" hangingPunct="0">
+        <a:spcBef>
+          <a:spcPct val="0"/>
+        </a:spcBef>
+        <a:spcAft>
+          <a:spcPct val="0"/>
+        </a:spcAft>
+        <a:defRPr sz="4400">
+          <a:solidFill>
+            <a:schemeClr val="tx1"/>
+          </a:solidFill>
+          <a:latin typeface="Calibri" pitchFamily="34" charset="0"/>
+        </a:defRPr>
+      </a:lvl3pPr>
+      <a:lvl4pPr algn="ctr" rtl="0" eaLnBrk="0" fontAlgn="base" hangingPunct="0">
+        <a:spcBef>
+          <a:spcPct val="0"/>
+        </a:spcBef>
+        <a:spcAft>
+          <a:spcPct val="0"/>
+        </a:spcAft>
+        <a:defRPr sz="4400">
+          <a:solidFill>
+            <a:schemeClr val="tx1"/>
+          </a:solidFill>
+          <a:latin typeface="Calibri" pitchFamily="34" charset="0"/>
+        </a:defRPr>
+      </a:lvl4pPr>
+      <a:lvl5pPr algn="ctr" rtl="0" eaLnBrk="0" fontAlgn="base" hangingPunct="0">
+        <a:spcBef>
+          <a:spcPct val="0"/>
+        </a:spcBef>
+        <a:spcAft>
+          <a:spcPct val="0"/>
+        </a:spcAft>
+        <a:defRPr sz="4400">
+          <a:solidFill>
+            <a:schemeClr val="tx1"/>
+          </a:solidFill>
+          <a:latin typeface="Calibri" pitchFamily="34" charset="0"/>
+        </a:defRPr>
+      </a:lvl5pPr>
+      <a:lvl6pPr marL="457200" algn="ctr" rtl="0" fontAlgn="base">
+        <a:spcBef>
+          <a:spcPct val="0"/>
+        </a:spcBef>
+        <a:spcAft>
+          <a:spcPct val="0"/>
+        </a:spcAft>
+        <a:defRPr sz="4400">
+          <a:solidFill>
+            <a:schemeClr val="tx1"/>
+          </a:solidFill>
+          <a:latin typeface="Calibri" pitchFamily="34" charset="0"/>
+        </a:defRPr>
+      </a:lvl6pPr>
+      <a:lvl7pPr marL="914400" algn="ctr" rtl="0" fontAlgn="base">
+        <a:spcBef>
+          <a:spcPct val="0"/>
+        </a:spcBef>
+        <a:spcAft>
+          <a:spcPct val="0"/>
+        </a:spcAft>
+        <a:defRPr sz="4400">
+          <a:solidFill>
+            <a:schemeClr val="tx1"/>
+          </a:solidFill>
+          <a:latin typeface="Calibri" pitchFamily="34" charset="0"/>
+        </a:defRPr>
+      </a:lvl7pPr>
+      <a:lvl8pPr marL="1371600" algn="ctr" rtl="0" fontAlgn="base">
+        <a:spcBef>
+          <a:spcPct val="0"/>
+        </a:spcBef>
+        <a:spcAft>
+          <a:spcPct val="0"/>
+        </a:spcAft>
+        <a:defRPr sz="4400">
+          <a:solidFill>
+            <a:schemeClr val="tx1"/>
+          </a:solidFill>
+          <a:latin typeface="Calibri" pitchFamily="34" charset="0"/>
+        </a:defRPr>
+      </a:lvl8pPr>
+      <a:lvl9pPr marL="1828800" algn="ctr" rtl="0" fontAlgn="base">
+        <a:spcBef>
+          <a:spcPct val="0"/>
+        </a:spcBef>
+        <a:spcAft>
+          <a:spcPct val="0"/>
+        </a:spcAft>
+        <a:defRPr sz="4400">
+          <a:solidFill>
+            <a:schemeClr val="tx1"/>
+          </a:solidFill>
+          <a:latin typeface="Calibri" pitchFamily="34" charset="0"/>
+        </a:defRPr>
+      </a:lvl9pPr>
+    </p:titleStyle>
+    <p:bodyStyle>
+      <a:lvl1pPr marL="342900" indent="-342900" algn="l" rtl="0" eaLnBrk="0" fontAlgn="base" hangingPunct="0">
+        <a:spcBef>
+          <a:spcPct val="20000"/>
+        </a:spcBef>
+        <a:spcAft>
+          <a:spcPct val="0"/>
+        </a:spcAft>
+        <a:buFont typeface="Arial" charset="0"/>
+        <a:buChar char="•"/>
+        <a:defRPr sz="3200" kern="1200">
+          <a:solidFill>
+            <a:schemeClr val="tx1"/>
+          </a:solidFill>
+          <a:latin typeface="+mn-lt"/>
+          <a:ea typeface="+mn-ea"/>
+          <a:cs typeface="+mn-cs"/>
+        </a:defRPr>
+      </a:lvl1pPr>
+      <a:lvl2pPr marL="639763" indent="-285750" algn="l" rtl="0" eaLnBrk="0" fontAlgn="base" hangingPunct="0">
+        <a:spcBef>
+          <a:spcPct val="20000"/>
+        </a:spcBef>
+        <a:spcAft>
+          <a:spcPct val="0"/>
+        </a:spcAft>
+        <a:buFont typeface="Arial" charset="0"/>
+        <a:buChar char="–"/>
+        <a:defRPr sz="2800" kern="1200">
+          <a:solidFill>
+            <a:schemeClr val="tx1"/>
+          </a:solidFill>
+          <a:latin typeface="+mn-lt"/>
+          <a:ea typeface="+mn-ea"/>
+          <a:cs typeface="+mn-cs"/>
+        </a:defRPr>
+      </a:lvl2pPr>
+      <a:lvl3pPr marL="914400" indent="-228600" algn="l" rtl="0" eaLnBrk="0" fontAlgn="base" hangingPunct="0">
+        <a:spcBef>
+          <a:spcPct val="20000"/>
+        </a:spcBef>
+        <a:spcAft>
+          <a:spcPct val="0"/>
+        </a:spcAft>
+        <a:buFont typeface="Arial" charset="0"/>
+        <a:buChar char="•"/>
+        <a:defRPr sz="2400" kern="1200">
+          <a:solidFill>
+            <a:schemeClr val="tx1"/>
+          </a:solidFill>
+          <a:latin typeface="+mn-lt"/>
+          <a:ea typeface="+mn-ea"/>
+          <a:cs typeface="+mn-cs"/>
+        </a:defRPr>
+      </a:lvl3pPr>
+      <a:lvl4pPr marL="1187450" indent="-228600" algn="l" rtl="0" eaLnBrk="0" fontAlgn="base" hangingPunct="0">
+        <a:spcBef>
+          <a:spcPct val="20000"/>
+        </a:spcBef>
+        <a:spcAft>
+          <a:spcPct val="0"/>
+        </a:spcAft>
+        <a:buFont typeface="Arial" charset="0"/>
+        <a:buChar char="–"/>
+        <a:defRPr sz="2000" kern="1200">
+          <a:solidFill>
+            <a:schemeClr val="tx1"/>
+          </a:solidFill>
+          <a:latin typeface="+mn-lt"/>
+          <a:ea typeface="+mn-ea"/>
+          <a:cs typeface="+mn-cs"/>
+        </a:defRPr>
+      </a:lvl4pPr>
+      <a:lvl5pPr marL="1462088" indent="-228600" algn="l" rtl="0" eaLnBrk="0" fontAlgn="base" hangingPunct="0">
+        <a:spcBef>
+          <a:spcPct val="20000"/>
+        </a:spcBef>
+        <a:spcAft>
+          <a:spcPct val="0"/>
+        </a:spcAft>
+        <a:buFont typeface="Courier New" pitchFamily="49" charset="0"/>
+        <a:buChar char="o"/>
+        <a:defRPr sz="2000" kern="1200">
+          <a:solidFill>
+            <a:schemeClr val="tx1"/>
+          </a:solidFill>
+          <a:latin typeface="+mn-lt"/>
+          <a:ea typeface="+mn-ea"/>
+          <a:cs typeface="+mn-cs"/>
+        </a:defRPr>
+      </a:lvl5pPr>
+      <a:lvl6pPr marL="2514600" indent="-228600" algn="l" defTabSz="914400" rtl="0" eaLnBrk="1" latinLnBrk="0" hangingPunct="1">
+        <a:spcBef>
+          <a:spcPct val="20000"/>
+        </a:spcBef>
+        <a:buFont typeface="Arial" pitchFamily="34" charset="0"/>
+        <a:buChar char="•"/>
+        <a:defRPr sz="2000" kern="1200">
+          <a:solidFill>
+            <a:schemeClr val="tx1"/>
+          </a:solidFill>
+          <a:latin typeface="+mn-lt"/>
+          <a:ea typeface="+mn-ea"/>
+          <a:cs typeface="+mn-cs"/>
+        </a:defRPr>
+      </a:lvl6pPr>
+      <a:lvl7pPr marL="2971800" indent="-228600" algn="l" defTabSz="914400" rtl="0" eaLnBrk="1" latinLnBrk="0" hangingPunct="1">
+        <a:spcBef>
+          <a:spcPct val="20000"/>
+        </a:spcBef>
+        <a:buFont typeface="Arial" pitchFamily="34" charset="0"/>
+        <a:buChar char="•"/>
+        <a:defRPr sz="2000" kern="1200">
+          <a:solidFill>
+            <a:schemeClr val="tx1"/>
+          </a:solidFill>
+          <a:latin typeface="+mn-lt"/>
+          <a:ea typeface="+mn-ea"/>
+          <a:cs typeface="+mn-cs"/>
+        </a:defRPr>
+      </a:lvl7pPr>
+      <a:lvl8pPr marL="3429000" indent="-228600" algn="l" defTabSz="914400" rtl="0" eaLnBrk="1" latinLnBrk="0" hangingPunct="1">
+        <a:spcBef>
+          <a:spcPct val="20000"/>
+        </a:spcBef>
+        <a:buFont typeface="Arial" pitchFamily="34" charset="0"/>
+        <a:buChar char="•"/>
+        <a:defRPr sz="2000" kern="1200">
+          <a:solidFill>
+            <a:schemeClr val="tx1"/>
+          </a:solidFill>
+          <a:latin typeface="+mn-lt"/>
+          <a:ea typeface="+mn-ea"/>
+          <a:cs typeface="+mn-cs"/>
+        </a:defRPr>
+      </a:lvl8pPr>
+      <a:lvl9pPr marL="3886200" indent="-228600" algn="l" defTabSz="914400" rtl="0" eaLnBrk="1" latinLnBrk="0" hangingPunct="1">
+        <a:spcBef>
+          <a:spcPct val="20000"/>
+        </a:spcBef>
+        <a:buFont typeface="Arial" pitchFamily="34" charset="0"/>
+        <a:buChar char="•"/>
+        <a:defRPr sz="2000" kern="1200">
+          <a:solidFill>
+            <a:schemeClr val="tx1"/>
+          </a:solidFill>
+          <a:latin typeface="+mn-lt"/>
+          <a:ea typeface="+mn-ea"/>
+          <a:cs typeface="+mn-cs"/>
+        </a:defRPr>
+      </a:lvl9pPr>
+    </p:bodyStyle>
+    <p:otherStyle>
+      <a:defPPr>
+        <a:defRPr lang="en-US"/>
+      </a:defPPr>
+      <a:lvl1pPr marL="0" algn="l" defTabSz="914400" rtl="0" eaLnBrk="1" latinLnBrk="0" hangingPunct="1">
+        <a:defRPr sz="1800" kern="1200">
+          <a:solidFill>
+            <a:schemeClr val="tx1"/>
+          </a:solidFill>
+          <a:latin typeface="+mn-lt"/>
+          <a:ea typeface="+mn-ea"/>
+          <a:cs typeface="+mn-cs"/>
+        </a:defRPr>
+      </a:lvl1pPr>
+      <a:lvl2pPr marL="457200" algn="l" defTabSz="914400" rtl="0" eaLnBrk="1" latinLnBrk="0" hangingPunct="1">
+        <a:defRPr sz="1800" kern="1200">
+          <a:solidFill>
+            <a:schemeClr val="tx1"/>
+          </a:solidFill>
+          <a:latin typeface="+mn-lt"/>
+          <a:ea typeface="+mn-ea"/>
+          <a:cs typeface="+mn-cs"/>
+        </a:defRPr>
+      </a:lvl2pPr>
+      <a:lvl3pPr marL="914400" algn="l" defTabSz="914400" rtl="0" eaLnBrk="1" latinLnBrk="0" hangingPunct="1">
+        <a:defRPr sz="1800" kern="1200">
+          <a:solidFill>
+            <a:schemeClr val="tx1"/>
+          </a:solidFill>
+          <a:latin typeface="+mn-lt"/>
+          <a:ea typeface="+mn-ea"/>
+          <a:cs typeface="+mn-cs"/>
+        </a:defRPr>
+      </a:lvl3pPr>
+      <a:lvl4pPr marL="1371600" algn="l" defTabSz="914400" rtl="0" eaLnBrk="1" latinLnBrk="0" hangingPunct="1">
+        <a:defRPr sz="1800" kern="1200">
+          <a:solidFill>
+            <a:schemeClr val="tx1"/>
+          </a:solidFill>
+          <a:latin typeface="+mn-lt"/>
+          <a:ea typeface="+mn-ea"/>
+          <a:cs typeface="+mn-cs"/>
+        </a:defRPr>
+      </a:lvl4pPr>
+      <a:lvl5pPr marL="1828800" algn="l" defTabSz="914400" rtl="0" eaLnBrk="1" latinLnBrk="0" hangingPunct="1">
+        <a:defRPr sz="1800" kern="1200">
+          <a:solidFill>
+            <a:schemeClr val="tx1"/>
+          </a:solidFill>
+          <a:latin typeface="+mn-lt"/>
+          <a:ea typeface="+mn-ea"/>
+          <a:cs typeface="+mn-cs"/>
+        </a:defRPr>
+      </a:lvl5pPr>
+      <a:lvl6pPr marL="2286000" algn="l" defTabSz="914400" rtl="0" eaLnBrk="1" latinLnBrk="0" hangingPunct="1">
+        <a:defRPr sz="1800" kern="1200">
+          <a:solidFill>
+            <a:schemeClr val="tx1"/>
+          </a:solidFill>
+          <a:latin typeface="+mn-lt"/>
+          <a:ea typeface="+mn-ea"/>
+          <a:cs typeface="+mn-cs"/>
+        </a:defRPr>
+      </a:lvl6pPr>
+      <a:lvl7pPr marL="2743200" algn="l" defTabSz="914400" rtl="0" eaLnBrk="1" latinLnBrk="0" hangingPunct="1">
+        <a:defRPr sz="1800" kern="1200">
+          <a:solidFill>
+            <a:schemeClr val="tx1"/>
+          </a:solidFill>
+          <a:latin typeface="+mn-lt"/>
+          <a:ea typeface="+mn-ea"/>
+          <a:cs typeface="+mn-cs"/>
+        </a:defRPr>
+      </a:lvl7pPr>
+      <a:lvl8pPr marL="3200400" algn="l" defTabSz="914400" rtl="0" eaLnBrk="1" latinLnBrk="0" hangingPunct="1">
+        <a:defRPr sz="1800" kern="1200">
+          <a:solidFill>
+            <a:schemeClr val="tx1"/>
+          </a:solidFill>
+          <a:latin typeface="+mn-lt"/>
+          <a:ea typeface="+mn-ea"/>
+          <a:cs typeface="+mn-cs"/>
+        </a:defRPr>
+      </a:lvl8pPr>
+      <a:lvl9pPr marL="3657600" algn="l" defTabSz="914400" rtl="0" eaLnBrk="1" latinLnBrk="0" hangingPunct="1">
+        <a:defRPr sz="1800" kern="1200">
+          <a:solidFill>
+            <a:schemeClr val="tx1"/>
+          </a:solidFill>
+          <a:latin typeface="+mn-lt"/>
+          <a:ea typeface="+mn-ea"/>
+          <a:cs typeface="+mn-cs"/>
+        </a:defRPr>
+      </a:lvl9pPr>
+    </p:otherStyle>
+  </p:txStyles>
+</p:sldMaster>
+</file>
+
 <file path=ppt/slides/slide1.xml><?xml version="1.0" encoding="utf-8"?>
 <p:sld xmlns:a="http://schemas.openxmlformats.org/drawingml/2006/main" xmlns:r="http://schemas.openxmlformats.org/officeDocument/2006/relationships" xmlns:p="http://schemas.openxmlformats.org/presentationml/2006/main">
   <p:cSld>
@@ -4367,26 +5206,26 @@
               <a:rPr lang="en-US" sz="3200" b="0" dirty="0" smtClean="0"/>
             </a:br>
             <a:r>
-              <a:rPr lang="en-US" sz="5300" b="0" dirty="0" smtClean="0">
+              <a:rPr lang="en-US" b="0" dirty="0" smtClean="0">
                 <a:latin typeface="Calibri" pitchFamily="34" charset="0"/>
                 <a:cs typeface="Calibri" pitchFamily="34" charset="0"/>
               </a:rPr>
               <a:t>KeyStone Multicore</a:t>
             </a:r>
             <a:br>
-              <a:rPr lang="en-US" sz="5300" b="0" dirty="0" smtClean="0">
+              <a:rPr lang="en-US" b="0" dirty="0" smtClean="0">
                 <a:latin typeface="Calibri" pitchFamily="34" charset="0"/>
                 <a:cs typeface="Calibri" pitchFamily="34" charset="0"/>
               </a:rPr>
             </a:br>
             <a:r>
-              <a:rPr lang="en-US" sz="5300" b="0" dirty="0" smtClean="0">
+              <a:rPr lang="en-US" b="0" dirty="0" smtClean="0">
                 <a:latin typeface="Calibri" pitchFamily="34" charset="0"/>
                 <a:cs typeface="Calibri" pitchFamily="34" charset="0"/>
               </a:rPr>
               <a:t>Software Development Ecosystem</a:t>
             </a:r>
-            <a:endParaRPr lang="en-US" sz="5300" b="0" dirty="0">
+            <a:endParaRPr lang="en-US" b="0" dirty="0">
               <a:latin typeface="Calibri" pitchFamily="34" charset="0"/>
               <a:cs typeface="Calibri" pitchFamily="34" charset="0"/>
             </a:endParaRPr>
@@ -7624,6 +8463,114 @@
       </p:grpSpPr>
       <p:sp>
         <p:nvSpPr>
+          <p:cNvPr id="6" name="TextBox 5"/>
+          <p:cNvSpPr txBox="1"/>
+          <p:nvPr/>
+        </p:nvSpPr>
+        <p:spPr>
+          <a:xfrm>
+            <a:off x="228600" y="6448425"/>
+            <a:ext cx="8686800" cy="369332"/>
+          </a:xfrm>
+          <a:prstGeom prst="rect">
+            <a:avLst/>
+          </a:prstGeom>
+          <a:solidFill>
+            <a:schemeClr val="bg1"/>
+          </a:solidFill>
+        </p:spPr>
+        <p:txBody>
+          <a:bodyPr wrap="square" rtlCol="0">
+            <a:spAutoFit/>
+          </a:bodyPr>
+          <a:lstStyle/>
+          <a:p>
+            <a:endParaRPr lang="en-US" dirty="0"/>
+          </a:p>
+        </p:txBody>
+      </p:sp>
+      <p:sp>
+        <p:nvSpPr>
+          <p:cNvPr id="9218" name="Title 1"/>
+          <p:cNvSpPr>
+            <a:spLocks noGrp="1"/>
+          </p:cNvSpPr>
+          <p:nvPr>
+            <p:ph type="title"/>
+          </p:nvPr>
+        </p:nvSpPr>
+        <p:spPr>
+          <a:xfrm>
+            <a:off x="457200" y="0"/>
+            <a:ext cx="8229600" cy="715962"/>
+          </a:xfrm>
+        </p:spPr>
+        <p:txBody>
+          <a:bodyPr/>
+          <a:lstStyle/>
+          <a:p>
+            <a:pPr eaLnBrk="1" hangingPunct="1"/>
+            <a:r>
+              <a:rPr lang="en-US" sz="3600" dirty="0" smtClean="0"/>
+              <a:t>Communication via LLD and CSL Layers</a:t>
+            </a:r>
+          </a:p>
+        </p:txBody>
+      </p:sp>
+      <p:graphicFrame>
+        <p:nvGraphicFramePr>
+          <p:cNvPr id="7" name="Object 6"/>
+          <p:cNvGraphicFramePr>
+            <a:graphicFrameLocks noChangeAspect="1"/>
+          </p:cNvGraphicFramePr>
+          <p:nvPr/>
+        </p:nvGraphicFramePr>
+        <p:xfrm>
+          <a:off x="1524000" y="609600"/>
+          <a:ext cx="5943600" cy="6185294"/>
+        </p:xfrm>
+        <a:graphic>
+          <a:graphicData uri="http://schemas.openxmlformats.org/presentationml/2006/ole">
+            <p:oleObj spid="_x0000_s1027" name="Visio" r:id="rId3" imgW="5542858" imgH="5768232" progId="Visio.Drawing.11">
+              <p:embed/>
+            </p:oleObj>
+          </a:graphicData>
+        </a:graphic>
+      </p:graphicFrame>
+    </p:spTree>
+  </p:cSld>
+  <p:clrMapOvr>
+    <a:masterClrMapping/>
+  </p:clrMapOvr>
+  <p:timing>
+    <p:tnLst>
+      <p:par>
+        <p:cTn id="1" dur="indefinite" restart="never" nodeType="tmRoot"/>
+      </p:par>
+    </p:tnLst>
+  </p:timing>
+</p:sld>
+</file>
+
+<file path=ppt/slides/slide15.xml><?xml version="1.0" encoding="utf-8"?>
+<p:sld xmlns:a="http://schemas.openxmlformats.org/drawingml/2006/main" xmlns:r="http://schemas.openxmlformats.org/officeDocument/2006/relationships" xmlns:p="http://schemas.openxmlformats.org/presentationml/2006/main">
+  <p:cSld>
+    <p:spTree>
+      <p:nvGrpSpPr>
+        <p:cNvPr id="1" name=""/>
+        <p:cNvGrpSpPr/>
+        <p:nvPr/>
+      </p:nvGrpSpPr>
+      <p:grpSpPr>
+        <a:xfrm>
+          <a:off x="0" y="0"/>
+          <a:ext cx="0" cy="0"/>
+          <a:chOff x="0" y="0"/>
+          <a:chExt cx="0" cy="0"/>
+        </a:xfrm>
+      </p:grpSpPr>
+      <p:sp>
+        <p:nvSpPr>
           <p:cNvPr id="9218" name="Title 1"/>
           <p:cNvSpPr>
             <a:spLocks noGrp="1"/>
@@ -7816,7 +8763,7 @@
 </p:sld>
 </file>
 
-<file path=ppt/slides/slide15.xml><?xml version="1.0" encoding="utf-8"?>
+<file path=ppt/slides/slide16.xml><?xml version="1.0" encoding="utf-8"?>
 <p:sld xmlns:a="http://schemas.openxmlformats.org/drawingml/2006/main" xmlns:r="http://schemas.openxmlformats.org/officeDocument/2006/relationships" xmlns:p="http://schemas.openxmlformats.org/presentationml/2006/main">
   <p:cSld>
     <p:spTree>
@@ -11889,7 +12836,7 @@
 </p:sld>
 </file>
 
-<file path=ppt/slides/slide16.xml><?xml version="1.0" encoding="utf-8"?>
+<file path=ppt/slides/slide17.xml><?xml version="1.0" encoding="utf-8"?>
 <p:sld xmlns:a="http://schemas.openxmlformats.org/drawingml/2006/main" xmlns:r="http://schemas.openxmlformats.org/officeDocument/2006/relationships" xmlns:p="http://schemas.openxmlformats.org/presentationml/2006/main">
   <p:cSld>
     <p:spTree>
@@ -17480,1748 +18427,6 @@
 </p:sld>
 </file>
 
-<file path=ppt/slides/slide17.xml><?xml version="1.0" encoding="utf-8"?>
-<p:sld xmlns:a="http://schemas.openxmlformats.org/drawingml/2006/main" xmlns:r="http://schemas.openxmlformats.org/officeDocument/2006/relationships" xmlns:p="http://schemas.openxmlformats.org/presentationml/2006/main">
-  <p:cSld>
-    <p:spTree>
-      <p:nvGrpSpPr>
-        <p:cNvPr id="1" name=""/>
-        <p:cNvGrpSpPr/>
-        <p:nvPr/>
-      </p:nvGrpSpPr>
-      <p:grpSpPr>
-        <a:xfrm>
-          <a:off x="0" y="0"/>
-          <a:ext cx="0" cy="0"/>
-          <a:chOff x="0" y="0"/>
-          <a:chExt cx="0" cy="0"/>
-        </a:xfrm>
-      </p:grpSpPr>
-      <p:sp>
-        <p:nvSpPr>
-          <p:cNvPr id="39" name="Rounded Rectangle 38"/>
-          <p:cNvSpPr/>
-          <p:nvPr/>
-        </p:nvSpPr>
-        <p:spPr>
-          <a:xfrm>
-            <a:off x="493712" y="1371600"/>
-            <a:ext cx="2935288" cy="3930650"/>
-          </a:xfrm>
-          <a:prstGeom prst="roundRect">
-            <a:avLst/>
-          </a:prstGeom>
-          <a:solidFill>
-            <a:schemeClr val="bg1"/>
-          </a:solidFill>
-          <a:ln w="38100">
-            <a:solidFill>
-              <a:schemeClr val="tx1"/>
-            </a:solidFill>
-          </a:ln>
-          <a:effectLst/>
-        </p:spPr>
-        <p:style>
-          <a:lnRef idx="2">
-            <a:schemeClr val="accent1">
-              <a:shade val="50000"/>
-            </a:schemeClr>
-          </a:lnRef>
-          <a:fillRef idx="1">
-            <a:schemeClr val="accent1"/>
-          </a:fillRef>
-          <a:effectRef idx="0">
-            <a:schemeClr val="accent1"/>
-          </a:effectRef>
-          <a:fontRef idx="minor">
-            <a:schemeClr val="lt1"/>
-          </a:fontRef>
-        </p:style>
-        <p:txBody>
-          <a:bodyPr anchor="ctr"/>
-          <a:lstStyle/>
-          <a:p>
-            <a:pPr algn="ctr" fontAlgn="base">
-              <a:spcBef>
-                <a:spcPct val="0"/>
-              </a:spcBef>
-              <a:spcAft>
-                <a:spcPct val="0"/>
-              </a:spcAft>
-              <a:defRPr/>
-            </a:pPr>
-            <a:endParaRPr lang="en-US" sz="2800" b="1" dirty="0">
-              <a:solidFill>
-                <a:srgbClr val="FFFFFF"/>
-              </a:solidFill>
-            </a:endParaRPr>
-          </a:p>
-        </p:txBody>
-      </p:sp>
-      <p:sp>
-        <p:nvSpPr>
-          <p:cNvPr id="228365" name="AutoShape 13"/>
-          <p:cNvSpPr>
-            <a:spLocks noChangeArrowheads="1"/>
-          </p:cNvSpPr>
-          <p:nvPr/>
-        </p:nvSpPr>
-        <p:spPr bwMode="auto">
-          <a:xfrm>
-            <a:off x="669925" y="1870075"/>
-            <a:ext cx="1468437" cy="3200400"/>
-          </a:xfrm>
-          <a:prstGeom prst="roundRect">
-            <a:avLst>
-              <a:gd name="adj" fmla="val 16667"/>
-            </a:avLst>
-          </a:prstGeom>
-          <a:solidFill>
-            <a:srgbClr val="A0D7DE"/>
-          </a:solidFill>
-          <a:ln w="28575" algn="ctr">
-            <a:solidFill>
-              <a:schemeClr val="tx1"/>
-            </a:solidFill>
-            <a:round/>
-            <a:headEnd/>
-            <a:tailEnd/>
-          </a:ln>
-          <a:effectLst/>
-        </p:spPr>
-        <p:txBody>
-          <a:bodyPr wrap="none"/>
-          <a:lstStyle/>
-          <a:p>
-            <a:pPr algn="ctr" fontAlgn="base">
-              <a:lnSpc>
-                <a:spcPct val="85000"/>
-              </a:lnSpc>
-              <a:spcBef>
-                <a:spcPct val="0"/>
-              </a:spcBef>
-              <a:spcAft>
-                <a:spcPct val="0"/>
-              </a:spcAft>
-              <a:defRPr/>
-            </a:pPr>
-            <a:endParaRPr lang="en-US" sz="1200" b="1" baseline="30000" dirty="0">
-              <a:solidFill>
-                <a:srgbClr val="FFFFFF"/>
-              </a:solidFill>
-              <a:latin typeface="Arial" charset="0"/>
-              <a:ea typeface="MS PGothic" pitchFamily="34" charset="-128"/>
-              <a:cs typeface="Arial" charset="0"/>
-            </a:endParaRPr>
-          </a:p>
-        </p:txBody>
-      </p:sp>
-      <p:sp>
-        <p:nvSpPr>
-          <p:cNvPr id="228360" name="AutoShape 8"/>
-          <p:cNvSpPr>
-            <a:spLocks noChangeArrowheads="1"/>
-          </p:cNvSpPr>
-          <p:nvPr/>
-        </p:nvSpPr>
-        <p:spPr bwMode="auto">
-          <a:xfrm>
-            <a:off x="544513" y="5407025"/>
-            <a:ext cx="2908300" cy="330200"/>
-          </a:xfrm>
-          <a:prstGeom prst="cube">
-            <a:avLst>
-              <a:gd name="adj" fmla="val 25000"/>
-            </a:avLst>
-          </a:prstGeom>
-          <a:solidFill>
-            <a:schemeClr val="bg2">
-              <a:lumMod val="60000"/>
-              <a:lumOff val="40000"/>
-            </a:schemeClr>
-          </a:solidFill>
-          <a:ln w="9525">
-            <a:solidFill>
-              <a:schemeClr val="tx1"/>
-            </a:solidFill>
-            <a:miter lim="800000"/>
-            <a:headEnd/>
-            <a:tailEnd/>
-          </a:ln>
-          <a:effectLst/>
-        </p:spPr>
-        <p:txBody>
-          <a:bodyPr wrap="none" anchor="ctr"/>
-          <a:lstStyle/>
-          <a:p>
-            <a:pPr algn="ctr" fontAlgn="base">
-              <a:spcBef>
-                <a:spcPct val="0"/>
-              </a:spcBef>
-              <a:spcAft>
-                <a:spcPct val="0"/>
-              </a:spcAft>
-              <a:defRPr/>
-            </a:pPr>
-            <a:r>
-              <a:rPr lang="en-US" sz="1400" b="1" dirty="0">
-                <a:solidFill>
-                  <a:srgbClr val="000000"/>
-                </a:solidFill>
-                <a:latin typeface="Arial" pitchFamily="34" charset="0"/>
-                <a:ea typeface="ＭＳ Ｐゴシック" pitchFamily="34" charset="-128"/>
-                <a:cs typeface="Arial" charset="0"/>
-              </a:rPr>
-              <a:t>Host Computer</a:t>
-            </a:r>
-          </a:p>
-        </p:txBody>
-      </p:sp>
-      <p:sp>
-        <p:nvSpPr>
-          <p:cNvPr id="228361" name="AutoShape 9"/>
-          <p:cNvSpPr>
-            <a:spLocks noChangeArrowheads="1"/>
-          </p:cNvSpPr>
-          <p:nvPr/>
-        </p:nvSpPr>
-        <p:spPr bwMode="auto">
-          <a:xfrm>
-            <a:off x="4349750" y="5381625"/>
-            <a:ext cx="4445000" cy="304800"/>
-          </a:xfrm>
-          <a:prstGeom prst="cube">
-            <a:avLst>
-              <a:gd name="adj" fmla="val 25000"/>
-            </a:avLst>
-          </a:prstGeom>
-          <a:solidFill>
-            <a:schemeClr val="bg2">
-              <a:lumMod val="50000"/>
-            </a:schemeClr>
-          </a:solidFill>
-          <a:ln w="9525">
-            <a:solidFill>
-              <a:schemeClr val="tx1"/>
-            </a:solidFill>
-            <a:miter lim="800000"/>
-            <a:headEnd/>
-            <a:tailEnd/>
-          </a:ln>
-          <a:effectLst/>
-        </p:spPr>
-        <p:txBody>
-          <a:bodyPr wrap="none" anchor="ctr"/>
-          <a:lstStyle/>
-          <a:p>
-            <a:pPr algn="ctr" fontAlgn="base">
-              <a:spcBef>
-                <a:spcPct val="0"/>
-              </a:spcBef>
-              <a:spcAft>
-                <a:spcPct val="0"/>
-              </a:spcAft>
-              <a:defRPr/>
-            </a:pPr>
-            <a:r>
-              <a:rPr lang="en-US" sz="1400" b="1" dirty="0">
-                <a:solidFill>
-                  <a:srgbClr val="FFFFFF"/>
-                </a:solidFill>
-                <a:latin typeface="Arial" pitchFamily="34" charset="0"/>
-                <a:ea typeface="ＭＳ Ｐゴシック" pitchFamily="34" charset="-128"/>
-                <a:cs typeface="Arial" charset="0"/>
-              </a:rPr>
-              <a:t>Target Board</a:t>
-            </a:r>
-          </a:p>
-        </p:txBody>
-      </p:sp>
-      <p:sp>
-        <p:nvSpPr>
-          <p:cNvPr id="228362" name="AutoShape 10"/>
-          <p:cNvSpPr>
-            <a:spLocks noChangeArrowheads="1"/>
-          </p:cNvSpPr>
-          <p:nvPr/>
-        </p:nvSpPr>
-        <p:spPr bwMode="auto">
-          <a:xfrm>
-            <a:off x="3490179" y="5547226"/>
-            <a:ext cx="850960" cy="88900"/>
-          </a:xfrm>
-          <a:prstGeom prst="leftRightArrow">
-            <a:avLst>
-              <a:gd name="adj1" fmla="val 50000"/>
-              <a:gd name="adj2" fmla="val 102857"/>
-            </a:avLst>
-          </a:prstGeom>
-          <a:solidFill>
-            <a:schemeClr val="tx1"/>
-          </a:solidFill>
-          <a:ln w="9525" algn="ctr">
-            <a:noFill/>
-            <a:miter lim="800000"/>
-            <a:headEnd/>
-            <a:tailEnd/>
-          </a:ln>
-          <a:effectLst/>
-          <a:scene3d>
-            <a:camera prst="orthographicFront">
-              <a:rot lat="0" lon="0" rev="0"/>
-            </a:camera>
-            <a:lightRig rig="balanced" dir="t">
-              <a:rot lat="0" lon="0" rev="8700000"/>
-            </a:lightRig>
-          </a:scene3d>
-          <a:sp3d>
-            <a:bevelT w="190500" h="38100"/>
-          </a:sp3d>
-        </p:spPr>
-        <p:txBody>
-          <a:bodyPr wrap="none" anchor="ctr"/>
-          <a:lstStyle/>
-          <a:p>
-            <a:pPr algn="ctr" fontAlgn="base">
-              <a:spcBef>
-                <a:spcPct val="0"/>
-              </a:spcBef>
-              <a:spcAft>
-                <a:spcPct val="0"/>
-              </a:spcAft>
-              <a:defRPr/>
-            </a:pPr>
-            <a:endParaRPr lang="en-US" sz="2800" b="1" dirty="0">
-              <a:solidFill>
-                <a:srgbClr val="000000"/>
-              </a:solidFill>
-              <a:latin typeface="Arial" charset="0"/>
-              <a:ea typeface="MS PGothic" pitchFamily="34" charset="-128"/>
-              <a:cs typeface="Arial" charset="0"/>
-            </a:endParaRPr>
-          </a:p>
-        </p:txBody>
-      </p:sp>
-      <p:sp>
-        <p:nvSpPr>
-          <p:cNvPr id="228364" name="Rectangle 12"/>
-          <p:cNvSpPr>
-            <a:spLocks noChangeArrowheads="1"/>
-          </p:cNvSpPr>
-          <p:nvPr/>
-        </p:nvSpPr>
-        <p:spPr bwMode="auto">
-          <a:xfrm>
-            <a:off x="1163637" y="1423988"/>
-            <a:ext cx="1624013" cy="349250"/>
-          </a:xfrm>
-          <a:prstGeom prst="rect">
-            <a:avLst/>
-          </a:prstGeom>
-          <a:noFill/>
-          <a:ln w="9525" algn="ctr">
-            <a:noFill/>
-            <a:miter lim="800000"/>
-            <a:headEnd/>
-            <a:tailEnd/>
-          </a:ln>
-          <a:effectLst/>
-        </p:spPr>
-        <p:txBody>
-          <a:bodyPr wrap="none"/>
-          <a:lstStyle/>
-          <a:p>
-            <a:pPr algn="ctr" fontAlgn="base">
-              <a:spcBef>
-                <a:spcPct val="0"/>
-              </a:spcBef>
-              <a:spcAft>
-                <a:spcPct val="0"/>
-              </a:spcAft>
-              <a:defRPr/>
-            </a:pPr>
-            <a:r>
-              <a:rPr lang="en-US" b="1" dirty="0" smtClean="0">
-                <a:solidFill>
-                  <a:srgbClr val="000000"/>
-                </a:solidFill>
-                <a:latin typeface="Arial" pitchFamily="34" charset="0"/>
-                <a:ea typeface="ＭＳ Ｐゴシック" pitchFamily="34" charset="-128"/>
-                <a:cs typeface="Arial" charset="0"/>
-              </a:rPr>
-              <a:t>Eclipse IDE</a:t>
-            </a:r>
-            <a:endParaRPr lang="en-US" b="1" dirty="0">
-              <a:solidFill>
-                <a:srgbClr val="000000"/>
-              </a:solidFill>
-              <a:latin typeface="Arial" pitchFamily="34" charset="0"/>
-              <a:ea typeface="ＭＳ Ｐゴシック" pitchFamily="34" charset="-128"/>
-              <a:cs typeface="Arial" charset="0"/>
-            </a:endParaRPr>
-          </a:p>
-        </p:txBody>
-      </p:sp>
-      <p:sp>
-        <p:nvSpPr>
-          <p:cNvPr id="228366" name="AutoShape 14"/>
-          <p:cNvSpPr>
-            <a:spLocks noChangeArrowheads="1"/>
-          </p:cNvSpPr>
-          <p:nvPr/>
-        </p:nvSpPr>
-        <p:spPr bwMode="auto">
-          <a:xfrm>
-            <a:off x="2233612" y="1882775"/>
-            <a:ext cx="1016000" cy="3200400"/>
-          </a:xfrm>
-          <a:prstGeom prst="roundRect">
-            <a:avLst>
-              <a:gd name="adj" fmla="val 16667"/>
-            </a:avLst>
-          </a:prstGeom>
-          <a:solidFill>
-            <a:srgbClr val="FFFF00"/>
-          </a:solidFill>
-          <a:ln w="28575" algn="ctr">
-            <a:solidFill>
-              <a:schemeClr val="tx1"/>
-            </a:solidFill>
-            <a:round/>
-            <a:headEnd/>
-            <a:tailEnd/>
-          </a:ln>
-          <a:effectLst/>
-        </p:spPr>
-        <p:txBody>
-          <a:bodyPr wrap="none"/>
-          <a:lstStyle/>
-          <a:p>
-            <a:pPr algn="ctr" fontAlgn="base">
-              <a:spcBef>
-                <a:spcPct val="0"/>
-              </a:spcBef>
-              <a:spcAft>
-                <a:spcPct val="0"/>
-              </a:spcAft>
-              <a:defRPr/>
-            </a:pPr>
-            <a:endParaRPr lang="en-US" sz="1000" b="1" dirty="0">
-              <a:solidFill>
-                <a:srgbClr val="FFFFFF"/>
-              </a:solidFill>
-              <a:latin typeface="Arial Narrow" pitchFamily="34" charset="0"/>
-              <a:ea typeface="MS PGothic" pitchFamily="34" charset="-128"/>
-              <a:cs typeface="Arial" charset="0"/>
-            </a:endParaRPr>
-          </a:p>
-        </p:txBody>
-      </p:sp>
-      <p:sp>
-        <p:nvSpPr>
-          <p:cNvPr id="66" name="Rounded Rectangle 65"/>
-          <p:cNvSpPr/>
-          <p:nvPr/>
-        </p:nvSpPr>
-        <p:spPr bwMode="auto">
-          <a:xfrm>
-            <a:off x="4467506" y="1371600"/>
-            <a:ext cx="4317107" cy="3870318"/>
-          </a:xfrm>
-          <a:prstGeom prst="roundRect">
-            <a:avLst>
-              <a:gd name="adj" fmla="val 2624"/>
-            </a:avLst>
-          </a:prstGeom>
-          <a:solidFill>
-            <a:srgbClr val="A0D7DE"/>
-          </a:solidFill>
-          <a:ln w="38100">
-            <a:solidFill>
-              <a:schemeClr val="tx1"/>
-            </a:solidFill>
-          </a:ln>
-          <a:effectLst/>
-        </p:spPr>
-        <p:style>
-          <a:lnRef idx="1">
-            <a:schemeClr val="accent6"/>
-          </a:lnRef>
-          <a:fillRef idx="2">
-            <a:schemeClr val="accent6"/>
-          </a:fillRef>
-          <a:effectRef idx="1">
-            <a:schemeClr val="accent6"/>
-          </a:effectRef>
-          <a:fontRef idx="minor">
-            <a:schemeClr val="dk1"/>
-          </a:fontRef>
-        </p:style>
-        <p:txBody>
-          <a:bodyPr anchor="ctr"/>
-          <a:lstStyle/>
-          <a:p>
-            <a:pPr algn="ctr" fontAlgn="base">
-              <a:spcBef>
-                <a:spcPct val="0"/>
-              </a:spcBef>
-              <a:spcAft>
-                <a:spcPct val="0"/>
-              </a:spcAft>
-              <a:defRPr/>
-            </a:pPr>
-            <a:endParaRPr lang="en-US" sz="1050" b="1" dirty="0">
-              <a:solidFill>
-                <a:prstClr val="black"/>
-              </a:solidFill>
-            </a:endParaRPr>
-          </a:p>
-          <a:p>
-            <a:pPr algn="ctr" fontAlgn="base">
-              <a:spcBef>
-                <a:spcPct val="0"/>
-              </a:spcBef>
-              <a:spcAft>
-                <a:spcPct val="0"/>
-              </a:spcAft>
-              <a:defRPr/>
-            </a:pPr>
-            <a:endParaRPr lang="en-US" sz="1050" b="1" dirty="0">
-              <a:solidFill>
-                <a:prstClr val="black"/>
-              </a:solidFill>
-            </a:endParaRPr>
-          </a:p>
-          <a:p>
-            <a:pPr algn="ctr" fontAlgn="base">
-              <a:spcBef>
-                <a:spcPct val="0"/>
-              </a:spcBef>
-              <a:spcAft>
-                <a:spcPct val="0"/>
-              </a:spcAft>
-              <a:defRPr/>
-            </a:pPr>
-            <a:endParaRPr lang="en-US" sz="1050" b="1" dirty="0">
-              <a:solidFill>
-                <a:prstClr val="black"/>
-              </a:solidFill>
-            </a:endParaRPr>
-          </a:p>
-          <a:p>
-            <a:pPr algn="ctr" fontAlgn="base">
-              <a:spcBef>
-                <a:spcPct val="0"/>
-              </a:spcBef>
-              <a:spcAft>
-                <a:spcPct val="0"/>
-              </a:spcAft>
-              <a:defRPr/>
-            </a:pPr>
-            <a:endParaRPr lang="en-US" sz="1050" b="1" dirty="0">
-              <a:solidFill>
-                <a:prstClr val="black"/>
-              </a:solidFill>
-            </a:endParaRPr>
-          </a:p>
-          <a:p>
-            <a:pPr algn="ctr" fontAlgn="base">
-              <a:spcBef>
-                <a:spcPct val="0"/>
-              </a:spcBef>
-              <a:spcAft>
-                <a:spcPct val="0"/>
-              </a:spcAft>
-              <a:defRPr/>
-            </a:pPr>
-            <a:endParaRPr lang="en-US" sz="1050" b="1" dirty="0">
-              <a:solidFill>
-                <a:prstClr val="black"/>
-              </a:solidFill>
-            </a:endParaRPr>
-          </a:p>
-          <a:p>
-            <a:pPr algn="ctr" fontAlgn="base">
-              <a:spcBef>
-                <a:spcPct val="0"/>
-              </a:spcBef>
-              <a:spcAft>
-                <a:spcPct val="0"/>
-              </a:spcAft>
-              <a:defRPr/>
-            </a:pPr>
-            <a:endParaRPr lang="en-US" sz="1050" b="1" dirty="0">
-              <a:solidFill>
-                <a:prstClr val="black"/>
-              </a:solidFill>
-            </a:endParaRPr>
-          </a:p>
-          <a:p>
-            <a:pPr algn="ctr" fontAlgn="base">
-              <a:spcBef>
-                <a:spcPct val="0"/>
-              </a:spcBef>
-              <a:spcAft>
-                <a:spcPct val="0"/>
-              </a:spcAft>
-              <a:defRPr/>
-            </a:pPr>
-            <a:endParaRPr lang="en-US" sz="1050" b="1" dirty="0">
-              <a:solidFill>
-                <a:prstClr val="black"/>
-              </a:solidFill>
-            </a:endParaRPr>
-          </a:p>
-          <a:p>
-            <a:pPr algn="ctr" fontAlgn="base">
-              <a:spcBef>
-                <a:spcPct val="0"/>
-              </a:spcBef>
-              <a:spcAft>
-                <a:spcPct val="0"/>
-              </a:spcAft>
-              <a:defRPr/>
-            </a:pPr>
-            <a:endParaRPr lang="en-US" sz="1050" b="1" dirty="0">
-              <a:solidFill>
-                <a:prstClr val="black"/>
-              </a:solidFill>
-            </a:endParaRPr>
-          </a:p>
-          <a:p>
-            <a:pPr algn="ctr" fontAlgn="base">
-              <a:spcBef>
-                <a:spcPct val="0"/>
-              </a:spcBef>
-              <a:spcAft>
-                <a:spcPct val="0"/>
-              </a:spcAft>
-              <a:defRPr/>
-            </a:pPr>
-            <a:endParaRPr lang="en-US" sz="1050" b="1" dirty="0">
-              <a:solidFill>
-                <a:prstClr val="black"/>
-              </a:solidFill>
-            </a:endParaRPr>
-          </a:p>
-          <a:p>
-            <a:pPr algn="ctr" fontAlgn="base">
-              <a:spcBef>
-                <a:spcPct val="0"/>
-              </a:spcBef>
-              <a:spcAft>
-                <a:spcPct val="0"/>
-              </a:spcAft>
-              <a:defRPr/>
-            </a:pPr>
-            <a:endParaRPr lang="en-US" sz="1050" b="1" dirty="0">
-              <a:solidFill>
-                <a:prstClr val="black"/>
-              </a:solidFill>
-            </a:endParaRPr>
-          </a:p>
-          <a:p>
-            <a:pPr algn="ctr" fontAlgn="base">
-              <a:spcBef>
-                <a:spcPct val="0"/>
-              </a:spcBef>
-              <a:spcAft>
-                <a:spcPct val="0"/>
-              </a:spcAft>
-              <a:defRPr/>
-            </a:pPr>
-            <a:endParaRPr lang="en-US" sz="1050" b="1" dirty="0">
-              <a:solidFill>
-                <a:prstClr val="black"/>
-              </a:solidFill>
-            </a:endParaRPr>
-          </a:p>
-          <a:p>
-            <a:pPr algn="ctr" fontAlgn="base">
-              <a:spcBef>
-                <a:spcPct val="0"/>
-              </a:spcBef>
-              <a:spcAft>
-                <a:spcPct val="0"/>
-              </a:spcAft>
-              <a:defRPr/>
-            </a:pPr>
-            <a:endParaRPr lang="en-US" sz="1050" b="1" dirty="0">
-              <a:solidFill>
-                <a:prstClr val="black"/>
-              </a:solidFill>
-            </a:endParaRPr>
-          </a:p>
-          <a:p>
-            <a:pPr algn="ctr" fontAlgn="base">
-              <a:spcBef>
-                <a:spcPct val="0"/>
-              </a:spcBef>
-              <a:spcAft>
-                <a:spcPct val="0"/>
-              </a:spcAft>
-              <a:defRPr/>
-            </a:pPr>
-            <a:endParaRPr lang="en-US" sz="1050" b="1" dirty="0">
-              <a:solidFill>
-                <a:prstClr val="black"/>
-              </a:solidFill>
-            </a:endParaRPr>
-          </a:p>
-          <a:p>
-            <a:pPr algn="ctr" fontAlgn="base">
-              <a:spcBef>
-                <a:spcPct val="0"/>
-              </a:spcBef>
-              <a:spcAft>
-                <a:spcPct val="0"/>
-              </a:spcAft>
-              <a:defRPr/>
-            </a:pPr>
-            <a:endParaRPr lang="en-US" sz="1050" b="1" dirty="0">
-              <a:solidFill>
-                <a:prstClr val="black"/>
-              </a:solidFill>
-            </a:endParaRPr>
-          </a:p>
-          <a:p>
-            <a:pPr algn="ctr" fontAlgn="base">
-              <a:spcBef>
-                <a:spcPct val="0"/>
-              </a:spcBef>
-              <a:spcAft>
-                <a:spcPct val="0"/>
-              </a:spcAft>
-              <a:defRPr/>
-            </a:pPr>
-            <a:endParaRPr lang="en-US" sz="1050" b="1" dirty="0">
-              <a:solidFill>
-                <a:prstClr val="black"/>
-              </a:solidFill>
-            </a:endParaRPr>
-          </a:p>
-          <a:p>
-            <a:pPr algn="ctr" fontAlgn="base">
-              <a:spcBef>
-                <a:spcPct val="0"/>
-              </a:spcBef>
-              <a:spcAft>
-                <a:spcPct val="0"/>
-              </a:spcAft>
-              <a:defRPr/>
-            </a:pPr>
-            <a:endParaRPr lang="en-US" sz="1050" b="1" dirty="0">
-              <a:solidFill>
-                <a:prstClr val="black"/>
-              </a:solidFill>
-            </a:endParaRPr>
-          </a:p>
-        </p:txBody>
-      </p:sp>
-      <p:sp>
-        <p:nvSpPr>
-          <p:cNvPr id="79" name="TextBox 78"/>
-          <p:cNvSpPr txBox="1"/>
-          <p:nvPr/>
-        </p:nvSpPr>
-        <p:spPr>
-          <a:xfrm>
-            <a:off x="5562600" y="1524000"/>
-            <a:ext cx="2023311" cy="830997"/>
-          </a:xfrm>
-          <a:prstGeom prst="rect">
-            <a:avLst/>
-          </a:prstGeom>
-          <a:noFill/>
-        </p:spPr>
-        <p:txBody>
-          <a:bodyPr wrap="none">
-            <a:spAutoFit/>
-          </a:bodyPr>
-          <a:lstStyle/>
-          <a:p>
-            <a:pPr algn="ctr" fontAlgn="base">
-              <a:spcBef>
-                <a:spcPct val="0"/>
-              </a:spcBef>
-              <a:spcAft>
-                <a:spcPct val="0"/>
-              </a:spcAft>
-              <a:defRPr/>
-            </a:pPr>
-            <a:r>
-              <a:rPr lang="en-US" sz="1600" b="1" dirty="0" smtClean="0">
-                <a:latin typeface="Arial" pitchFamily="34" charset="0"/>
-                <a:ea typeface="ＭＳ Ｐゴシック" pitchFamily="34" charset="-128"/>
-                <a:cs typeface="Arial" charset="0"/>
-              </a:rPr>
-              <a:t>Multicore Software</a:t>
-            </a:r>
-          </a:p>
-          <a:p>
-            <a:pPr algn="ctr" fontAlgn="base">
-              <a:spcBef>
-                <a:spcPct val="0"/>
-              </a:spcBef>
-              <a:spcAft>
-                <a:spcPct val="0"/>
-              </a:spcAft>
-              <a:defRPr/>
-            </a:pPr>
-            <a:r>
-              <a:rPr lang="en-US" sz="1600" b="1" dirty="0" smtClean="0">
-                <a:latin typeface="Arial" pitchFamily="34" charset="0"/>
-                <a:ea typeface="ＭＳ Ｐゴシック" pitchFamily="34" charset="-128"/>
-                <a:cs typeface="Arial" charset="0"/>
-              </a:rPr>
-              <a:t>Development Kit</a:t>
-            </a:r>
-          </a:p>
-          <a:p>
-            <a:pPr algn="ctr" fontAlgn="base">
-              <a:spcBef>
-                <a:spcPct val="0"/>
-              </a:spcBef>
-              <a:spcAft>
-                <a:spcPct val="0"/>
-              </a:spcAft>
-              <a:defRPr/>
-            </a:pPr>
-            <a:r>
-              <a:rPr lang="en-US" sz="1600" b="1" dirty="0" smtClean="0">
-                <a:latin typeface="Arial" pitchFamily="34" charset="0"/>
-                <a:ea typeface="ＭＳ Ｐゴシック" pitchFamily="34" charset="-128"/>
-                <a:cs typeface="Arial" charset="0"/>
-              </a:rPr>
-              <a:t>(MCSDK)</a:t>
-            </a:r>
-            <a:endParaRPr lang="en-US" sz="1600" b="1" dirty="0">
-              <a:latin typeface="Arial" pitchFamily="34" charset="0"/>
-              <a:ea typeface="ＭＳ Ｐゴシック" pitchFamily="34" charset="-128"/>
-              <a:cs typeface="Arial" charset="0"/>
-            </a:endParaRPr>
-          </a:p>
-        </p:txBody>
-      </p:sp>
-      <p:sp>
-        <p:nvSpPr>
-          <p:cNvPr id="49" name="PPTShape_2"/>
-          <p:cNvSpPr>
-            <a:spLocks noChangeArrowheads="1"/>
-          </p:cNvSpPr>
-          <p:nvPr/>
-        </p:nvSpPr>
-        <p:spPr bwMode="auto">
-          <a:xfrm>
-            <a:off x="2230437" y="3092450"/>
-            <a:ext cx="1014412" cy="725487"/>
-          </a:xfrm>
-          <a:prstGeom prst="roundRect">
-            <a:avLst>
-              <a:gd name="adj" fmla="val 16667"/>
-            </a:avLst>
-          </a:prstGeom>
-          <a:noFill/>
-          <a:ln w="28575" algn="ctr">
-            <a:noFill/>
-            <a:round/>
-            <a:headEnd/>
-            <a:tailEnd/>
-          </a:ln>
-          <a:effectLst/>
-        </p:spPr>
-        <p:txBody>
-          <a:bodyPr wrap="none"/>
-          <a:lstStyle/>
-          <a:p>
-            <a:pPr algn="ctr" fontAlgn="base">
-              <a:lnSpc>
-                <a:spcPct val="85000"/>
-              </a:lnSpc>
-              <a:spcBef>
-                <a:spcPct val="0"/>
-              </a:spcBef>
-              <a:spcAft>
-                <a:spcPct val="0"/>
-              </a:spcAft>
-              <a:defRPr/>
-            </a:pPr>
-            <a:r>
-              <a:rPr lang="en-US" sz="1200" b="1" dirty="0">
-                <a:solidFill>
-                  <a:prstClr val="black"/>
-                </a:solidFill>
-                <a:latin typeface="Arial Narrow" pitchFamily="34" charset="0"/>
-                <a:ea typeface="ＭＳ Ｐゴシック" pitchFamily="34" charset="-128"/>
-                <a:cs typeface="Arial" charset="0"/>
-              </a:rPr>
-              <a:t>Third</a:t>
-            </a:r>
-          </a:p>
-          <a:p>
-            <a:pPr algn="ctr" fontAlgn="base">
-              <a:lnSpc>
-                <a:spcPct val="85000"/>
-              </a:lnSpc>
-              <a:spcBef>
-                <a:spcPct val="0"/>
-              </a:spcBef>
-              <a:spcAft>
-                <a:spcPct val="0"/>
-              </a:spcAft>
-              <a:defRPr/>
-            </a:pPr>
-            <a:r>
-              <a:rPr lang="en-US" sz="1200" b="1" dirty="0">
-                <a:solidFill>
-                  <a:prstClr val="black"/>
-                </a:solidFill>
-                <a:latin typeface="Arial Narrow" pitchFamily="34" charset="0"/>
-                <a:ea typeface="ＭＳ Ｐゴシック" pitchFamily="34" charset="-128"/>
-                <a:cs typeface="Arial" charset="0"/>
-              </a:rPr>
-              <a:t>Party</a:t>
-            </a:r>
-          </a:p>
-          <a:p>
-            <a:pPr algn="ctr" fontAlgn="base">
-              <a:lnSpc>
-                <a:spcPct val="85000"/>
-              </a:lnSpc>
-              <a:spcBef>
-                <a:spcPct val="0"/>
-              </a:spcBef>
-              <a:spcAft>
-                <a:spcPct val="0"/>
-              </a:spcAft>
-              <a:defRPr/>
-            </a:pPr>
-            <a:r>
-              <a:rPr lang="en-US" sz="1200" b="1" dirty="0">
-                <a:solidFill>
-                  <a:prstClr val="black"/>
-                </a:solidFill>
-                <a:latin typeface="Arial Narrow" pitchFamily="34" charset="0"/>
-                <a:ea typeface="ＭＳ Ｐゴシック" pitchFamily="34" charset="-128"/>
-                <a:cs typeface="Arial" charset="0"/>
-              </a:rPr>
-              <a:t>Plug-Ins</a:t>
-            </a:r>
-          </a:p>
-        </p:txBody>
-      </p:sp>
-      <p:sp>
-        <p:nvSpPr>
-          <p:cNvPr id="16444" name="Title 12"/>
-          <p:cNvSpPr>
-            <a:spLocks noGrp="1"/>
-          </p:cNvSpPr>
-          <p:nvPr>
-            <p:ph type="title"/>
-          </p:nvPr>
-        </p:nvSpPr>
-        <p:spPr>
-          <a:xfrm>
-            <a:off x="342900" y="-69850"/>
-            <a:ext cx="8458200" cy="1189038"/>
-          </a:xfrm>
-        </p:spPr>
-        <p:txBody>
-          <a:bodyPr/>
-          <a:lstStyle/>
-          <a:p>
-            <a:pPr eaLnBrk="1" hangingPunct="1"/>
-            <a:r>
-              <a:rPr lang="en-US" sz="3600" dirty="0" smtClean="0"/>
-              <a:t>TI Software Development Ecosystem</a:t>
-            </a:r>
-            <a:br>
-              <a:rPr lang="en-US" sz="3600" dirty="0" smtClean="0"/>
-            </a:br>
-            <a:r>
-              <a:rPr lang="en-US" sz="2400" dirty="0" smtClean="0"/>
-              <a:t>Third Party Software Plug-ins</a:t>
-            </a:r>
-          </a:p>
-        </p:txBody>
-      </p:sp>
-      <p:sp>
-        <p:nvSpPr>
-          <p:cNvPr id="92" name="Rectangle 91"/>
-          <p:cNvSpPr/>
-          <p:nvPr/>
-        </p:nvSpPr>
-        <p:spPr>
-          <a:xfrm>
-            <a:off x="3505200" y="5715000"/>
-            <a:ext cx="914400" cy="276999"/>
-          </a:xfrm>
-          <a:prstGeom prst="rect">
-            <a:avLst/>
-          </a:prstGeom>
-        </p:spPr>
-        <p:txBody>
-          <a:bodyPr wrap="square">
-            <a:spAutoFit/>
-          </a:bodyPr>
-          <a:lstStyle/>
-          <a:p>
-            <a:pPr marL="115888" indent="-115888" fontAlgn="base">
-              <a:spcBef>
-                <a:spcPct val="0"/>
-              </a:spcBef>
-              <a:spcAft>
-                <a:spcPct val="0"/>
-              </a:spcAft>
-              <a:defRPr/>
-            </a:pPr>
-            <a:r>
-              <a:rPr lang="en-US" sz="1200" b="1" dirty="0" smtClean="0">
-                <a:solidFill>
-                  <a:srgbClr val="000000"/>
-                </a:solidFill>
-                <a:latin typeface="Arial" pitchFamily="34" charset="0"/>
-                <a:ea typeface="ＭＳ Ｐゴシック" pitchFamily="34" charset="-128"/>
-                <a:cs typeface="Arial" charset="0"/>
-              </a:rPr>
-              <a:t>Emulator</a:t>
-            </a:r>
-            <a:endParaRPr lang="en-US" sz="1200" b="1" dirty="0">
-              <a:solidFill>
-                <a:srgbClr val="000000"/>
-              </a:solidFill>
-              <a:latin typeface="Arial" pitchFamily="34" charset="0"/>
-              <a:ea typeface="ＭＳ Ｐゴシック" pitchFamily="34" charset="-128"/>
-              <a:cs typeface="Arial" charset="0"/>
-            </a:endParaRPr>
-          </a:p>
-        </p:txBody>
-      </p:sp>
-      <p:sp>
-        <p:nvSpPr>
-          <p:cNvPr id="15" name="Rounded Rectangle 14"/>
-          <p:cNvSpPr/>
-          <p:nvPr/>
-        </p:nvSpPr>
-        <p:spPr>
-          <a:xfrm>
-            <a:off x="785839" y="2576512"/>
-            <a:ext cx="1223963" cy="257175"/>
-          </a:xfrm>
-          <a:prstGeom prst="roundRect">
-            <a:avLst/>
-          </a:prstGeom>
-          <a:solidFill>
-            <a:schemeClr val="bg1"/>
-          </a:solidFill>
-          <a:ln w="19050">
-            <a:solidFill>
-              <a:schemeClr val="tx1"/>
-            </a:solidFill>
-          </a:ln>
-        </p:spPr>
-        <p:style>
-          <a:lnRef idx="2">
-            <a:schemeClr val="accent1">
-              <a:shade val="50000"/>
-            </a:schemeClr>
-          </a:lnRef>
-          <a:fillRef idx="1">
-            <a:schemeClr val="accent1"/>
-          </a:fillRef>
-          <a:effectRef idx="0">
-            <a:schemeClr val="accent1"/>
-          </a:effectRef>
-          <a:fontRef idx="minor">
-            <a:schemeClr val="lt1"/>
-          </a:fontRef>
-        </p:style>
-        <p:txBody>
-          <a:bodyPr anchor="ctr"/>
-          <a:lstStyle/>
-          <a:p>
-            <a:pPr algn="ctr" fontAlgn="base">
-              <a:spcBef>
-                <a:spcPct val="0"/>
-              </a:spcBef>
-              <a:spcAft>
-                <a:spcPct val="0"/>
-              </a:spcAft>
-              <a:defRPr/>
-            </a:pPr>
-            <a:r>
-              <a:rPr lang="en-US" sz="900" b="1" dirty="0" smtClean="0">
-                <a:solidFill>
-                  <a:prstClr val="black"/>
-                </a:solidFill>
-                <a:latin typeface="Arial" pitchFamily="34" charset="0"/>
-                <a:cs typeface="Arial" pitchFamily="34" charset="0"/>
-              </a:rPr>
-              <a:t>Editor</a:t>
-            </a:r>
-            <a:endParaRPr lang="en-US" sz="900" b="1" dirty="0">
-              <a:solidFill>
-                <a:prstClr val="black"/>
-              </a:solidFill>
-              <a:latin typeface="Arial" pitchFamily="34" charset="0"/>
-              <a:cs typeface="Arial" pitchFamily="34" charset="0"/>
-            </a:endParaRPr>
-          </a:p>
-        </p:txBody>
-      </p:sp>
-      <p:sp>
-        <p:nvSpPr>
-          <p:cNvPr id="16" name="Rounded Rectangle 15"/>
-          <p:cNvSpPr/>
-          <p:nvPr/>
-        </p:nvSpPr>
-        <p:spPr>
-          <a:xfrm>
-            <a:off x="790602" y="2928937"/>
-            <a:ext cx="1223963" cy="257175"/>
-          </a:xfrm>
-          <a:prstGeom prst="roundRect">
-            <a:avLst/>
-          </a:prstGeom>
-          <a:solidFill>
-            <a:schemeClr val="bg1"/>
-          </a:solidFill>
-          <a:ln w="19050">
-            <a:solidFill>
-              <a:schemeClr val="tx1"/>
-            </a:solidFill>
-          </a:ln>
-        </p:spPr>
-        <p:style>
-          <a:lnRef idx="2">
-            <a:schemeClr val="accent1">
-              <a:shade val="50000"/>
-            </a:schemeClr>
-          </a:lnRef>
-          <a:fillRef idx="1">
-            <a:schemeClr val="accent1"/>
-          </a:fillRef>
-          <a:effectRef idx="0">
-            <a:schemeClr val="accent1"/>
-          </a:effectRef>
-          <a:fontRef idx="minor">
-            <a:schemeClr val="lt1"/>
-          </a:fontRef>
-        </p:style>
-        <p:txBody>
-          <a:bodyPr anchor="ctr"/>
-          <a:lstStyle/>
-          <a:p>
-            <a:pPr algn="ctr" fontAlgn="base">
-              <a:lnSpc>
-                <a:spcPct val="85000"/>
-              </a:lnSpc>
-              <a:spcBef>
-                <a:spcPct val="0"/>
-              </a:spcBef>
-              <a:spcAft>
-                <a:spcPct val="0"/>
-              </a:spcAft>
-              <a:defRPr/>
-            </a:pPr>
-            <a:r>
-              <a:rPr lang="en-US" sz="900" b="1" dirty="0" smtClean="0">
-                <a:solidFill>
-                  <a:srgbClr val="000000"/>
-                </a:solidFill>
-                <a:latin typeface="Arial" pitchFamily="34" charset="0"/>
-                <a:ea typeface="ＭＳ Ｐゴシック" pitchFamily="34" charset="-128"/>
-              </a:rPr>
-              <a:t>Compiler Tools</a:t>
-            </a:r>
-          </a:p>
-        </p:txBody>
-      </p:sp>
-      <p:sp>
-        <p:nvSpPr>
-          <p:cNvPr id="17" name="Rounded Rectangle 16"/>
-          <p:cNvSpPr/>
-          <p:nvPr/>
-        </p:nvSpPr>
-        <p:spPr>
-          <a:xfrm>
-            <a:off x="785838" y="3290885"/>
-            <a:ext cx="1223963" cy="257175"/>
-          </a:xfrm>
-          <a:prstGeom prst="roundRect">
-            <a:avLst/>
-          </a:prstGeom>
-          <a:solidFill>
-            <a:schemeClr val="bg1"/>
-          </a:solidFill>
-          <a:ln w="19050">
-            <a:solidFill>
-              <a:schemeClr val="tx1"/>
-            </a:solidFill>
-          </a:ln>
-        </p:spPr>
-        <p:style>
-          <a:lnRef idx="2">
-            <a:schemeClr val="accent1">
-              <a:shade val="50000"/>
-            </a:schemeClr>
-          </a:lnRef>
-          <a:fillRef idx="1">
-            <a:schemeClr val="accent1"/>
-          </a:fillRef>
-          <a:effectRef idx="0">
-            <a:schemeClr val="accent1"/>
-          </a:effectRef>
-          <a:fontRef idx="minor">
-            <a:schemeClr val="lt1"/>
-          </a:fontRef>
-        </p:style>
-        <p:txBody>
-          <a:bodyPr anchor="ctr"/>
-          <a:lstStyle/>
-          <a:p>
-            <a:pPr algn="ctr" fontAlgn="base">
-              <a:lnSpc>
-                <a:spcPct val="85000"/>
-              </a:lnSpc>
-              <a:spcBef>
-                <a:spcPct val="0"/>
-              </a:spcBef>
-              <a:spcAft>
-                <a:spcPct val="0"/>
-              </a:spcAft>
-              <a:defRPr/>
-            </a:pPr>
-            <a:r>
-              <a:rPr lang="en-US" sz="900" b="1" dirty="0" smtClean="0">
-                <a:solidFill>
-                  <a:srgbClr val="000000"/>
-                </a:solidFill>
-                <a:latin typeface="Arial" pitchFamily="34" charset="0"/>
-                <a:ea typeface="ＭＳ Ｐゴシック" pitchFamily="34" charset="-128"/>
-              </a:rPr>
-              <a:t>Simulator</a:t>
-            </a:r>
-            <a:endParaRPr lang="en-US" sz="900" b="1" dirty="0">
-              <a:solidFill>
-                <a:srgbClr val="000000"/>
-              </a:solidFill>
-              <a:latin typeface="Arial" pitchFamily="34" charset="0"/>
-              <a:ea typeface="ＭＳ Ｐゴシック" pitchFamily="34" charset="-128"/>
-            </a:endParaRPr>
-          </a:p>
-        </p:txBody>
-      </p:sp>
-      <p:sp>
-        <p:nvSpPr>
-          <p:cNvPr id="18" name="Rounded Rectangle 17"/>
-          <p:cNvSpPr/>
-          <p:nvPr/>
-        </p:nvSpPr>
-        <p:spPr>
-          <a:xfrm>
-            <a:off x="790601" y="3643310"/>
-            <a:ext cx="1223963" cy="257175"/>
-          </a:xfrm>
-          <a:prstGeom prst="roundRect">
-            <a:avLst/>
-          </a:prstGeom>
-          <a:solidFill>
-            <a:schemeClr val="bg1"/>
-          </a:solidFill>
-          <a:ln w="19050">
-            <a:solidFill>
-              <a:schemeClr val="tx1"/>
-            </a:solidFill>
-          </a:ln>
-        </p:spPr>
-        <p:style>
-          <a:lnRef idx="2">
-            <a:schemeClr val="accent1">
-              <a:shade val="50000"/>
-            </a:schemeClr>
-          </a:lnRef>
-          <a:fillRef idx="1">
-            <a:schemeClr val="accent1"/>
-          </a:fillRef>
-          <a:effectRef idx="0">
-            <a:schemeClr val="accent1"/>
-          </a:effectRef>
-          <a:fontRef idx="minor">
-            <a:schemeClr val="lt1"/>
-          </a:fontRef>
-        </p:style>
-        <p:txBody>
-          <a:bodyPr anchor="ctr"/>
-          <a:lstStyle/>
-          <a:p>
-            <a:pPr algn="ctr" fontAlgn="base">
-              <a:lnSpc>
-                <a:spcPct val="85000"/>
-              </a:lnSpc>
-              <a:spcBef>
-                <a:spcPct val="0"/>
-              </a:spcBef>
-              <a:spcAft>
-                <a:spcPct val="0"/>
-              </a:spcAft>
-              <a:defRPr/>
-            </a:pPr>
-            <a:r>
-              <a:rPr lang="en-US" sz="900" b="1" dirty="0" smtClean="0">
-                <a:solidFill>
-                  <a:srgbClr val="000000"/>
-                </a:solidFill>
-                <a:latin typeface="Arial" pitchFamily="34" charset="0"/>
-                <a:ea typeface="ＭＳ Ｐゴシック" pitchFamily="34" charset="-128"/>
-              </a:rPr>
-              <a:t>Debug/Emulation</a:t>
-            </a:r>
-            <a:endParaRPr lang="en-US" sz="900" b="1" dirty="0">
-              <a:solidFill>
-                <a:srgbClr val="000000"/>
-              </a:solidFill>
-              <a:latin typeface="Arial" pitchFamily="34" charset="0"/>
-              <a:ea typeface="ＭＳ Ｐゴシック" pitchFamily="34" charset="-128"/>
-            </a:endParaRPr>
-          </a:p>
-        </p:txBody>
-      </p:sp>
-      <p:sp>
-        <p:nvSpPr>
-          <p:cNvPr id="19" name="Rounded Rectangle 18"/>
-          <p:cNvSpPr/>
-          <p:nvPr/>
-        </p:nvSpPr>
-        <p:spPr>
-          <a:xfrm>
-            <a:off x="785839" y="3990975"/>
-            <a:ext cx="1223963" cy="257175"/>
-          </a:xfrm>
-          <a:prstGeom prst="roundRect">
-            <a:avLst/>
-          </a:prstGeom>
-          <a:solidFill>
-            <a:schemeClr val="bg1"/>
-          </a:solidFill>
-          <a:ln w="19050">
-            <a:solidFill>
-              <a:schemeClr val="tx1"/>
-            </a:solidFill>
-          </a:ln>
-        </p:spPr>
-        <p:style>
-          <a:lnRef idx="2">
-            <a:schemeClr val="accent1">
-              <a:shade val="50000"/>
-            </a:schemeClr>
-          </a:lnRef>
-          <a:fillRef idx="1">
-            <a:schemeClr val="accent1"/>
-          </a:fillRef>
-          <a:effectRef idx="0">
-            <a:schemeClr val="accent1"/>
-          </a:effectRef>
-          <a:fontRef idx="minor">
-            <a:schemeClr val="lt1"/>
-          </a:fontRef>
-        </p:style>
-        <p:txBody>
-          <a:bodyPr anchor="ctr"/>
-          <a:lstStyle/>
-          <a:p>
-            <a:pPr algn="ctr" fontAlgn="base">
-              <a:lnSpc>
-                <a:spcPct val="85000"/>
-              </a:lnSpc>
-              <a:spcBef>
-                <a:spcPct val="0"/>
-              </a:spcBef>
-              <a:spcAft>
-                <a:spcPct val="0"/>
-              </a:spcAft>
-              <a:defRPr/>
-            </a:pPr>
-            <a:r>
-              <a:rPr lang="en-US" sz="900" b="1" dirty="0" smtClean="0">
-                <a:solidFill>
-                  <a:srgbClr val="000000"/>
-                </a:solidFill>
-                <a:latin typeface="Arial" pitchFamily="34" charset="0"/>
-                <a:ea typeface="ＭＳ Ｐゴシック" pitchFamily="34" charset="-128"/>
-              </a:rPr>
-              <a:t>Remote Debug</a:t>
-            </a:r>
-            <a:endParaRPr lang="en-US" sz="900" b="1" dirty="0">
-              <a:solidFill>
-                <a:srgbClr val="000000"/>
-              </a:solidFill>
-              <a:latin typeface="Arial" pitchFamily="34" charset="0"/>
-              <a:ea typeface="ＭＳ Ｐゴシック" pitchFamily="34" charset="-128"/>
-            </a:endParaRPr>
-          </a:p>
-        </p:txBody>
-      </p:sp>
-      <p:sp>
-        <p:nvSpPr>
-          <p:cNvPr id="20" name="Rounded Rectangle 19"/>
-          <p:cNvSpPr/>
-          <p:nvPr/>
-        </p:nvSpPr>
-        <p:spPr>
-          <a:xfrm>
-            <a:off x="790602" y="4343400"/>
-            <a:ext cx="1223963" cy="257175"/>
-          </a:xfrm>
-          <a:prstGeom prst="roundRect">
-            <a:avLst/>
-          </a:prstGeom>
-          <a:solidFill>
-            <a:schemeClr val="bg1"/>
-          </a:solidFill>
-          <a:ln w="19050">
-            <a:solidFill>
-              <a:schemeClr val="tx1"/>
-            </a:solidFill>
-          </a:ln>
-        </p:spPr>
-        <p:style>
-          <a:lnRef idx="2">
-            <a:schemeClr val="accent1">
-              <a:shade val="50000"/>
-            </a:schemeClr>
-          </a:lnRef>
-          <a:fillRef idx="1">
-            <a:schemeClr val="accent1"/>
-          </a:fillRef>
-          <a:effectRef idx="0">
-            <a:schemeClr val="accent1"/>
-          </a:effectRef>
-          <a:fontRef idx="minor">
-            <a:schemeClr val="lt1"/>
-          </a:fontRef>
-        </p:style>
-        <p:txBody>
-          <a:bodyPr anchor="ctr"/>
-          <a:lstStyle/>
-          <a:p>
-            <a:pPr algn="ctr" fontAlgn="base">
-              <a:lnSpc>
-                <a:spcPct val="85000"/>
-              </a:lnSpc>
-              <a:spcBef>
-                <a:spcPct val="0"/>
-              </a:spcBef>
-              <a:spcAft>
-                <a:spcPct val="0"/>
-              </a:spcAft>
-              <a:defRPr/>
-            </a:pPr>
-            <a:r>
-              <a:rPr lang="en-US" sz="900" b="1" dirty="0" smtClean="0">
-                <a:solidFill>
-                  <a:srgbClr val="000000"/>
-                </a:solidFill>
-                <a:latin typeface="Arial" pitchFamily="34" charset="0"/>
-                <a:ea typeface="ＭＳ Ｐゴシック" pitchFamily="34" charset="-128"/>
-              </a:rPr>
-              <a:t>Instrumentation</a:t>
-            </a:r>
-            <a:endParaRPr lang="en-US" sz="900" b="1" dirty="0">
-              <a:solidFill>
-                <a:srgbClr val="000000"/>
-              </a:solidFill>
-              <a:latin typeface="Arial" pitchFamily="34" charset="0"/>
-              <a:ea typeface="ＭＳ Ｐゴシック" pitchFamily="34" charset="-128"/>
-            </a:endParaRPr>
-          </a:p>
-        </p:txBody>
-      </p:sp>
-      <p:sp>
-        <p:nvSpPr>
-          <p:cNvPr id="21" name="Rounded Rectangle 20"/>
-          <p:cNvSpPr/>
-          <p:nvPr/>
-        </p:nvSpPr>
-        <p:spPr>
-          <a:xfrm>
-            <a:off x="785840" y="4695825"/>
-            <a:ext cx="1223963" cy="257175"/>
-          </a:xfrm>
-          <a:prstGeom prst="roundRect">
-            <a:avLst/>
-          </a:prstGeom>
-          <a:solidFill>
-            <a:schemeClr val="bg1"/>
-          </a:solidFill>
-          <a:ln w="19050">
-            <a:solidFill>
-              <a:schemeClr val="tx1"/>
-            </a:solidFill>
-          </a:ln>
-        </p:spPr>
-        <p:style>
-          <a:lnRef idx="2">
-            <a:schemeClr val="accent1">
-              <a:shade val="50000"/>
-            </a:schemeClr>
-          </a:lnRef>
-          <a:fillRef idx="1">
-            <a:schemeClr val="accent1"/>
-          </a:fillRef>
-          <a:effectRef idx="0">
-            <a:schemeClr val="accent1"/>
-          </a:effectRef>
-          <a:fontRef idx="minor">
-            <a:schemeClr val="lt1"/>
-          </a:fontRef>
-        </p:style>
-        <p:txBody>
-          <a:bodyPr anchor="ctr"/>
-          <a:lstStyle/>
-          <a:p>
-            <a:pPr algn="ctr" fontAlgn="base">
-              <a:lnSpc>
-                <a:spcPct val="85000"/>
-              </a:lnSpc>
-              <a:spcBef>
-                <a:spcPct val="0"/>
-              </a:spcBef>
-              <a:spcAft>
-                <a:spcPct val="0"/>
-              </a:spcAft>
-              <a:defRPr/>
-            </a:pPr>
-            <a:r>
-              <a:rPr lang="en-US" sz="900" b="1" dirty="0" smtClean="0">
-                <a:solidFill>
-                  <a:srgbClr val="000000"/>
-                </a:solidFill>
-                <a:latin typeface="Arial" pitchFamily="34" charset="0"/>
-                <a:ea typeface="ＭＳ Ｐゴシック" pitchFamily="34" charset="-128"/>
-              </a:rPr>
-              <a:t>Visualization</a:t>
-            </a:r>
-            <a:endParaRPr lang="en-US" sz="900" b="1" dirty="0">
-              <a:solidFill>
-                <a:srgbClr val="000000"/>
-              </a:solidFill>
-              <a:latin typeface="Arial" pitchFamily="34" charset="0"/>
-              <a:ea typeface="ＭＳ Ｐゴシック" pitchFamily="34" charset="-128"/>
-            </a:endParaRPr>
-          </a:p>
-        </p:txBody>
-      </p:sp>
-      <p:sp>
-        <p:nvSpPr>
-          <p:cNvPr id="22" name="AutoShape 20"/>
-          <p:cNvSpPr>
-            <a:spLocks noChangeArrowheads="1"/>
-          </p:cNvSpPr>
-          <p:nvPr/>
-        </p:nvSpPr>
-        <p:spPr bwMode="auto">
-          <a:xfrm>
-            <a:off x="803302" y="4357687"/>
-            <a:ext cx="1204912" cy="233363"/>
-          </a:xfrm>
-          <a:prstGeom prst="roundRect">
-            <a:avLst>
-              <a:gd name="adj" fmla="val 16667"/>
-            </a:avLst>
-          </a:prstGeom>
-          <a:noFill/>
-          <a:ln w="9525" algn="ctr">
-            <a:noFill/>
-            <a:round/>
-            <a:headEnd/>
-            <a:tailEnd/>
-          </a:ln>
-          <a:effectLst>
-            <a:prstShdw prst="shdw17" dist="17961" dir="2700000">
-              <a:srgbClr val="00FFFF">
-                <a:gamma/>
-                <a:shade val="60000"/>
-                <a:invGamma/>
-              </a:srgbClr>
-            </a:prstShdw>
-          </a:effectLst>
-        </p:spPr>
-        <p:txBody>
-          <a:bodyPr wrap="none" anchor="ctr"/>
-          <a:lstStyle/>
-          <a:p>
-            <a:pPr algn="ctr" fontAlgn="base">
-              <a:lnSpc>
-                <a:spcPct val="85000"/>
-              </a:lnSpc>
-              <a:spcBef>
-                <a:spcPct val="0"/>
-              </a:spcBef>
-              <a:spcAft>
-                <a:spcPct val="0"/>
-              </a:spcAft>
-              <a:defRPr/>
-            </a:pPr>
-            <a:endParaRPr lang="en-US" sz="900" b="1" dirty="0">
-              <a:solidFill>
-                <a:srgbClr val="000000"/>
-              </a:solidFill>
-              <a:latin typeface="Arial" pitchFamily="34" charset="0"/>
-              <a:ea typeface="ＭＳ Ｐゴシック" pitchFamily="34" charset="-128"/>
-              <a:cs typeface="Arial" charset="0"/>
-            </a:endParaRPr>
-          </a:p>
-        </p:txBody>
-      </p:sp>
-      <p:sp>
-        <p:nvSpPr>
-          <p:cNvPr id="23" name="PPTShape_1"/>
-          <p:cNvSpPr>
-            <a:spLocks noChangeArrowheads="1"/>
-          </p:cNvSpPr>
-          <p:nvPr/>
-        </p:nvSpPr>
-        <p:spPr bwMode="auto">
-          <a:xfrm>
-            <a:off x="681064" y="1933575"/>
-            <a:ext cx="1468438" cy="681037"/>
-          </a:xfrm>
-          <a:prstGeom prst="roundRect">
-            <a:avLst>
-              <a:gd name="adj" fmla="val 16667"/>
-            </a:avLst>
-          </a:prstGeom>
-          <a:noFill/>
-          <a:ln w="28575" algn="ctr">
-            <a:noFill/>
-            <a:round/>
-            <a:headEnd/>
-            <a:tailEnd/>
-          </a:ln>
-          <a:effectLst/>
-        </p:spPr>
-        <p:txBody>
-          <a:bodyPr wrap="none"/>
-          <a:lstStyle/>
-          <a:p>
-            <a:pPr algn="ctr" fontAlgn="base">
-              <a:lnSpc>
-                <a:spcPct val="85000"/>
-              </a:lnSpc>
-              <a:spcBef>
-                <a:spcPct val="0"/>
-              </a:spcBef>
-              <a:spcAft>
-                <a:spcPct val="0"/>
-              </a:spcAft>
-              <a:defRPr/>
-            </a:pPr>
-            <a:r>
-              <a:rPr lang="en-US" sz="1200" b="1" dirty="0">
-                <a:latin typeface="Arial"/>
-                <a:ea typeface="ＭＳ Ｐゴシック" pitchFamily="34" charset="-128"/>
-                <a:cs typeface="Arial" charset="0"/>
-              </a:rPr>
-              <a:t>Code </a:t>
-            </a:r>
-          </a:p>
-          <a:p>
-            <a:pPr algn="ctr" fontAlgn="base">
-              <a:lnSpc>
-                <a:spcPct val="85000"/>
-              </a:lnSpc>
-              <a:spcBef>
-                <a:spcPct val="0"/>
-              </a:spcBef>
-              <a:spcAft>
-                <a:spcPct val="0"/>
-              </a:spcAft>
-              <a:defRPr/>
-            </a:pPr>
-            <a:r>
-              <a:rPr lang="en-US" sz="1200" b="1" dirty="0">
-                <a:latin typeface="Arial"/>
-                <a:ea typeface="ＭＳ Ｐゴシック" pitchFamily="34" charset="-128"/>
-                <a:cs typeface="Arial" charset="0"/>
-              </a:rPr>
-              <a:t>Composer</a:t>
-            </a:r>
-          </a:p>
-          <a:p>
-            <a:pPr algn="ctr" fontAlgn="base">
-              <a:lnSpc>
-                <a:spcPct val="85000"/>
-              </a:lnSpc>
-              <a:spcBef>
-                <a:spcPct val="0"/>
-              </a:spcBef>
-              <a:spcAft>
-                <a:spcPct val="0"/>
-              </a:spcAft>
-              <a:defRPr/>
-            </a:pPr>
-            <a:r>
-              <a:rPr lang="en-US" sz="1200" b="1" dirty="0">
-                <a:latin typeface="Arial"/>
-                <a:ea typeface="ＭＳ Ｐゴシック" pitchFamily="34" charset="-128"/>
-                <a:cs typeface="Arial" charset="0"/>
-              </a:rPr>
-              <a:t> Studio</a:t>
-            </a:r>
-            <a:r>
-              <a:rPr lang="en-US" sz="800" b="1" baseline="50000" dirty="0">
-                <a:latin typeface="Arial"/>
-                <a:ea typeface="ＭＳ Ｐゴシック" pitchFamily="34" charset="-128"/>
-                <a:cs typeface="Arial" charset="0"/>
-              </a:rPr>
-              <a:t>TM</a:t>
-            </a:r>
-          </a:p>
-        </p:txBody>
-      </p:sp>
-      <p:pic>
-        <p:nvPicPr>
-          <p:cNvPr id="24" name="Picture 23" descr="MCSDK.jpg"/>
-          <p:cNvPicPr>
-            <a:picLocks noChangeAspect="1"/>
-          </p:cNvPicPr>
-          <p:nvPr/>
-        </p:nvPicPr>
-        <p:blipFill>
-          <a:blip r:embed="rId4" cstate="print"/>
-          <a:stretch>
-            <a:fillRect/>
-          </a:stretch>
-        </p:blipFill>
-        <p:spPr>
-          <a:xfrm>
-            <a:off x="4590066" y="2438400"/>
-            <a:ext cx="4112636" cy="2514600"/>
-          </a:xfrm>
-          <a:prstGeom prst="rect">
-            <a:avLst/>
-          </a:prstGeom>
-        </p:spPr>
-      </p:pic>
-    </p:spTree>
-    <p:custDataLst>
-      <p:tags r:id="rId1"/>
-    </p:custDataLst>
-  </p:cSld>
-  <p:clrMapOvr>
-    <a:masterClrMapping/>
-  </p:clrMapOvr>
-  <p:timing>
-    <p:tnLst>
-      <p:par>
-        <p:cTn id="1" dur="indefinite" restart="never" nodeType="tmRoot"/>
-      </p:par>
-    </p:tnLst>
-  </p:timing>
-</p:sld>
-</file>
-
 <file path=ppt/slides/slide18.xml><?xml version="1.0" encoding="utf-8"?>
 <p:sld xmlns:a="http://schemas.openxmlformats.org/drawingml/2006/main" xmlns:r="http://schemas.openxmlformats.org/officeDocument/2006/relationships" xmlns:p="http://schemas.openxmlformats.org/presentationml/2006/main">
   <p:cSld>
@@ -19241,9 +18446,9 @@
       </p:grpSpPr>
       <p:sp>
         <p:nvSpPr>
-          <p:cNvPr id="2" name="Title 1"/>
+          <p:cNvPr id="25601" name="Rectangle 2"/>
           <p:cNvSpPr>
-            <a:spLocks noGrp="1"/>
+            <a:spLocks noGrp="1" noChangeArrowheads="1"/>
           </p:cNvSpPr>
           <p:nvPr>
             <p:ph type="title"/>
@@ -19251,20 +18456,23 @@
         </p:nvSpPr>
         <p:spPr/>
         <p:txBody>
-          <a:bodyPr/>
+          <a:bodyPr>
+            <a:normAutofit/>
+          </a:bodyPr>
           <a:lstStyle/>
           <a:p>
+            <a:pPr eaLnBrk="1" hangingPunct="1"/>
             <a:r>
-              <a:rPr lang="en-US" dirty="0" smtClean="0"/>
-              <a:t>Third Party Plug-Ins</a:t>
+              <a:rPr lang="en-US" sz="3600" dirty="0" smtClean="0"/>
+              <a:t>MCSDK Top-level Directory Folders</a:t>
             </a:r>
-            <a:endParaRPr lang="en-US" dirty="0"/>
+            <a:endParaRPr lang="en-US" dirty="0" smtClean="0"/>
           </a:p>
         </p:txBody>
       </p:sp>
       <p:sp>
         <p:nvSpPr>
-          <p:cNvPr id="3" name="Content Placeholder 2"/>
+          <p:cNvPr id="9" name="Content Placeholder 8"/>
           <p:cNvSpPr>
             <a:spLocks noGrp="1"/>
           </p:cNvSpPr>
@@ -19274,89 +18482,76 @@
         </p:nvSpPr>
         <p:spPr>
           <a:xfrm>
-            <a:off x="333375" y="957263"/>
-            <a:ext cx="8467725" cy="5367337"/>
+            <a:off x="333375" y="1185863"/>
+            <a:ext cx="8467725" cy="4833938"/>
           </a:xfrm>
         </p:spPr>
         <p:txBody>
-          <a:bodyPr/>
+          <a:bodyPr>
+            <a:normAutofit lnSpcReduction="10000"/>
+          </a:bodyPr>
           <a:lstStyle/>
           <a:p>
-            <a:pPr marL="0" indent="0">
-              <a:buNone/>
-            </a:pPr>
             <a:r>
-              <a:rPr lang="en-US" sz="2400" dirty="0" smtClean="0"/>
-              <a:t>Eclipse allows developers to integrate third-party software tools that provide additional multicore programming, profiling and analysis capabilities:</a:t>
+              <a:rPr lang="en-US" dirty="0" smtClean="0"/>
+              <a:t>/mcsdk</a:t>
             </a:r>
           </a:p>
           <a:p>
             <a:r>
-              <a:rPr lang="en-US" sz="2000" b="1" dirty="0" smtClean="0"/>
-              <a:t>Poly-Platform from PolyCore </a:t>
+              <a:rPr lang="en-US" dirty="0" smtClean="0"/>
+              <a:t>/pdk</a:t>
             </a:r>
+          </a:p>
+          <a:p>
             <a:r>
-              <a:rPr lang="en-US" sz="2000" dirty="0" smtClean="0">
-                <a:hlinkClick r:id="rId2"/>
-              </a:rPr>
-              <a:t>http://polycoresoftware.com</a:t>
+              <a:rPr lang="en-US" dirty="0" smtClean="0"/>
+              <a:t>/edma3</a:t>
             </a:r>
+          </a:p>
+          <a:p>
             <a:r>
-              <a:rPr lang="en-US" sz="2000" dirty="0" smtClean="0"/>
-              <a:t> is a development framework consisting of tools and run-time software that provide a programming model for applications to scale from one to many cores.</a:t>
+              <a:rPr lang="en-US" dirty="0" smtClean="0"/>
+              <a:t>/bios</a:t>
             </a:r>
           </a:p>
           <a:p>
             <a:r>
-              <a:rPr lang="en-US" sz="2000" b="1" dirty="0" smtClean="0"/>
-              <a:t>Prism from CriticalBlue </a:t>
+              <a:rPr lang="en-US" dirty="0" smtClean="0"/>
+              <a:t>/dsplib</a:t>
             </a:r>
+          </a:p>
+          <a:p>
             <a:r>
-              <a:rPr lang="en-US" sz="2000" dirty="0" smtClean="0">
-                <a:hlinkClick r:id="rId3"/>
-              </a:rPr>
-              <a:t>http://www.criticalblue.com</a:t>
+              <a:rPr lang="en-US" dirty="0" smtClean="0"/>
+              <a:t>/imglib</a:t>
             </a:r>
+          </a:p>
+          <a:p>
             <a:r>
-              <a:rPr lang="en-US" sz="2000" dirty="0" smtClean="0"/>
-              <a:t> provides multicore analysis and exploration tools to evaluate parallelization strategies of existing software applications.</a:t>
+              <a:rPr lang="en-US" dirty="0" smtClean="0"/>
+              <a:t>/mathlib</a:t>
             </a:r>
           </a:p>
           <a:p>
             <a:r>
-              <a:rPr lang="en-US" sz="2000" b="1" dirty="0" smtClean="0"/>
-              <a:t>Optima from ENEA </a:t>
+              <a:rPr lang="en-US" dirty="0" smtClean="0"/>
+              <a:t>/ipc</a:t>
             </a:r>
+          </a:p>
+          <a:p>
             <a:r>
-              <a:rPr lang="en-US" sz="2000" dirty="0" smtClean="0">
-                <a:hlinkClick r:id="rId4"/>
-              </a:rPr>
-              <a:t>http://www.enea.com</a:t>
+              <a:rPr lang="en-US" dirty="0" smtClean="0"/>
+              <a:t>/ndk</a:t>
             </a:r>
-            <a:r>
-              <a:rPr lang="en-US" sz="2000" dirty="0" smtClean="0"/>
-              <a:t> includes overview and management tools for multicore systems, profiling tools showing resource usage, and debug tools that track execution of application and operating system events.</a:t>
-            </a:r>
-          </a:p>
-          <a:p>
-            <a:r>
-              <a:rPr lang="en-US" sz="2000" b="1" dirty="0" smtClean="0"/>
-              <a:t>Diamond from 3L </a:t>
-            </a:r>
-            <a:r>
-              <a:rPr lang="en-US" sz="2000" dirty="0" smtClean="0">
-                <a:hlinkClick r:id="rId5"/>
-              </a:rPr>
-              <a:t>http://www.3l.com</a:t>
-            </a:r>
-            <a:r>
-              <a:rPr lang="en-US" sz="2000" dirty="0" smtClean="0"/>
-              <a:t> is a tool-suite and model that provides a highly automated development flow from concept through to applications running in multiprocessor hardware.</a:t>
-            </a:r>
+            <a:endParaRPr lang="en-US" dirty="0"/>
           </a:p>
         </p:txBody>
       </p:sp>
     </p:spTree>
+    <p:custDataLst>
+      <p:tags r:id="rId1"/>
+    </p:custDataLst>
   </p:cSld>
   <p:clrMapOvr>
     <a:masterClrMapping/>
@@ -19772,6 +18967,2040 @@
             </a:avLst>
           </a:prstGeom>
           <a:solidFill>
+            <a:srgbClr val="FFFF00"/>
+          </a:solidFill>
+          <a:ln w="28575" algn="ctr">
+            <a:solidFill>
+              <a:schemeClr val="tx1"/>
+            </a:solidFill>
+            <a:round/>
+            <a:headEnd/>
+            <a:tailEnd/>
+          </a:ln>
+          <a:effectLst/>
+        </p:spPr>
+        <p:txBody>
+          <a:bodyPr wrap="none"/>
+          <a:lstStyle/>
+          <a:p>
+            <a:pPr algn="ctr" fontAlgn="base">
+              <a:spcBef>
+                <a:spcPct val="0"/>
+              </a:spcBef>
+              <a:spcAft>
+                <a:spcPct val="0"/>
+              </a:spcAft>
+              <a:defRPr/>
+            </a:pPr>
+            <a:endParaRPr lang="en-US" sz="1000" b="1" dirty="0">
+              <a:solidFill>
+                <a:srgbClr val="FFFFFF"/>
+              </a:solidFill>
+              <a:latin typeface="Arial Narrow" pitchFamily="34" charset="0"/>
+              <a:ea typeface="MS PGothic" pitchFamily="34" charset="-128"/>
+              <a:cs typeface="Arial" charset="0"/>
+            </a:endParaRPr>
+          </a:p>
+        </p:txBody>
+      </p:sp>
+      <p:sp>
+        <p:nvSpPr>
+          <p:cNvPr id="66" name="Rounded Rectangle 65"/>
+          <p:cNvSpPr/>
+          <p:nvPr/>
+        </p:nvSpPr>
+        <p:spPr bwMode="auto">
+          <a:xfrm>
+            <a:off x="4467506" y="1371600"/>
+            <a:ext cx="4317107" cy="3870318"/>
+          </a:xfrm>
+          <a:prstGeom prst="roundRect">
+            <a:avLst>
+              <a:gd name="adj" fmla="val 2624"/>
+            </a:avLst>
+          </a:prstGeom>
+          <a:solidFill>
+            <a:srgbClr val="A0D7DE"/>
+          </a:solidFill>
+          <a:ln w="38100">
+            <a:solidFill>
+              <a:schemeClr val="tx1"/>
+            </a:solidFill>
+          </a:ln>
+          <a:effectLst/>
+        </p:spPr>
+        <p:style>
+          <a:lnRef idx="1">
+            <a:schemeClr val="accent6"/>
+          </a:lnRef>
+          <a:fillRef idx="2">
+            <a:schemeClr val="accent6"/>
+          </a:fillRef>
+          <a:effectRef idx="1">
+            <a:schemeClr val="accent6"/>
+          </a:effectRef>
+          <a:fontRef idx="minor">
+            <a:schemeClr val="dk1"/>
+          </a:fontRef>
+        </p:style>
+        <p:txBody>
+          <a:bodyPr anchor="ctr"/>
+          <a:lstStyle/>
+          <a:p>
+            <a:pPr algn="ctr" fontAlgn="base">
+              <a:spcBef>
+                <a:spcPct val="0"/>
+              </a:spcBef>
+              <a:spcAft>
+                <a:spcPct val="0"/>
+              </a:spcAft>
+              <a:defRPr/>
+            </a:pPr>
+            <a:endParaRPr lang="en-US" sz="1050" b="1" dirty="0">
+              <a:solidFill>
+                <a:prstClr val="black"/>
+              </a:solidFill>
+            </a:endParaRPr>
+          </a:p>
+          <a:p>
+            <a:pPr algn="ctr" fontAlgn="base">
+              <a:spcBef>
+                <a:spcPct val="0"/>
+              </a:spcBef>
+              <a:spcAft>
+                <a:spcPct val="0"/>
+              </a:spcAft>
+              <a:defRPr/>
+            </a:pPr>
+            <a:endParaRPr lang="en-US" sz="1050" b="1" dirty="0">
+              <a:solidFill>
+                <a:prstClr val="black"/>
+              </a:solidFill>
+            </a:endParaRPr>
+          </a:p>
+          <a:p>
+            <a:pPr algn="ctr" fontAlgn="base">
+              <a:spcBef>
+                <a:spcPct val="0"/>
+              </a:spcBef>
+              <a:spcAft>
+                <a:spcPct val="0"/>
+              </a:spcAft>
+              <a:defRPr/>
+            </a:pPr>
+            <a:endParaRPr lang="en-US" sz="1050" b="1" dirty="0">
+              <a:solidFill>
+                <a:prstClr val="black"/>
+              </a:solidFill>
+            </a:endParaRPr>
+          </a:p>
+          <a:p>
+            <a:pPr algn="ctr" fontAlgn="base">
+              <a:spcBef>
+                <a:spcPct val="0"/>
+              </a:spcBef>
+              <a:spcAft>
+                <a:spcPct val="0"/>
+              </a:spcAft>
+              <a:defRPr/>
+            </a:pPr>
+            <a:endParaRPr lang="en-US" sz="1050" b="1" dirty="0">
+              <a:solidFill>
+                <a:prstClr val="black"/>
+              </a:solidFill>
+            </a:endParaRPr>
+          </a:p>
+          <a:p>
+            <a:pPr algn="ctr" fontAlgn="base">
+              <a:spcBef>
+                <a:spcPct val="0"/>
+              </a:spcBef>
+              <a:spcAft>
+                <a:spcPct val="0"/>
+              </a:spcAft>
+              <a:defRPr/>
+            </a:pPr>
+            <a:endParaRPr lang="en-US" sz="1050" b="1" dirty="0">
+              <a:solidFill>
+                <a:prstClr val="black"/>
+              </a:solidFill>
+            </a:endParaRPr>
+          </a:p>
+          <a:p>
+            <a:pPr algn="ctr" fontAlgn="base">
+              <a:spcBef>
+                <a:spcPct val="0"/>
+              </a:spcBef>
+              <a:spcAft>
+                <a:spcPct val="0"/>
+              </a:spcAft>
+              <a:defRPr/>
+            </a:pPr>
+            <a:endParaRPr lang="en-US" sz="1050" b="1" dirty="0">
+              <a:solidFill>
+                <a:prstClr val="black"/>
+              </a:solidFill>
+            </a:endParaRPr>
+          </a:p>
+          <a:p>
+            <a:pPr algn="ctr" fontAlgn="base">
+              <a:spcBef>
+                <a:spcPct val="0"/>
+              </a:spcBef>
+              <a:spcAft>
+                <a:spcPct val="0"/>
+              </a:spcAft>
+              <a:defRPr/>
+            </a:pPr>
+            <a:endParaRPr lang="en-US" sz="1050" b="1" dirty="0">
+              <a:solidFill>
+                <a:prstClr val="black"/>
+              </a:solidFill>
+            </a:endParaRPr>
+          </a:p>
+          <a:p>
+            <a:pPr algn="ctr" fontAlgn="base">
+              <a:spcBef>
+                <a:spcPct val="0"/>
+              </a:spcBef>
+              <a:spcAft>
+                <a:spcPct val="0"/>
+              </a:spcAft>
+              <a:defRPr/>
+            </a:pPr>
+            <a:endParaRPr lang="en-US" sz="1050" b="1" dirty="0">
+              <a:solidFill>
+                <a:prstClr val="black"/>
+              </a:solidFill>
+            </a:endParaRPr>
+          </a:p>
+          <a:p>
+            <a:pPr algn="ctr" fontAlgn="base">
+              <a:spcBef>
+                <a:spcPct val="0"/>
+              </a:spcBef>
+              <a:spcAft>
+                <a:spcPct val="0"/>
+              </a:spcAft>
+              <a:defRPr/>
+            </a:pPr>
+            <a:endParaRPr lang="en-US" sz="1050" b="1" dirty="0">
+              <a:solidFill>
+                <a:prstClr val="black"/>
+              </a:solidFill>
+            </a:endParaRPr>
+          </a:p>
+          <a:p>
+            <a:pPr algn="ctr" fontAlgn="base">
+              <a:spcBef>
+                <a:spcPct val="0"/>
+              </a:spcBef>
+              <a:spcAft>
+                <a:spcPct val="0"/>
+              </a:spcAft>
+              <a:defRPr/>
+            </a:pPr>
+            <a:endParaRPr lang="en-US" sz="1050" b="1" dirty="0">
+              <a:solidFill>
+                <a:prstClr val="black"/>
+              </a:solidFill>
+            </a:endParaRPr>
+          </a:p>
+          <a:p>
+            <a:pPr algn="ctr" fontAlgn="base">
+              <a:spcBef>
+                <a:spcPct val="0"/>
+              </a:spcBef>
+              <a:spcAft>
+                <a:spcPct val="0"/>
+              </a:spcAft>
+              <a:defRPr/>
+            </a:pPr>
+            <a:endParaRPr lang="en-US" sz="1050" b="1" dirty="0">
+              <a:solidFill>
+                <a:prstClr val="black"/>
+              </a:solidFill>
+            </a:endParaRPr>
+          </a:p>
+          <a:p>
+            <a:pPr algn="ctr" fontAlgn="base">
+              <a:spcBef>
+                <a:spcPct val="0"/>
+              </a:spcBef>
+              <a:spcAft>
+                <a:spcPct val="0"/>
+              </a:spcAft>
+              <a:defRPr/>
+            </a:pPr>
+            <a:endParaRPr lang="en-US" sz="1050" b="1" dirty="0">
+              <a:solidFill>
+                <a:prstClr val="black"/>
+              </a:solidFill>
+            </a:endParaRPr>
+          </a:p>
+          <a:p>
+            <a:pPr algn="ctr" fontAlgn="base">
+              <a:spcBef>
+                <a:spcPct val="0"/>
+              </a:spcBef>
+              <a:spcAft>
+                <a:spcPct val="0"/>
+              </a:spcAft>
+              <a:defRPr/>
+            </a:pPr>
+            <a:endParaRPr lang="en-US" sz="1050" b="1" dirty="0">
+              <a:solidFill>
+                <a:prstClr val="black"/>
+              </a:solidFill>
+            </a:endParaRPr>
+          </a:p>
+          <a:p>
+            <a:pPr algn="ctr" fontAlgn="base">
+              <a:spcBef>
+                <a:spcPct val="0"/>
+              </a:spcBef>
+              <a:spcAft>
+                <a:spcPct val="0"/>
+              </a:spcAft>
+              <a:defRPr/>
+            </a:pPr>
+            <a:endParaRPr lang="en-US" sz="1050" b="1" dirty="0">
+              <a:solidFill>
+                <a:prstClr val="black"/>
+              </a:solidFill>
+            </a:endParaRPr>
+          </a:p>
+          <a:p>
+            <a:pPr algn="ctr" fontAlgn="base">
+              <a:spcBef>
+                <a:spcPct val="0"/>
+              </a:spcBef>
+              <a:spcAft>
+                <a:spcPct val="0"/>
+              </a:spcAft>
+              <a:defRPr/>
+            </a:pPr>
+            <a:endParaRPr lang="en-US" sz="1050" b="1" dirty="0">
+              <a:solidFill>
+                <a:prstClr val="black"/>
+              </a:solidFill>
+            </a:endParaRPr>
+          </a:p>
+          <a:p>
+            <a:pPr algn="ctr" fontAlgn="base">
+              <a:spcBef>
+                <a:spcPct val="0"/>
+              </a:spcBef>
+              <a:spcAft>
+                <a:spcPct val="0"/>
+              </a:spcAft>
+              <a:defRPr/>
+            </a:pPr>
+            <a:endParaRPr lang="en-US" sz="1050" b="1" dirty="0">
+              <a:solidFill>
+                <a:prstClr val="black"/>
+              </a:solidFill>
+            </a:endParaRPr>
+          </a:p>
+        </p:txBody>
+      </p:sp>
+      <p:sp>
+        <p:nvSpPr>
+          <p:cNvPr id="79" name="TextBox 78"/>
+          <p:cNvSpPr txBox="1"/>
+          <p:nvPr/>
+        </p:nvSpPr>
+        <p:spPr>
+          <a:xfrm>
+            <a:off x="5562600" y="1524000"/>
+            <a:ext cx="2023311" cy="830997"/>
+          </a:xfrm>
+          <a:prstGeom prst="rect">
+            <a:avLst/>
+          </a:prstGeom>
+          <a:noFill/>
+        </p:spPr>
+        <p:txBody>
+          <a:bodyPr wrap="none">
+            <a:spAutoFit/>
+          </a:bodyPr>
+          <a:lstStyle/>
+          <a:p>
+            <a:pPr algn="ctr" fontAlgn="base">
+              <a:spcBef>
+                <a:spcPct val="0"/>
+              </a:spcBef>
+              <a:spcAft>
+                <a:spcPct val="0"/>
+              </a:spcAft>
+              <a:defRPr/>
+            </a:pPr>
+            <a:r>
+              <a:rPr lang="en-US" sz="1600" b="1" dirty="0" smtClean="0">
+                <a:latin typeface="Arial" pitchFamily="34" charset="0"/>
+                <a:ea typeface="ＭＳ Ｐゴシック" pitchFamily="34" charset="-128"/>
+                <a:cs typeface="Arial" charset="0"/>
+              </a:rPr>
+              <a:t>Multicore Software</a:t>
+            </a:r>
+          </a:p>
+          <a:p>
+            <a:pPr algn="ctr" fontAlgn="base">
+              <a:spcBef>
+                <a:spcPct val="0"/>
+              </a:spcBef>
+              <a:spcAft>
+                <a:spcPct val="0"/>
+              </a:spcAft>
+              <a:defRPr/>
+            </a:pPr>
+            <a:r>
+              <a:rPr lang="en-US" sz="1600" b="1" dirty="0" smtClean="0">
+                <a:latin typeface="Arial" pitchFamily="34" charset="0"/>
+                <a:ea typeface="ＭＳ Ｐゴシック" pitchFamily="34" charset="-128"/>
+                <a:cs typeface="Arial" charset="0"/>
+              </a:rPr>
+              <a:t>Development Kit</a:t>
+            </a:r>
+          </a:p>
+          <a:p>
+            <a:pPr algn="ctr" fontAlgn="base">
+              <a:spcBef>
+                <a:spcPct val="0"/>
+              </a:spcBef>
+              <a:spcAft>
+                <a:spcPct val="0"/>
+              </a:spcAft>
+              <a:defRPr/>
+            </a:pPr>
+            <a:r>
+              <a:rPr lang="en-US" sz="1600" b="1" dirty="0" smtClean="0">
+                <a:latin typeface="Arial" pitchFamily="34" charset="0"/>
+                <a:ea typeface="ＭＳ Ｐゴシック" pitchFamily="34" charset="-128"/>
+                <a:cs typeface="Arial" charset="0"/>
+              </a:rPr>
+              <a:t>(MCSDK)</a:t>
+            </a:r>
+            <a:endParaRPr lang="en-US" sz="1600" b="1" dirty="0">
+              <a:latin typeface="Arial" pitchFamily="34" charset="0"/>
+              <a:ea typeface="ＭＳ Ｐゴシック" pitchFamily="34" charset="-128"/>
+              <a:cs typeface="Arial" charset="0"/>
+            </a:endParaRPr>
+          </a:p>
+        </p:txBody>
+      </p:sp>
+      <p:sp>
+        <p:nvSpPr>
+          <p:cNvPr id="49" name="PPTShape_2"/>
+          <p:cNvSpPr>
+            <a:spLocks noChangeArrowheads="1"/>
+          </p:cNvSpPr>
+          <p:nvPr/>
+        </p:nvSpPr>
+        <p:spPr bwMode="auto">
+          <a:xfrm>
+            <a:off x="2230437" y="3092450"/>
+            <a:ext cx="1014412" cy="725487"/>
+          </a:xfrm>
+          <a:prstGeom prst="roundRect">
+            <a:avLst>
+              <a:gd name="adj" fmla="val 16667"/>
+            </a:avLst>
+          </a:prstGeom>
+          <a:noFill/>
+          <a:ln w="28575" algn="ctr">
+            <a:noFill/>
+            <a:round/>
+            <a:headEnd/>
+            <a:tailEnd/>
+          </a:ln>
+          <a:effectLst/>
+        </p:spPr>
+        <p:txBody>
+          <a:bodyPr wrap="none"/>
+          <a:lstStyle/>
+          <a:p>
+            <a:pPr algn="ctr" fontAlgn="base">
+              <a:lnSpc>
+                <a:spcPct val="85000"/>
+              </a:lnSpc>
+              <a:spcBef>
+                <a:spcPct val="0"/>
+              </a:spcBef>
+              <a:spcAft>
+                <a:spcPct val="0"/>
+              </a:spcAft>
+              <a:defRPr/>
+            </a:pPr>
+            <a:r>
+              <a:rPr lang="en-US" sz="1200" b="1" dirty="0">
+                <a:solidFill>
+                  <a:prstClr val="black"/>
+                </a:solidFill>
+                <a:latin typeface="Arial Narrow" pitchFamily="34" charset="0"/>
+                <a:ea typeface="ＭＳ Ｐゴシック" pitchFamily="34" charset="-128"/>
+                <a:cs typeface="Arial" charset="0"/>
+              </a:rPr>
+              <a:t>Third</a:t>
+            </a:r>
+          </a:p>
+          <a:p>
+            <a:pPr algn="ctr" fontAlgn="base">
+              <a:lnSpc>
+                <a:spcPct val="85000"/>
+              </a:lnSpc>
+              <a:spcBef>
+                <a:spcPct val="0"/>
+              </a:spcBef>
+              <a:spcAft>
+                <a:spcPct val="0"/>
+              </a:spcAft>
+              <a:defRPr/>
+            </a:pPr>
+            <a:r>
+              <a:rPr lang="en-US" sz="1200" b="1" dirty="0">
+                <a:solidFill>
+                  <a:prstClr val="black"/>
+                </a:solidFill>
+                <a:latin typeface="Arial Narrow" pitchFamily="34" charset="0"/>
+                <a:ea typeface="ＭＳ Ｐゴシック" pitchFamily="34" charset="-128"/>
+                <a:cs typeface="Arial" charset="0"/>
+              </a:rPr>
+              <a:t>Party</a:t>
+            </a:r>
+          </a:p>
+          <a:p>
+            <a:pPr algn="ctr" fontAlgn="base">
+              <a:lnSpc>
+                <a:spcPct val="85000"/>
+              </a:lnSpc>
+              <a:spcBef>
+                <a:spcPct val="0"/>
+              </a:spcBef>
+              <a:spcAft>
+                <a:spcPct val="0"/>
+              </a:spcAft>
+              <a:defRPr/>
+            </a:pPr>
+            <a:r>
+              <a:rPr lang="en-US" sz="1200" b="1" dirty="0">
+                <a:solidFill>
+                  <a:prstClr val="black"/>
+                </a:solidFill>
+                <a:latin typeface="Arial Narrow" pitchFamily="34" charset="0"/>
+                <a:ea typeface="ＭＳ Ｐゴシック" pitchFamily="34" charset="-128"/>
+                <a:cs typeface="Arial" charset="0"/>
+              </a:rPr>
+              <a:t>Plug-Ins</a:t>
+            </a:r>
+          </a:p>
+        </p:txBody>
+      </p:sp>
+      <p:sp>
+        <p:nvSpPr>
+          <p:cNvPr id="16444" name="Title 12"/>
+          <p:cNvSpPr>
+            <a:spLocks noGrp="1"/>
+          </p:cNvSpPr>
+          <p:nvPr>
+            <p:ph type="title"/>
+          </p:nvPr>
+        </p:nvSpPr>
+        <p:spPr>
+          <a:xfrm>
+            <a:off x="342900" y="-69850"/>
+            <a:ext cx="8458200" cy="1189038"/>
+          </a:xfrm>
+        </p:spPr>
+        <p:txBody>
+          <a:bodyPr/>
+          <a:lstStyle/>
+          <a:p>
+            <a:pPr eaLnBrk="1" hangingPunct="1"/>
+            <a:r>
+              <a:rPr lang="en-US" sz="3600" dirty="0" smtClean="0"/>
+              <a:t>TI Software Development Ecosystem</a:t>
+            </a:r>
+            <a:br>
+              <a:rPr lang="en-US" sz="3600" dirty="0" smtClean="0"/>
+            </a:br>
+            <a:r>
+              <a:rPr lang="en-US" sz="2400" dirty="0" smtClean="0"/>
+              <a:t>Third Party Software Plug-ins</a:t>
+            </a:r>
+          </a:p>
+        </p:txBody>
+      </p:sp>
+      <p:sp>
+        <p:nvSpPr>
+          <p:cNvPr id="92" name="Rectangle 91"/>
+          <p:cNvSpPr/>
+          <p:nvPr/>
+        </p:nvSpPr>
+        <p:spPr>
+          <a:xfrm>
+            <a:off x="3505200" y="5715000"/>
+            <a:ext cx="914400" cy="276999"/>
+          </a:xfrm>
+          <a:prstGeom prst="rect">
+            <a:avLst/>
+          </a:prstGeom>
+        </p:spPr>
+        <p:txBody>
+          <a:bodyPr wrap="square">
+            <a:spAutoFit/>
+          </a:bodyPr>
+          <a:lstStyle/>
+          <a:p>
+            <a:pPr marL="115888" indent="-115888" fontAlgn="base">
+              <a:spcBef>
+                <a:spcPct val="0"/>
+              </a:spcBef>
+              <a:spcAft>
+                <a:spcPct val="0"/>
+              </a:spcAft>
+              <a:defRPr/>
+            </a:pPr>
+            <a:r>
+              <a:rPr lang="en-US" sz="1200" b="1" dirty="0" smtClean="0">
+                <a:solidFill>
+                  <a:srgbClr val="000000"/>
+                </a:solidFill>
+                <a:latin typeface="Arial" pitchFamily="34" charset="0"/>
+                <a:ea typeface="ＭＳ Ｐゴシック" pitchFamily="34" charset="-128"/>
+                <a:cs typeface="Arial" charset="0"/>
+              </a:rPr>
+              <a:t>Emulator</a:t>
+            </a:r>
+            <a:endParaRPr lang="en-US" sz="1200" b="1" dirty="0">
+              <a:solidFill>
+                <a:srgbClr val="000000"/>
+              </a:solidFill>
+              <a:latin typeface="Arial" pitchFamily="34" charset="0"/>
+              <a:ea typeface="ＭＳ Ｐゴシック" pitchFamily="34" charset="-128"/>
+              <a:cs typeface="Arial" charset="0"/>
+            </a:endParaRPr>
+          </a:p>
+        </p:txBody>
+      </p:sp>
+      <p:sp>
+        <p:nvSpPr>
+          <p:cNvPr id="15" name="Rounded Rectangle 14"/>
+          <p:cNvSpPr/>
+          <p:nvPr/>
+        </p:nvSpPr>
+        <p:spPr>
+          <a:xfrm>
+            <a:off x="785839" y="2576512"/>
+            <a:ext cx="1223963" cy="257175"/>
+          </a:xfrm>
+          <a:prstGeom prst="roundRect">
+            <a:avLst/>
+          </a:prstGeom>
+          <a:solidFill>
+            <a:schemeClr val="bg1"/>
+          </a:solidFill>
+          <a:ln w="19050">
+            <a:solidFill>
+              <a:schemeClr val="tx1"/>
+            </a:solidFill>
+          </a:ln>
+        </p:spPr>
+        <p:style>
+          <a:lnRef idx="2">
+            <a:schemeClr val="accent1">
+              <a:shade val="50000"/>
+            </a:schemeClr>
+          </a:lnRef>
+          <a:fillRef idx="1">
+            <a:schemeClr val="accent1"/>
+          </a:fillRef>
+          <a:effectRef idx="0">
+            <a:schemeClr val="accent1"/>
+          </a:effectRef>
+          <a:fontRef idx="minor">
+            <a:schemeClr val="lt1"/>
+          </a:fontRef>
+        </p:style>
+        <p:txBody>
+          <a:bodyPr anchor="ctr"/>
+          <a:lstStyle/>
+          <a:p>
+            <a:pPr algn="ctr" fontAlgn="base">
+              <a:spcBef>
+                <a:spcPct val="0"/>
+              </a:spcBef>
+              <a:spcAft>
+                <a:spcPct val="0"/>
+              </a:spcAft>
+              <a:defRPr/>
+            </a:pPr>
+            <a:r>
+              <a:rPr lang="en-US" sz="900" b="1" dirty="0" smtClean="0">
+                <a:solidFill>
+                  <a:prstClr val="black"/>
+                </a:solidFill>
+                <a:latin typeface="Arial" pitchFamily="34" charset="0"/>
+                <a:cs typeface="Arial" pitchFamily="34" charset="0"/>
+              </a:rPr>
+              <a:t>Editor</a:t>
+            </a:r>
+            <a:endParaRPr lang="en-US" sz="900" b="1" dirty="0">
+              <a:solidFill>
+                <a:prstClr val="black"/>
+              </a:solidFill>
+              <a:latin typeface="Arial" pitchFamily="34" charset="0"/>
+              <a:cs typeface="Arial" pitchFamily="34" charset="0"/>
+            </a:endParaRPr>
+          </a:p>
+        </p:txBody>
+      </p:sp>
+      <p:sp>
+        <p:nvSpPr>
+          <p:cNvPr id="16" name="Rounded Rectangle 15"/>
+          <p:cNvSpPr/>
+          <p:nvPr/>
+        </p:nvSpPr>
+        <p:spPr>
+          <a:xfrm>
+            <a:off x="790602" y="2928937"/>
+            <a:ext cx="1223963" cy="257175"/>
+          </a:xfrm>
+          <a:prstGeom prst="roundRect">
+            <a:avLst/>
+          </a:prstGeom>
+          <a:solidFill>
+            <a:schemeClr val="bg1"/>
+          </a:solidFill>
+          <a:ln w="19050">
+            <a:solidFill>
+              <a:schemeClr val="tx1"/>
+            </a:solidFill>
+          </a:ln>
+        </p:spPr>
+        <p:style>
+          <a:lnRef idx="2">
+            <a:schemeClr val="accent1">
+              <a:shade val="50000"/>
+            </a:schemeClr>
+          </a:lnRef>
+          <a:fillRef idx="1">
+            <a:schemeClr val="accent1"/>
+          </a:fillRef>
+          <a:effectRef idx="0">
+            <a:schemeClr val="accent1"/>
+          </a:effectRef>
+          <a:fontRef idx="minor">
+            <a:schemeClr val="lt1"/>
+          </a:fontRef>
+        </p:style>
+        <p:txBody>
+          <a:bodyPr anchor="ctr"/>
+          <a:lstStyle/>
+          <a:p>
+            <a:pPr algn="ctr" fontAlgn="base">
+              <a:lnSpc>
+                <a:spcPct val="85000"/>
+              </a:lnSpc>
+              <a:spcBef>
+                <a:spcPct val="0"/>
+              </a:spcBef>
+              <a:spcAft>
+                <a:spcPct val="0"/>
+              </a:spcAft>
+              <a:defRPr/>
+            </a:pPr>
+            <a:r>
+              <a:rPr lang="en-US" sz="900" b="1" dirty="0" smtClean="0">
+                <a:solidFill>
+                  <a:srgbClr val="000000"/>
+                </a:solidFill>
+                <a:latin typeface="Arial" pitchFamily="34" charset="0"/>
+                <a:ea typeface="ＭＳ Ｐゴシック" pitchFamily="34" charset="-128"/>
+              </a:rPr>
+              <a:t>Compiler Tools</a:t>
+            </a:r>
+          </a:p>
+        </p:txBody>
+      </p:sp>
+      <p:sp>
+        <p:nvSpPr>
+          <p:cNvPr id="17" name="Rounded Rectangle 16"/>
+          <p:cNvSpPr/>
+          <p:nvPr/>
+        </p:nvSpPr>
+        <p:spPr>
+          <a:xfrm>
+            <a:off x="785838" y="3290885"/>
+            <a:ext cx="1223963" cy="257175"/>
+          </a:xfrm>
+          <a:prstGeom prst="roundRect">
+            <a:avLst/>
+          </a:prstGeom>
+          <a:solidFill>
+            <a:schemeClr val="bg1"/>
+          </a:solidFill>
+          <a:ln w="19050">
+            <a:solidFill>
+              <a:schemeClr val="tx1"/>
+            </a:solidFill>
+          </a:ln>
+        </p:spPr>
+        <p:style>
+          <a:lnRef idx="2">
+            <a:schemeClr val="accent1">
+              <a:shade val="50000"/>
+            </a:schemeClr>
+          </a:lnRef>
+          <a:fillRef idx="1">
+            <a:schemeClr val="accent1"/>
+          </a:fillRef>
+          <a:effectRef idx="0">
+            <a:schemeClr val="accent1"/>
+          </a:effectRef>
+          <a:fontRef idx="minor">
+            <a:schemeClr val="lt1"/>
+          </a:fontRef>
+        </p:style>
+        <p:txBody>
+          <a:bodyPr anchor="ctr"/>
+          <a:lstStyle/>
+          <a:p>
+            <a:pPr algn="ctr" fontAlgn="base">
+              <a:lnSpc>
+                <a:spcPct val="85000"/>
+              </a:lnSpc>
+              <a:spcBef>
+                <a:spcPct val="0"/>
+              </a:spcBef>
+              <a:spcAft>
+                <a:spcPct val="0"/>
+              </a:spcAft>
+              <a:defRPr/>
+            </a:pPr>
+            <a:r>
+              <a:rPr lang="en-US" sz="900" b="1" dirty="0" smtClean="0">
+                <a:solidFill>
+                  <a:srgbClr val="000000"/>
+                </a:solidFill>
+                <a:latin typeface="Arial" pitchFamily="34" charset="0"/>
+                <a:ea typeface="ＭＳ Ｐゴシック" pitchFamily="34" charset="-128"/>
+              </a:rPr>
+              <a:t>Simulator</a:t>
+            </a:r>
+            <a:endParaRPr lang="en-US" sz="900" b="1" dirty="0">
+              <a:solidFill>
+                <a:srgbClr val="000000"/>
+              </a:solidFill>
+              <a:latin typeface="Arial" pitchFamily="34" charset="0"/>
+              <a:ea typeface="ＭＳ Ｐゴシック" pitchFamily="34" charset="-128"/>
+            </a:endParaRPr>
+          </a:p>
+        </p:txBody>
+      </p:sp>
+      <p:sp>
+        <p:nvSpPr>
+          <p:cNvPr id="18" name="Rounded Rectangle 17"/>
+          <p:cNvSpPr/>
+          <p:nvPr/>
+        </p:nvSpPr>
+        <p:spPr>
+          <a:xfrm>
+            <a:off x="790601" y="3643310"/>
+            <a:ext cx="1223963" cy="257175"/>
+          </a:xfrm>
+          <a:prstGeom prst="roundRect">
+            <a:avLst/>
+          </a:prstGeom>
+          <a:solidFill>
+            <a:schemeClr val="bg1"/>
+          </a:solidFill>
+          <a:ln w="19050">
+            <a:solidFill>
+              <a:schemeClr val="tx1"/>
+            </a:solidFill>
+          </a:ln>
+        </p:spPr>
+        <p:style>
+          <a:lnRef idx="2">
+            <a:schemeClr val="accent1">
+              <a:shade val="50000"/>
+            </a:schemeClr>
+          </a:lnRef>
+          <a:fillRef idx="1">
+            <a:schemeClr val="accent1"/>
+          </a:fillRef>
+          <a:effectRef idx="0">
+            <a:schemeClr val="accent1"/>
+          </a:effectRef>
+          <a:fontRef idx="minor">
+            <a:schemeClr val="lt1"/>
+          </a:fontRef>
+        </p:style>
+        <p:txBody>
+          <a:bodyPr anchor="ctr"/>
+          <a:lstStyle/>
+          <a:p>
+            <a:pPr algn="ctr" fontAlgn="base">
+              <a:lnSpc>
+                <a:spcPct val="85000"/>
+              </a:lnSpc>
+              <a:spcBef>
+                <a:spcPct val="0"/>
+              </a:spcBef>
+              <a:spcAft>
+                <a:spcPct val="0"/>
+              </a:spcAft>
+              <a:defRPr/>
+            </a:pPr>
+            <a:r>
+              <a:rPr lang="en-US" sz="900" b="1" dirty="0" smtClean="0">
+                <a:solidFill>
+                  <a:srgbClr val="000000"/>
+                </a:solidFill>
+                <a:latin typeface="Arial" pitchFamily="34" charset="0"/>
+                <a:ea typeface="ＭＳ Ｐゴシック" pitchFamily="34" charset="-128"/>
+              </a:rPr>
+              <a:t>Debug/Emulation</a:t>
+            </a:r>
+            <a:endParaRPr lang="en-US" sz="900" b="1" dirty="0">
+              <a:solidFill>
+                <a:srgbClr val="000000"/>
+              </a:solidFill>
+              <a:latin typeface="Arial" pitchFamily="34" charset="0"/>
+              <a:ea typeface="ＭＳ Ｐゴシック" pitchFamily="34" charset="-128"/>
+            </a:endParaRPr>
+          </a:p>
+        </p:txBody>
+      </p:sp>
+      <p:sp>
+        <p:nvSpPr>
+          <p:cNvPr id="19" name="Rounded Rectangle 18"/>
+          <p:cNvSpPr/>
+          <p:nvPr/>
+        </p:nvSpPr>
+        <p:spPr>
+          <a:xfrm>
+            <a:off x="785839" y="3990975"/>
+            <a:ext cx="1223963" cy="257175"/>
+          </a:xfrm>
+          <a:prstGeom prst="roundRect">
+            <a:avLst/>
+          </a:prstGeom>
+          <a:solidFill>
+            <a:schemeClr val="bg1"/>
+          </a:solidFill>
+          <a:ln w="19050">
+            <a:solidFill>
+              <a:schemeClr val="tx1"/>
+            </a:solidFill>
+          </a:ln>
+        </p:spPr>
+        <p:style>
+          <a:lnRef idx="2">
+            <a:schemeClr val="accent1">
+              <a:shade val="50000"/>
+            </a:schemeClr>
+          </a:lnRef>
+          <a:fillRef idx="1">
+            <a:schemeClr val="accent1"/>
+          </a:fillRef>
+          <a:effectRef idx="0">
+            <a:schemeClr val="accent1"/>
+          </a:effectRef>
+          <a:fontRef idx="minor">
+            <a:schemeClr val="lt1"/>
+          </a:fontRef>
+        </p:style>
+        <p:txBody>
+          <a:bodyPr anchor="ctr"/>
+          <a:lstStyle/>
+          <a:p>
+            <a:pPr algn="ctr" fontAlgn="base">
+              <a:lnSpc>
+                <a:spcPct val="85000"/>
+              </a:lnSpc>
+              <a:spcBef>
+                <a:spcPct val="0"/>
+              </a:spcBef>
+              <a:spcAft>
+                <a:spcPct val="0"/>
+              </a:spcAft>
+              <a:defRPr/>
+            </a:pPr>
+            <a:r>
+              <a:rPr lang="en-US" sz="900" b="1" dirty="0" smtClean="0">
+                <a:solidFill>
+                  <a:srgbClr val="000000"/>
+                </a:solidFill>
+                <a:latin typeface="Arial" pitchFamily="34" charset="0"/>
+                <a:ea typeface="ＭＳ Ｐゴシック" pitchFamily="34" charset="-128"/>
+              </a:rPr>
+              <a:t>Remote Debug</a:t>
+            </a:r>
+            <a:endParaRPr lang="en-US" sz="900" b="1" dirty="0">
+              <a:solidFill>
+                <a:srgbClr val="000000"/>
+              </a:solidFill>
+              <a:latin typeface="Arial" pitchFamily="34" charset="0"/>
+              <a:ea typeface="ＭＳ Ｐゴシック" pitchFamily="34" charset="-128"/>
+            </a:endParaRPr>
+          </a:p>
+        </p:txBody>
+      </p:sp>
+      <p:sp>
+        <p:nvSpPr>
+          <p:cNvPr id="20" name="Rounded Rectangle 19"/>
+          <p:cNvSpPr/>
+          <p:nvPr/>
+        </p:nvSpPr>
+        <p:spPr>
+          <a:xfrm>
+            <a:off x="790602" y="4343400"/>
+            <a:ext cx="1223963" cy="257175"/>
+          </a:xfrm>
+          <a:prstGeom prst="roundRect">
+            <a:avLst/>
+          </a:prstGeom>
+          <a:solidFill>
+            <a:schemeClr val="bg1"/>
+          </a:solidFill>
+          <a:ln w="19050">
+            <a:solidFill>
+              <a:schemeClr val="tx1"/>
+            </a:solidFill>
+          </a:ln>
+        </p:spPr>
+        <p:style>
+          <a:lnRef idx="2">
+            <a:schemeClr val="accent1">
+              <a:shade val="50000"/>
+            </a:schemeClr>
+          </a:lnRef>
+          <a:fillRef idx="1">
+            <a:schemeClr val="accent1"/>
+          </a:fillRef>
+          <a:effectRef idx="0">
+            <a:schemeClr val="accent1"/>
+          </a:effectRef>
+          <a:fontRef idx="minor">
+            <a:schemeClr val="lt1"/>
+          </a:fontRef>
+        </p:style>
+        <p:txBody>
+          <a:bodyPr anchor="ctr"/>
+          <a:lstStyle/>
+          <a:p>
+            <a:pPr algn="ctr" fontAlgn="base">
+              <a:lnSpc>
+                <a:spcPct val="85000"/>
+              </a:lnSpc>
+              <a:spcBef>
+                <a:spcPct val="0"/>
+              </a:spcBef>
+              <a:spcAft>
+                <a:spcPct val="0"/>
+              </a:spcAft>
+              <a:defRPr/>
+            </a:pPr>
+            <a:r>
+              <a:rPr lang="en-US" sz="900" b="1" dirty="0" smtClean="0">
+                <a:solidFill>
+                  <a:srgbClr val="000000"/>
+                </a:solidFill>
+                <a:latin typeface="Arial" pitchFamily="34" charset="0"/>
+                <a:ea typeface="ＭＳ Ｐゴシック" pitchFamily="34" charset="-128"/>
+              </a:rPr>
+              <a:t>Instrumentation</a:t>
+            </a:r>
+            <a:endParaRPr lang="en-US" sz="900" b="1" dirty="0">
+              <a:solidFill>
+                <a:srgbClr val="000000"/>
+              </a:solidFill>
+              <a:latin typeface="Arial" pitchFamily="34" charset="0"/>
+              <a:ea typeface="ＭＳ Ｐゴシック" pitchFamily="34" charset="-128"/>
+            </a:endParaRPr>
+          </a:p>
+        </p:txBody>
+      </p:sp>
+      <p:sp>
+        <p:nvSpPr>
+          <p:cNvPr id="21" name="Rounded Rectangle 20"/>
+          <p:cNvSpPr/>
+          <p:nvPr/>
+        </p:nvSpPr>
+        <p:spPr>
+          <a:xfrm>
+            <a:off x="785840" y="4695825"/>
+            <a:ext cx="1223963" cy="257175"/>
+          </a:xfrm>
+          <a:prstGeom prst="roundRect">
+            <a:avLst/>
+          </a:prstGeom>
+          <a:solidFill>
+            <a:schemeClr val="bg1"/>
+          </a:solidFill>
+          <a:ln w="19050">
+            <a:solidFill>
+              <a:schemeClr val="tx1"/>
+            </a:solidFill>
+          </a:ln>
+        </p:spPr>
+        <p:style>
+          <a:lnRef idx="2">
+            <a:schemeClr val="accent1">
+              <a:shade val="50000"/>
+            </a:schemeClr>
+          </a:lnRef>
+          <a:fillRef idx="1">
+            <a:schemeClr val="accent1"/>
+          </a:fillRef>
+          <a:effectRef idx="0">
+            <a:schemeClr val="accent1"/>
+          </a:effectRef>
+          <a:fontRef idx="minor">
+            <a:schemeClr val="lt1"/>
+          </a:fontRef>
+        </p:style>
+        <p:txBody>
+          <a:bodyPr anchor="ctr"/>
+          <a:lstStyle/>
+          <a:p>
+            <a:pPr algn="ctr" fontAlgn="base">
+              <a:lnSpc>
+                <a:spcPct val="85000"/>
+              </a:lnSpc>
+              <a:spcBef>
+                <a:spcPct val="0"/>
+              </a:spcBef>
+              <a:spcAft>
+                <a:spcPct val="0"/>
+              </a:spcAft>
+              <a:defRPr/>
+            </a:pPr>
+            <a:r>
+              <a:rPr lang="en-US" sz="900" b="1" dirty="0" smtClean="0">
+                <a:solidFill>
+                  <a:srgbClr val="000000"/>
+                </a:solidFill>
+                <a:latin typeface="Arial" pitchFamily="34" charset="0"/>
+                <a:ea typeface="ＭＳ Ｐゴシック" pitchFamily="34" charset="-128"/>
+              </a:rPr>
+              <a:t>Visualization</a:t>
+            </a:r>
+            <a:endParaRPr lang="en-US" sz="900" b="1" dirty="0">
+              <a:solidFill>
+                <a:srgbClr val="000000"/>
+              </a:solidFill>
+              <a:latin typeface="Arial" pitchFamily="34" charset="0"/>
+              <a:ea typeface="ＭＳ Ｐゴシック" pitchFamily="34" charset="-128"/>
+            </a:endParaRPr>
+          </a:p>
+        </p:txBody>
+      </p:sp>
+      <p:sp>
+        <p:nvSpPr>
+          <p:cNvPr id="22" name="AutoShape 20"/>
+          <p:cNvSpPr>
+            <a:spLocks noChangeArrowheads="1"/>
+          </p:cNvSpPr>
+          <p:nvPr/>
+        </p:nvSpPr>
+        <p:spPr bwMode="auto">
+          <a:xfrm>
+            <a:off x="803302" y="4357687"/>
+            <a:ext cx="1204912" cy="233363"/>
+          </a:xfrm>
+          <a:prstGeom prst="roundRect">
+            <a:avLst>
+              <a:gd name="adj" fmla="val 16667"/>
+            </a:avLst>
+          </a:prstGeom>
+          <a:noFill/>
+          <a:ln w="9525" algn="ctr">
+            <a:noFill/>
+            <a:round/>
+            <a:headEnd/>
+            <a:tailEnd/>
+          </a:ln>
+          <a:effectLst>
+            <a:prstShdw prst="shdw17" dist="17961" dir="2700000">
+              <a:srgbClr val="00FFFF">
+                <a:gamma/>
+                <a:shade val="60000"/>
+                <a:invGamma/>
+              </a:srgbClr>
+            </a:prstShdw>
+          </a:effectLst>
+        </p:spPr>
+        <p:txBody>
+          <a:bodyPr wrap="none" anchor="ctr"/>
+          <a:lstStyle/>
+          <a:p>
+            <a:pPr algn="ctr" fontAlgn="base">
+              <a:lnSpc>
+                <a:spcPct val="85000"/>
+              </a:lnSpc>
+              <a:spcBef>
+                <a:spcPct val="0"/>
+              </a:spcBef>
+              <a:spcAft>
+                <a:spcPct val="0"/>
+              </a:spcAft>
+              <a:defRPr/>
+            </a:pPr>
+            <a:endParaRPr lang="en-US" sz="900" b="1" dirty="0">
+              <a:solidFill>
+                <a:srgbClr val="000000"/>
+              </a:solidFill>
+              <a:latin typeface="Arial" pitchFamily="34" charset="0"/>
+              <a:ea typeface="ＭＳ Ｐゴシック" pitchFamily="34" charset="-128"/>
+              <a:cs typeface="Arial" charset="0"/>
+            </a:endParaRPr>
+          </a:p>
+        </p:txBody>
+      </p:sp>
+      <p:sp>
+        <p:nvSpPr>
+          <p:cNvPr id="23" name="PPTShape_1"/>
+          <p:cNvSpPr>
+            <a:spLocks noChangeArrowheads="1"/>
+          </p:cNvSpPr>
+          <p:nvPr/>
+        </p:nvSpPr>
+        <p:spPr bwMode="auto">
+          <a:xfrm>
+            <a:off x="681064" y="1933575"/>
+            <a:ext cx="1468438" cy="681037"/>
+          </a:xfrm>
+          <a:prstGeom prst="roundRect">
+            <a:avLst>
+              <a:gd name="adj" fmla="val 16667"/>
+            </a:avLst>
+          </a:prstGeom>
+          <a:noFill/>
+          <a:ln w="28575" algn="ctr">
+            <a:noFill/>
+            <a:round/>
+            <a:headEnd/>
+            <a:tailEnd/>
+          </a:ln>
+          <a:effectLst/>
+        </p:spPr>
+        <p:txBody>
+          <a:bodyPr wrap="none"/>
+          <a:lstStyle/>
+          <a:p>
+            <a:pPr algn="ctr" fontAlgn="base">
+              <a:lnSpc>
+                <a:spcPct val="85000"/>
+              </a:lnSpc>
+              <a:spcBef>
+                <a:spcPct val="0"/>
+              </a:spcBef>
+              <a:spcAft>
+                <a:spcPct val="0"/>
+              </a:spcAft>
+              <a:defRPr/>
+            </a:pPr>
+            <a:r>
+              <a:rPr lang="en-US" sz="1200" b="1" dirty="0">
+                <a:latin typeface="Arial"/>
+                <a:ea typeface="ＭＳ Ｐゴシック" pitchFamily="34" charset="-128"/>
+                <a:cs typeface="Arial" charset="0"/>
+              </a:rPr>
+              <a:t>Code </a:t>
+            </a:r>
+          </a:p>
+          <a:p>
+            <a:pPr algn="ctr" fontAlgn="base">
+              <a:lnSpc>
+                <a:spcPct val="85000"/>
+              </a:lnSpc>
+              <a:spcBef>
+                <a:spcPct val="0"/>
+              </a:spcBef>
+              <a:spcAft>
+                <a:spcPct val="0"/>
+              </a:spcAft>
+              <a:defRPr/>
+            </a:pPr>
+            <a:r>
+              <a:rPr lang="en-US" sz="1200" b="1" dirty="0">
+                <a:latin typeface="Arial"/>
+                <a:ea typeface="ＭＳ Ｐゴシック" pitchFamily="34" charset="-128"/>
+                <a:cs typeface="Arial" charset="0"/>
+              </a:rPr>
+              <a:t>Composer</a:t>
+            </a:r>
+          </a:p>
+          <a:p>
+            <a:pPr algn="ctr" fontAlgn="base">
+              <a:lnSpc>
+                <a:spcPct val="85000"/>
+              </a:lnSpc>
+              <a:spcBef>
+                <a:spcPct val="0"/>
+              </a:spcBef>
+              <a:spcAft>
+                <a:spcPct val="0"/>
+              </a:spcAft>
+              <a:defRPr/>
+            </a:pPr>
+            <a:r>
+              <a:rPr lang="en-US" sz="1200" b="1" dirty="0">
+                <a:latin typeface="Arial"/>
+                <a:ea typeface="ＭＳ Ｐゴシック" pitchFamily="34" charset="-128"/>
+                <a:cs typeface="Arial" charset="0"/>
+              </a:rPr>
+              <a:t> Studio</a:t>
+            </a:r>
+            <a:r>
+              <a:rPr lang="en-US" sz="800" b="1" baseline="50000" dirty="0">
+                <a:latin typeface="Arial"/>
+                <a:ea typeface="ＭＳ Ｐゴシック" pitchFamily="34" charset="-128"/>
+                <a:cs typeface="Arial" charset="0"/>
+              </a:rPr>
+              <a:t>TM</a:t>
+            </a:r>
+          </a:p>
+        </p:txBody>
+      </p:sp>
+      <p:pic>
+        <p:nvPicPr>
+          <p:cNvPr id="24" name="Picture 23" descr="MCSDK.jpg"/>
+          <p:cNvPicPr>
+            <a:picLocks noChangeAspect="1"/>
+          </p:cNvPicPr>
+          <p:nvPr/>
+        </p:nvPicPr>
+        <p:blipFill>
+          <a:blip r:embed="rId4" cstate="print"/>
+          <a:stretch>
+            <a:fillRect/>
+          </a:stretch>
+        </p:blipFill>
+        <p:spPr>
+          <a:xfrm>
+            <a:off x="4590066" y="2438400"/>
+            <a:ext cx="4112636" cy="2514600"/>
+          </a:xfrm>
+          <a:prstGeom prst="rect">
+            <a:avLst/>
+          </a:prstGeom>
+        </p:spPr>
+      </p:pic>
+    </p:spTree>
+    <p:custDataLst>
+      <p:tags r:id="rId1"/>
+    </p:custDataLst>
+  </p:cSld>
+  <p:clrMapOvr>
+    <a:masterClrMapping/>
+  </p:clrMapOvr>
+  <p:timing>
+    <p:tnLst>
+      <p:par>
+        <p:cTn id="1" dur="indefinite" restart="never" nodeType="tmRoot"/>
+      </p:par>
+    </p:tnLst>
+  </p:timing>
+</p:sld>
+</file>
+
+<file path=ppt/slides/slide2.xml><?xml version="1.0" encoding="utf-8"?>
+<p:sld xmlns:a="http://schemas.openxmlformats.org/drawingml/2006/main" xmlns:r="http://schemas.openxmlformats.org/officeDocument/2006/relationships" xmlns:p="http://schemas.openxmlformats.org/presentationml/2006/main">
+  <p:cSld>
+    <p:spTree>
+      <p:nvGrpSpPr>
+        <p:cNvPr id="1" name=""/>
+        <p:cNvGrpSpPr/>
+        <p:nvPr/>
+      </p:nvGrpSpPr>
+      <p:grpSpPr>
+        <a:xfrm>
+          <a:off x="0" y="0"/>
+          <a:ext cx="0" cy="0"/>
+          <a:chOff x="0" y="0"/>
+          <a:chExt cx="0" cy="0"/>
+        </a:xfrm>
+      </p:grpSpPr>
+      <p:sp>
+        <p:nvSpPr>
+          <p:cNvPr id="4" name="Title 3"/>
+          <p:cNvSpPr>
+            <a:spLocks noGrp="1"/>
+          </p:cNvSpPr>
+          <p:nvPr>
+            <p:ph type="title"/>
+          </p:nvPr>
+        </p:nvSpPr>
+        <p:spPr/>
+        <p:txBody>
+          <a:bodyPr>
+            <a:normAutofit/>
+          </a:bodyPr>
+          <a:lstStyle/>
+          <a:p>
+            <a:r>
+              <a:rPr lang="en-US" sz="3600" dirty="0" smtClean="0"/>
+              <a:t>Agenda</a:t>
+            </a:r>
+            <a:endParaRPr lang="en-US" sz="3600" dirty="0"/>
+          </a:p>
+        </p:txBody>
+      </p:sp>
+      <p:sp>
+        <p:nvSpPr>
+          <p:cNvPr id="5" name="Content Placeholder 4"/>
+          <p:cNvSpPr>
+            <a:spLocks noGrp="1"/>
+          </p:cNvSpPr>
+          <p:nvPr>
+            <p:ph idx="1"/>
+          </p:nvPr>
+        </p:nvSpPr>
+        <p:spPr>
+          <a:xfrm>
+            <a:off x="457200" y="1295400"/>
+            <a:ext cx="8229600" cy="4525963"/>
+          </a:xfrm>
+        </p:spPr>
+        <p:txBody>
+          <a:bodyPr>
+            <a:normAutofit/>
+          </a:bodyPr>
+          <a:lstStyle/>
+          <a:p>
+            <a:r>
+              <a:rPr lang="en-US" dirty="0" smtClean="0">
+                <a:latin typeface="Calibri" pitchFamily="34" charset="0"/>
+                <a:cs typeface="Calibri" pitchFamily="34" charset="0"/>
+              </a:rPr>
+              <a:t>Multicore Development Ecosystem</a:t>
+            </a:r>
+          </a:p>
+          <a:p>
+            <a:pPr lvl="1"/>
+            <a:r>
+              <a:rPr lang="en-US" dirty="0" smtClean="0">
+                <a:latin typeface="Calibri" pitchFamily="34" charset="0"/>
+                <a:cs typeface="Calibri" pitchFamily="34" charset="0"/>
+              </a:rPr>
+              <a:t>Code Composer Studio (CCS)</a:t>
+            </a:r>
+          </a:p>
+          <a:p>
+            <a:pPr lvl="1"/>
+            <a:r>
+              <a:rPr lang="en-US" dirty="0" smtClean="0">
+                <a:latin typeface="Calibri" pitchFamily="34" charset="0"/>
+                <a:cs typeface="Calibri" pitchFamily="34" charset="0"/>
+              </a:rPr>
+              <a:t>Multicore Software Development Kit (MCSDK)</a:t>
+            </a:r>
+          </a:p>
+          <a:p>
+            <a:pPr lvl="1"/>
+            <a:r>
+              <a:rPr lang="en-US" dirty="0" smtClean="0">
+                <a:latin typeface="Calibri" pitchFamily="34" charset="0"/>
+                <a:cs typeface="Calibri" pitchFamily="34" charset="0"/>
+              </a:rPr>
+              <a:t>Third Party Software</a:t>
+            </a:r>
+          </a:p>
+          <a:p>
+            <a:pPr lvl="1"/>
+            <a:r>
+              <a:rPr lang="en-US" dirty="0" smtClean="0">
+                <a:latin typeface="Calibri" pitchFamily="34" charset="0"/>
+                <a:cs typeface="Calibri" pitchFamily="34" charset="0"/>
+              </a:rPr>
+              <a:t>C66x </a:t>
+            </a:r>
+            <a:r>
+              <a:rPr lang="en-US" dirty="0" err="1" smtClean="0">
+                <a:latin typeface="Calibri" pitchFamily="34" charset="0"/>
+                <a:cs typeface="Calibri" pitchFamily="34" charset="0"/>
+              </a:rPr>
+              <a:t>Lite</a:t>
+            </a:r>
+            <a:r>
+              <a:rPr lang="en-US" dirty="0" smtClean="0">
+                <a:latin typeface="Calibri" pitchFamily="34" charset="0"/>
+                <a:cs typeface="Calibri" pitchFamily="34" charset="0"/>
+              </a:rPr>
+              <a:t> Evaluation Module (EVM) </a:t>
+            </a:r>
+          </a:p>
+        </p:txBody>
+      </p:sp>
+    </p:spTree>
+  </p:cSld>
+  <p:clrMapOvr>
+    <a:masterClrMapping/>
+  </p:clrMapOvr>
+  <p:timing>
+    <p:tnLst>
+      <p:par>
+        <p:cTn id="1" dur="indefinite" restart="never" nodeType="tmRoot"/>
+      </p:par>
+    </p:tnLst>
+  </p:timing>
+</p:sld>
+</file>
+
+<file path=ppt/slides/slide20.xml><?xml version="1.0" encoding="utf-8"?>
+<p:sld xmlns:a="http://schemas.openxmlformats.org/drawingml/2006/main" xmlns:r="http://schemas.openxmlformats.org/officeDocument/2006/relationships" xmlns:p="http://schemas.openxmlformats.org/presentationml/2006/main">
+  <p:cSld>
+    <p:spTree>
+      <p:nvGrpSpPr>
+        <p:cNvPr id="1" name=""/>
+        <p:cNvGrpSpPr/>
+        <p:nvPr/>
+      </p:nvGrpSpPr>
+      <p:grpSpPr>
+        <a:xfrm>
+          <a:off x="0" y="0"/>
+          <a:ext cx="0" cy="0"/>
+          <a:chOff x="0" y="0"/>
+          <a:chExt cx="0" cy="0"/>
+        </a:xfrm>
+      </p:grpSpPr>
+      <p:sp>
+        <p:nvSpPr>
+          <p:cNvPr id="2" name="Title 1"/>
+          <p:cNvSpPr>
+            <a:spLocks noGrp="1"/>
+          </p:cNvSpPr>
+          <p:nvPr>
+            <p:ph type="title"/>
+          </p:nvPr>
+        </p:nvSpPr>
+        <p:spPr/>
+        <p:txBody>
+          <a:bodyPr/>
+          <a:lstStyle/>
+          <a:p>
+            <a:r>
+              <a:rPr lang="en-US" dirty="0" smtClean="0"/>
+              <a:t>Third Party Plug-Ins</a:t>
+            </a:r>
+            <a:endParaRPr lang="en-US" dirty="0"/>
+          </a:p>
+        </p:txBody>
+      </p:sp>
+      <p:sp>
+        <p:nvSpPr>
+          <p:cNvPr id="3" name="Content Placeholder 2"/>
+          <p:cNvSpPr>
+            <a:spLocks noGrp="1"/>
+          </p:cNvSpPr>
+          <p:nvPr>
+            <p:ph idx="1"/>
+          </p:nvPr>
+        </p:nvSpPr>
+        <p:spPr>
+          <a:xfrm>
+            <a:off x="333375" y="957263"/>
+            <a:ext cx="8467725" cy="5367337"/>
+          </a:xfrm>
+        </p:spPr>
+        <p:txBody>
+          <a:bodyPr/>
+          <a:lstStyle/>
+          <a:p>
+            <a:pPr marL="0" indent="0">
+              <a:buNone/>
+            </a:pPr>
+            <a:r>
+              <a:rPr lang="en-US" sz="2400" dirty="0" smtClean="0"/>
+              <a:t>Eclipse allows developers to integrate third-party software tools that provide additional multicore programming, profiling and analysis capabilities:</a:t>
+            </a:r>
+          </a:p>
+          <a:p>
+            <a:r>
+              <a:rPr lang="en-US" sz="2000" b="1" dirty="0" smtClean="0"/>
+              <a:t>Poly-Platform from PolyCore </a:t>
+            </a:r>
+            <a:r>
+              <a:rPr lang="en-US" sz="2000" dirty="0" smtClean="0">
+                <a:hlinkClick r:id="rId2"/>
+              </a:rPr>
+              <a:t>http://polycoresoftware.com</a:t>
+            </a:r>
+            <a:r>
+              <a:rPr lang="en-US" sz="2000" dirty="0" smtClean="0"/>
+              <a:t> is a development framework consisting of tools and run-time software that provide a programming model for applications to scale from one to many cores.</a:t>
+            </a:r>
+          </a:p>
+          <a:p>
+            <a:r>
+              <a:rPr lang="en-US" sz="2000" b="1" dirty="0" smtClean="0"/>
+              <a:t>Prism from CriticalBlue </a:t>
+            </a:r>
+            <a:r>
+              <a:rPr lang="en-US" sz="2000" dirty="0" smtClean="0">
+                <a:hlinkClick r:id="rId3"/>
+              </a:rPr>
+              <a:t>http://www.criticalblue.com</a:t>
+            </a:r>
+            <a:r>
+              <a:rPr lang="en-US" sz="2000" dirty="0" smtClean="0"/>
+              <a:t> provides multicore analysis and exploration tools to evaluate parallelization strategies of existing software applications.</a:t>
+            </a:r>
+          </a:p>
+          <a:p>
+            <a:r>
+              <a:rPr lang="en-US" sz="2000" b="1" dirty="0" smtClean="0"/>
+              <a:t>Optima from ENEA </a:t>
+            </a:r>
+            <a:r>
+              <a:rPr lang="en-US" sz="2000" dirty="0" smtClean="0">
+                <a:hlinkClick r:id="rId4"/>
+              </a:rPr>
+              <a:t>http://www.enea.com</a:t>
+            </a:r>
+            <a:r>
+              <a:rPr lang="en-US" sz="2000" dirty="0" smtClean="0"/>
+              <a:t> includes overview and management tools for multicore systems, profiling tools showing resource usage, and debug tools that track execution of application and operating system events.</a:t>
+            </a:r>
+          </a:p>
+          <a:p>
+            <a:r>
+              <a:rPr lang="en-US" sz="2000" b="1" dirty="0" smtClean="0"/>
+              <a:t>Diamond from 3L </a:t>
+            </a:r>
+            <a:r>
+              <a:rPr lang="en-US" sz="2000" dirty="0" smtClean="0">
+                <a:hlinkClick r:id="rId5"/>
+              </a:rPr>
+              <a:t>http://www.3l.com</a:t>
+            </a:r>
+            <a:r>
+              <a:rPr lang="en-US" sz="2000" dirty="0" smtClean="0"/>
+              <a:t> is a tool-suite and model that provides a highly automated development flow from concept through to applications running in multiprocessor hardware.</a:t>
+            </a:r>
+          </a:p>
+        </p:txBody>
+      </p:sp>
+    </p:spTree>
+  </p:cSld>
+  <p:clrMapOvr>
+    <a:masterClrMapping/>
+  </p:clrMapOvr>
+  <p:timing>
+    <p:tnLst>
+      <p:par>
+        <p:cTn id="1" dur="indefinite" restart="never" nodeType="tmRoot"/>
+      </p:par>
+    </p:tnLst>
+  </p:timing>
+</p:sld>
+</file>
+
+<file path=ppt/slides/slide21.xml><?xml version="1.0" encoding="utf-8"?>
+<p:sld xmlns:a="http://schemas.openxmlformats.org/drawingml/2006/main" xmlns:r="http://schemas.openxmlformats.org/officeDocument/2006/relationships" xmlns:p="http://schemas.openxmlformats.org/presentationml/2006/main">
+  <p:cSld>
+    <p:spTree>
+      <p:nvGrpSpPr>
+        <p:cNvPr id="1" name=""/>
+        <p:cNvGrpSpPr/>
+        <p:nvPr/>
+      </p:nvGrpSpPr>
+      <p:grpSpPr>
+        <a:xfrm>
+          <a:off x="0" y="0"/>
+          <a:ext cx="0" cy="0"/>
+          <a:chOff x="0" y="0"/>
+          <a:chExt cx="0" cy="0"/>
+        </a:xfrm>
+      </p:grpSpPr>
+      <p:sp>
+        <p:nvSpPr>
+          <p:cNvPr id="39" name="Rounded Rectangle 38"/>
+          <p:cNvSpPr/>
+          <p:nvPr/>
+        </p:nvSpPr>
+        <p:spPr>
+          <a:xfrm>
+            <a:off x="493712" y="1371600"/>
+            <a:ext cx="2935288" cy="3930650"/>
+          </a:xfrm>
+          <a:prstGeom prst="roundRect">
+            <a:avLst/>
+          </a:prstGeom>
+          <a:solidFill>
+            <a:schemeClr val="bg1"/>
+          </a:solidFill>
+          <a:ln w="38100">
+            <a:solidFill>
+              <a:schemeClr val="tx1"/>
+            </a:solidFill>
+          </a:ln>
+          <a:effectLst/>
+        </p:spPr>
+        <p:style>
+          <a:lnRef idx="2">
+            <a:schemeClr val="accent1">
+              <a:shade val="50000"/>
+            </a:schemeClr>
+          </a:lnRef>
+          <a:fillRef idx="1">
+            <a:schemeClr val="accent1"/>
+          </a:fillRef>
+          <a:effectRef idx="0">
+            <a:schemeClr val="accent1"/>
+          </a:effectRef>
+          <a:fontRef idx="minor">
+            <a:schemeClr val="lt1"/>
+          </a:fontRef>
+        </p:style>
+        <p:txBody>
+          <a:bodyPr anchor="ctr"/>
+          <a:lstStyle/>
+          <a:p>
+            <a:pPr algn="ctr" fontAlgn="base">
+              <a:spcBef>
+                <a:spcPct val="0"/>
+              </a:spcBef>
+              <a:spcAft>
+                <a:spcPct val="0"/>
+              </a:spcAft>
+              <a:defRPr/>
+            </a:pPr>
+            <a:endParaRPr lang="en-US" sz="2800" b="1" dirty="0">
+              <a:solidFill>
+                <a:srgbClr val="FFFFFF"/>
+              </a:solidFill>
+            </a:endParaRPr>
+          </a:p>
+        </p:txBody>
+      </p:sp>
+      <p:sp>
+        <p:nvSpPr>
+          <p:cNvPr id="228365" name="AutoShape 13"/>
+          <p:cNvSpPr>
+            <a:spLocks noChangeArrowheads="1"/>
+          </p:cNvSpPr>
+          <p:nvPr/>
+        </p:nvSpPr>
+        <p:spPr bwMode="auto">
+          <a:xfrm>
+            <a:off x="669925" y="1870075"/>
+            <a:ext cx="1468437" cy="3200400"/>
+          </a:xfrm>
+          <a:prstGeom prst="roundRect">
+            <a:avLst>
+              <a:gd name="adj" fmla="val 16667"/>
+            </a:avLst>
+          </a:prstGeom>
+          <a:solidFill>
+            <a:srgbClr val="A0D7DE"/>
+          </a:solidFill>
+          <a:ln w="28575" algn="ctr">
+            <a:solidFill>
+              <a:schemeClr val="tx1"/>
+            </a:solidFill>
+            <a:round/>
+            <a:headEnd/>
+            <a:tailEnd/>
+          </a:ln>
+          <a:effectLst/>
+        </p:spPr>
+        <p:txBody>
+          <a:bodyPr wrap="none"/>
+          <a:lstStyle/>
+          <a:p>
+            <a:pPr algn="ctr" fontAlgn="base">
+              <a:lnSpc>
+                <a:spcPct val="85000"/>
+              </a:lnSpc>
+              <a:spcBef>
+                <a:spcPct val="0"/>
+              </a:spcBef>
+              <a:spcAft>
+                <a:spcPct val="0"/>
+              </a:spcAft>
+              <a:defRPr/>
+            </a:pPr>
+            <a:endParaRPr lang="en-US" sz="1200" b="1" baseline="30000" dirty="0">
+              <a:solidFill>
+                <a:srgbClr val="FFFFFF"/>
+              </a:solidFill>
+              <a:latin typeface="Arial" charset="0"/>
+              <a:ea typeface="MS PGothic" pitchFamily="34" charset="-128"/>
+              <a:cs typeface="Arial" charset="0"/>
+            </a:endParaRPr>
+          </a:p>
+        </p:txBody>
+      </p:sp>
+      <p:sp>
+        <p:nvSpPr>
+          <p:cNvPr id="228360" name="AutoShape 8"/>
+          <p:cNvSpPr>
+            <a:spLocks noChangeArrowheads="1"/>
+          </p:cNvSpPr>
+          <p:nvPr/>
+        </p:nvSpPr>
+        <p:spPr bwMode="auto">
+          <a:xfrm>
+            <a:off x="544513" y="5407025"/>
+            <a:ext cx="2908300" cy="330200"/>
+          </a:xfrm>
+          <a:prstGeom prst="cube">
+            <a:avLst>
+              <a:gd name="adj" fmla="val 25000"/>
+            </a:avLst>
+          </a:prstGeom>
+          <a:solidFill>
+            <a:schemeClr val="bg2">
+              <a:lumMod val="60000"/>
+              <a:lumOff val="40000"/>
+            </a:schemeClr>
+          </a:solidFill>
+          <a:ln w="9525">
+            <a:solidFill>
+              <a:schemeClr val="tx1"/>
+            </a:solidFill>
+            <a:miter lim="800000"/>
+            <a:headEnd/>
+            <a:tailEnd/>
+          </a:ln>
+          <a:effectLst/>
+        </p:spPr>
+        <p:txBody>
+          <a:bodyPr wrap="none" anchor="ctr"/>
+          <a:lstStyle/>
+          <a:p>
+            <a:pPr algn="ctr" fontAlgn="base">
+              <a:spcBef>
+                <a:spcPct val="0"/>
+              </a:spcBef>
+              <a:spcAft>
+                <a:spcPct val="0"/>
+              </a:spcAft>
+              <a:defRPr/>
+            </a:pPr>
+            <a:r>
+              <a:rPr lang="en-US" sz="1400" b="1" dirty="0">
+                <a:solidFill>
+                  <a:srgbClr val="000000"/>
+                </a:solidFill>
+                <a:latin typeface="Arial" pitchFamily="34" charset="0"/>
+                <a:ea typeface="ＭＳ Ｐゴシック" pitchFamily="34" charset="-128"/>
+                <a:cs typeface="Arial" charset="0"/>
+              </a:rPr>
+              <a:t>Host Computer</a:t>
+            </a:r>
+          </a:p>
+        </p:txBody>
+      </p:sp>
+      <p:sp>
+        <p:nvSpPr>
+          <p:cNvPr id="228361" name="AutoShape 9"/>
+          <p:cNvSpPr>
+            <a:spLocks noChangeArrowheads="1"/>
+          </p:cNvSpPr>
+          <p:nvPr/>
+        </p:nvSpPr>
+        <p:spPr bwMode="auto">
+          <a:xfrm>
+            <a:off x="4349750" y="5381625"/>
+            <a:ext cx="4445000" cy="304800"/>
+          </a:xfrm>
+          <a:prstGeom prst="cube">
+            <a:avLst>
+              <a:gd name="adj" fmla="val 25000"/>
+            </a:avLst>
+          </a:prstGeom>
+          <a:solidFill>
+            <a:schemeClr val="bg2">
+              <a:lumMod val="50000"/>
+            </a:schemeClr>
+          </a:solidFill>
+          <a:ln w="9525">
+            <a:solidFill>
+              <a:schemeClr val="tx1"/>
+            </a:solidFill>
+            <a:miter lim="800000"/>
+            <a:headEnd/>
+            <a:tailEnd/>
+          </a:ln>
+          <a:effectLst/>
+        </p:spPr>
+        <p:txBody>
+          <a:bodyPr wrap="none" anchor="ctr"/>
+          <a:lstStyle/>
+          <a:p>
+            <a:pPr algn="ctr" fontAlgn="base">
+              <a:spcBef>
+                <a:spcPct val="0"/>
+              </a:spcBef>
+              <a:spcAft>
+                <a:spcPct val="0"/>
+              </a:spcAft>
+              <a:defRPr/>
+            </a:pPr>
+            <a:r>
+              <a:rPr lang="en-US" sz="1400" b="1" dirty="0">
+                <a:solidFill>
+                  <a:srgbClr val="FFFFFF"/>
+                </a:solidFill>
+                <a:latin typeface="Arial" pitchFamily="34" charset="0"/>
+                <a:ea typeface="ＭＳ Ｐゴシック" pitchFamily="34" charset="-128"/>
+                <a:cs typeface="Arial" charset="0"/>
+              </a:rPr>
+              <a:t>Target Board</a:t>
+            </a:r>
+          </a:p>
+        </p:txBody>
+      </p:sp>
+      <p:sp>
+        <p:nvSpPr>
+          <p:cNvPr id="228362" name="AutoShape 10"/>
+          <p:cNvSpPr>
+            <a:spLocks noChangeArrowheads="1"/>
+          </p:cNvSpPr>
+          <p:nvPr/>
+        </p:nvSpPr>
+        <p:spPr bwMode="auto">
+          <a:xfrm>
+            <a:off x="3490179" y="5547226"/>
+            <a:ext cx="850960" cy="88900"/>
+          </a:xfrm>
+          <a:prstGeom prst="leftRightArrow">
+            <a:avLst>
+              <a:gd name="adj1" fmla="val 50000"/>
+              <a:gd name="adj2" fmla="val 102857"/>
+            </a:avLst>
+          </a:prstGeom>
+          <a:solidFill>
+            <a:schemeClr val="tx1"/>
+          </a:solidFill>
+          <a:ln w="9525" algn="ctr">
+            <a:noFill/>
+            <a:miter lim="800000"/>
+            <a:headEnd/>
+            <a:tailEnd/>
+          </a:ln>
+          <a:effectLst/>
+          <a:scene3d>
+            <a:camera prst="orthographicFront">
+              <a:rot lat="0" lon="0" rev="0"/>
+            </a:camera>
+            <a:lightRig rig="balanced" dir="t">
+              <a:rot lat="0" lon="0" rev="8700000"/>
+            </a:lightRig>
+          </a:scene3d>
+          <a:sp3d>
+            <a:bevelT w="190500" h="38100"/>
+          </a:sp3d>
+        </p:spPr>
+        <p:txBody>
+          <a:bodyPr wrap="none" anchor="ctr"/>
+          <a:lstStyle/>
+          <a:p>
+            <a:pPr algn="ctr" fontAlgn="base">
+              <a:spcBef>
+                <a:spcPct val="0"/>
+              </a:spcBef>
+              <a:spcAft>
+                <a:spcPct val="0"/>
+              </a:spcAft>
+              <a:defRPr/>
+            </a:pPr>
+            <a:endParaRPr lang="en-US" sz="2800" b="1" dirty="0">
+              <a:solidFill>
+                <a:srgbClr val="000000"/>
+              </a:solidFill>
+              <a:latin typeface="Arial" charset="0"/>
+              <a:ea typeface="MS PGothic" pitchFamily="34" charset="-128"/>
+              <a:cs typeface="Arial" charset="0"/>
+            </a:endParaRPr>
+          </a:p>
+        </p:txBody>
+      </p:sp>
+      <p:sp>
+        <p:nvSpPr>
+          <p:cNvPr id="228364" name="Rectangle 12"/>
+          <p:cNvSpPr>
+            <a:spLocks noChangeArrowheads="1"/>
+          </p:cNvSpPr>
+          <p:nvPr/>
+        </p:nvSpPr>
+        <p:spPr bwMode="auto">
+          <a:xfrm>
+            <a:off x="1163637" y="1423988"/>
+            <a:ext cx="1624013" cy="349250"/>
+          </a:xfrm>
+          <a:prstGeom prst="rect">
+            <a:avLst/>
+          </a:prstGeom>
+          <a:noFill/>
+          <a:ln w="9525" algn="ctr">
+            <a:noFill/>
+            <a:miter lim="800000"/>
+            <a:headEnd/>
+            <a:tailEnd/>
+          </a:ln>
+          <a:effectLst/>
+        </p:spPr>
+        <p:txBody>
+          <a:bodyPr wrap="none"/>
+          <a:lstStyle/>
+          <a:p>
+            <a:pPr algn="ctr" fontAlgn="base">
+              <a:spcBef>
+                <a:spcPct val="0"/>
+              </a:spcBef>
+              <a:spcAft>
+                <a:spcPct val="0"/>
+              </a:spcAft>
+              <a:defRPr/>
+            </a:pPr>
+            <a:r>
+              <a:rPr lang="en-US" b="1" dirty="0" smtClean="0">
+                <a:solidFill>
+                  <a:srgbClr val="000000"/>
+                </a:solidFill>
+                <a:latin typeface="Arial" pitchFamily="34" charset="0"/>
+                <a:ea typeface="ＭＳ Ｐゴシック" pitchFamily="34" charset="-128"/>
+                <a:cs typeface="Arial" charset="0"/>
+              </a:rPr>
+              <a:t>Eclipse IDE</a:t>
+            </a:r>
+            <a:endParaRPr lang="en-US" b="1" dirty="0">
+              <a:solidFill>
+                <a:srgbClr val="000000"/>
+              </a:solidFill>
+              <a:latin typeface="Arial" pitchFamily="34" charset="0"/>
+              <a:ea typeface="ＭＳ Ｐゴシック" pitchFamily="34" charset="-128"/>
+              <a:cs typeface="Arial" charset="0"/>
+            </a:endParaRPr>
+          </a:p>
+        </p:txBody>
+      </p:sp>
+      <p:sp>
+        <p:nvSpPr>
+          <p:cNvPr id="228366" name="AutoShape 14"/>
+          <p:cNvSpPr>
+            <a:spLocks noChangeArrowheads="1"/>
+          </p:cNvSpPr>
+          <p:nvPr/>
+        </p:nvSpPr>
+        <p:spPr bwMode="auto">
+          <a:xfrm>
+            <a:off x="2233612" y="1882775"/>
+            <a:ext cx="1016000" cy="3200400"/>
+          </a:xfrm>
+          <a:prstGeom prst="roundRect">
+            <a:avLst>
+              <a:gd name="adj" fmla="val 16667"/>
+            </a:avLst>
+          </a:prstGeom>
+          <a:solidFill>
             <a:schemeClr val="bg1">
               <a:lumMod val="75000"/>
             </a:schemeClr>
@@ -21406,7 +22635,7 @@
 </p:sld>
 </file>
 
-<file path=ppt/slides/slide2.xml><?xml version="1.0" encoding="utf-8"?>
+<file path=ppt/slides/slide22.xml><?xml version="1.0" encoding="utf-8"?>
 <p:sld xmlns:a="http://schemas.openxmlformats.org/drawingml/2006/main" xmlns:r="http://schemas.openxmlformats.org/officeDocument/2006/relationships" xmlns:p="http://schemas.openxmlformats.org/presentationml/2006/main">
   <p:cSld>
     <p:spTree>
@@ -21423,257 +22652,1664 @@
           <a:chExt cx="0" cy="0"/>
         </a:xfrm>
       </p:grpSpPr>
+      <p:grpSp>
+        <p:nvGrpSpPr>
+          <p:cNvPr id="2" name="Group 20"/>
+          <p:cNvGrpSpPr>
+            <a:grpSpLocks/>
+          </p:cNvGrpSpPr>
+          <p:nvPr>
+            <p:custDataLst>
+              <p:tags r:id="rId2"/>
+            </p:custDataLst>
+          </p:nvPr>
+        </p:nvGrpSpPr>
+        <p:grpSpPr bwMode="auto">
+          <a:xfrm>
+            <a:off x="4343400" y="914400"/>
+            <a:ext cx="4495800" cy="2667000"/>
+            <a:chOff x="4343400" y="914400"/>
+            <a:chExt cx="4495800" cy="2667000"/>
+          </a:xfrm>
+        </p:grpSpPr>
+        <p:sp>
+          <p:nvSpPr>
+            <p:cNvPr id="16" name="Rectangle 15"/>
+            <p:cNvSpPr/>
+            <p:nvPr/>
+          </p:nvSpPr>
+          <p:spPr bwMode="auto">
+            <a:xfrm>
+              <a:off x="4343400" y="914400"/>
+              <a:ext cx="4495800" cy="2667000"/>
+            </a:xfrm>
+            <a:prstGeom prst="rect">
+              <a:avLst/>
+            </a:prstGeom>
+            <a:solidFill>
+              <a:schemeClr val="bg2">
+                <a:lumMod val="90000"/>
+              </a:schemeClr>
+            </a:solidFill>
+            <a:ln>
+              <a:headEnd type="none" w="med" len="med"/>
+              <a:tailEnd type="none" w="med" len="med"/>
+            </a:ln>
+          </p:spPr>
+          <p:style>
+            <a:lnRef idx="1">
+              <a:schemeClr val="accent1"/>
+            </a:lnRef>
+            <a:fillRef idx="2">
+              <a:schemeClr val="accent1"/>
+            </a:fillRef>
+            <a:effectRef idx="1">
+              <a:schemeClr val="accent1"/>
+            </a:effectRef>
+            <a:fontRef idx="minor">
+              <a:schemeClr val="dk1"/>
+            </a:fontRef>
+          </p:style>
+          <p:txBody>
+            <a:bodyPr/>
+            <a:lstStyle/>
+            <a:p>
+              <a:pPr fontAlgn="base">
+                <a:spcBef>
+                  <a:spcPct val="0"/>
+                </a:spcBef>
+                <a:spcAft>
+                  <a:spcPct val="0"/>
+                </a:spcAft>
+                <a:defRPr/>
+              </a:pPr>
+              <a:r>
+                <a:rPr lang="en-US" dirty="0">
+                  <a:solidFill>
+                    <a:prstClr val="black"/>
+                  </a:solidFill>
+                </a:rPr>
+                <a:t>EVM Flash Contents</a:t>
+              </a:r>
+            </a:p>
+          </p:txBody>
+        </p:sp>
+        <p:sp>
+          <p:nvSpPr>
+            <p:cNvPr id="67587" name="AutoShape 3"/>
+            <p:cNvSpPr>
+              <a:spLocks noChangeArrowheads="1"/>
+            </p:cNvSpPr>
+            <p:nvPr/>
+          </p:nvSpPr>
+          <p:spPr bwMode="auto">
+            <a:xfrm>
+              <a:off x="5946775" y="1390650"/>
+              <a:ext cx="1276350" cy="1681163"/>
+            </a:xfrm>
+            <a:prstGeom prst="roundRect">
+              <a:avLst>
+                <a:gd name="adj" fmla="val 16667"/>
+              </a:avLst>
+            </a:prstGeom>
+            <a:solidFill>
+              <a:schemeClr val="accent1">
+                <a:lumMod val="20000"/>
+                <a:lumOff val="80000"/>
+              </a:schemeClr>
+            </a:solidFill>
+            <a:ln w="9525">
+              <a:solidFill>
+                <a:schemeClr val="accent5">
+                  <a:lumMod val="25000"/>
+                </a:schemeClr>
+              </a:solidFill>
+              <a:round/>
+              <a:headEnd/>
+              <a:tailEnd/>
+            </a:ln>
+          </p:spPr>
+          <p:txBody>
+            <a:bodyPr wrap="none" anchor="ctr"/>
+            <a:lstStyle/>
+            <a:p>
+              <a:pPr fontAlgn="base">
+                <a:spcBef>
+                  <a:spcPct val="0"/>
+                </a:spcBef>
+                <a:spcAft>
+                  <a:spcPct val="0"/>
+                </a:spcAft>
+                <a:defRPr/>
+              </a:pPr>
+              <a:endParaRPr lang="en-US" sz="900" dirty="0">
+                <a:solidFill>
+                  <a:prstClr val="black"/>
+                </a:solidFill>
+                <a:latin typeface="Arial" charset="0"/>
+                <a:cs typeface="Arial" charset="0"/>
+              </a:endParaRPr>
+            </a:p>
+          </p:txBody>
+        </p:sp>
+        <p:sp>
+          <p:nvSpPr>
+            <p:cNvPr id="67588" name="AutoShape 4"/>
+            <p:cNvSpPr>
+              <a:spLocks noChangeArrowheads="1"/>
+            </p:cNvSpPr>
+            <p:nvPr/>
+          </p:nvSpPr>
+          <p:spPr bwMode="auto">
+            <a:xfrm>
+              <a:off x="4572000" y="1390650"/>
+              <a:ext cx="1277938" cy="1173163"/>
+            </a:xfrm>
+            <a:prstGeom prst="roundRect">
+              <a:avLst>
+                <a:gd name="adj" fmla="val 16667"/>
+              </a:avLst>
+            </a:prstGeom>
+            <a:solidFill>
+              <a:schemeClr val="accent1">
+                <a:lumMod val="20000"/>
+                <a:lumOff val="80000"/>
+              </a:schemeClr>
+            </a:solidFill>
+            <a:ln w="9525">
+              <a:solidFill>
+                <a:schemeClr val="accent5">
+                  <a:lumMod val="25000"/>
+                </a:schemeClr>
+              </a:solidFill>
+              <a:round/>
+              <a:headEnd/>
+              <a:tailEnd/>
+            </a:ln>
+          </p:spPr>
+          <p:txBody>
+            <a:bodyPr wrap="none" anchor="ctr"/>
+            <a:lstStyle/>
+            <a:p>
+              <a:pPr fontAlgn="base">
+                <a:spcBef>
+                  <a:spcPct val="0"/>
+                </a:spcBef>
+                <a:spcAft>
+                  <a:spcPct val="0"/>
+                </a:spcAft>
+                <a:defRPr/>
+              </a:pPr>
+              <a:endParaRPr lang="en-US" sz="900" dirty="0">
+                <a:solidFill>
+                  <a:prstClr val="black"/>
+                </a:solidFill>
+                <a:latin typeface="Arial" charset="0"/>
+                <a:cs typeface="Arial" charset="0"/>
+              </a:endParaRPr>
+            </a:p>
+          </p:txBody>
+        </p:sp>
+        <p:sp>
+          <p:nvSpPr>
+            <p:cNvPr id="67589" name="AutoShape 5"/>
+            <p:cNvSpPr>
+              <a:spLocks noChangeArrowheads="1"/>
+            </p:cNvSpPr>
+            <p:nvPr/>
+          </p:nvSpPr>
+          <p:spPr bwMode="auto">
+            <a:xfrm>
+              <a:off x="7319963" y="1371600"/>
+              <a:ext cx="1277937" cy="2000250"/>
+            </a:xfrm>
+            <a:prstGeom prst="roundRect">
+              <a:avLst>
+                <a:gd name="adj" fmla="val 16667"/>
+              </a:avLst>
+            </a:prstGeom>
+            <a:solidFill>
+              <a:schemeClr val="accent1">
+                <a:lumMod val="20000"/>
+                <a:lumOff val="80000"/>
+              </a:schemeClr>
+            </a:solidFill>
+            <a:ln w="9525">
+              <a:solidFill>
+                <a:schemeClr val="accent5">
+                  <a:lumMod val="25000"/>
+                </a:schemeClr>
+              </a:solidFill>
+              <a:round/>
+              <a:headEnd/>
+              <a:tailEnd/>
+            </a:ln>
+          </p:spPr>
+          <p:txBody>
+            <a:bodyPr wrap="none" anchor="ctr"/>
+            <a:lstStyle/>
+            <a:p>
+              <a:pPr fontAlgn="base">
+                <a:spcBef>
+                  <a:spcPct val="0"/>
+                </a:spcBef>
+                <a:spcAft>
+                  <a:spcPct val="0"/>
+                </a:spcAft>
+                <a:defRPr/>
+              </a:pPr>
+              <a:endParaRPr lang="en-US" sz="900" dirty="0">
+                <a:solidFill>
+                  <a:prstClr val="black"/>
+                </a:solidFill>
+                <a:latin typeface="Arial" charset="0"/>
+                <a:cs typeface="Arial" charset="0"/>
+              </a:endParaRPr>
+            </a:p>
+          </p:txBody>
+        </p:sp>
+        <p:sp>
+          <p:nvSpPr>
+            <p:cNvPr id="28683" name="Text Box 6"/>
+            <p:cNvSpPr txBox="1">
+              <a:spLocks noChangeArrowheads="1"/>
+            </p:cNvSpPr>
+            <p:nvPr/>
+          </p:nvSpPr>
+          <p:spPr bwMode="auto">
+            <a:xfrm>
+              <a:off x="7416800" y="1447800"/>
+              <a:ext cx="1108075" cy="193675"/>
+            </a:xfrm>
+            <a:prstGeom prst="rect">
+              <a:avLst/>
+            </a:prstGeom>
+            <a:noFill/>
+            <a:ln w="9525">
+              <a:noFill/>
+              <a:miter lim="800000"/>
+              <a:headEnd/>
+              <a:tailEnd/>
+            </a:ln>
+          </p:spPr>
+          <p:txBody>
+            <a:bodyPr>
+              <a:spAutoFit/>
+            </a:bodyPr>
+            <a:lstStyle/>
+            <a:p>
+              <a:pPr fontAlgn="base">
+                <a:spcBef>
+                  <a:spcPct val="0"/>
+                </a:spcBef>
+                <a:spcAft>
+                  <a:spcPct val="0"/>
+                </a:spcAft>
+              </a:pPr>
+              <a:r>
+                <a:rPr lang="en-US" sz="900" b="1">
+                  <a:solidFill>
+                    <a:prstClr val="black"/>
+                  </a:solidFill>
+                  <a:latin typeface="Arial" charset="0"/>
+                  <a:cs typeface="Arial" charset="0"/>
+                </a:rPr>
+                <a:t>NAND</a:t>
+              </a:r>
+            </a:p>
+            <a:p>
+              <a:pPr fontAlgn="base">
+                <a:spcBef>
+                  <a:spcPct val="0"/>
+                </a:spcBef>
+                <a:spcAft>
+                  <a:spcPct val="0"/>
+                </a:spcAft>
+              </a:pPr>
+              <a:r>
+                <a:rPr lang="en-US" sz="900">
+                  <a:solidFill>
+                    <a:prstClr val="black"/>
+                  </a:solidFill>
+                  <a:latin typeface="Arial" charset="0"/>
+                  <a:cs typeface="Arial" charset="0"/>
+                </a:rPr>
+                <a:t>64 MB</a:t>
+              </a:r>
+            </a:p>
+          </p:txBody>
+        </p:sp>
+        <p:sp>
+          <p:nvSpPr>
+            <p:cNvPr id="28684" name="Text Box 7"/>
+            <p:cNvSpPr txBox="1">
+              <a:spLocks noChangeArrowheads="1"/>
+            </p:cNvSpPr>
+            <p:nvPr/>
+          </p:nvSpPr>
+          <p:spPr bwMode="auto">
+            <a:xfrm>
+              <a:off x="6042025" y="1465263"/>
+              <a:ext cx="1109663" cy="193675"/>
+            </a:xfrm>
+            <a:prstGeom prst="rect">
+              <a:avLst/>
+            </a:prstGeom>
+            <a:noFill/>
+            <a:ln w="9525">
+              <a:noFill/>
+              <a:miter lim="800000"/>
+              <a:headEnd/>
+              <a:tailEnd/>
+            </a:ln>
+          </p:spPr>
+          <p:txBody>
+            <a:bodyPr>
+              <a:spAutoFit/>
+            </a:bodyPr>
+            <a:lstStyle/>
+            <a:p>
+              <a:pPr fontAlgn="base">
+                <a:spcBef>
+                  <a:spcPct val="0"/>
+                </a:spcBef>
+                <a:spcAft>
+                  <a:spcPct val="0"/>
+                </a:spcAft>
+              </a:pPr>
+              <a:r>
+                <a:rPr lang="en-US" sz="900" b="1" dirty="0">
+                  <a:solidFill>
+                    <a:prstClr val="black"/>
+                  </a:solidFill>
+                  <a:latin typeface="Arial" charset="0"/>
+                  <a:cs typeface="Arial" charset="0"/>
+                </a:rPr>
+                <a:t>NOR</a:t>
+              </a:r>
+            </a:p>
+            <a:p>
+              <a:pPr fontAlgn="base">
+                <a:spcBef>
+                  <a:spcPct val="0"/>
+                </a:spcBef>
+                <a:spcAft>
+                  <a:spcPct val="0"/>
+                </a:spcAft>
+              </a:pPr>
+              <a:r>
+                <a:rPr lang="en-US" sz="900" dirty="0">
+                  <a:solidFill>
+                    <a:prstClr val="black"/>
+                  </a:solidFill>
+                  <a:latin typeface="Arial" charset="0"/>
+                  <a:cs typeface="Arial" charset="0"/>
+                </a:rPr>
+                <a:t>16 MB</a:t>
+              </a:r>
+            </a:p>
+          </p:txBody>
+        </p:sp>
+        <p:sp>
+          <p:nvSpPr>
+            <p:cNvPr id="28685" name="Text Box 8"/>
+            <p:cNvSpPr txBox="1">
+              <a:spLocks noChangeArrowheads="1"/>
+            </p:cNvSpPr>
+            <p:nvPr/>
+          </p:nvSpPr>
+          <p:spPr bwMode="auto">
+            <a:xfrm>
+              <a:off x="4643438" y="1447800"/>
+              <a:ext cx="1108075" cy="193675"/>
+            </a:xfrm>
+            <a:prstGeom prst="rect">
+              <a:avLst/>
+            </a:prstGeom>
+            <a:noFill/>
+            <a:ln w="9525">
+              <a:noFill/>
+              <a:miter lim="800000"/>
+              <a:headEnd/>
+              <a:tailEnd/>
+            </a:ln>
+          </p:spPr>
+          <p:txBody>
+            <a:bodyPr>
+              <a:spAutoFit/>
+            </a:bodyPr>
+            <a:lstStyle/>
+            <a:p>
+              <a:pPr fontAlgn="base">
+                <a:spcBef>
+                  <a:spcPct val="0"/>
+                </a:spcBef>
+                <a:spcAft>
+                  <a:spcPct val="0"/>
+                </a:spcAft>
+              </a:pPr>
+              <a:r>
+                <a:rPr lang="en-US" sz="900" b="1">
+                  <a:solidFill>
+                    <a:prstClr val="black"/>
+                  </a:solidFill>
+                  <a:latin typeface="Arial" charset="0"/>
+                  <a:cs typeface="Arial" charset="0"/>
+                </a:rPr>
+                <a:t>EEPROM</a:t>
+              </a:r>
+            </a:p>
+            <a:p>
+              <a:pPr fontAlgn="base">
+                <a:spcBef>
+                  <a:spcPct val="0"/>
+                </a:spcBef>
+                <a:spcAft>
+                  <a:spcPct val="0"/>
+                </a:spcAft>
+              </a:pPr>
+              <a:r>
+                <a:rPr lang="en-US" sz="900">
+                  <a:solidFill>
+                    <a:prstClr val="black"/>
+                  </a:solidFill>
+                  <a:latin typeface="Arial" charset="0"/>
+                  <a:cs typeface="Arial" charset="0"/>
+                </a:rPr>
+                <a:t>128 KB</a:t>
+              </a:r>
+            </a:p>
+          </p:txBody>
+        </p:sp>
+        <p:sp>
+          <p:nvSpPr>
+            <p:cNvPr id="28686" name="AutoShape 9"/>
+            <p:cNvSpPr>
+              <a:spLocks noChangeArrowheads="1"/>
+            </p:cNvSpPr>
+            <p:nvPr/>
+          </p:nvSpPr>
+          <p:spPr bwMode="auto">
+            <a:xfrm>
+              <a:off x="4619625" y="1768475"/>
+              <a:ext cx="1181100" cy="322263"/>
+            </a:xfrm>
+            <a:prstGeom prst="roundRect">
+              <a:avLst>
+                <a:gd name="adj" fmla="val 16667"/>
+              </a:avLst>
+            </a:prstGeom>
+            <a:solidFill>
+              <a:srgbClr val="FFFFCC"/>
+            </a:solidFill>
+            <a:ln w="9525">
+              <a:solidFill>
+                <a:schemeClr val="bg1">
+                  <a:lumMod val="50000"/>
+                </a:schemeClr>
+              </a:solidFill>
+              <a:round/>
+              <a:headEnd/>
+              <a:tailEnd/>
+            </a:ln>
+          </p:spPr>
+          <p:txBody>
+            <a:bodyPr wrap="none" anchor="ctr"/>
+            <a:lstStyle/>
+            <a:p>
+              <a:pPr algn="ctr" fontAlgn="base">
+                <a:spcBef>
+                  <a:spcPct val="0"/>
+                </a:spcBef>
+                <a:spcAft>
+                  <a:spcPct val="0"/>
+                </a:spcAft>
+              </a:pPr>
+              <a:r>
+                <a:rPr lang="en-US" sz="900">
+                  <a:solidFill>
+                    <a:prstClr val="black"/>
+                  </a:solidFill>
+                  <a:latin typeface="Arial" charset="0"/>
+                  <a:cs typeface="Arial" charset="0"/>
+                </a:rPr>
+                <a:t>POST</a:t>
+              </a:r>
+            </a:p>
+          </p:txBody>
+        </p:sp>
+        <p:sp>
+          <p:nvSpPr>
+            <p:cNvPr id="28687" name="AutoShape 12"/>
+            <p:cNvSpPr>
+              <a:spLocks noChangeArrowheads="1"/>
+            </p:cNvSpPr>
+            <p:nvPr/>
+          </p:nvSpPr>
+          <p:spPr bwMode="auto">
+            <a:xfrm>
+              <a:off x="4619625" y="2147888"/>
+              <a:ext cx="1181100" cy="322262"/>
+            </a:xfrm>
+            <a:prstGeom prst="roundRect">
+              <a:avLst>
+                <a:gd name="adj" fmla="val 16667"/>
+              </a:avLst>
+            </a:prstGeom>
+            <a:solidFill>
+              <a:srgbClr val="FFFFCC"/>
+            </a:solidFill>
+            <a:ln w="9525">
+              <a:solidFill>
+                <a:schemeClr val="bg1">
+                  <a:lumMod val="50000"/>
+                </a:schemeClr>
+              </a:solidFill>
+              <a:round/>
+              <a:headEnd/>
+              <a:tailEnd/>
+            </a:ln>
+          </p:spPr>
+          <p:txBody>
+            <a:bodyPr wrap="none" anchor="ctr"/>
+            <a:lstStyle/>
+            <a:p>
+              <a:pPr algn="ctr" fontAlgn="base">
+                <a:spcBef>
+                  <a:spcPct val="0"/>
+                </a:spcBef>
+                <a:spcAft>
+                  <a:spcPct val="0"/>
+                </a:spcAft>
+              </a:pPr>
+              <a:r>
+                <a:rPr lang="en-US" sz="900">
+                  <a:solidFill>
+                    <a:prstClr val="black"/>
+                  </a:solidFill>
+                  <a:latin typeface="Arial" charset="0"/>
+                  <a:cs typeface="Arial" charset="0"/>
+                </a:rPr>
+                <a:t>IBL</a:t>
+              </a:r>
+            </a:p>
+          </p:txBody>
+        </p:sp>
+        <p:sp>
+          <p:nvSpPr>
+            <p:cNvPr id="28688" name="AutoShape 14"/>
+            <p:cNvSpPr>
+              <a:spLocks noChangeArrowheads="1"/>
+            </p:cNvSpPr>
+            <p:nvPr/>
+          </p:nvSpPr>
+          <p:spPr bwMode="auto">
+            <a:xfrm>
+              <a:off x="5994400" y="1793875"/>
+              <a:ext cx="1181100" cy="568325"/>
+            </a:xfrm>
+            <a:prstGeom prst="roundRect">
+              <a:avLst>
+                <a:gd name="adj" fmla="val 16667"/>
+              </a:avLst>
+            </a:prstGeom>
+            <a:solidFill>
+              <a:srgbClr val="FFFFCC"/>
+            </a:solidFill>
+            <a:ln w="9525">
+              <a:solidFill>
+                <a:schemeClr val="bg1">
+                  <a:lumMod val="50000"/>
+                </a:schemeClr>
+              </a:solidFill>
+              <a:round/>
+              <a:headEnd/>
+              <a:tailEnd/>
+            </a:ln>
+          </p:spPr>
+          <p:txBody>
+            <a:bodyPr wrap="none" anchor="ctr"/>
+            <a:lstStyle/>
+            <a:p>
+              <a:pPr algn="ctr" fontAlgn="base">
+                <a:spcBef>
+                  <a:spcPct val="0"/>
+                </a:spcBef>
+                <a:spcAft>
+                  <a:spcPct val="0"/>
+                </a:spcAft>
+              </a:pPr>
+              <a:r>
+                <a:rPr lang="en-US" sz="900">
+                  <a:solidFill>
+                    <a:prstClr val="black"/>
+                  </a:solidFill>
+                  <a:latin typeface="Arial" charset="0"/>
+                  <a:cs typeface="Arial" charset="0"/>
+                </a:rPr>
+                <a:t>BIOS MCSDK</a:t>
+              </a:r>
+            </a:p>
+            <a:p>
+              <a:pPr algn="ctr" fontAlgn="base">
+                <a:spcBef>
+                  <a:spcPct val="0"/>
+                </a:spcBef>
+                <a:spcAft>
+                  <a:spcPct val="0"/>
+                </a:spcAft>
+              </a:pPr>
+              <a:r>
+                <a:rPr lang="en-US" sz="900">
+                  <a:solidFill>
+                    <a:prstClr val="black"/>
+                  </a:solidFill>
+                  <a:latin typeface="Arial" charset="0"/>
+                  <a:cs typeface="Arial" charset="0"/>
+                </a:rPr>
+                <a:t>“Out of Box” Demo</a:t>
+              </a:r>
+            </a:p>
+          </p:txBody>
+        </p:sp>
+        <p:sp>
+          <p:nvSpPr>
+            <p:cNvPr id="28689" name="AutoShape 16"/>
+            <p:cNvSpPr>
+              <a:spLocks noChangeArrowheads="1"/>
+            </p:cNvSpPr>
+            <p:nvPr/>
+          </p:nvSpPr>
+          <p:spPr bwMode="auto">
+            <a:xfrm>
+              <a:off x="7367588" y="1768475"/>
+              <a:ext cx="1181100" cy="746125"/>
+            </a:xfrm>
+            <a:prstGeom prst="roundRect">
+              <a:avLst>
+                <a:gd name="adj" fmla="val 16667"/>
+              </a:avLst>
+            </a:prstGeom>
+            <a:solidFill>
+              <a:srgbClr val="FFFFCC"/>
+            </a:solidFill>
+            <a:ln w="9525">
+              <a:solidFill>
+                <a:schemeClr val="bg1">
+                  <a:lumMod val="50000"/>
+                </a:schemeClr>
+              </a:solidFill>
+              <a:round/>
+              <a:headEnd/>
+              <a:tailEnd/>
+            </a:ln>
+          </p:spPr>
+          <p:txBody>
+            <a:bodyPr wrap="none" anchor="ctr"/>
+            <a:lstStyle/>
+            <a:p>
+              <a:pPr algn="ctr" fontAlgn="base">
+                <a:spcBef>
+                  <a:spcPct val="0"/>
+                </a:spcBef>
+                <a:spcAft>
+                  <a:spcPct val="0"/>
+                </a:spcAft>
+              </a:pPr>
+              <a:r>
+                <a:rPr lang="en-US" sz="900">
+                  <a:solidFill>
+                    <a:prstClr val="black"/>
+                  </a:solidFill>
+                  <a:latin typeface="Arial" charset="0"/>
+                  <a:cs typeface="Arial" charset="0"/>
+                </a:rPr>
+                <a:t>Linux MCSDK</a:t>
+              </a:r>
+            </a:p>
+            <a:p>
+              <a:pPr algn="ctr" fontAlgn="base">
+                <a:spcBef>
+                  <a:spcPct val="0"/>
+                </a:spcBef>
+                <a:spcAft>
+                  <a:spcPct val="0"/>
+                </a:spcAft>
+              </a:pPr>
+              <a:r>
+                <a:rPr lang="en-US" sz="900">
+                  <a:solidFill>
+                    <a:prstClr val="black"/>
+                  </a:solidFill>
+                  <a:latin typeface="Arial" charset="0"/>
+                  <a:cs typeface="Arial" charset="0"/>
+                </a:rPr>
+                <a:t>Demo</a:t>
+              </a:r>
+            </a:p>
+          </p:txBody>
+        </p:sp>
+      </p:grpSp>
       <p:sp>
         <p:nvSpPr>
-          <p:cNvPr id="4" name="Title 3"/>
+          <p:cNvPr id="16397" name="Rectangle 13"/>
           <p:cNvSpPr>
-            <a:spLocks noGrp="1"/>
+            <a:spLocks noChangeArrowheads="1"/>
           </p:cNvSpPr>
-          <p:nvPr>
-            <p:ph type="title"/>
-          </p:nvPr>
+          <p:nvPr/>
         </p:nvSpPr>
-        <p:spPr/>
+        <p:spPr bwMode="auto">
+          <a:xfrm>
+            <a:off x="152400" y="100013"/>
+            <a:ext cx="8686800" cy="814387"/>
+          </a:xfrm>
+          <a:prstGeom prst="rect">
+            <a:avLst/>
+          </a:prstGeom>
+          <a:noFill/>
+          <a:ln w="9525">
+            <a:noFill/>
+            <a:miter lim="800000"/>
+            <a:headEnd/>
+            <a:tailEnd/>
+          </a:ln>
+        </p:spPr>
         <p:txBody>
-          <a:bodyPr>
-            <a:normAutofit/>
-          </a:bodyPr>
+          <a:bodyPr anchor="ctr"/>
           <a:lstStyle/>
           <a:p>
+            <a:pPr algn="ctr" fontAlgn="base">
+              <a:lnSpc>
+                <a:spcPct val="85000"/>
+              </a:lnSpc>
+              <a:spcBef>
+                <a:spcPct val="0"/>
+              </a:spcBef>
+              <a:spcAft>
+                <a:spcPct val="0"/>
+              </a:spcAft>
+              <a:defRPr/>
+            </a:pPr>
             <a:r>
-              <a:rPr lang="en-US" sz="3600" dirty="0" smtClean="0"/>
-              <a:t>Agenda</a:t>
+              <a:rPr lang="en-US" sz="4000" dirty="0">
+                <a:solidFill>
+                  <a:prstClr val="black"/>
+                </a:solidFill>
+                <a:cs typeface="Arial" charset="0"/>
+              </a:rPr>
+              <a:t>Linux/BIOS MCSDK C66x Lite EVM Details</a:t>
             </a:r>
-            <a:endParaRPr lang="en-US" sz="3600" dirty="0"/>
           </a:p>
         </p:txBody>
       </p:sp>
-      <p:sp>
-        <p:nvSpPr>
-          <p:cNvPr id="5" name="Content Placeholder 4"/>
-          <p:cNvSpPr>
-            <a:spLocks noGrp="1"/>
-          </p:cNvSpPr>
+      <p:grpSp>
+        <p:nvGrpSpPr>
+          <p:cNvPr id="3" name="PPTShape_0"/>
+          <p:cNvGrpSpPr/>
           <p:nvPr>
-            <p:ph idx="1"/>
+            <p:custDataLst>
+              <p:tags r:id="rId3"/>
+            </p:custDataLst>
           </p:nvPr>
-        </p:nvSpPr>
-        <p:spPr>
+        </p:nvGrpSpPr>
+        <p:grpSpPr>
           <a:xfrm>
-            <a:off x="457200" y="1295400"/>
-            <a:ext cx="8229600" cy="4525963"/>
+            <a:off x="304800" y="990600"/>
+            <a:ext cx="3352800" cy="3352800"/>
+            <a:chOff x="609600" y="1143000"/>
+            <a:chExt cx="3352800" cy="3352800"/>
           </a:xfrm>
-        </p:spPr>
-        <p:txBody>
-          <a:bodyPr>
-            <a:normAutofit/>
-          </a:bodyPr>
-          <a:lstStyle/>
-          <a:p>
-            <a:r>
-              <a:rPr lang="en-US" dirty="0" smtClean="0">
-                <a:latin typeface="Calibri" pitchFamily="34" charset="0"/>
-                <a:cs typeface="Calibri" pitchFamily="34" charset="0"/>
-              </a:rPr>
-              <a:t>Software System Basics</a:t>
-            </a:r>
-          </a:p>
-          <a:p>
-            <a:r>
-              <a:rPr lang="en-US" dirty="0" smtClean="0">
-                <a:latin typeface="Calibri" pitchFamily="34" charset="0"/>
-                <a:cs typeface="Calibri" pitchFamily="34" charset="0"/>
-              </a:rPr>
-              <a:t>DSP Development Support</a:t>
-            </a:r>
-          </a:p>
-          <a:p>
-            <a:pPr lvl="1"/>
-            <a:r>
-              <a:rPr lang="en-US" dirty="0" smtClean="0">
-                <a:latin typeface="Calibri" pitchFamily="34" charset="0"/>
-                <a:cs typeface="Calibri" pitchFamily="34" charset="0"/>
-              </a:rPr>
-              <a:t>DSP SYS BIOS</a:t>
-            </a:r>
-          </a:p>
-          <a:p>
-            <a:pPr lvl="1"/>
-            <a:r>
-              <a:rPr lang="en-US" dirty="0" smtClean="0">
-                <a:latin typeface="Calibri" pitchFamily="34" charset="0"/>
-                <a:cs typeface="Calibri" pitchFamily="34" charset="0"/>
-              </a:rPr>
-              <a:t>Framework, Utilities, and Drivers</a:t>
-            </a:r>
-          </a:p>
-          <a:p>
-            <a:r>
-              <a:rPr lang="en-US" dirty="0" smtClean="0">
-                <a:latin typeface="Calibri" pitchFamily="34" charset="0"/>
-                <a:cs typeface="Calibri" pitchFamily="34" charset="0"/>
-              </a:rPr>
-              <a:t>Multicore Development Ecosystem</a:t>
-            </a:r>
-          </a:p>
-          <a:p>
-            <a:pPr lvl="1"/>
-            <a:r>
-              <a:rPr lang="en-US" dirty="0" smtClean="0">
-                <a:latin typeface="Calibri" pitchFamily="34" charset="0"/>
-                <a:cs typeface="Calibri" pitchFamily="34" charset="0"/>
-              </a:rPr>
-              <a:t>Code Composer Studio (CCS)</a:t>
-            </a:r>
-          </a:p>
-          <a:p>
-            <a:pPr lvl="1"/>
-            <a:r>
-              <a:rPr lang="en-US" dirty="0" smtClean="0">
-                <a:latin typeface="Calibri" pitchFamily="34" charset="0"/>
-                <a:cs typeface="Calibri" pitchFamily="34" charset="0"/>
-              </a:rPr>
-              <a:t>Multicore Software Development Kit </a:t>
-            </a:r>
-          </a:p>
-        </p:txBody>
-      </p:sp>
-    </p:spTree>
-  </p:cSld>
-  <p:clrMapOvr>
-    <a:masterClrMapping/>
-  </p:clrMapOvr>
-  <p:timing>
-    <p:tnLst>
-      <p:par>
-        <p:cTn id="1" dur="indefinite" restart="never" nodeType="tmRoot"/>
-      </p:par>
-    </p:tnLst>
-  </p:timing>
-</p:sld>
-</file>
-
-<file path=ppt/slides/slide20.xml><?xml version="1.0" encoding="utf-8"?>
-<p:sld xmlns:a="http://schemas.openxmlformats.org/drawingml/2006/main" xmlns:r="http://schemas.openxmlformats.org/officeDocument/2006/relationships" xmlns:p="http://schemas.openxmlformats.org/presentationml/2006/main">
-  <p:cSld>
-    <p:spTree>
-      <p:nvGrpSpPr>
-        <p:cNvPr id="1" name=""/>
-        <p:cNvGrpSpPr/>
-        <p:nvPr/>
-      </p:nvGrpSpPr>
-      <p:grpSpPr>
-        <a:xfrm>
-          <a:off x="0" y="0"/>
-          <a:ext cx="0" cy="0"/>
-          <a:chOff x="0" y="0"/>
-          <a:chExt cx="0" cy="0"/>
-        </a:xfrm>
-      </p:grpSpPr>
-      <p:sp>
-        <p:nvSpPr>
-          <p:cNvPr id="25601" name="Rectangle 2"/>
-          <p:cNvSpPr>
-            <a:spLocks noGrp="1" noChangeArrowheads="1"/>
-          </p:cNvSpPr>
+          <a:solidFill>
+            <a:schemeClr val="accent3">
+              <a:lumMod val="40000"/>
+              <a:lumOff val="60000"/>
+            </a:schemeClr>
+          </a:solidFill>
+        </p:grpSpPr>
+        <p:sp>
+          <p:nvSpPr>
+            <p:cNvPr id="14" name="Oval 13"/>
+            <p:cNvSpPr/>
+            <p:nvPr/>
+          </p:nvSpPr>
+          <p:spPr bwMode="auto">
+            <a:xfrm>
+              <a:off x="609600" y="1143000"/>
+              <a:ext cx="3352800" cy="3352800"/>
+            </a:xfrm>
+            <a:prstGeom prst="ellipse">
+              <a:avLst/>
+            </a:prstGeom>
+            <a:grpFill/>
+            <a:ln>
+              <a:headEnd type="none" w="med" len="med"/>
+              <a:tailEnd type="none" w="med" len="med"/>
+            </a:ln>
+          </p:spPr>
+          <p:style>
+            <a:lnRef idx="1">
+              <a:schemeClr val="accent1"/>
+            </a:lnRef>
+            <a:fillRef idx="2">
+              <a:schemeClr val="accent1"/>
+            </a:fillRef>
+            <a:effectRef idx="1">
+              <a:schemeClr val="accent1"/>
+            </a:effectRef>
+            <a:fontRef idx="minor">
+              <a:schemeClr val="dk1"/>
+            </a:fontRef>
+          </p:style>
+          <p:txBody>
+            <a:bodyPr/>
+            <a:lstStyle/>
+            <a:p>
+              <a:pPr algn="ctr" fontAlgn="base">
+                <a:spcBef>
+                  <a:spcPct val="0"/>
+                </a:spcBef>
+                <a:spcAft>
+                  <a:spcPct val="0"/>
+                </a:spcAft>
+                <a:defRPr/>
+              </a:pPr>
+              <a:r>
+                <a:rPr lang="en-US" dirty="0">
+                  <a:solidFill>
+                    <a:prstClr val="black"/>
+                  </a:solidFill>
+                </a:rPr>
+                <a:t>DVD Contents</a:t>
+              </a:r>
+            </a:p>
+          </p:txBody>
+        </p:sp>
+        <p:sp>
+          <p:nvSpPr>
+            <p:cNvPr id="19" name="TextBox 18"/>
+            <p:cNvSpPr txBox="1"/>
+            <p:nvPr/>
+          </p:nvSpPr>
+          <p:spPr>
+            <a:xfrm>
+              <a:off x="1143630" y="1981200"/>
+              <a:ext cx="2362200" cy="1938992"/>
+            </a:xfrm>
+            <a:prstGeom prst="rect">
+              <a:avLst/>
+            </a:prstGeom>
+            <a:grpFill/>
+          </p:spPr>
+          <p:txBody>
+            <a:bodyPr>
+              <a:spAutoFit/>
+            </a:bodyPr>
+            <a:lstStyle/>
+            <a:p>
+              <a:pPr fontAlgn="base">
+                <a:spcBef>
+                  <a:spcPct val="0"/>
+                </a:spcBef>
+                <a:spcAft>
+                  <a:spcPct val="0"/>
+                </a:spcAft>
+                <a:buFont typeface="Arial" pitchFamily="34" charset="0"/>
+                <a:buChar char="•"/>
+                <a:defRPr/>
+              </a:pPr>
+              <a:r>
+                <a:rPr lang="en-US" sz="1000" dirty="0">
+                  <a:solidFill>
+                    <a:prstClr val="black"/>
+                  </a:solidFill>
+                  <a:latin typeface="Arial" charset="0"/>
+                  <a:cs typeface="Arial" charset="0"/>
+                </a:rPr>
+                <a:t> </a:t>
+              </a:r>
+              <a:r>
+                <a:rPr lang="en-US" sz="1000" b="1" dirty="0">
+                  <a:solidFill>
+                    <a:prstClr val="black"/>
+                  </a:solidFill>
+                  <a:latin typeface="Arial" charset="0"/>
+                  <a:cs typeface="Arial" charset="0"/>
+                </a:rPr>
+                <a:t>Factory default recovery</a:t>
+              </a:r>
+            </a:p>
+            <a:p>
+              <a:pPr lvl="1" fontAlgn="base">
+                <a:spcBef>
+                  <a:spcPct val="0"/>
+                </a:spcBef>
+                <a:spcAft>
+                  <a:spcPct val="0"/>
+                </a:spcAft>
+                <a:buFont typeface="Arial" pitchFamily="34" charset="0"/>
+                <a:buChar char="•"/>
+                <a:defRPr/>
+              </a:pPr>
+              <a:r>
+                <a:rPr lang="en-US" sz="1000" dirty="0">
+                  <a:solidFill>
+                    <a:prstClr val="black"/>
+                  </a:solidFill>
+                  <a:latin typeface="Arial" charset="0"/>
+                  <a:cs typeface="Arial" charset="0"/>
+                </a:rPr>
+                <a:t> EEPROM: POST, IBL</a:t>
+              </a:r>
+            </a:p>
+            <a:p>
+              <a:pPr lvl="1" fontAlgn="base">
+                <a:spcBef>
+                  <a:spcPct val="0"/>
+                </a:spcBef>
+                <a:spcAft>
+                  <a:spcPct val="0"/>
+                </a:spcAft>
+                <a:buFont typeface="Arial" pitchFamily="34" charset="0"/>
+                <a:buChar char="•"/>
+                <a:defRPr/>
+              </a:pPr>
+              <a:r>
+                <a:rPr lang="en-US" sz="1000" dirty="0">
+                  <a:solidFill>
+                    <a:prstClr val="black"/>
+                  </a:solidFill>
+                  <a:latin typeface="Arial" charset="0"/>
+                  <a:cs typeface="Arial" charset="0"/>
+                </a:rPr>
+                <a:t> NOR: BIOS MCSDK Demo</a:t>
+              </a:r>
+            </a:p>
+            <a:p>
+              <a:pPr lvl="1" fontAlgn="base">
+                <a:spcBef>
+                  <a:spcPct val="0"/>
+                </a:spcBef>
+                <a:spcAft>
+                  <a:spcPct val="0"/>
+                </a:spcAft>
+                <a:buFont typeface="Arial" pitchFamily="34" charset="0"/>
+                <a:buChar char="•"/>
+                <a:defRPr/>
+              </a:pPr>
+              <a:r>
+                <a:rPr lang="en-US" sz="1000" dirty="0">
+                  <a:solidFill>
+                    <a:prstClr val="black"/>
+                  </a:solidFill>
+                  <a:latin typeface="Arial" charset="0"/>
+                  <a:cs typeface="Arial" charset="0"/>
+                </a:rPr>
+                <a:t> NAND: Linux MCSDK Demo</a:t>
+              </a:r>
+            </a:p>
+            <a:p>
+              <a:pPr lvl="1" fontAlgn="base">
+                <a:spcBef>
+                  <a:spcPct val="0"/>
+                </a:spcBef>
+                <a:spcAft>
+                  <a:spcPct val="0"/>
+                </a:spcAft>
+                <a:buFont typeface="Arial" pitchFamily="34" charset="0"/>
+                <a:buChar char="•"/>
+                <a:defRPr/>
+              </a:pPr>
+              <a:r>
+                <a:rPr lang="en-US" sz="1000" dirty="0">
+                  <a:solidFill>
+                    <a:prstClr val="black"/>
+                  </a:solidFill>
+                  <a:latin typeface="Arial" charset="0"/>
+                  <a:cs typeface="Arial" charset="0"/>
+                </a:rPr>
+                <a:t> EEPROM/Flash writers</a:t>
+              </a:r>
+            </a:p>
+            <a:p>
+              <a:pPr fontAlgn="base">
+                <a:spcBef>
+                  <a:spcPct val="0"/>
+                </a:spcBef>
+                <a:spcAft>
+                  <a:spcPct val="0"/>
+                </a:spcAft>
+                <a:buFont typeface="Arial" pitchFamily="34" charset="0"/>
+                <a:buChar char="•"/>
+                <a:defRPr/>
+              </a:pPr>
+              <a:r>
+                <a:rPr lang="en-US" sz="1000" b="1" dirty="0">
+                  <a:solidFill>
+                    <a:prstClr val="black"/>
+                  </a:solidFill>
+                  <a:latin typeface="Arial" charset="0"/>
+                  <a:cs typeface="Arial" charset="0"/>
+                </a:rPr>
+                <a:t> CCS 5.0</a:t>
+              </a:r>
+            </a:p>
+            <a:p>
+              <a:pPr lvl="1" fontAlgn="base">
+                <a:spcBef>
+                  <a:spcPct val="0"/>
+                </a:spcBef>
+                <a:spcAft>
+                  <a:spcPct val="0"/>
+                </a:spcAft>
+                <a:buFont typeface="Arial" pitchFamily="34" charset="0"/>
+                <a:buChar char="•"/>
+                <a:defRPr/>
+              </a:pPr>
+              <a:r>
+                <a:rPr lang="en-US" sz="1000" dirty="0">
+                  <a:solidFill>
+                    <a:prstClr val="black"/>
+                  </a:solidFill>
+                  <a:latin typeface="Arial" charset="0"/>
+                  <a:cs typeface="Arial" charset="0"/>
+                </a:rPr>
+                <a:t> IDE</a:t>
+              </a:r>
+            </a:p>
+            <a:p>
+              <a:pPr lvl="1" fontAlgn="base">
+                <a:spcBef>
+                  <a:spcPct val="0"/>
+                </a:spcBef>
+                <a:spcAft>
+                  <a:spcPct val="0"/>
+                </a:spcAft>
+                <a:buFont typeface="Arial" pitchFamily="34" charset="0"/>
+                <a:buChar char="•"/>
+                <a:defRPr/>
+              </a:pPr>
+              <a:r>
+                <a:rPr lang="en-US" sz="1000" dirty="0">
+                  <a:solidFill>
+                    <a:prstClr val="black"/>
+                  </a:solidFill>
+                  <a:latin typeface="Arial" charset="0"/>
+                  <a:cs typeface="Arial" charset="0"/>
+                </a:rPr>
+                <a:t> C667x EVM GEL/XML files</a:t>
+              </a:r>
+            </a:p>
+            <a:p>
+              <a:pPr fontAlgn="base">
+                <a:spcBef>
+                  <a:spcPct val="0"/>
+                </a:spcBef>
+                <a:spcAft>
+                  <a:spcPct val="0"/>
+                </a:spcAft>
+                <a:buFont typeface="Arial" pitchFamily="34" charset="0"/>
+                <a:buChar char="•"/>
+                <a:defRPr/>
+              </a:pPr>
+              <a:r>
+                <a:rPr lang="en-US" sz="1000" b="1" dirty="0">
+                  <a:solidFill>
+                    <a:prstClr val="black"/>
+                  </a:solidFill>
+                  <a:latin typeface="Arial" charset="0"/>
+                  <a:cs typeface="Arial" charset="0"/>
+                </a:rPr>
+                <a:t> BIOS MCSDK 2.0</a:t>
+              </a:r>
+            </a:p>
+            <a:p>
+              <a:pPr lvl="1" fontAlgn="base">
+                <a:spcBef>
+                  <a:spcPct val="0"/>
+                </a:spcBef>
+                <a:spcAft>
+                  <a:spcPct val="0"/>
+                </a:spcAft>
+                <a:buFont typeface="Arial" pitchFamily="34" charset="0"/>
+                <a:buChar char="•"/>
+                <a:defRPr/>
+              </a:pPr>
+              <a:r>
+                <a:rPr lang="en-US" sz="1000" dirty="0">
+                  <a:solidFill>
+                    <a:prstClr val="black"/>
+                  </a:solidFill>
+                  <a:latin typeface="Arial" charset="0"/>
+                  <a:cs typeface="Arial" charset="0"/>
+                </a:rPr>
+                <a:t> Source/binary packages</a:t>
+              </a:r>
+            </a:p>
+            <a:p>
+              <a:pPr fontAlgn="base">
+                <a:spcBef>
+                  <a:spcPct val="0"/>
+                </a:spcBef>
+                <a:spcAft>
+                  <a:spcPct val="0"/>
+                </a:spcAft>
+                <a:buFont typeface="Arial" pitchFamily="34" charset="0"/>
+                <a:buChar char="•"/>
+                <a:defRPr/>
+              </a:pPr>
+              <a:r>
+                <a:rPr lang="en-US" sz="1000" b="1" dirty="0">
+                  <a:solidFill>
+                    <a:prstClr val="black"/>
+                  </a:solidFill>
+                  <a:latin typeface="Arial" charset="0"/>
+                  <a:cs typeface="Arial" charset="0"/>
+                </a:rPr>
+                <a:t> Linux MCSDK 2.0</a:t>
+              </a:r>
+            </a:p>
+            <a:p>
+              <a:pPr lvl="1" fontAlgn="base">
+                <a:spcBef>
+                  <a:spcPct val="0"/>
+                </a:spcBef>
+                <a:spcAft>
+                  <a:spcPct val="0"/>
+                </a:spcAft>
+                <a:buFont typeface="Arial" pitchFamily="34" charset="0"/>
+                <a:buChar char="•"/>
+                <a:defRPr/>
+              </a:pPr>
+              <a:r>
+                <a:rPr lang="en-US" sz="1000" dirty="0">
+                  <a:solidFill>
+                    <a:prstClr val="black"/>
+                  </a:solidFill>
+                  <a:latin typeface="Arial" charset="0"/>
+                  <a:cs typeface="Arial" charset="0"/>
+                </a:rPr>
+                <a:t> Source/binary packages</a:t>
+              </a:r>
+            </a:p>
+          </p:txBody>
+        </p:sp>
+      </p:grpSp>
+      <p:grpSp>
+        <p:nvGrpSpPr>
+          <p:cNvPr id="4" name="Group 21"/>
+          <p:cNvGrpSpPr>
+            <a:grpSpLocks/>
+          </p:cNvGrpSpPr>
           <p:nvPr>
-            <p:ph type="title"/>
+            <p:custDataLst>
+              <p:tags r:id="rId4"/>
+            </p:custDataLst>
           </p:nvPr>
-        </p:nvSpPr>
-        <p:spPr/>
-        <p:txBody>
-          <a:bodyPr>
-            <a:normAutofit/>
-          </a:bodyPr>
-          <a:lstStyle/>
-          <a:p>
-            <a:pPr eaLnBrk="1" hangingPunct="1"/>
-            <a:r>
-              <a:rPr lang="en-US" sz="3600" dirty="0" smtClean="0"/>
-              <a:t>MCSDK Top-level Directory Folders</a:t>
-            </a:r>
-            <a:endParaRPr lang="en-US" dirty="0" smtClean="0"/>
-          </a:p>
-        </p:txBody>
-      </p:sp>
-      <p:sp>
-        <p:nvSpPr>
-          <p:cNvPr id="9" name="Content Placeholder 8"/>
-          <p:cNvSpPr>
-            <a:spLocks noGrp="1"/>
-          </p:cNvSpPr>
-          <p:nvPr>
-            <p:ph idx="1"/>
-          </p:nvPr>
-        </p:nvSpPr>
-        <p:spPr>
+        </p:nvGrpSpPr>
+        <p:grpSpPr bwMode="auto">
           <a:xfrm>
-            <a:off x="333375" y="1185863"/>
-            <a:ext cx="8467725" cy="4833938"/>
+            <a:off x="3886200" y="3886200"/>
+            <a:ext cx="4953000" cy="2286000"/>
+            <a:chOff x="3886200" y="3886200"/>
+            <a:chExt cx="4953000" cy="2286000"/>
           </a:xfrm>
-        </p:spPr>
-        <p:txBody>
-          <a:bodyPr>
-            <a:normAutofit lnSpcReduction="10000"/>
-          </a:bodyPr>
-          <a:lstStyle/>
-          <a:p>
-            <a:r>
-              <a:rPr lang="en-US" dirty="0" smtClean="0"/>
-              <a:t>/mcsdk</a:t>
-            </a:r>
-          </a:p>
-          <a:p>
-            <a:r>
-              <a:rPr lang="en-US" dirty="0" smtClean="0"/>
-              <a:t>/pdk</a:t>
-            </a:r>
-          </a:p>
-          <a:p>
-            <a:r>
-              <a:rPr lang="en-US" dirty="0" smtClean="0"/>
-              <a:t>/edma3</a:t>
-            </a:r>
-          </a:p>
-          <a:p>
-            <a:r>
-              <a:rPr lang="en-US" dirty="0" smtClean="0"/>
-              <a:t>/bios</a:t>
-            </a:r>
-          </a:p>
-          <a:p>
-            <a:r>
-              <a:rPr lang="en-US" dirty="0" smtClean="0"/>
-              <a:t>/dsplib</a:t>
-            </a:r>
-          </a:p>
-          <a:p>
-            <a:r>
-              <a:rPr lang="en-US" dirty="0" smtClean="0"/>
-              <a:t>/imglib</a:t>
-            </a:r>
-          </a:p>
-          <a:p>
-            <a:r>
-              <a:rPr lang="en-US" dirty="0" smtClean="0"/>
-              <a:t>/mathlib</a:t>
-            </a:r>
-          </a:p>
-          <a:p>
-            <a:r>
-              <a:rPr lang="en-US" dirty="0" smtClean="0"/>
-              <a:t>/ipc</a:t>
-            </a:r>
-          </a:p>
-          <a:p>
-            <a:r>
-              <a:rPr lang="en-US" dirty="0" smtClean="0"/>
-              <a:t>/ndk</a:t>
-            </a:r>
-            <a:endParaRPr lang="en-US" dirty="0"/>
-          </a:p>
-        </p:txBody>
-      </p:sp>
+        </p:grpSpPr>
+        <p:sp>
+          <p:nvSpPr>
+            <p:cNvPr id="23" name="Rectangle 22"/>
+            <p:cNvSpPr/>
+            <p:nvPr/>
+          </p:nvSpPr>
+          <p:spPr bwMode="auto">
+            <a:xfrm>
+              <a:off x="3886200" y="3886200"/>
+              <a:ext cx="4953000" cy="2286000"/>
+            </a:xfrm>
+            <a:prstGeom prst="rect">
+              <a:avLst/>
+            </a:prstGeom>
+            <a:solidFill>
+              <a:schemeClr val="accent4">
+                <a:lumMod val="20000"/>
+                <a:lumOff val="80000"/>
+              </a:schemeClr>
+            </a:solidFill>
+            <a:ln>
+              <a:headEnd type="none" w="med" len="med"/>
+              <a:tailEnd type="none" w="med" len="med"/>
+            </a:ln>
+          </p:spPr>
+          <p:style>
+            <a:lnRef idx="1">
+              <a:schemeClr val="accent1"/>
+            </a:lnRef>
+            <a:fillRef idx="2">
+              <a:schemeClr val="accent1"/>
+            </a:fillRef>
+            <a:effectRef idx="1">
+              <a:schemeClr val="accent1"/>
+            </a:effectRef>
+            <a:fontRef idx="minor">
+              <a:schemeClr val="dk1"/>
+            </a:fontRef>
+          </p:style>
+          <p:txBody>
+            <a:bodyPr/>
+            <a:lstStyle/>
+            <a:p>
+              <a:pPr fontAlgn="base">
+                <a:spcBef>
+                  <a:spcPct val="0"/>
+                </a:spcBef>
+                <a:spcAft>
+                  <a:spcPct val="0"/>
+                </a:spcAft>
+                <a:defRPr/>
+              </a:pPr>
+              <a:r>
+                <a:rPr lang="en-US" dirty="0">
+                  <a:solidFill>
+                    <a:prstClr val="black"/>
+                  </a:solidFill>
+                </a:rPr>
+                <a:t>Online Collateral</a:t>
+              </a:r>
+            </a:p>
+          </p:txBody>
+        </p:sp>
+        <p:sp>
+          <p:nvSpPr>
+            <p:cNvPr id="28678" name="TextBox 35"/>
+            <p:cNvSpPr txBox="1">
+              <a:spLocks noChangeArrowheads="1"/>
+            </p:cNvSpPr>
+            <p:nvPr/>
+          </p:nvSpPr>
+          <p:spPr bwMode="auto">
+            <a:xfrm>
+              <a:off x="4038600" y="4191000"/>
+              <a:ext cx="4648200" cy="1892826"/>
+            </a:xfrm>
+            <a:prstGeom prst="rect">
+              <a:avLst/>
+            </a:prstGeom>
+            <a:noFill/>
+            <a:ln w="9525">
+              <a:noFill/>
+              <a:miter lim="800000"/>
+              <a:headEnd/>
+              <a:tailEnd/>
+            </a:ln>
+          </p:spPr>
+          <p:txBody>
+            <a:bodyPr>
+              <a:spAutoFit/>
+            </a:bodyPr>
+            <a:lstStyle/>
+            <a:p>
+              <a:pPr fontAlgn="base">
+                <a:spcBef>
+                  <a:spcPct val="0"/>
+                </a:spcBef>
+                <a:spcAft>
+                  <a:spcPct val="0"/>
+                </a:spcAft>
+              </a:pPr>
+              <a:r>
+                <a:rPr lang="en-US" sz="900" b="1">
+                  <a:solidFill>
+                    <a:prstClr val="black"/>
+                  </a:solidFill>
+                  <a:latin typeface="Arial" charset="0"/>
+                  <a:cs typeface="Arial" charset="0"/>
+                </a:rPr>
+                <a:t>TMS320C667x processor website</a:t>
+              </a:r>
+              <a:r>
+                <a:rPr lang="en-US" sz="900">
+                  <a:solidFill>
+                    <a:prstClr val="black"/>
+                  </a:solidFill>
+                  <a:latin typeface="Arial" charset="0"/>
+                  <a:cs typeface="Arial" charset="0"/>
+                </a:rPr>
+                <a:t/>
+              </a:r>
+              <a:br>
+                <a:rPr lang="en-US" sz="900">
+                  <a:solidFill>
+                    <a:prstClr val="black"/>
+                  </a:solidFill>
+                  <a:latin typeface="Arial" charset="0"/>
+                  <a:cs typeface="Arial" charset="0"/>
+                </a:rPr>
+              </a:br>
+              <a:r>
+                <a:rPr lang="en-US" sz="900">
+                  <a:solidFill>
+                    <a:prstClr val="black"/>
+                  </a:solidFill>
+                  <a:latin typeface="Arial" charset="0"/>
+                  <a:cs typeface="Arial" charset="0"/>
+                  <a:hlinkClick r:id="rId7"/>
+                </a:rPr>
+                <a:t>http://focus.ti.com/docs/prod/folders/print/tms320c6678.html </a:t>
+              </a:r>
+              <a:r>
+                <a:rPr lang="en-US" sz="900">
+                  <a:solidFill>
+                    <a:prstClr val="black"/>
+                  </a:solidFill>
+                  <a:latin typeface="Arial" charset="0"/>
+                  <a:cs typeface="Arial" charset="0"/>
+                </a:rPr>
+                <a:t/>
+              </a:r>
+              <a:br>
+                <a:rPr lang="en-US" sz="900">
+                  <a:solidFill>
+                    <a:prstClr val="black"/>
+                  </a:solidFill>
+                  <a:latin typeface="Arial" charset="0"/>
+                  <a:cs typeface="Arial" charset="0"/>
+                </a:rPr>
+              </a:br>
+              <a:r>
+                <a:rPr lang="en-US" sz="900">
+                  <a:solidFill>
+                    <a:prstClr val="black"/>
+                  </a:solidFill>
+                  <a:latin typeface="Arial" charset="0"/>
+                  <a:cs typeface="Arial" charset="0"/>
+                  <a:hlinkClick r:id="rId7"/>
+                </a:rPr>
+                <a:t>http://focus.ti.com/docs/prod/folders/print/tms320c6670.html</a:t>
+              </a:r>
+              <a:endParaRPr lang="en-US" sz="900">
+                <a:solidFill>
+                  <a:prstClr val="black"/>
+                </a:solidFill>
+                <a:latin typeface="Arial" charset="0"/>
+                <a:cs typeface="Arial" charset="0"/>
+              </a:endParaRPr>
+            </a:p>
+            <a:p>
+              <a:pPr fontAlgn="base">
+                <a:spcBef>
+                  <a:spcPct val="0"/>
+                </a:spcBef>
+                <a:spcAft>
+                  <a:spcPct val="0"/>
+                </a:spcAft>
+              </a:pPr>
+              <a:endParaRPr lang="en-US" sz="900" b="1">
+                <a:solidFill>
+                  <a:prstClr val="black"/>
+                </a:solidFill>
+                <a:latin typeface="Arial" charset="0"/>
+                <a:cs typeface="Arial" charset="0"/>
+              </a:endParaRPr>
+            </a:p>
+            <a:p>
+              <a:pPr fontAlgn="base">
+                <a:spcBef>
+                  <a:spcPct val="0"/>
+                </a:spcBef>
+                <a:spcAft>
+                  <a:spcPct val="0"/>
+                </a:spcAft>
+              </a:pPr>
+              <a:r>
+                <a:rPr lang="en-US" sz="900" b="1">
+                  <a:solidFill>
+                    <a:prstClr val="black"/>
+                  </a:solidFill>
+                  <a:latin typeface="Arial" charset="0"/>
+                  <a:cs typeface="Arial" charset="0"/>
+                </a:rPr>
+                <a:t>MCSDK website for updates</a:t>
+              </a:r>
+              <a:r>
+                <a:rPr lang="en-US" sz="900">
+                  <a:solidFill>
+                    <a:prstClr val="black"/>
+                  </a:solidFill>
+                  <a:latin typeface="Arial" charset="0"/>
+                  <a:cs typeface="Arial" charset="0"/>
+                </a:rPr>
+                <a:t/>
+              </a:r>
+              <a:br>
+                <a:rPr lang="en-US" sz="900">
+                  <a:solidFill>
+                    <a:prstClr val="black"/>
+                  </a:solidFill>
+                  <a:latin typeface="Arial" charset="0"/>
+                  <a:cs typeface="Arial" charset="0"/>
+                </a:rPr>
+              </a:br>
+              <a:r>
+                <a:rPr lang="en-US" sz="900">
+                  <a:solidFill>
+                    <a:prstClr val="black"/>
+                  </a:solidFill>
+                  <a:latin typeface="Arial" charset="0"/>
+                  <a:cs typeface="Arial" charset="0"/>
+                  <a:hlinkClick r:id="rId8"/>
+                </a:rPr>
+                <a:t>http://focus.ti.com/docs/toolsw/folders/print/bioslinuxmcsdk.html</a:t>
+              </a:r>
+              <a:r>
+                <a:rPr lang="en-US" sz="900">
+                  <a:solidFill>
+                    <a:prstClr val="black"/>
+                  </a:solidFill>
+                  <a:latin typeface="Arial" charset="0"/>
+                  <a:cs typeface="Arial" charset="0"/>
+                </a:rPr>
+                <a:t/>
+              </a:r>
+              <a:br>
+                <a:rPr lang="en-US" sz="900">
+                  <a:solidFill>
+                    <a:prstClr val="black"/>
+                  </a:solidFill>
+                  <a:latin typeface="Arial" charset="0"/>
+                  <a:cs typeface="Arial" charset="0"/>
+                </a:rPr>
+              </a:br>
+              <a:endParaRPr lang="en-US" sz="900">
+                <a:solidFill>
+                  <a:prstClr val="black"/>
+                </a:solidFill>
+                <a:latin typeface="Arial" charset="0"/>
+                <a:cs typeface="Arial" charset="0"/>
+              </a:endParaRPr>
+            </a:p>
+            <a:p>
+              <a:pPr fontAlgn="base">
+                <a:spcBef>
+                  <a:spcPct val="0"/>
+                </a:spcBef>
+                <a:spcAft>
+                  <a:spcPct val="0"/>
+                </a:spcAft>
+              </a:pPr>
+              <a:r>
+                <a:rPr lang="en-US" sz="900" b="1">
+                  <a:solidFill>
+                    <a:prstClr val="black"/>
+                  </a:solidFill>
+                  <a:latin typeface="Arial" charset="0"/>
+                  <a:cs typeface="Arial" charset="0"/>
+                </a:rPr>
+                <a:t>CCS v5</a:t>
+              </a:r>
+              <a:r>
+                <a:rPr lang="en-US" sz="900">
+                  <a:solidFill>
+                    <a:prstClr val="black"/>
+                  </a:solidFill>
+                  <a:latin typeface="Arial" charset="0"/>
+                  <a:cs typeface="Arial" charset="0"/>
+                </a:rPr>
+                <a:t/>
+              </a:r>
+              <a:br>
+                <a:rPr lang="en-US" sz="900">
+                  <a:solidFill>
+                    <a:prstClr val="black"/>
+                  </a:solidFill>
+                  <a:latin typeface="Arial" charset="0"/>
+                  <a:cs typeface="Arial" charset="0"/>
+                </a:rPr>
+              </a:br>
+              <a:r>
+                <a:rPr lang="en-US" sz="900">
+                  <a:solidFill>
+                    <a:prstClr val="black"/>
+                  </a:solidFill>
+                  <a:latin typeface="Arial" charset="0"/>
+                  <a:cs typeface="Arial" charset="0"/>
+                  <a:hlinkClick r:id="rId9"/>
+                </a:rPr>
+                <a:t>http://processors.wiki.ti.com/index.php/Category:Code_Composer_Studio_v5</a:t>
+              </a:r>
+              <a:r>
+                <a:rPr lang="en-US" sz="900">
+                  <a:solidFill>
+                    <a:prstClr val="black"/>
+                  </a:solidFill>
+                  <a:latin typeface="Arial" charset="0"/>
+                  <a:cs typeface="Arial" charset="0"/>
+                </a:rPr>
+                <a:t/>
+              </a:r>
+              <a:br>
+                <a:rPr lang="en-US" sz="900">
+                  <a:solidFill>
+                    <a:prstClr val="black"/>
+                  </a:solidFill>
+                  <a:latin typeface="Arial" charset="0"/>
+                  <a:cs typeface="Arial" charset="0"/>
+                </a:rPr>
+              </a:br>
+              <a:endParaRPr lang="en-US" sz="900">
+                <a:solidFill>
+                  <a:prstClr val="black"/>
+                </a:solidFill>
+                <a:latin typeface="Arial" charset="0"/>
+                <a:cs typeface="Arial" charset="0"/>
+              </a:endParaRPr>
+            </a:p>
+            <a:p>
+              <a:pPr fontAlgn="base">
+                <a:spcBef>
+                  <a:spcPct val="0"/>
+                </a:spcBef>
+                <a:spcAft>
+                  <a:spcPct val="0"/>
+                </a:spcAft>
+              </a:pPr>
+              <a:r>
+                <a:rPr lang="en-US" sz="900" b="1">
+                  <a:solidFill>
+                    <a:prstClr val="black"/>
+                  </a:solidFill>
+                  <a:latin typeface="Arial" charset="0"/>
+                  <a:cs typeface="Arial" charset="0"/>
+                </a:rPr>
+                <a:t>Developer’s website</a:t>
+              </a:r>
+              <a:br>
+                <a:rPr lang="en-US" sz="900" b="1">
+                  <a:solidFill>
+                    <a:prstClr val="black"/>
+                  </a:solidFill>
+                  <a:latin typeface="Arial" charset="0"/>
+                  <a:cs typeface="Arial" charset="0"/>
+                </a:rPr>
+              </a:br>
+              <a:r>
+                <a:rPr lang="en-US" sz="900">
+                  <a:solidFill>
+                    <a:prstClr val="black"/>
+                  </a:solidFill>
+                  <a:latin typeface="Arial" charset="0"/>
+                  <a:cs typeface="Arial" charset="0"/>
+                </a:rPr>
+                <a:t>Linux:</a:t>
+              </a:r>
+              <a:r>
+                <a:rPr lang="en-US" sz="900" b="1">
+                  <a:solidFill>
+                    <a:prstClr val="black"/>
+                  </a:solidFill>
+                  <a:latin typeface="Arial" charset="0"/>
+                  <a:cs typeface="Arial" charset="0"/>
+                </a:rPr>
+                <a:t> </a:t>
+              </a:r>
+              <a:r>
+                <a:rPr lang="en-US" sz="900">
+                  <a:solidFill>
+                    <a:prstClr val="black"/>
+                  </a:solidFill>
+                  <a:latin typeface="Arial" charset="0"/>
+                  <a:cs typeface="Arial" charset="0"/>
+                  <a:hlinkClick r:id="rId10"/>
+                </a:rPr>
+                <a:t>http://linux-c6x.org/</a:t>
+              </a:r>
+              <a:endParaRPr lang="en-US" sz="900">
+                <a:solidFill>
+                  <a:prstClr val="black"/>
+                </a:solidFill>
+                <a:latin typeface="Arial" charset="0"/>
+                <a:cs typeface="Arial" charset="0"/>
+              </a:endParaRPr>
+            </a:p>
+            <a:p>
+              <a:pPr fontAlgn="base">
+                <a:spcBef>
+                  <a:spcPct val="0"/>
+                </a:spcBef>
+                <a:spcAft>
+                  <a:spcPct val="0"/>
+                </a:spcAft>
+              </a:pPr>
+              <a:r>
+                <a:rPr lang="en-US" sz="900">
+                  <a:solidFill>
+                    <a:prstClr val="black"/>
+                  </a:solidFill>
+                  <a:latin typeface="Arial" charset="0"/>
+                  <a:cs typeface="Arial" charset="0"/>
+                </a:rPr>
+                <a:t>BIOS: </a:t>
+              </a:r>
+              <a:r>
+                <a:rPr lang="en-US" sz="900">
+                  <a:solidFill>
+                    <a:prstClr val="black"/>
+                  </a:solidFill>
+                  <a:latin typeface="Arial" charset="0"/>
+                  <a:cs typeface="Arial" charset="0"/>
+                  <a:hlinkClick r:id="rId11"/>
+                </a:rPr>
+                <a:t>http://processors.wiki.ti.com/index.php/BIOS_MCSDK_2.0_User_Guide</a:t>
+              </a:r>
+              <a:endParaRPr lang="en-US" sz="900">
+                <a:solidFill>
+                  <a:prstClr val="black"/>
+                </a:solidFill>
+                <a:latin typeface="Arial" charset="0"/>
+                <a:cs typeface="Arial" charset="0"/>
+              </a:endParaRPr>
+            </a:p>
+          </p:txBody>
+        </p:sp>
+      </p:grpSp>
     </p:spTree>
     <p:custDataLst>
       <p:tags r:id="rId1"/>
@@ -21685,14 +24321,310 @@
   <p:timing>
     <p:tnLst>
       <p:par>
-        <p:cTn id="1" dur="indefinite" restart="never" nodeType="tmRoot"/>
+        <p:cTn id="1" dur="indefinite" restart="never" nodeType="tmRoot">
+          <p:childTnLst>
+            <p:seq concurrent="1" nextAc="seek">
+              <p:cTn id="2" dur="indefinite" nodeType="mainSeq">
+                <p:childTnLst>
+                  <p:par>
+                    <p:cTn id="3" fill="hold">
+                      <p:stCondLst>
+                        <p:cond delay="indefinite"/>
+                      </p:stCondLst>
+                      <p:childTnLst>
+                        <p:par>
+                          <p:cTn id="4" fill="hold">
+                            <p:stCondLst>
+                              <p:cond delay="0"/>
+                            </p:stCondLst>
+                            <p:childTnLst>
+                              <p:par>
+                                <p:cTn id="5" presetID="2" presetClass="entr" presetSubtype="2" fill="hold" nodeType="clickEffect">
+                                  <p:stCondLst>
+                                    <p:cond delay="0"/>
+                                  </p:stCondLst>
+                                  <p:childTnLst>
+                                    <p:set>
+                                      <p:cBhvr>
+                                        <p:cTn id="6" dur="1" fill="hold">
+                                          <p:stCondLst>
+                                            <p:cond delay="0"/>
+                                          </p:stCondLst>
+                                        </p:cTn>
+                                        <p:tgtEl>
+                                          <p:spTgt spid="2"/>
+                                        </p:tgtEl>
+                                        <p:attrNameLst>
+                                          <p:attrName>style.visibility</p:attrName>
+                                        </p:attrNameLst>
+                                      </p:cBhvr>
+                                      <p:to>
+                                        <p:strVal val="visible"/>
+                                      </p:to>
+                                    </p:set>
+                                    <p:anim calcmode="lin" valueType="num">
+                                      <p:cBhvr additive="base">
+                                        <p:cTn id="7" dur="500" fill="hold"/>
+                                        <p:tgtEl>
+                                          <p:spTgt spid="2"/>
+                                        </p:tgtEl>
+                                        <p:attrNameLst>
+                                          <p:attrName>ppt_x</p:attrName>
+                                        </p:attrNameLst>
+                                      </p:cBhvr>
+                                      <p:tavLst>
+                                        <p:tav tm="0">
+                                          <p:val>
+                                            <p:strVal val="1+#ppt_w/2"/>
+                                          </p:val>
+                                        </p:tav>
+                                        <p:tav tm="100000">
+                                          <p:val>
+                                            <p:strVal val="#ppt_x"/>
+                                          </p:val>
+                                        </p:tav>
+                                      </p:tavLst>
+                                    </p:anim>
+                                    <p:anim calcmode="lin" valueType="num">
+                                      <p:cBhvr additive="base">
+                                        <p:cTn id="8" dur="500" fill="hold"/>
+                                        <p:tgtEl>
+                                          <p:spTgt spid="2"/>
+                                        </p:tgtEl>
+                                        <p:attrNameLst>
+                                          <p:attrName>ppt_y</p:attrName>
+                                        </p:attrNameLst>
+                                      </p:cBhvr>
+                                      <p:tavLst>
+                                        <p:tav tm="0">
+                                          <p:val>
+                                            <p:strVal val="#ppt_y"/>
+                                          </p:val>
+                                        </p:tav>
+                                        <p:tav tm="100000">
+                                          <p:val>
+                                            <p:strVal val="#ppt_y"/>
+                                          </p:val>
+                                        </p:tav>
+                                      </p:tavLst>
+                                    </p:anim>
+                                  </p:childTnLst>
+                                </p:cTn>
+                              </p:par>
+                            </p:childTnLst>
+                          </p:cTn>
+                        </p:par>
+                      </p:childTnLst>
+                    </p:cTn>
+                  </p:par>
+                  <p:par>
+                    <p:cTn id="9" fill="hold">
+                      <p:stCondLst>
+                        <p:cond delay="indefinite"/>
+                      </p:stCondLst>
+                      <p:childTnLst>
+                        <p:par>
+                          <p:cTn id="10" fill="hold">
+                            <p:stCondLst>
+                              <p:cond delay="0"/>
+                            </p:stCondLst>
+                            <p:childTnLst>
+                              <p:par>
+                                <p:cTn id="11" presetID="2" presetClass="entr" presetSubtype="8" fill="hold" nodeType="clickEffect">
+                                  <p:stCondLst>
+                                    <p:cond delay="0"/>
+                                  </p:stCondLst>
+                                  <p:childTnLst>
+                                    <p:set>
+                                      <p:cBhvr>
+                                        <p:cTn id="12" dur="1" fill="hold">
+                                          <p:stCondLst>
+                                            <p:cond delay="0"/>
+                                          </p:stCondLst>
+                                        </p:cTn>
+                                        <p:tgtEl>
+                                          <p:spTgt spid="3"/>
+                                        </p:tgtEl>
+                                        <p:attrNameLst>
+                                          <p:attrName>style.visibility</p:attrName>
+                                        </p:attrNameLst>
+                                      </p:cBhvr>
+                                      <p:to>
+                                        <p:strVal val="visible"/>
+                                      </p:to>
+                                    </p:set>
+                                    <p:anim calcmode="lin" valueType="num">
+                                      <p:cBhvr additive="base">
+                                        <p:cTn id="13" dur="500" fill="hold"/>
+                                        <p:tgtEl>
+                                          <p:spTgt spid="3"/>
+                                        </p:tgtEl>
+                                        <p:attrNameLst>
+                                          <p:attrName>ppt_x</p:attrName>
+                                        </p:attrNameLst>
+                                      </p:cBhvr>
+                                      <p:tavLst>
+                                        <p:tav tm="0">
+                                          <p:val>
+                                            <p:strVal val="0-#ppt_w/2"/>
+                                          </p:val>
+                                        </p:tav>
+                                        <p:tav tm="100000">
+                                          <p:val>
+                                            <p:strVal val="#ppt_x"/>
+                                          </p:val>
+                                        </p:tav>
+                                      </p:tavLst>
+                                    </p:anim>
+                                    <p:anim calcmode="lin" valueType="num">
+                                      <p:cBhvr additive="base">
+                                        <p:cTn id="14" dur="500" fill="hold"/>
+                                        <p:tgtEl>
+                                          <p:spTgt spid="3"/>
+                                        </p:tgtEl>
+                                        <p:attrNameLst>
+                                          <p:attrName>ppt_y</p:attrName>
+                                        </p:attrNameLst>
+                                      </p:cBhvr>
+                                      <p:tavLst>
+                                        <p:tav tm="0">
+                                          <p:val>
+                                            <p:strVal val="#ppt_y"/>
+                                          </p:val>
+                                        </p:tav>
+                                        <p:tav tm="100000">
+                                          <p:val>
+                                            <p:strVal val="#ppt_y"/>
+                                          </p:val>
+                                        </p:tav>
+                                      </p:tavLst>
+                                    </p:anim>
+                                  </p:childTnLst>
+                                </p:cTn>
+                              </p:par>
+                            </p:childTnLst>
+                          </p:cTn>
+                        </p:par>
+                      </p:childTnLst>
+                    </p:cTn>
+                  </p:par>
+                  <p:par>
+                    <p:cTn id="15" fill="hold">
+                      <p:stCondLst>
+                        <p:cond delay="indefinite"/>
+                      </p:stCondLst>
+                      <p:childTnLst>
+                        <p:par>
+                          <p:cTn id="16" fill="hold">
+                            <p:stCondLst>
+                              <p:cond delay="0"/>
+                            </p:stCondLst>
+                            <p:childTnLst>
+                              <p:par>
+                                <p:cTn id="17" presetID="2" presetClass="entr" presetSubtype="4" fill="hold" nodeType="clickEffect">
+                                  <p:stCondLst>
+                                    <p:cond delay="0"/>
+                                  </p:stCondLst>
+                                  <p:childTnLst>
+                                    <p:set>
+                                      <p:cBhvr>
+                                        <p:cTn id="18" dur="1" fill="hold">
+                                          <p:stCondLst>
+                                            <p:cond delay="0"/>
+                                          </p:stCondLst>
+                                        </p:cTn>
+                                        <p:tgtEl>
+                                          <p:spTgt spid="4"/>
+                                        </p:tgtEl>
+                                        <p:attrNameLst>
+                                          <p:attrName>style.visibility</p:attrName>
+                                        </p:attrNameLst>
+                                      </p:cBhvr>
+                                      <p:to>
+                                        <p:strVal val="visible"/>
+                                      </p:to>
+                                    </p:set>
+                                    <p:anim calcmode="lin" valueType="num">
+                                      <p:cBhvr additive="base">
+                                        <p:cTn id="19" dur="500" fill="hold"/>
+                                        <p:tgtEl>
+                                          <p:spTgt spid="4"/>
+                                        </p:tgtEl>
+                                        <p:attrNameLst>
+                                          <p:attrName>ppt_x</p:attrName>
+                                        </p:attrNameLst>
+                                      </p:cBhvr>
+                                      <p:tavLst>
+                                        <p:tav tm="0">
+                                          <p:val>
+                                            <p:strVal val="#ppt_x"/>
+                                          </p:val>
+                                        </p:tav>
+                                        <p:tav tm="100000">
+                                          <p:val>
+                                            <p:strVal val="#ppt_x"/>
+                                          </p:val>
+                                        </p:tav>
+                                      </p:tavLst>
+                                    </p:anim>
+                                    <p:anim calcmode="lin" valueType="num">
+                                      <p:cBhvr additive="base">
+                                        <p:cTn id="20" dur="500" fill="hold"/>
+                                        <p:tgtEl>
+                                          <p:spTgt spid="4"/>
+                                        </p:tgtEl>
+                                        <p:attrNameLst>
+                                          <p:attrName>ppt_y</p:attrName>
+                                        </p:attrNameLst>
+                                      </p:cBhvr>
+                                      <p:tavLst>
+                                        <p:tav tm="0">
+                                          <p:val>
+                                            <p:strVal val="1+#ppt_h/2"/>
+                                          </p:val>
+                                        </p:tav>
+                                        <p:tav tm="100000">
+                                          <p:val>
+                                            <p:strVal val="#ppt_y"/>
+                                          </p:val>
+                                        </p:tav>
+                                      </p:tavLst>
+                                    </p:anim>
+                                  </p:childTnLst>
+                                </p:cTn>
+                              </p:par>
+                            </p:childTnLst>
+                          </p:cTn>
+                        </p:par>
+                      </p:childTnLst>
+                    </p:cTn>
+                  </p:par>
+                </p:childTnLst>
+              </p:cTn>
+              <p:prevCondLst>
+                <p:cond evt="onPrev" delay="0">
+                  <p:tgtEl>
+                    <p:sldTgt/>
+                  </p:tgtEl>
+                </p:cond>
+              </p:prevCondLst>
+              <p:nextCondLst>
+                <p:cond evt="onNext" delay="0">
+                  <p:tgtEl>
+                    <p:sldTgt/>
+                  </p:tgtEl>
+                </p:cond>
+              </p:nextCondLst>
+            </p:seq>
+          </p:childTnLst>
+        </p:cTn>
       </p:par>
     </p:tnLst>
   </p:timing>
 </p:sld>
 </file>
 
-<file path=ppt/slides/slide21.xml><?xml version="1.0" encoding="utf-8"?>
+<file path=ppt/slides/slide23.xml><?xml version="1.0" encoding="utf-8"?>
 <p:sld xmlns:a="http://schemas.openxmlformats.org/drawingml/2006/main" xmlns:r="http://schemas.openxmlformats.org/officeDocument/2006/relationships" xmlns:p="http://schemas.openxmlformats.org/presentationml/2006/main">
   <p:cSld>
     <p:spTree>
@@ -21871,7 +24803,7 @@
 </file>
 
 <file path=ppt/slides/slide3.xml><?xml version="1.0" encoding="utf-8"?>
-<p:sld xmlns:a="http://schemas.openxmlformats.org/drawingml/2006/main" xmlns:r="http://schemas.openxmlformats.org/officeDocument/2006/relationships" xmlns:p="http://schemas.openxmlformats.org/presentationml/2006/main">
+<p:sld xmlns:a="http://schemas.openxmlformats.org/drawingml/2006/main" xmlns:r="http://schemas.openxmlformats.org/officeDocument/2006/relationships" xmlns:p="http://schemas.openxmlformats.org/presentationml/2006/main" show="0">
   <p:cSld>
     <p:spTree>
       <p:nvGrpSpPr>
@@ -22102,6 +25034,7 @@
   <p:clrMapOvr>
     <a:masterClrMapping/>
   </p:clrMapOvr>
+  <p:transition/>
   <p:timing>
     <p:tnLst>
       <p:par>
@@ -22113,7 +25046,7 @@
 </file>
 
 <file path=ppt/slides/slide4.xml><?xml version="1.0" encoding="utf-8"?>
-<p:sld xmlns:a="http://schemas.openxmlformats.org/drawingml/2006/main" xmlns:r="http://schemas.openxmlformats.org/officeDocument/2006/relationships" xmlns:p="http://schemas.openxmlformats.org/presentationml/2006/main">
+<p:sld xmlns:a="http://schemas.openxmlformats.org/drawingml/2006/main" xmlns:r="http://schemas.openxmlformats.org/officeDocument/2006/relationships" xmlns:p="http://schemas.openxmlformats.org/presentationml/2006/main" show="0">
   <p:cSld>
     <p:spTree>
       <p:nvGrpSpPr>
@@ -22283,6 +25216,7 @@
   <p:clrMapOvr>
     <a:masterClrMapping/>
   </p:clrMapOvr>
+  <p:transition/>
   <p:timing>
     <p:tnLst>
       <p:par>
@@ -22294,7 +25228,7 @@
 </file>
 
 <file path=ppt/slides/slide5.xml><?xml version="1.0" encoding="utf-8"?>
-<p:sld xmlns:a="http://schemas.openxmlformats.org/drawingml/2006/main" xmlns:r="http://schemas.openxmlformats.org/officeDocument/2006/relationships" xmlns:p="http://schemas.openxmlformats.org/presentationml/2006/main">
+<p:sld xmlns:a="http://schemas.openxmlformats.org/drawingml/2006/main" xmlns:r="http://schemas.openxmlformats.org/officeDocument/2006/relationships" xmlns:p="http://schemas.openxmlformats.org/presentationml/2006/main" show="0">
   <p:cSld>
     <p:spTree>
       <p:nvGrpSpPr>
@@ -22453,6 +25387,7 @@
   <p:clrMapOvr>
     <a:masterClrMapping/>
   </p:clrMapOvr>
+  <p:transition/>
   <p:timing>
     <p:tnLst>
       <p:par>
@@ -26654,6 +29589,32 @@
 
 <file path=ppt/tags/tag11.xml><?xml version="1.0" encoding="utf-8"?>
 <p:tagLst xmlns:a="http://schemas.openxmlformats.org/drawingml/2006/main" xmlns:r="http://schemas.openxmlformats.org/officeDocument/2006/relationships" xmlns:p="http://schemas.openxmlformats.org/presentationml/2006/main">
+  <p:tag name="ARTICULATE_SLIDE_GUID" val="8d8109e5-252c-4bef-9362-8cd3a2ef65c4"/>
+  <p:tag name="ELAPSEDTIME" val="44.197"/>
+  <p:tag name="ARTICULATE_TITLE_TAG" val="Software Development Ecosystem"/>
+  <p:tag name="ARTICULATE_SLIDE_PAUSE" val="0"/>
+  <p:tag name="ARTICULATE_NAV_LEVEL" val="2"/>
+  <p:tag name="ARTICULATE_PLAYLIST_ID" val="-1"/>
+  <p:tag name="ARTICULATE_LOCK_SLIDE" val="0"/>
+  <p:tag name="ARTICULATE_SLIDE_NAV" val="5"/>
+</p:tagLst>
+</file>
+
+<file path=ppt/tags/tag12.xml><?xml version="1.0" encoding="utf-8"?>
+<p:tagLst xmlns:a="http://schemas.openxmlformats.org/drawingml/2006/main" xmlns:r="http://schemas.openxmlformats.org/officeDocument/2006/relationships" xmlns:p="http://schemas.openxmlformats.org/presentationml/2006/main">
+  <p:tag name="ARTICULATE_SLIDE_GUID" val="8d8109e5-252c-4bef-9362-8cd3a2ef65c4"/>
+  <p:tag name="ELAPSEDTIME" val="44.197"/>
+  <p:tag name="ARTICULATE_TITLE_TAG" val="Software Development Ecosystem"/>
+  <p:tag name="ARTICULATE_SLIDE_PAUSE" val="0"/>
+  <p:tag name="ARTICULATE_NAV_LEVEL" val="2"/>
+  <p:tag name="ARTICULATE_PLAYLIST_ID" val="-1"/>
+  <p:tag name="ARTICULATE_LOCK_SLIDE" val="0"/>
+  <p:tag name="ARTICULATE_SLIDE_NAV" val="5"/>
+</p:tagLst>
+</file>
+
+<file path=ppt/tags/tag13.xml><?xml version="1.0" encoding="utf-8"?>
+<p:tagLst xmlns:a="http://schemas.openxmlformats.org/drawingml/2006/main" xmlns:r="http://schemas.openxmlformats.org/officeDocument/2006/relationships" xmlns:p="http://schemas.openxmlformats.org/presentationml/2006/main">
   <p:tag name="ARTICULATE_SLIDE_GUID" val="3793f8db-e622-4850-ae95-ac40614d35ba"/>
   <p:tag name="ELAPSEDTIME" val="59.114"/>
   <p:tag name="TIMELINE" val="18.83/24.90/38.31/43.33"/>
@@ -26665,7 +29626,7 @@
 </p:tagLst>
 </file>
 
-<file path=ppt/tags/tag12.xml><?xml version="1.0" encoding="utf-8"?>
+<file path=ppt/tags/tag14.xml><?xml version="1.0" encoding="utf-8"?>
 <p:tagLst xmlns:a="http://schemas.openxmlformats.org/drawingml/2006/main" xmlns:r="http://schemas.openxmlformats.org/officeDocument/2006/relationships" xmlns:p="http://schemas.openxmlformats.org/presentationml/2006/main">
   <p:tag name="ARTICULATE_SLIDE_GUID" val="1fb0f2b7-1ace-4e33-b2f8-411221a90620"/>
   <p:tag name="ELAPSEDTIME" val="199.885"/>
@@ -26676,18 +29637,6 @@
   <p:tag name="ARTICULATE_VIEW_MODE" val="2"/>
   <p:tag name="ARTICULATE_LOCK_SLIDE" val="0"/>
   <p:tag name="ARTICULATE_SLIDE_NAV" val="9"/>
-</p:tagLst>
-</file>
-
-<file path=ppt/tags/tag13.xml><?xml version="1.0" encoding="utf-8"?>
-<p:tagLst xmlns:a="http://schemas.openxmlformats.org/drawingml/2006/main" xmlns:r="http://schemas.openxmlformats.org/officeDocument/2006/relationships" xmlns:p="http://schemas.openxmlformats.org/presentationml/2006/main">
-  <p:tag name="ARTICULATE_PUBLISH_MODE" val="1"/>
-</p:tagLst>
-</file>
-
-<file path=ppt/tags/tag14.xml><?xml version="1.0" encoding="utf-8"?>
-<p:tagLst xmlns:a="http://schemas.openxmlformats.org/drawingml/2006/main" xmlns:r="http://schemas.openxmlformats.org/officeDocument/2006/relationships" xmlns:p="http://schemas.openxmlformats.org/presentationml/2006/main">
-  <p:tag name="ARTICULATE_PUBLISH_MODE" val="1"/>
 </p:tagLst>
 </file>
 
@@ -26717,15 +29666,7 @@
 
 <file path=ppt/tags/tag19.xml><?xml version="1.0" encoding="utf-8"?>
 <p:tagLst xmlns:a="http://schemas.openxmlformats.org/drawingml/2006/main" xmlns:r="http://schemas.openxmlformats.org/officeDocument/2006/relationships" xmlns:p="http://schemas.openxmlformats.org/presentationml/2006/main">
-  <p:tag name="ARTICULATE_SLIDE_GUID" val="30dc9de7-f265-4121-a5eb-c9ece76ab2d6"/>
-  <p:tag name="TIMELINE" val="19.26/24.10/30.78/90.36"/>
-  <p:tag name="ELAPSEDTIME" val="121.729"/>
-  <p:tag name="ARTICULATE_SLIDE_PAUSE" val="0"/>
-  <p:tag name="ARTICULATE_NAV_LEVEL" val="2"/>
-  <p:tag name="ARTICULATE_PLAYLIST_ID" val="-1"/>
-  <p:tag name="ARTICULATE_VIEW_MODE" val="2"/>
-  <p:tag name="ARTICULATE_LOCK_SLIDE" val="0"/>
-  <p:tag name="ARTICULATE_SLIDE_NAV" val="10"/>
+  <p:tag name="ARTICULATE_PUBLISH_MODE" val="1"/>
 </p:tagLst>
 </file>
 
@@ -26738,13 +29679,21 @@
 
 <file path=ppt/tags/tag20.xml><?xml version="1.0" encoding="utf-8"?>
 <p:tagLst xmlns:a="http://schemas.openxmlformats.org/drawingml/2006/main" xmlns:r="http://schemas.openxmlformats.org/officeDocument/2006/relationships" xmlns:p="http://schemas.openxmlformats.org/presentationml/2006/main">
-  <p:tag name="ARTICULATE_PUBLISH_MODE" val="2"/>
+  <p:tag name="ARTICULATE_PUBLISH_MODE" val="1"/>
 </p:tagLst>
 </file>
 
 <file path=ppt/tags/tag21.xml><?xml version="1.0" encoding="utf-8"?>
 <p:tagLst xmlns:a="http://schemas.openxmlformats.org/drawingml/2006/main" xmlns:r="http://schemas.openxmlformats.org/officeDocument/2006/relationships" xmlns:p="http://schemas.openxmlformats.org/presentationml/2006/main">
-  <p:tag name="ARTICULATE_PUBLISH_MODE" val="1"/>
+  <p:tag name="ARTICULATE_SLIDE_GUID" val="30dc9de7-f265-4121-a5eb-c9ece76ab2d6"/>
+  <p:tag name="TIMELINE" val="19.26/24.10/30.78/90.36"/>
+  <p:tag name="ELAPSEDTIME" val="121.729"/>
+  <p:tag name="ARTICULATE_SLIDE_PAUSE" val="0"/>
+  <p:tag name="ARTICULATE_NAV_LEVEL" val="2"/>
+  <p:tag name="ARTICULATE_PLAYLIST_ID" val="-1"/>
+  <p:tag name="ARTICULATE_VIEW_MODE" val="2"/>
+  <p:tag name="ARTICULATE_LOCK_SLIDE" val="0"/>
+  <p:tag name="ARTICULATE_SLIDE_NAV" val="10"/>
 </p:tagLst>
 </file>
 
@@ -26762,11 +29711,23 @@
 
 <file path=ppt/tags/tag24.xml><?xml version="1.0" encoding="utf-8"?>
 <p:tagLst xmlns:a="http://schemas.openxmlformats.org/drawingml/2006/main" xmlns:r="http://schemas.openxmlformats.org/officeDocument/2006/relationships" xmlns:p="http://schemas.openxmlformats.org/presentationml/2006/main">
+  <p:tag name="ARTICULATE_PUBLISH_MODE" val="2"/>
+</p:tagLst>
+</file>
+
+<file path=ppt/tags/tag25.xml><?xml version="1.0" encoding="utf-8"?>
+<p:tagLst xmlns:a="http://schemas.openxmlformats.org/drawingml/2006/main" xmlns:r="http://schemas.openxmlformats.org/officeDocument/2006/relationships" xmlns:p="http://schemas.openxmlformats.org/presentationml/2006/main">
   <p:tag name="ARTICULATE_PUBLISH_MODE" val="1"/>
 </p:tagLst>
 </file>
 
-<file path=ppt/tags/tag25.xml><?xml version="1.0" encoding="utf-8"?>
+<file path=ppt/tags/tag26.xml><?xml version="1.0" encoding="utf-8"?>
+<p:tagLst xmlns:a="http://schemas.openxmlformats.org/drawingml/2006/main" xmlns:r="http://schemas.openxmlformats.org/officeDocument/2006/relationships" xmlns:p="http://schemas.openxmlformats.org/presentationml/2006/main">
+  <p:tag name="ARTICULATE_PUBLISH_MODE" val="1"/>
+</p:tagLst>
+</file>
+
+<file path=ppt/tags/tag27.xml><?xml version="1.0" encoding="utf-8"?>
 <p:tagLst xmlns:a="http://schemas.openxmlformats.org/drawingml/2006/main" xmlns:r="http://schemas.openxmlformats.org/officeDocument/2006/relationships" xmlns:p="http://schemas.openxmlformats.org/presentationml/2006/main">
   <p:tag name="ARTICULATE_SLIDE_GUID" val="66e8c9a6-cdb2-46e6-a3f0-1787c4bddd64"/>
   <p:tag name="ELAPSEDTIME" val="132.463"/>
@@ -26777,18 +29738,6 @@
   <p:tag name="ARTICULATE_VIEW_MODE" val="2"/>
   <p:tag name="ARTICULATE_LOCK_SLIDE" val="0"/>
   <p:tag name="ARTICULATE_SLIDE_NAV" val="8"/>
-</p:tagLst>
-</file>
-
-<file path=ppt/tags/tag26.xml><?xml version="1.0" encoding="utf-8"?>
-<p:tagLst xmlns:a="http://schemas.openxmlformats.org/drawingml/2006/main" xmlns:r="http://schemas.openxmlformats.org/officeDocument/2006/relationships" xmlns:p="http://schemas.openxmlformats.org/presentationml/2006/main">
-  <p:tag name="ARTICULATE_PUBLISH_MODE" val="2"/>
-</p:tagLst>
-</file>
-
-<file path=ppt/tags/tag27.xml><?xml version="1.0" encoding="utf-8"?>
-<p:tagLst xmlns:a="http://schemas.openxmlformats.org/drawingml/2006/main" xmlns:r="http://schemas.openxmlformats.org/officeDocument/2006/relationships" xmlns:p="http://schemas.openxmlformats.org/presentationml/2006/main">
-  <p:tag name="ARTICULATE_PUBLISH_MODE" val="2"/>
 </p:tagLst>
 </file>
 
@@ -26819,27 +29768,13 @@
 
 <file path=ppt/tags/tag31.xml><?xml version="1.0" encoding="utf-8"?>
 <p:tagLst xmlns:a="http://schemas.openxmlformats.org/drawingml/2006/main" xmlns:r="http://schemas.openxmlformats.org/officeDocument/2006/relationships" xmlns:p="http://schemas.openxmlformats.org/presentationml/2006/main">
-  <p:tag name="ARTICULATE_SLIDE_GUID" val="8d8109e5-252c-4bef-9362-8cd3a2ef65c4"/>
-  <p:tag name="ELAPSEDTIME" val="44.197"/>
-  <p:tag name="ARTICULATE_TITLE_TAG" val="Software Development Ecosystem"/>
-  <p:tag name="ARTICULATE_SLIDE_PAUSE" val="0"/>
-  <p:tag name="ARTICULATE_NAV_LEVEL" val="2"/>
-  <p:tag name="ARTICULATE_PLAYLIST_ID" val="-1"/>
-  <p:tag name="ARTICULATE_LOCK_SLIDE" val="0"/>
-  <p:tag name="ARTICULATE_SLIDE_NAV" val="5"/>
+  <p:tag name="ARTICULATE_PUBLISH_MODE" val="2"/>
 </p:tagLst>
 </file>
 
 <file path=ppt/tags/tag32.xml><?xml version="1.0" encoding="utf-8"?>
 <p:tagLst xmlns:a="http://schemas.openxmlformats.org/drawingml/2006/main" xmlns:r="http://schemas.openxmlformats.org/officeDocument/2006/relationships" xmlns:p="http://schemas.openxmlformats.org/presentationml/2006/main">
-  <p:tag name="ARTICULATE_SLIDE_GUID" val="8d8109e5-252c-4bef-9362-8cd3a2ef65c4"/>
-  <p:tag name="ELAPSEDTIME" val="44.197"/>
-  <p:tag name="ARTICULATE_TITLE_TAG" val="Software Development Ecosystem"/>
-  <p:tag name="ARTICULATE_SLIDE_PAUSE" val="0"/>
-  <p:tag name="ARTICULATE_NAV_LEVEL" val="2"/>
-  <p:tag name="ARTICULATE_PLAYLIST_ID" val="-1"/>
-  <p:tag name="ARTICULATE_LOCK_SLIDE" val="0"/>
-  <p:tag name="ARTICULATE_SLIDE_NAV" val="5"/>
+  <p:tag name="ARTICULATE_PUBLISH_MODE" val="2"/>
 </p:tagLst>
 </file>
 
@@ -26858,6 +29793,72 @@
 
 <file path=ppt/tags/tag34.xml><?xml version="1.0" encoding="utf-8"?>
 <p:tagLst xmlns:a="http://schemas.openxmlformats.org/drawingml/2006/main" xmlns:r="http://schemas.openxmlformats.org/officeDocument/2006/relationships" xmlns:p="http://schemas.openxmlformats.org/presentationml/2006/main">
+  <p:tag name="ARTICULATE_SLIDE_GUID" val="8d8109e5-252c-4bef-9362-8cd3a2ef65c4"/>
+  <p:tag name="ELAPSEDTIME" val="44.197"/>
+  <p:tag name="ARTICULATE_TITLE_TAG" val="Software Development Ecosystem"/>
+  <p:tag name="ARTICULATE_SLIDE_PAUSE" val="0"/>
+  <p:tag name="ARTICULATE_NAV_LEVEL" val="2"/>
+  <p:tag name="ARTICULATE_PLAYLIST_ID" val="-1"/>
+  <p:tag name="ARTICULATE_LOCK_SLIDE" val="0"/>
+  <p:tag name="ARTICULATE_SLIDE_NAV" val="5"/>
+</p:tagLst>
+</file>
+
+<file path=ppt/tags/tag35.xml><?xml version="1.0" encoding="utf-8"?>
+<p:tagLst xmlns:a="http://schemas.openxmlformats.org/drawingml/2006/main" xmlns:r="http://schemas.openxmlformats.org/officeDocument/2006/relationships" xmlns:p="http://schemas.openxmlformats.org/presentationml/2006/main">
+  <p:tag name="ARTICULATE_SLIDE_GUID" val="8d8109e5-252c-4bef-9362-8cd3a2ef65c4"/>
+  <p:tag name="ELAPSEDTIME" val="44.197"/>
+  <p:tag name="ARTICULATE_TITLE_TAG" val="Software Development Ecosystem"/>
+  <p:tag name="ARTICULATE_SLIDE_PAUSE" val="0"/>
+  <p:tag name="ARTICULATE_NAV_LEVEL" val="2"/>
+  <p:tag name="ARTICULATE_PLAYLIST_ID" val="-1"/>
+  <p:tag name="ARTICULATE_LOCK_SLIDE" val="0"/>
+  <p:tag name="ARTICULATE_SLIDE_NAV" val="5"/>
+</p:tagLst>
+</file>
+
+<file path=ppt/tags/tag36.xml><?xml version="1.0" encoding="utf-8"?>
+<p:tagLst xmlns:a="http://schemas.openxmlformats.org/drawingml/2006/main" xmlns:r="http://schemas.openxmlformats.org/officeDocument/2006/relationships" xmlns:p="http://schemas.openxmlformats.org/presentationml/2006/main">
+  <p:tag name="ARTICULATE_TITLE_TAG" val="C66x Lite EVM Details"/>
+  <p:tag name="ARTICULATE_SLIDE_GUID" val="f03d782a-f22e-4c6b-892f-0f0d4b0df4d4"/>
+  <p:tag name="TIMELINE" val="7.39/33.75/70.82"/>
+  <p:tag name="ELAPSEDTIME" val="85.807"/>
+  <p:tag name="ARTICULATE_SLIDE_PAUSE" val="0"/>
+  <p:tag name="ARTICULATE_NAV_LEVEL" val="2"/>
+  <p:tag name="ARTICULATE_PLAYLIST_ID" val="-1"/>
+  <p:tag name="ARTICULATE_LOCK_SLIDE" val="0"/>
+  <p:tag name="ARTICULATE_SLIDE_NAV" val="13"/>
+</p:tagLst>
+</file>
+
+<file path=ppt/tags/tag37.xml><?xml version="1.0" encoding="utf-8"?>
+<p:tagLst xmlns:a="http://schemas.openxmlformats.org/drawingml/2006/main" xmlns:r="http://schemas.openxmlformats.org/officeDocument/2006/relationships" xmlns:p="http://schemas.openxmlformats.org/presentationml/2006/main">
+  <p:tag name="ARTICULATE_PUBLISH_MODE" val="2"/>
+</p:tagLst>
+</file>
+
+<file path=ppt/tags/tag38.xml><?xml version="1.0" encoding="utf-8"?>
+<p:tagLst xmlns:a="http://schemas.openxmlformats.org/drawingml/2006/main" xmlns:r="http://schemas.openxmlformats.org/officeDocument/2006/relationships" xmlns:p="http://schemas.openxmlformats.org/presentationml/2006/main">
+  <p:tag name="ARTICULATE_SOURCE_IMAGE" val="C:\DOCUME~1\a0850458\LOCALS~1\Temp\articulate\presenter\imgtemp\KnbGwCxl_files\slide0001_image001.png"/>
+  <p:tag name="ARTICULATE_PUBLISH_MODE" val="2"/>
+</p:tagLst>
+</file>
+
+<file path=ppt/tags/tag39.xml><?xml version="1.0" encoding="utf-8"?>
+<p:tagLst xmlns:a="http://schemas.openxmlformats.org/drawingml/2006/main" xmlns:r="http://schemas.openxmlformats.org/officeDocument/2006/relationships" xmlns:p="http://schemas.openxmlformats.org/presentationml/2006/main">
+  <p:tag name="ARTICULATE_PUBLISH_MODE" val="2"/>
+</p:tagLst>
+</file>
+
+<file path=ppt/tags/tag4.xml><?xml version="1.0" encoding="utf-8"?>
+<p:tagLst xmlns:a="http://schemas.openxmlformats.org/drawingml/2006/main" xmlns:r="http://schemas.openxmlformats.org/officeDocument/2006/relationships" xmlns:p="http://schemas.openxmlformats.org/presentationml/2006/main">
+  <p:tag name="ARTICULATE_PUBLISH_MODE" val="2"/>
+  <p:tag name="ARTICULATE_SOURCE_IMAGE" val="C:\DOCUME~1\a0850458\LOCALS~1\Temp\articulate\presenter\imgtemp\RsnXHqfp_files\slide0001_image001.jpg"/>
+</p:tagLst>
+</file>
+
+<file path=ppt/tags/tag40.xml><?xml version="1.0" encoding="utf-8"?>
+<p:tagLst xmlns:a="http://schemas.openxmlformats.org/drawingml/2006/main" xmlns:r="http://schemas.openxmlformats.org/officeDocument/2006/relationships" xmlns:p="http://schemas.openxmlformats.org/presentationml/2006/main">
   <p:tag name="ELAPSEDTIME" val="11.75"/>
   <p:tag name="ARTICULATE_SLIDE_GUID" val="92099343-b1aa-443e-940a-1720ec1a9e3b"/>
   <p:tag name="ARTICULATE_SLIDE_PAUSE" val="0"/>
@@ -26865,13 +29866,6 @@
   <p:tag name="ARTICULATE_PLAYLIST_ID" val="-1"/>
   <p:tag name="ARTICULATE_LOCK_SLIDE" val="0"/>
   <p:tag name="ARTICULATE_SLIDE_NAV" val="34"/>
-</p:tagLst>
-</file>
-
-<file path=ppt/tags/tag4.xml><?xml version="1.0" encoding="utf-8"?>
-<p:tagLst xmlns:a="http://schemas.openxmlformats.org/drawingml/2006/main" xmlns:r="http://schemas.openxmlformats.org/officeDocument/2006/relationships" xmlns:p="http://schemas.openxmlformats.org/presentationml/2006/main">
-  <p:tag name="ARTICULATE_PUBLISH_MODE" val="2"/>
-  <p:tag name="ARTICULATE_SOURCE_IMAGE" val="C:\DOCUME~1\a0850458\LOCALS~1\Temp\articulate\presenter\imgtemp\RsnXHqfp_files\slide0001_image001.jpg"/>
 </p:tagLst>
 </file>
 
@@ -26898,27 +29892,15 @@
 
 <file path=ppt/tags/tag8.xml><?xml version="1.0" encoding="utf-8"?>
 <p:tagLst xmlns:a="http://schemas.openxmlformats.org/drawingml/2006/main" xmlns:r="http://schemas.openxmlformats.org/officeDocument/2006/relationships" xmlns:p="http://schemas.openxmlformats.org/presentationml/2006/main">
-  <p:tag name="ARTICULATE_SLIDE_GUID" val="8d8109e5-252c-4bef-9362-8cd3a2ef65c4"/>
-  <p:tag name="ELAPSEDTIME" val="44.197"/>
-  <p:tag name="ARTICULATE_TITLE_TAG" val="Software Development Ecosystem"/>
-  <p:tag name="ARTICULATE_SLIDE_PAUSE" val="0"/>
-  <p:tag name="ARTICULATE_NAV_LEVEL" val="2"/>
-  <p:tag name="ARTICULATE_PLAYLIST_ID" val="-1"/>
-  <p:tag name="ARTICULATE_LOCK_SLIDE" val="0"/>
-  <p:tag name="ARTICULATE_SLIDE_NAV" val="5"/>
+  <p:tag name="ARTICULATE_PUBLISH_MODE" val="2"/>
+  <p:tag name="ARTICULATE_SOURCE_IMAGE" val="C:\DOCUME~1\a0850458\LOCALS~1\Temp\articulate\presenter\imgtemp\RsnXHqfp_files\slide0001_image001.jpg"/>
 </p:tagLst>
 </file>
 
 <file path=ppt/tags/tag9.xml><?xml version="1.0" encoding="utf-8"?>
 <p:tagLst xmlns:a="http://schemas.openxmlformats.org/drawingml/2006/main" xmlns:r="http://schemas.openxmlformats.org/officeDocument/2006/relationships" xmlns:p="http://schemas.openxmlformats.org/presentationml/2006/main">
-  <p:tag name="ARTICULATE_SLIDE_GUID" val="8d8109e5-252c-4bef-9362-8cd3a2ef65c4"/>
-  <p:tag name="ELAPSEDTIME" val="44.197"/>
-  <p:tag name="ARTICULATE_TITLE_TAG" val="Software Development Ecosystem"/>
-  <p:tag name="ARTICULATE_SLIDE_PAUSE" val="0"/>
-  <p:tag name="ARTICULATE_NAV_LEVEL" val="2"/>
-  <p:tag name="ARTICULATE_PLAYLIST_ID" val="-1"/>
-  <p:tag name="ARTICULATE_LOCK_SLIDE" val="0"/>
-  <p:tag name="ARTICULATE_SLIDE_NAV" val="5"/>
+  <p:tag name="ARTICULATE_PUBLISH_MODE" val="2"/>
+  <p:tag name="ARTICULATE_SOURCE_IMAGE" val="C:\DOCUME~1\a0850458\LOCALS~1\Temp\articulate\presenter\imgtemp\1IW6HyKN_files\slide0001_image001.png"/>
 </p:tagLst>
 </file>
 
@@ -27772,6 +30754,289 @@
 </file>
 
 <file path=ppt/theme/theme4.xml><?xml version="1.0" encoding="utf-8"?>
+<a:theme xmlns:a="http://schemas.openxmlformats.org/drawingml/2006/main" name="3_Office Theme">
+  <a:themeElements>
+    <a:clrScheme name="Office">
+      <a:dk1>
+        <a:sysClr val="windowText" lastClr="000000"/>
+      </a:dk1>
+      <a:lt1>
+        <a:sysClr val="window" lastClr="FFFFFF"/>
+      </a:lt1>
+      <a:dk2>
+        <a:srgbClr val="1F497D"/>
+      </a:dk2>
+      <a:lt2>
+        <a:srgbClr val="EEECE1"/>
+      </a:lt2>
+      <a:accent1>
+        <a:srgbClr val="4F81BD"/>
+      </a:accent1>
+      <a:accent2>
+        <a:srgbClr val="C0504D"/>
+      </a:accent2>
+      <a:accent3>
+        <a:srgbClr val="9BBB59"/>
+      </a:accent3>
+      <a:accent4>
+        <a:srgbClr val="8064A2"/>
+      </a:accent4>
+      <a:accent5>
+        <a:srgbClr val="4BACC6"/>
+      </a:accent5>
+      <a:accent6>
+        <a:srgbClr val="F79646"/>
+      </a:accent6>
+      <a:hlink>
+        <a:srgbClr val="0000FF"/>
+      </a:hlink>
+      <a:folHlink>
+        <a:srgbClr val="800080"/>
+      </a:folHlink>
+    </a:clrScheme>
+    <a:fontScheme name="Office">
+      <a:majorFont>
+        <a:latin typeface="Calibri"/>
+        <a:ea typeface=""/>
+        <a:cs typeface=""/>
+        <a:font script="Jpan" typeface="ＭＳ Ｐゴシック"/>
+        <a:font script="Hang" typeface="맑은 고딕"/>
+        <a:font script="Hans" typeface="宋体"/>
+        <a:font script="Hant" typeface="新細明體"/>
+        <a:font script="Arab" typeface="Times New Roman"/>
+        <a:font script="Hebr" typeface="Times New Roman"/>
+        <a:font script="Thai" typeface="Angsana New"/>
+        <a:font script="Ethi" typeface="Nyala"/>
+        <a:font script="Beng" typeface="Vrinda"/>
+        <a:font script="Gujr" typeface="Shruti"/>
+        <a:font script="Khmr" typeface="MoolBoran"/>
+        <a:font script="Knda" typeface="Tunga"/>
+        <a:font script="Guru" typeface="Raavi"/>
+        <a:font script="Cans" typeface="Euphemia"/>
+        <a:font script="Cher" typeface="Plantagenet Cherokee"/>
+        <a:font script="Yiii" typeface="Microsoft Yi Baiti"/>
+        <a:font script="Tibt" typeface="Microsoft Himalaya"/>
+        <a:font script="Thaa" typeface="MV Boli"/>
+        <a:font script="Deva" typeface="Mangal"/>
+        <a:font script="Telu" typeface="Gautami"/>
+        <a:font script="Taml" typeface="Latha"/>
+        <a:font script="Syrc" typeface="Estrangelo Edessa"/>
+        <a:font script="Orya" typeface="Kalinga"/>
+        <a:font script="Mlym" typeface="Kartika"/>
+        <a:font script="Laoo" typeface="DokChampa"/>
+        <a:font script="Sinh" typeface="Iskoola Pota"/>
+        <a:font script="Mong" typeface="Mongolian Baiti"/>
+        <a:font script="Viet" typeface="Times New Roman"/>
+        <a:font script="Uigh" typeface="Microsoft Uighur"/>
+      </a:majorFont>
+      <a:minorFont>
+        <a:latin typeface="Calibri"/>
+        <a:ea typeface=""/>
+        <a:cs typeface=""/>
+        <a:font script="Jpan" typeface="ＭＳ Ｐゴシック"/>
+        <a:font script="Hang" typeface="맑은 고딕"/>
+        <a:font script="Hans" typeface="宋体"/>
+        <a:font script="Hant" typeface="新細明體"/>
+        <a:font script="Arab" typeface="Arial"/>
+        <a:font script="Hebr" typeface="Arial"/>
+        <a:font script="Thai" typeface="Cordia New"/>
+        <a:font script="Ethi" typeface="Nyala"/>
+        <a:font script="Beng" typeface="Vrinda"/>
+        <a:font script="Gujr" typeface="Shruti"/>
+        <a:font script="Khmr" typeface="DaunPenh"/>
+        <a:font script="Knda" typeface="Tunga"/>
+        <a:font script="Guru" typeface="Raavi"/>
+        <a:font script="Cans" typeface="Euphemia"/>
+        <a:font script="Cher" typeface="Plantagenet Cherokee"/>
+        <a:font script="Yiii" typeface="Microsoft Yi Baiti"/>
+        <a:font script="Tibt" typeface="Microsoft Himalaya"/>
+        <a:font script="Thaa" typeface="MV Boli"/>
+        <a:font script="Deva" typeface="Mangal"/>
+        <a:font script="Telu" typeface="Gautami"/>
+        <a:font script="Taml" typeface="Latha"/>
+        <a:font script="Syrc" typeface="Estrangelo Edessa"/>
+        <a:font script="Orya" typeface="Kalinga"/>
+        <a:font script="Mlym" typeface="Kartika"/>
+        <a:font script="Laoo" typeface="DokChampa"/>
+        <a:font script="Sinh" typeface="Iskoola Pota"/>
+        <a:font script="Mong" typeface="Mongolian Baiti"/>
+        <a:font script="Viet" typeface="Arial"/>
+        <a:font script="Uigh" typeface="Microsoft Uighur"/>
+      </a:minorFont>
+    </a:fontScheme>
+    <a:fmtScheme name="Office">
+      <a:fillStyleLst>
+        <a:solidFill>
+          <a:schemeClr val="phClr"/>
+        </a:solidFill>
+        <a:gradFill rotWithShape="1">
+          <a:gsLst>
+            <a:gs pos="0">
+              <a:schemeClr val="phClr">
+                <a:tint val="50000"/>
+                <a:satMod val="300000"/>
+              </a:schemeClr>
+            </a:gs>
+            <a:gs pos="35000">
+              <a:schemeClr val="phClr">
+                <a:tint val="37000"/>
+                <a:satMod val="300000"/>
+              </a:schemeClr>
+            </a:gs>
+            <a:gs pos="100000">
+              <a:schemeClr val="phClr">
+                <a:tint val="15000"/>
+                <a:satMod val="350000"/>
+              </a:schemeClr>
+            </a:gs>
+          </a:gsLst>
+          <a:lin ang="16200000" scaled="1"/>
+        </a:gradFill>
+        <a:gradFill rotWithShape="1">
+          <a:gsLst>
+            <a:gs pos="0">
+              <a:schemeClr val="phClr">
+                <a:shade val="51000"/>
+                <a:satMod val="130000"/>
+              </a:schemeClr>
+            </a:gs>
+            <a:gs pos="80000">
+              <a:schemeClr val="phClr">
+                <a:shade val="93000"/>
+                <a:satMod val="130000"/>
+              </a:schemeClr>
+            </a:gs>
+            <a:gs pos="100000">
+              <a:schemeClr val="phClr">
+                <a:shade val="94000"/>
+                <a:satMod val="135000"/>
+              </a:schemeClr>
+            </a:gs>
+          </a:gsLst>
+          <a:lin ang="16200000" scaled="0"/>
+        </a:gradFill>
+      </a:fillStyleLst>
+      <a:lnStyleLst>
+        <a:ln w="9525" cap="flat" cmpd="sng" algn="ctr">
+          <a:solidFill>
+            <a:schemeClr val="phClr">
+              <a:shade val="95000"/>
+              <a:satMod val="105000"/>
+            </a:schemeClr>
+          </a:solidFill>
+          <a:prstDash val="solid"/>
+        </a:ln>
+        <a:ln w="25400" cap="flat" cmpd="sng" algn="ctr">
+          <a:solidFill>
+            <a:schemeClr val="phClr"/>
+          </a:solidFill>
+          <a:prstDash val="solid"/>
+        </a:ln>
+        <a:ln w="38100" cap="flat" cmpd="sng" algn="ctr">
+          <a:solidFill>
+            <a:schemeClr val="phClr"/>
+          </a:solidFill>
+          <a:prstDash val="solid"/>
+        </a:ln>
+      </a:lnStyleLst>
+      <a:effectStyleLst>
+        <a:effectStyle>
+          <a:effectLst>
+            <a:outerShdw blurRad="40000" dist="20000" dir="5400000" rotWithShape="0">
+              <a:srgbClr val="000000">
+                <a:alpha val="38000"/>
+              </a:srgbClr>
+            </a:outerShdw>
+          </a:effectLst>
+        </a:effectStyle>
+        <a:effectStyle>
+          <a:effectLst>
+            <a:outerShdw blurRad="40000" dist="23000" dir="5400000" rotWithShape="0">
+              <a:srgbClr val="000000">
+                <a:alpha val="35000"/>
+              </a:srgbClr>
+            </a:outerShdw>
+          </a:effectLst>
+        </a:effectStyle>
+        <a:effectStyle>
+          <a:effectLst>
+            <a:outerShdw blurRad="40000" dist="23000" dir="5400000" rotWithShape="0">
+              <a:srgbClr val="000000">
+                <a:alpha val="35000"/>
+              </a:srgbClr>
+            </a:outerShdw>
+          </a:effectLst>
+          <a:scene3d>
+            <a:camera prst="orthographicFront">
+              <a:rot lat="0" lon="0" rev="0"/>
+            </a:camera>
+            <a:lightRig rig="threePt" dir="t">
+              <a:rot lat="0" lon="0" rev="1200000"/>
+            </a:lightRig>
+          </a:scene3d>
+          <a:sp3d>
+            <a:bevelT w="63500" h="25400"/>
+          </a:sp3d>
+        </a:effectStyle>
+      </a:effectStyleLst>
+      <a:bgFillStyleLst>
+        <a:solidFill>
+          <a:schemeClr val="phClr"/>
+        </a:solidFill>
+        <a:gradFill rotWithShape="1">
+          <a:gsLst>
+            <a:gs pos="0">
+              <a:schemeClr val="phClr">
+                <a:tint val="40000"/>
+                <a:satMod val="350000"/>
+              </a:schemeClr>
+            </a:gs>
+            <a:gs pos="40000">
+              <a:schemeClr val="phClr">
+                <a:tint val="45000"/>
+                <a:shade val="99000"/>
+                <a:satMod val="350000"/>
+              </a:schemeClr>
+            </a:gs>
+            <a:gs pos="100000">
+              <a:schemeClr val="phClr">
+                <a:shade val="20000"/>
+                <a:satMod val="255000"/>
+              </a:schemeClr>
+            </a:gs>
+          </a:gsLst>
+          <a:path path="circle">
+            <a:fillToRect l="50000" t="-80000" r="50000" b="180000"/>
+          </a:path>
+        </a:gradFill>
+        <a:gradFill rotWithShape="1">
+          <a:gsLst>
+            <a:gs pos="0">
+              <a:schemeClr val="phClr">
+                <a:tint val="80000"/>
+                <a:satMod val="300000"/>
+              </a:schemeClr>
+            </a:gs>
+            <a:gs pos="100000">
+              <a:schemeClr val="phClr">
+                <a:shade val="30000"/>
+                <a:satMod val="200000"/>
+              </a:schemeClr>
+            </a:gs>
+          </a:gsLst>
+          <a:path path="circle">
+            <a:fillToRect l="50000" t="50000" r="50000" b="50000"/>
+          </a:path>
+        </a:gradFill>
+      </a:bgFillStyleLst>
+    </a:fmtScheme>
+  </a:themeElements>
+  <a:objectDefaults/>
+  <a:extraClrSchemeLst/>
+</a:theme>
+</file>
+
+<file path=ppt/theme/theme5.xml><?xml version="1.0" encoding="utf-8"?>
 <a:theme xmlns:a="http://schemas.openxmlformats.org/drawingml/2006/main" name="Office Theme">
   <a:themeElements>
     <a:clrScheme name="Office">
